--- a/Computational_OverFlow_Flow_Charts.pptx
+++ b/Computational_OverFlow_Flow_Charts.pptx
@@ -113,6 +113,602 @@
 </p:presentation>
 </file>
 
+<file path=ppt/revisionInfo.xml><?xml version="1.0" encoding="utf-8"?>
+<p1510:revInfo xmlns:a="http://schemas.openxmlformats.org/drawingml/2006/main" xmlns:r="http://schemas.openxmlformats.org/officeDocument/2006/relationships" xmlns:p1510="http://schemas.microsoft.com/office/powerpoint/2015/10/main">
+  <p1510:revLst>
+    <p1510:client id="{7A5EE4CA-8985-495D-AAF7-D0594B4C61CB}" v="11" dt="2020-03-16T12:07:43.090"/>
+  </p1510:revLst>
+</p1510:revInfo>
+</file>
+
+<file path=ppt/changesInfos/changesInfo1.xml><?xml version="1.0" encoding="utf-8"?>
+<pc:chgInfo xmlns:a="http://schemas.openxmlformats.org/drawingml/2006/main" xmlns:r="http://schemas.openxmlformats.org/officeDocument/2006/relationships" xmlns:ac="http://schemas.microsoft.com/office/drawing/2013/main/command" xmlns:pc="http://schemas.microsoft.com/office/powerpoint/2013/main/command">
+  <pc:docChgLst>
+    <pc:chgData name="Emma Hobbs" userId="a4555268070b5a5b" providerId="LiveId" clId="{7A5EE4CA-8985-495D-AAF7-D0594B4C61CB}"/>
+    <pc:docChg chg="undo custSel modSld">
+      <pc:chgData name="Emma Hobbs" userId="a4555268070b5a5b" providerId="LiveId" clId="{7A5EE4CA-8985-495D-AAF7-D0594B4C61CB}" dt="2020-03-16T12:14:10.822" v="659" actId="6549"/>
+      <pc:docMkLst>
+        <pc:docMk/>
+      </pc:docMkLst>
+      <pc:sldChg chg="addSp delSp modSp mod">
+        <pc:chgData name="Emma Hobbs" userId="a4555268070b5a5b" providerId="LiveId" clId="{7A5EE4CA-8985-495D-AAF7-D0594B4C61CB}" dt="2020-03-16T12:14:10.822" v="659" actId="6549"/>
+        <pc:sldMkLst>
+          <pc:docMk/>
+          <pc:sldMk cId="1391225644" sldId="257"/>
+        </pc:sldMkLst>
+        <pc:spChg chg="del">
+          <ac:chgData name="Emma Hobbs" userId="a4555268070b5a5b" providerId="LiveId" clId="{7A5EE4CA-8985-495D-AAF7-D0594B4C61CB}" dt="2020-03-16T12:06:27.754" v="470" actId="478"/>
+          <ac:spMkLst>
+            <pc:docMk/>
+            <pc:sldMk cId="1391225644" sldId="257"/>
+            <ac:spMk id="2" creationId="{52F1F8BC-D370-4BA9-AFFF-EDE06B095EE0}"/>
+          </ac:spMkLst>
+        </pc:spChg>
+        <pc:spChg chg="mod">
+          <ac:chgData name="Emma Hobbs" userId="a4555268070b5a5b" providerId="LiveId" clId="{7A5EE4CA-8985-495D-AAF7-D0594B4C61CB}" dt="2020-03-16T12:07:43.089" v="483" actId="164"/>
+          <ac:spMkLst>
+            <pc:docMk/>
+            <pc:sldMk cId="1391225644" sldId="257"/>
+            <ac:spMk id="5" creationId="{2E248D1A-A8D2-43F0-B15C-D95B9A19A56D}"/>
+          </ac:spMkLst>
+        </pc:spChg>
+        <pc:spChg chg="mod">
+          <ac:chgData name="Emma Hobbs" userId="a4555268070b5a5b" providerId="LiveId" clId="{7A5EE4CA-8985-495D-AAF7-D0594B4C61CB}" dt="2020-03-16T12:07:43.089" v="483" actId="164"/>
+          <ac:spMkLst>
+            <pc:docMk/>
+            <pc:sldMk cId="1391225644" sldId="257"/>
+            <ac:spMk id="6" creationId="{80E9BCFA-92CF-49D7-846E-62DDF1DA254D}"/>
+          </ac:spMkLst>
+        </pc:spChg>
+        <pc:spChg chg="del mod">
+          <ac:chgData name="Emma Hobbs" userId="a4555268070b5a5b" providerId="LiveId" clId="{7A5EE4CA-8985-495D-AAF7-D0594B4C61CB}" dt="2020-03-16T12:07:18.887" v="481" actId="478"/>
+          <ac:spMkLst>
+            <pc:docMk/>
+            <pc:sldMk cId="1391225644" sldId="257"/>
+            <ac:spMk id="14" creationId="{2DFB4E6B-3B19-4384-B813-77E6EDC4A408}"/>
+          </ac:spMkLst>
+        </pc:spChg>
+        <pc:spChg chg="mod">
+          <ac:chgData name="Emma Hobbs" userId="a4555268070b5a5b" providerId="LiveId" clId="{7A5EE4CA-8985-495D-AAF7-D0594B4C61CB}" dt="2020-03-16T12:07:55.937" v="514" actId="1036"/>
+          <ac:spMkLst>
+            <pc:docMk/>
+            <pc:sldMk cId="1391225644" sldId="257"/>
+            <ac:spMk id="18" creationId="{F1E61786-1BA3-48A5-8889-FE5219D90D5A}"/>
+          </ac:spMkLst>
+        </pc:spChg>
+        <pc:spChg chg="mod">
+          <ac:chgData name="Emma Hobbs" userId="a4555268070b5a5b" providerId="LiveId" clId="{7A5EE4CA-8985-495D-AAF7-D0594B4C61CB}" dt="2020-03-16T12:07:55.937" v="514" actId="1036"/>
+          <ac:spMkLst>
+            <pc:docMk/>
+            <pc:sldMk cId="1391225644" sldId="257"/>
+            <ac:spMk id="19" creationId="{7003A6BE-26BD-4863-A655-C1B10733D8C9}"/>
+          </ac:spMkLst>
+        </pc:spChg>
+        <pc:spChg chg="mod">
+          <ac:chgData name="Emma Hobbs" userId="a4555268070b5a5b" providerId="LiveId" clId="{7A5EE4CA-8985-495D-AAF7-D0594B4C61CB}" dt="2020-03-16T12:07:55.937" v="514" actId="1036"/>
+          <ac:spMkLst>
+            <pc:docMk/>
+            <pc:sldMk cId="1391225644" sldId="257"/>
+            <ac:spMk id="29" creationId="{E83C32C8-B0FC-475A-8360-A14D2276FF18}"/>
+          </ac:spMkLst>
+        </pc:spChg>
+        <pc:spChg chg="mod">
+          <ac:chgData name="Emma Hobbs" userId="a4555268070b5a5b" providerId="LiveId" clId="{7A5EE4CA-8985-495D-AAF7-D0594B4C61CB}" dt="2020-03-16T12:07:55.937" v="514" actId="1036"/>
+          <ac:spMkLst>
+            <pc:docMk/>
+            <pc:sldMk cId="1391225644" sldId="257"/>
+            <ac:spMk id="32" creationId="{DD31A9B3-99EC-4F9E-9324-5A2E7CF55791}"/>
+          </ac:spMkLst>
+        </pc:spChg>
+        <pc:spChg chg="mod">
+          <ac:chgData name="Emma Hobbs" userId="a4555268070b5a5b" providerId="LiveId" clId="{7A5EE4CA-8985-495D-AAF7-D0594B4C61CB}" dt="2020-03-16T12:07:55.937" v="514" actId="1036"/>
+          <ac:spMkLst>
+            <pc:docMk/>
+            <pc:sldMk cId="1391225644" sldId="257"/>
+            <ac:spMk id="37" creationId="{A3B0019B-6594-4E56-8724-3B1AF79F912D}"/>
+          </ac:spMkLst>
+        </pc:spChg>
+        <pc:spChg chg="mod">
+          <ac:chgData name="Emma Hobbs" userId="a4555268070b5a5b" providerId="LiveId" clId="{7A5EE4CA-8985-495D-AAF7-D0594B4C61CB}" dt="2020-03-16T12:07:55.937" v="514" actId="1036"/>
+          <ac:spMkLst>
+            <pc:docMk/>
+            <pc:sldMk cId="1391225644" sldId="257"/>
+            <ac:spMk id="43" creationId="{58B13B3D-E692-4CF2-91E7-6683BC2C15F8}"/>
+          </ac:spMkLst>
+        </pc:spChg>
+        <pc:spChg chg="mod">
+          <ac:chgData name="Emma Hobbs" userId="a4555268070b5a5b" providerId="LiveId" clId="{7A5EE4CA-8985-495D-AAF7-D0594B4C61CB}" dt="2020-03-16T12:07:55.937" v="514" actId="1036"/>
+          <ac:spMkLst>
+            <pc:docMk/>
+            <pc:sldMk cId="1391225644" sldId="257"/>
+            <ac:spMk id="44" creationId="{5A281AF7-CBAC-4776-AECC-B8FDF95883CC}"/>
+          </ac:spMkLst>
+        </pc:spChg>
+        <pc:spChg chg="mod">
+          <ac:chgData name="Emma Hobbs" userId="a4555268070b5a5b" providerId="LiveId" clId="{7A5EE4CA-8985-495D-AAF7-D0594B4C61CB}" dt="2020-03-16T12:07:55.937" v="514" actId="1036"/>
+          <ac:spMkLst>
+            <pc:docMk/>
+            <pc:sldMk cId="1391225644" sldId="257"/>
+            <ac:spMk id="45" creationId="{BF3D5C54-4810-4E09-9941-176E0DAA6D24}"/>
+          </ac:spMkLst>
+        </pc:spChg>
+        <pc:spChg chg="mod">
+          <ac:chgData name="Emma Hobbs" userId="a4555268070b5a5b" providerId="LiveId" clId="{7A5EE4CA-8985-495D-AAF7-D0594B4C61CB}" dt="2020-03-16T12:07:55.937" v="514" actId="1036"/>
+          <ac:spMkLst>
+            <pc:docMk/>
+            <pc:sldMk cId="1391225644" sldId="257"/>
+            <ac:spMk id="46" creationId="{7F456C49-41AF-432E-B8E3-80250BD03FEC}"/>
+          </ac:spMkLst>
+        </pc:spChg>
+        <pc:spChg chg="mod">
+          <ac:chgData name="Emma Hobbs" userId="a4555268070b5a5b" providerId="LiveId" clId="{7A5EE4CA-8985-495D-AAF7-D0594B4C61CB}" dt="2020-03-16T12:07:55.937" v="514" actId="1036"/>
+          <ac:spMkLst>
+            <pc:docMk/>
+            <pc:sldMk cId="1391225644" sldId="257"/>
+            <ac:spMk id="52" creationId="{9E4F913D-00A2-4DED-ACFF-746F151768EB}"/>
+          </ac:spMkLst>
+        </pc:spChg>
+        <pc:spChg chg="mod">
+          <ac:chgData name="Emma Hobbs" userId="a4555268070b5a5b" providerId="LiveId" clId="{7A5EE4CA-8985-495D-AAF7-D0594B4C61CB}" dt="2020-03-16T12:07:55.937" v="514" actId="1036"/>
+          <ac:spMkLst>
+            <pc:docMk/>
+            <pc:sldMk cId="1391225644" sldId="257"/>
+            <ac:spMk id="53" creationId="{E47DD358-B158-4F6B-9ADF-49719714E8D2}"/>
+          </ac:spMkLst>
+        </pc:spChg>
+        <pc:spChg chg="mod">
+          <ac:chgData name="Emma Hobbs" userId="a4555268070b5a5b" providerId="LiveId" clId="{7A5EE4CA-8985-495D-AAF7-D0594B4C61CB}" dt="2020-03-16T12:07:55.937" v="514" actId="1036"/>
+          <ac:spMkLst>
+            <pc:docMk/>
+            <pc:sldMk cId="1391225644" sldId="257"/>
+            <ac:spMk id="55" creationId="{DDB1373F-75A6-48C4-A884-90E52A563542}"/>
+          </ac:spMkLst>
+        </pc:spChg>
+        <pc:spChg chg="mod">
+          <ac:chgData name="Emma Hobbs" userId="a4555268070b5a5b" providerId="LiveId" clId="{7A5EE4CA-8985-495D-AAF7-D0594B4C61CB}" dt="2020-03-16T12:07:55.937" v="514" actId="1036"/>
+          <ac:spMkLst>
+            <pc:docMk/>
+            <pc:sldMk cId="1391225644" sldId="257"/>
+            <ac:spMk id="60" creationId="{C29A5F2B-2630-4B89-8C12-7F9648B4223A}"/>
+          </ac:spMkLst>
+        </pc:spChg>
+        <pc:spChg chg="mod">
+          <ac:chgData name="Emma Hobbs" userId="a4555268070b5a5b" providerId="LiveId" clId="{7A5EE4CA-8985-495D-AAF7-D0594B4C61CB}" dt="2020-03-16T12:07:55.937" v="514" actId="1036"/>
+          <ac:spMkLst>
+            <pc:docMk/>
+            <pc:sldMk cId="1391225644" sldId="257"/>
+            <ac:spMk id="61" creationId="{CBAFC06A-3E06-4C28-9859-5791A3ED2AA7}"/>
+          </ac:spMkLst>
+        </pc:spChg>
+        <pc:spChg chg="mod">
+          <ac:chgData name="Emma Hobbs" userId="a4555268070b5a5b" providerId="LiveId" clId="{7A5EE4CA-8985-495D-AAF7-D0594B4C61CB}" dt="2020-03-16T12:07:55.937" v="514" actId="1036"/>
+          <ac:spMkLst>
+            <pc:docMk/>
+            <pc:sldMk cId="1391225644" sldId="257"/>
+            <ac:spMk id="62" creationId="{F89C44B5-28B9-4376-89AD-22B37822D2DB}"/>
+          </ac:spMkLst>
+        </pc:spChg>
+        <pc:spChg chg="mod">
+          <ac:chgData name="Emma Hobbs" userId="a4555268070b5a5b" providerId="LiveId" clId="{7A5EE4CA-8985-495D-AAF7-D0594B4C61CB}" dt="2020-03-16T12:07:55.937" v="514" actId="1036"/>
+          <ac:spMkLst>
+            <pc:docMk/>
+            <pc:sldMk cId="1391225644" sldId="257"/>
+            <ac:spMk id="63" creationId="{C2B614AF-8760-4426-B2F4-5BD5D0A917EA}"/>
+          </ac:spMkLst>
+        </pc:spChg>
+        <pc:spChg chg="mod">
+          <ac:chgData name="Emma Hobbs" userId="a4555268070b5a5b" providerId="LiveId" clId="{7A5EE4CA-8985-495D-AAF7-D0594B4C61CB}" dt="2020-03-16T12:07:55.937" v="514" actId="1036"/>
+          <ac:spMkLst>
+            <pc:docMk/>
+            <pc:sldMk cId="1391225644" sldId="257"/>
+            <ac:spMk id="64" creationId="{571CA5C4-405F-4E04-9AF8-D8E021F7C90D}"/>
+          </ac:spMkLst>
+        </pc:spChg>
+        <pc:spChg chg="mod">
+          <ac:chgData name="Emma Hobbs" userId="a4555268070b5a5b" providerId="LiveId" clId="{7A5EE4CA-8985-495D-AAF7-D0594B4C61CB}" dt="2020-03-16T12:07:43.089" v="483" actId="164"/>
+          <ac:spMkLst>
+            <pc:docMk/>
+            <pc:sldMk cId="1391225644" sldId="257"/>
+            <ac:spMk id="66" creationId="{CC488942-9D81-47A8-9878-D69231F4189F}"/>
+          </ac:spMkLst>
+        </pc:spChg>
+        <pc:spChg chg="mod">
+          <ac:chgData name="Emma Hobbs" userId="a4555268070b5a5b" providerId="LiveId" clId="{7A5EE4CA-8985-495D-AAF7-D0594B4C61CB}" dt="2020-03-16T12:07:43.089" v="483" actId="164"/>
+          <ac:spMkLst>
+            <pc:docMk/>
+            <pc:sldMk cId="1391225644" sldId="257"/>
+            <ac:spMk id="67" creationId="{2A25AE5D-ED4B-4821-AF48-118C4C5A8552}"/>
+          </ac:spMkLst>
+        </pc:spChg>
+        <pc:spChg chg="add mod">
+          <ac:chgData name="Emma Hobbs" userId="a4555268070b5a5b" providerId="LiveId" clId="{7A5EE4CA-8985-495D-AAF7-D0594B4C61CB}" dt="2020-03-16T12:07:43.089" v="483" actId="164"/>
+          <ac:spMkLst>
+            <pc:docMk/>
+            <pc:sldMk cId="1391225644" sldId="257"/>
+            <ac:spMk id="68" creationId="{890F7AF2-3A73-4337-BED9-80813FCB6737}"/>
+          </ac:spMkLst>
+        </pc:spChg>
+        <pc:spChg chg="mod">
+          <ac:chgData name="Emma Hobbs" userId="a4555268070b5a5b" providerId="LiveId" clId="{7A5EE4CA-8985-495D-AAF7-D0594B4C61CB}" dt="2020-03-16T12:07:43.089" v="483" actId="164"/>
+          <ac:spMkLst>
+            <pc:docMk/>
+            <pc:sldMk cId="1391225644" sldId="257"/>
+            <ac:spMk id="70" creationId="{5B1FC922-8E89-4CE5-82FF-92395C888500}"/>
+          </ac:spMkLst>
+        </pc:spChg>
+        <pc:spChg chg="mod">
+          <ac:chgData name="Emma Hobbs" userId="a4555268070b5a5b" providerId="LiveId" clId="{7A5EE4CA-8985-495D-AAF7-D0594B4C61CB}" dt="2020-03-16T12:07:43.089" v="483" actId="164"/>
+          <ac:spMkLst>
+            <pc:docMk/>
+            <pc:sldMk cId="1391225644" sldId="257"/>
+            <ac:spMk id="72" creationId="{965D4E59-DB2C-494C-95EB-9A293DEA74CF}"/>
+          </ac:spMkLst>
+        </pc:spChg>
+        <pc:spChg chg="mod">
+          <ac:chgData name="Emma Hobbs" userId="a4555268070b5a5b" providerId="LiveId" clId="{7A5EE4CA-8985-495D-AAF7-D0594B4C61CB}" dt="2020-03-16T12:14:10.822" v="659" actId="6549"/>
+          <ac:spMkLst>
+            <pc:docMk/>
+            <pc:sldMk cId="1391225644" sldId="257"/>
+            <ac:spMk id="74" creationId="{B4EA40A6-D993-4327-B332-6BA086810054}"/>
+          </ac:spMkLst>
+        </pc:spChg>
+        <pc:spChg chg="mod">
+          <ac:chgData name="Emma Hobbs" userId="a4555268070b5a5b" providerId="LiveId" clId="{7A5EE4CA-8985-495D-AAF7-D0594B4C61CB}" dt="2020-03-16T12:07:55.937" v="514" actId="1036"/>
+          <ac:spMkLst>
+            <pc:docMk/>
+            <pc:sldMk cId="1391225644" sldId="257"/>
+            <ac:spMk id="75" creationId="{03263CA5-DB70-406C-BB92-C4E32AB19856}"/>
+          </ac:spMkLst>
+        </pc:spChg>
+        <pc:spChg chg="add mod">
+          <ac:chgData name="Emma Hobbs" userId="a4555268070b5a5b" providerId="LiveId" clId="{7A5EE4CA-8985-495D-AAF7-D0594B4C61CB}" dt="2020-03-16T12:07:43.089" v="483" actId="164"/>
+          <ac:spMkLst>
+            <pc:docMk/>
+            <pc:sldMk cId="1391225644" sldId="257"/>
+            <ac:spMk id="76" creationId="{718FEC57-2474-4213-9A85-84418B145B97}"/>
+          </ac:spMkLst>
+        </pc:spChg>
+        <pc:spChg chg="add del">
+          <ac:chgData name="Emma Hobbs" userId="a4555268070b5a5b" providerId="LiveId" clId="{7A5EE4CA-8985-495D-AAF7-D0594B4C61CB}" dt="2020-03-16T12:02:04.774" v="228"/>
+          <ac:spMkLst>
+            <pc:docMk/>
+            <pc:sldMk cId="1391225644" sldId="257"/>
+            <ac:spMk id="77" creationId="{80F88062-E7AC-42FE-865F-0DF8FCE088AF}"/>
+          </ac:spMkLst>
+        </pc:spChg>
+        <pc:spChg chg="add del">
+          <ac:chgData name="Emma Hobbs" userId="a4555268070b5a5b" providerId="LiveId" clId="{7A5EE4CA-8985-495D-AAF7-D0594B4C61CB}" dt="2020-03-16T12:02:06.590" v="230"/>
+          <ac:spMkLst>
+            <pc:docMk/>
+            <pc:sldMk cId="1391225644" sldId="257"/>
+            <ac:spMk id="78" creationId="{49B82517-E80B-4276-B084-04802EC9E48D}"/>
+          </ac:spMkLst>
+        </pc:spChg>
+        <pc:spChg chg="mod">
+          <ac:chgData name="Emma Hobbs" userId="a4555268070b5a5b" providerId="LiveId" clId="{7A5EE4CA-8985-495D-AAF7-D0594B4C61CB}" dt="2020-03-16T12:07:55.937" v="514" actId="1036"/>
+          <ac:spMkLst>
+            <pc:docMk/>
+            <pc:sldMk cId="1391225644" sldId="257"/>
+            <ac:spMk id="79" creationId="{3A093E63-B81F-4122-B871-70DE8ECDF471}"/>
+          </ac:spMkLst>
+        </pc:spChg>
+        <pc:spChg chg="mod">
+          <ac:chgData name="Emma Hobbs" userId="a4555268070b5a5b" providerId="LiveId" clId="{7A5EE4CA-8985-495D-AAF7-D0594B4C61CB}" dt="2020-03-16T12:07:55.937" v="514" actId="1036"/>
+          <ac:spMkLst>
+            <pc:docMk/>
+            <pc:sldMk cId="1391225644" sldId="257"/>
+            <ac:spMk id="80" creationId="{31DE82C4-B1F5-4290-AA8D-1B1641CA4FCF}"/>
+          </ac:spMkLst>
+        </pc:spChg>
+        <pc:spChg chg="mod">
+          <ac:chgData name="Emma Hobbs" userId="a4555268070b5a5b" providerId="LiveId" clId="{7A5EE4CA-8985-495D-AAF7-D0594B4C61CB}" dt="2020-03-16T12:07:55.937" v="514" actId="1036"/>
+          <ac:spMkLst>
+            <pc:docMk/>
+            <pc:sldMk cId="1391225644" sldId="257"/>
+            <ac:spMk id="81" creationId="{D5751FC9-BC63-4CF2-8AB5-FC2EBE319776}"/>
+          </ac:spMkLst>
+        </pc:spChg>
+        <pc:spChg chg="add mod">
+          <ac:chgData name="Emma Hobbs" userId="a4555268070b5a5b" providerId="LiveId" clId="{7A5EE4CA-8985-495D-AAF7-D0594B4C61CB}" dt="2020-03-16T12:07:43.089" v="483" actId="164"/>
+          <ac:spMkLst>
+            <pc:docMk/>
+            <pc:sldMk cId="1391225644" sldId="257"/>
+            <ac:spMk id="87" creationId="{8B45D38A-385B-4D75-891E-96DC400C877A}"/>
+          </ac:spMkLst>
+        </pc:spChg>
+        <pc:spChg chg="mod">
+          <ac:chgData name="Emma Hobbs" userId="a4555268070b5a5b" providerId="LiveId" clId="{7A5EE4CA-8985-495D-AAF7-D0594B4C61CB}" dt="2020-03-16T12:07:55.937" v="514" actId="1036"/>
+          <ac:spMkLst>
+            <pc:docMk/>
+            <pc:sldMk cId="1391225644" sldId="257"/>
+            <ac:spMk id="116" creationId="{B38E0B65-3B9C-4ADF-96DF-2583827DB46A}"/>
+          </ac:spMkLst>
+        </pc:spChg>
+        <pc:spChg chg="mod">
+          <ac:chgData name="Emma Hobbs" userId="a4555268070b5a5b" providerId="LiveId" clId="{7A5EE4CA-8985-495D-AAF7-D0594B4C61CB}" dt="2020-03-16T12:07:55.937" v="514" actId="1036"/>
+          <ac:spMkLst>
+            <pc:docMk/>
+            <pc:sldMk cId="1391225644" sldId="257"/>
+            <ac:spMk id="117" creationId="{0B953F61-F88B-4645-A71E-AAFDAAF23AA2}"/>
+          </ac:spMkLst>
+        </pc:spChg>
+        <pc:grpChg chg="mod">
+          <ac:chgData name="Emma Hobbs" userId="a4555268070b5a5b" providerId="LiveId" clId="{7A5EE4CA-8985-495D-AAF7-D0594B4C61CB}" dt="2020-03-16T12:07:43.089" v="483" actId="164"/>
+          <ac:grpSpMkLst>
+            <pc:docMk/>
+            <pc:sldMk cId="1391225644" sldId="257"/>
+            <ac:grpSpMk id="7" creationId="{4F279F56-716C-4D11-9918-2351AE9F1A79}"/>
+          </ac:grpSpMkLst>
+        </pc:grpChg>
+        <pc:grpChg chg="add mod">
+          <ac:chgData name="Emma Hobbs" userId="a4555268070b5a5b" providerId="LiveId" clId="{7A5EE4CA-8985-495D-AAF7-D0594B4C61CB}" dt="2020-03-16T12:07:43.089" v="483" actId="164"/>
+          <ac:grpSpMkLst>
+            <pc:docMk/>
+            <pc:sldMk cId="1391225644" sldId="257"/>
+            <ac:grpSpMk id="15" creationId="{4ADA4D7F-E767-4840-8670-E45CBA74A7E4}"/>
+          </ac:grpSpMkLst>
+        </pc:grpChg>
+        <pc:cxnChg chg="del mod">
+          <ac:chgData name="Emma Hobbs" userId="a4555268070b5a5b" providerId="LiveId" clId="{7A5EE4CA-8985-495D-AAF7-D0594B4C61CB}" dt="2020-03-16T12:07:20.789" v="482" actId="478"/>
+          <ac:cxnSpMkLst>
+            <pc:docMk/>
+            <pc:sldMk cId="1391225644" sldId="257"/>
+            <ac:cxnSpMk id="8" creationId="{16990CD6-E126-47A8-8291-06269A2A943B}"/>
+          </ac:cxnSpMkLst>
+        </pc:cxnChg>
+        <pc:cxnChg chg="mod">
+          <ac:chgData name="Emma Hobbs" userId="a4555268070b5a5b" providerId="LiveId" clId="{7A5EE4CA-8985-495D-AAF7-D0594B4C61CB}" dt="2020-03-16T12:07:43.089" v="483" actId="164"/>
+          <ac:cxnSpMkLst>
+            <pc:docMk/>
+            <pc:sldMk cId="1391225644" sldId="257"/>
+            <ac:cxnSpMk id="10" creationId="{D9868C56-244A-451F-91A2-02330C0C5C5E}"/>
+          </ac:cxnSpMkLst>
+        </pc:cxnChg>
+        <pc:cxnChg chg="mod">
+          <ac:chgData name="Emma Hobbs" userId="a4555268070b5a5b" providerId="LiveId" clId="{7A5EE4CA-8985-495D-AAF7-D0594B4C61CB}" dt="2020-03-16T12:07:43.089" v="483" actId="164"/>
+          <ac:cxnSpMkLst>
+            <pc:docMk/>
+            <pc:sldMk cId="1391225644" sldId="257"/>
+            <ac:cxnSpMk id="20" creationId="{658808FB-0384-4F82-AE99-29B2A1D7EF48}"/>
+          </ac:cxnSpMkLst>
+        </pc:cxnChg>
+        <pc:cxnChg chg="mod">
+          <ac:chgData name="Emma Hobbs" userId="a4555268070b5a5b" providerId="LiveId" clId="{7A5EE4CA-8985-495D-AAF7-D0594B4C61CB}" dt="2020-03-16T12:08:03.274" v="515" actId="14100"/>
+          <ac:cxnSpMkLst>
+            <pc:docMk/>
+            <pc:sldMk cId="1391225644" sldId="257"/>
+            <ac:cxnSpMk id="24" creationId="{D9ED4F86-E4EC-4564-B12B-F1A22D40C343}"/>
+          </ac:cxnSpMkLst>
+        </pc:cxnChg>
+        <pc:cxnChg chg="mod">
+          <ac:chgData name="Emma Hobbs" userId="a4555268070b5a5b" providerId="LiveId" clId="{7A5EE4CA-8985-495D-AAF7-D0594B4C61CB}" dt="2020-03-16T12:08:07.799" v="516" actId="14100"/>
+          <ac:cxnSpMkLst>
+            <pc:docMk/>
+            <pc:sldMk cId="1391225644" sldId="257"/>
+            <ac:cxnSpMk id="26" creationId="{85E80BDD-8BEB-4A2E-8968-3561B6B3DEF9}"/>
+          </ac:cxnSpMkLst>
+        </pc:cxnChg>
+        <pc:cxnChg chg="mod">
+          <ac:chgData name="Emma Hobbs" userId="a4555268070b5a5b" providerId="LiveId" clId="{7A5EE4CA-8985-495D-AAF7-D0594B4C61CB}" dt="2020-03-16T12:07:55.937" v="514" actId="1036"/>
+          <ac:cxnSpMkLst>
+            <pc:docMk/>
+            <pc:sldMk cId="1391225644" sldId="257"/>
+            <ac:cxnSpMk id="30" creationId="{941BEE2B-0304-4845-B0B6-BDCC5A07D906}"/>
+          </ac:cxnSpMkLst>
+        </pc:cxnChg>
+        <pc:cxnChg chg="mod">
+          <ac:chgData name="Emma Hobbs" userId="a4555268070b5a5b" providerId="LiveId" clId="{7A5EE4CA-8985-495D-AAF7-D0594B4C61CB}" dt="2020-03-16T12:07:55.937" v="514" actId="1036"/>
+          <ac:cxnSpMkLst>
+            <pc:docMk/>
+            <pc:sldMk cId="1391225644" sldId="257"/>
+            <ac:cxnSpMk id="33" creationId="{74812C3B-BAC1-4A88-AF22-B43637633671}"/>
+          </ac:cxnSpMkLst>
+        </pc:cxnChg>
+        <pc:cxnChg chg="mod">
+          <ac:chgData name="Emma Hobbs" userId="a4555268070b5a5b" providerId="LiveId" clId="{7A5EE4CA-8985-495D-AAF7-D0594B4C61CB}" dt="2020-03-16T12:07:55.937" v="514" actId="1036"/>
+          <ac:cxnSpMkLst>
+            <pc:docMk/>
+            <pc:sldMk cId="1391225644" sldId="257"/>
+            <ac:cxnSpMk id="35" creationId="{8CB2C6F0-5542-4C27-A859-C7DFB09A59DE}"/>
+          </ac:cxnSpMkLst>
+        </pc:cxnChg>
+        <pc:cxnChg chg="mod">
+          <ac:chgData name="Emma Hobbs" userId="a4555268070b5a5b" providerId="LiveId" clId="{7A5EE4CA-8985-495D-AAF7-D0594B4C61CB}" dt="2020-03-16T12:07:55.937" v="514" actId="1036"/>
+          <ac:cxnSpMkLst>
+            <pc:docMk/>
+            <pc:sldMk cId="1391225644" sldId="257"/>
+            <ac:cxnSpMk id="38" creationId="{F591DC80-6787-4A59-8721-DD3A3646FA2C}"/>
+          </ac:cxnSpMkLst>
+        </pc:cxnChg>
+        <pc:cxnChg chg="mod">
+          <ac:chgData name="Emma Hobbs" userId="a4555268070b5a5b" providerId="LiveId" clId="{7A5EE4CA-8985-495D-AAF7-D0594B4C61CB}" dt="2020-03-16T12:07:55.937" v="514" actId="1036"/>
+          <ac:cxnSpMkLst>
+            <pc:docMk/>
+            <pc:sldMk cId="1391225644" sldId="257"/>
+            <ac:cxnSpMk id="40" creationId="{AF638ED6-C4BB-4D7C-B63A-4AA0206AF32A}"/>
+          </ac:cxnSpMkLst>
+        </pc:cxnChg>
+        <pc:cxnChg chg="mod">
+          <ac:chgData name="Emma Hobbs" userId="a4555268070b5a5b" providerId="LiveId" clId="{7A5EE4CA-8985-495D-AAF7-D0594B4C61CB}" dt="2020-03-16T12:07:55.937" v="514" actId="1036"/>
+          <ac:cxnSpMkLst>
+            <pc:docMk/>
+            <pc:sldMk cId="1391225644" sldId="257"/>
+            <ac:cxnSpMk id="49" creationId="{30D19542-54DB-4AFB-A092-706064A8F3E6}"/>
+          </ac:cxnSpMkLst>
+        </pc:cxnChg>
+        <pc:cxnChg chg="mod">
+          <ac:chgData name="Emma Hobbs" userId="a4555268070b5a5b" providerId="LiveId" clId="{7A5EE4CA-8985-495D-AAF7-D0594B4C61CB}" dt="2020-03-16T12:07:55.937" v="514" actId="1036"/>
+          <ac:cxnSpMkLst>
+            <pc:docMk/>
+            <pc:sldMk cId="1391225644" sldId="257"/>
+            <ac:cxnSpMk id="54" creationId="{DC7AECC1-B695-4C07-8D1E-087F44E8714F}"/>
+          </ac:cxnSpMkLst>
+        </pc:cxnChg>
+        <pc:cxnChg chg="mod">
+          <ac:chgData name="Emma Hobbs" userId="a4555268070b5a5b" providerId="LiveId" clId="{7A5EE4CA-8985-495D-AAF7-D0594B4C61CB}" dt="2020-03-16T12:07:55.937" v="514" actId="1036"/>
+          <ac:cxnSpMkLst>
+            <pc:docMk/>
+            <pc:sldMk cId="1391225644" sldId="257"/>
+            <ac:cxnSpMk id="65" creationId="{99AF5916-B6B6-4779-9BFF-31F7917AF5E1}"/>
+          </ac:cxnSpMkLst>
+        </pc:cxnChg>
+        <pc:cxnChg chg="mod">
+          <ac:chgData name="Emma Hobbs" userId="a4555268070b5a5b" providerId="LiveId" clId="{7A5EE4CA-8985-495D-AAF7-D0594B4C61CB}" dt="2020-03-16T12:07:55.937" v="514" actId="1036"/>
+          <ac:cxnSpMkLst>
+            <pc:docMk/>
+            <pc:sldMk cId="1391225644" sldId="257"/>
+            <ac:cxnSpMk id="69" creationId="{26D957A4-9FBF-4990-BC7D-9A983B3F053E}"/>
+          </ac:cxnSpMkLst>
+        </pc:cxnChg>
+        <pc:cxnChg chg="mod">
+          <ac:chgData name="Emma Hobbs" userId="a4555268070b5a5b" providerId="LiveId" clId="{7A5EE4CA-8985-495D-AAF7-D0594B4C61CB}" dt="2020-03-16T12:07:43.089" v="483" actId="164"/>
+          <ac:cxnSpMkLst>
+            <pc:docMk/>
+            <pc:sldMk cId="1391225644" sldId="257"/>
+            <ac:cxnSpMk id="71" creationId="{CF7515A4-9C72-4DB1-9C1D-8E9271DAFD7A}"/>
+          </ac:cxnSpMkLst>
+        </pc:cxnChg>
+        <pc:cxnChg chg="add del mod">
+          <ac:chgData name="Emma Hobbs" userId="a4555268070b5a5b" providerId="LiveId" clId="{7A5EE4CA-8985-495D-AAF7-D0594B4C61CB}" dt="2020-03-16T12:02:01.304" v="226" actId="478"/>
+          <ac:cxnSpMkLst>
+            <pc:docMk/>
+            <pc:sldMk cId="1391225644" sldId="257"/>
+            <ac:cxnSpMk id="73" creationId="{E5563F29-7CCA-4F64-8CE1-A711CA237510}"/>
+          </ac:cxnSpMkLst>
+        </pc:cxnChg>
+        <pc:cxnChg chg="mod">
+          <ac:chgData name="Emma Hobbs" userId="a4555268070b5a5b" providerId="LiveId" clId="{7A5EE4CA-8985-495D-AAF7-D0594B4C61CB}" dt="2020-03-16T12:07:55.937" v="514" actId="1036"/>
+          <ac:cxnSpMkLst>
+            <pc:docMk/>
+            <pc:sldMk cId="1391225644" sldId="257"/>
+            <ac:cxnSpMk id="82" creationId="{D224F852-59D8-437E-A202-0817FC1BA703}"/>
+          </ac:cxnSpMkLst>
+        </pc:cxnChg>
+        <pc:cxnChg chg="mod">
+          <ac:chgData name="Emma Hobbs" userId="a4555268070b5a5b" providerId="LiveId" clId="{7A5EE4CA-8985-495D-AAF7-D0594B4C61CB}" dt="2020-03-16T12:07:55.937" v="514" actId="1036"/>
+          <ac:cxnSpMkLst>
+            <pc:docMk/>
+            <pc:sldMk cId="1391225644" sldId="257"/>
+            <ac:cxnSpMk id="83" creationId="{1CD12F51-23E0-4119-B169-D041073BB484}"/>
+          </ac:cxnSpMkLst>
+        </pc:cxnChg>
+        <pc:cxnChg chg="add mod">
+          <ac:chgData name="Emma Hobbs" userId="a4555268070b5a5b" providerId="LiveId" clId="{7A5EE4CA-8985-495D-AAF7-D0594B4C61CB}" dt="2020-03-16T12:07:43.089" v="483" actId="164"/>
+          <ac:cxnSpMkLst>
+            <pc:docMk/>
+            <pc:sldMk cId="1391225644" sldId="257"/>
+            <ac:cxnSpMk id="84" creationId="{6268912F-9A0E-4B9A-9AF5-76A8C91B96F7}"/>
+          </ac:cxnSpMkLst>
+        </pc:cxnChg>
+        <pc:cxnChg chg="mod">
+          <ac:chgData name="Emma Hobbs" userId="a4555268070b5a5b" providerId="LiveId" clId="{7A5EE4CA-8985-495D-AAF7-D0594B4C61CB}" dt="2020-03-16T12:07:55.937" v="514" actId="1036"/>
+          <ac:cxnSpMkLst>
+            <pc:docMk/>
+            <pc:sldMk cId="1391225644" sldId="257"/>
+            <ac:cxnSpMk id="85" creationId="{7D1A153D-4263-4320-9E37-0DEA0C0413DF}"/>
+          </ac:cxnSpMkLst>
+        </pc:cxnChg>
+        <pc:cxnChg chg="add mod">
+          <ac:chgData name="Emma Hobbs" userId="a4555268070b5a5b" providerId="LiveId" clId="{7A5EE4CA-8985-495D-AAF7-D0594B4C61CB}" dt="2020-03-16T12:07:43.089" v="483" actId="164"/>
+          <ac:cxnSpMkLst>
+            <pc:docMk/>
+            <pc:sldMk cId="1391225644" sldId="257"/>
+            <ac:cxnSpMk id="86" creationId="{BB94604A-2B33-42ED-9E21-E49A9DDEBC06}"/>
+          </ac:cxnSpMkLst>
+        </pc:cxnChg>
+        <pc:cxnChg chg="mod">
+          <ac:chgData name="Emma Hobbs" userId="a4555268070b5a5b" providerId="LiveId" clId="{7A5EE4CA-8985-495D-AAF7-D0594B4C61CB}" dt="2020-03-16T12:07:55.937" v="514" actId="1036"/>
+          <ac:cxnSpMkLst>
+            <pc:docMk/>
+            <pc:sldMk cId="1391225644" sldId="257"/>
+            <ac:cxnSpMk id="98" creationId="{A707C4C9-1FDD-44E4-B133-3251AE247B31}"/>
+          </ac:cxnSpMkLst>
+        </pc:cxnChg>
+        <pc:cxnChg chg="mod">
+          <ac:chgData name="Emma Hobbs" userId="a4555268070b5a5b" providerId="LiveId" clId="{7A5EE4CA-8985-495D-AAF7-D0594B4C61CB}" dt="2020-03-16T12:07:55.937" v="514" actId="1036"/>
+          <ac:cxnSpMkLst>
+            <pc:docMk/>
+            <pc:sldMk cId="1391225644" sldId="257"/>
+            <ac:cxnSpMk id="100" creationId="{01C72306-5BA6-481B-9A7D-A90CE6250026}"/>
+          </ac:cxnSpMkLst>
+        </pc:cxnChg>
+        <pc:cxnChg chg="mod">
+          <ac:chgData name="Emma Hobbs" userId="a4555268070b5a5b" providerId="LiveId" clId="{7A5EE4CA-8985-495D-AAF7-D0594B4C61CB}" dt="2020-03-16T12:07:55.937" v="514" actId="1036"/>
+          <ac:cxnSpMkLst>
+            <pc:docMk/>
+            <pc:sldMk cId="1391225644" sldId="257"/>
+            <ac:cxnSpMk id="103" creationId="{1BB40029-4A74-4DD1-A215-4230B7007216}"/>
+          </ac:cxnSpMkLst>
+        </pc:cxnChg>
+        <pc:cxnChg chg="mod">
+          <ac:chgData name="Emma Hobbs" userId="a4555268070b5a5b" providerId="LiveId" clId="{7A5EE4CA-8985-495D-AAF7-D0594B4C61CB}" dt="2020-03-16T12:07:55.937" v="514" actId="1036"/>
+          <ac:cxnSpMkLst>
+            <pc:docMk/>
+            <pc:sldMk cId="1391225644" sldId="257"/>
+            <ac:cxnSpMk id="107" creationId="{38493D4F-9B07-47F7-B911-B96AC2843F6D}"/>
+          </ac:cxnSpMkLst>
+        </pc:cxnChg>
+        <pc:cxnChg chg="mod">
+          <ac:chgData name="Emma Hobbs" userId="a4555268070b5a5b" providerId="LiveId" clId="{7A5EE4CA-8985-495D-AAF7-D0594B4C61CB}" dt="2020-03-16T12:07:55.937" v="514" actId="1036"/>
+          <ac:cxnSpMkLst>
+            <pc:docMk/>
+            <pc:sldMk cId="1391225644" sldId="257"/>
+            <ac:cxnSpMk id="110" creationId="{EFA83D0A-4A8F-4A7C-AE09-F505D7E6791D}"/>
+          </ac:cxnSpMkLst>
+        </pc:cxnChg>
+        <pc:cxnChg chg="mod">
+          <ac:chgData name="Emma Hobbs" userId="a4555268070b5a5b" providerId="LiveId" clId="{7A5EE4CA-8985-495D-AAF7-D0594B4C61CB}" dt="2020-03-16T12:07:55.937" v="514" actId="1036"/>
+          <ac:cxnSpMkLst>
+            <pc:docMk/>
+            <pc:sldMk cId="1391225644" sldId="257"/>
+            <ac:cxnSpMk id="111" creationId="{446CB344-92DB-4CE1-9B47-59947A212CB8}"/>
+          </ac:cxnSpMkLst>
+        </pc:cxnChg>
+        <pc:cxnChg chg="mod">
+          <ac:chgData name="Emma Hobbs" userId="a4555268070b5a5b" providerId="LiveId" clId="{7A5EE4CA-8985-495D-AAF7-D0594B4C61CB}" dt="2020-03-16T12:07:55.937" v="514" actId="1036"/>
+          <ac:cxnSpMkLst>
+            <pc:docMk/>
+            <pc:sldMk cId="1391225644" sldId="257"/>
+            <ac:cxnSpMk id="114" creationId="{1F7699DF-D62B-4E18-8528-4B46E2181092}"/>
+          </ac:cxnSpMkLst>
+        </pc:cxnChg>
+        <pc:cxnChg chg="mod">
+          <ac:chgData name="Emma Hobbs" userId="a4555268070b5a5b" providerId="LiveId" clId="{7A5EE4CA-8985-495D-AAF7-D0594B4C61CB}" dt="2020-03-16T12:07:55.937" v="514" actId="1036"/>
+          <ac:cxnSpMkLst>
+            <pc:docMk/>
+            <pc:sldMk cId="1391225644" sldId="257"/>
+            <ac:cxnSpMk id="118" creationId="{0EE42359-A38D-44B7-8E14-2F4408DB2C31}"/>
+          </ac:cxnSpMkLst>
+        </pc:cxnChg>
+        <pc:cxnChg chg="mod">
+          <ac:chgData name="Emma Hobbs" userId="a4555268070b5a5b" providerId="LiveId" clId="{7A5EE4CA-8985-495D-AAF7-D0594B4C61CB}" dt="2020-03-16T12:07:55.937" v="514" actId="1036"/>
+          <ac:cxnSpMkLst>
+            <pc:docMk/>
+            <pc:sldMk cId="1391225644" sldId="257"/>
+            <ac:cxnSpMk id="120" creationId="{780FDA77-85B5-4888-8919-98BA3C520476}"/>
+          </ac:cxnSpMkLst>
+        </pc:cxnChg>
+      </pc:sldChg>
+      <pc:sldChg chg="modSp mod">
+        <pc:chgData name="Emma Hobbs" userId="a4555268070b5a5b" providerId="LiveId" clId="{7A5EE4CA-8985-495D-AAF7-D0594B4C61CB}" dt="2020-03-16T12:08:32.909" v="535" actId="20577"/>
+        <pc:sldMkLst>
+          <pc:docMk/>
+          <pc:sldMk cId="399537007" sldId="258"/>
+        </pc:sldMkLst>
+        <pc:spChg chg="mod">
+          <ac:chgData name="Emma Hobbs" userId="a4555268070b5a5b" providerId="LiveId" clId="{7A5EE4CA-8985-495D-AAF7-D0594B4C61CB}" dt="2020-03-16T12:08:32.909" v="535" actId="20577"/>
+          <ac:spMkLst>
+            <pc:docMk/>
+            <pc:sldMk cId="399537007" sldId="258"/>
+            <ac:spMk id="5" creationId="{6E0F67F3-BB23-480C-A7D9-D85A7BA87E62}"/>
+          </ac:spMkLst>
+        </pc:spChg>
+      </pc:sldChg>
+    </pc:docChg>
+  </pc:docChgLst>
+</pc:chgInfo>
+</file>
+
 <file path=ppt/slideLayouts/slideLayout1.xml><?xml version="1.0" encoding="utf-8"?>
 <p:sldLayout xmlns:a="http://schemas.openxmlformats.org/drawingml/2006/main" xmlns:r="http://schemas.openxmlformats.org/officeDocument/2006/relationships" xmlns:p="http://schemas.openxmlformats.org/presentationml/2006/main" type="title" preserve="1">
   <p:cSld name="Title Slide">
@@ -244,7 +840,7 @@
           <a:p>
             <a:fld id="{D682CE29-8FAE-449E-A441-7A8BCDBC043E}" type="datetimeFigureOut">
               <a:rPr lang="en-GB" smtClean="0"/>
-              <a:t>10/03/2020</a:t>
+              <a:t>16/03/2020</a:t>
             </a:fld>
             <a:endParaRPr lang="en-GB"/>
           </a:p>
@@ -414,7 +1010,7 @@
           <a:p>
             <a:fld id="{D682CE29-8FAE-449E-A441-7A8BCDBC043E}" type="datetimeFigureOut">
               <a:rPr lang="en-GB" smtClean="0"/>
-              <a:t>10/03/2020</a:t>
+              <a:t>16/03/2020</a:t>
             </a:fld>
             <a:endParaRPr lang="en-GB"/>
           </a:p>
@@ -594,7 +1190,7 @@
           <a:p>
             <a:fld id="{D682CE29-8FAE-449E-A441-7A8BCDBC043E}" type="datetimeFigureOut">
               <a:rPr lang="en-GB" smtClean="0"/>
-              <a:t>10/03/2020</a:t>
+              <a:t>16/03/2020</a:t>
             </a:fld>
             <a:endParaRPr lang="en-GB"/>
           </a:p>
@@ -764,7 +1360,7 @@
           <a:p>
             <a:fld id="{D682CE29-8FAE-449E-A441-7A8BCDBC043E}" type="datetimeFigureOut">
               <a:rPr lang="en-GB" smtClean="0"/>
-              <a:t>10/03/2020</a:t>
+              <a:t>16/03/2020</a:t>
             </a:fld>
             <a:endParaRPr lang="en-GB"/>
           </a:p>
@@ -1008,7 +1604,7 @@
           <a:p>
             <a:fld id="{D682CE29-8FAE-449E-A441-7A8BCDBC043E}" type="datetimeFigureOut">
               <a:rPr lang="en-GB" smtClean="0"/>
-              <a:t>10/03/2020</a:t>
+              <a:t>16/03/2020</a:t>
             </a:fld>
             <a:endParaRPr lang="en-GB"/>
           </a:p>
@@ -1240,7 +1836,7 @@
           <a:p>
             <a:fld id="{D682CE29-8FAE-449E-A441-7A8BCDBC043E}" type="datetimeFigureOut">
               <a:rPr lang="en-GB" smtClean="0"/>
-              <a:t>10/03/2020</a:t>
+              <a:t>16/03/2020</a:t>
             </a:fld>
             <a:endParaRPr lang="en-GB"/>
           </a:p>
@@ -1607,7 +2203,7 @@
           <a:p>
             <a:fld id="{D682CE29-8FAE-449E-A441-7A8BCDBC043E}" type="datetimeFigureOut">
               <a:rPr lang="en-GB" smtClean="0"/>
-              <a:t>10/03/2020</a:t>
+              <a:t>16/03/2020</a:t>
             </a:fld>
             <a:endParaRPr lang="en-GB"/>
           </a:p>
@@ -1725,7 +2321,7 @@
           <a:p>
             <a:fld id="{D682CE29-8FAE-449E-A441-7A8BCDBC043E}" type="datetimeFigureOut">
               <a:rPr lang="en-GB" smtClean="0"/>
-              <a:t>10/03/2020</a:t>
+              <a:t>16/03/2020</a:t>
             </a:fld>
             <a:endParaRPr lang="en-GB"/>
           </a:p>
@@ -1820,7 +2416,7 @@
           <a:p>
             <a:fld id="{D682CE29-8FAE-449E-A441-7A8BCDBC043E}" type="datetimeFigureOut">
               <a:rPr lang="en-GB" smtClean="0"/>
-              <a:t>10/03/2020</a:t>
+              <a:t>16/03/2020</a:t>
             </a:fld>
             <a:endParaRPr lang="en-GB"/>
           </a:p>
@@ -2097,7 +2693,7 @@
           <a:p>
             <a:fld id="{D682CE29-8FAE-449E-A441-7A8BCDBC043E}" type="datetimeFigureOut">
               <a:rPr lang="en-GB" smtClean="0"/>
-              <a:t>10/03/2020</a:t>
+              <a:t>16/03/2020</a:t>
             </a:fld>
             <a:endParaRPr lang="en-GB"/>
           </a:p>
@@ -2354,7 +2950,7 @@
           <a:p>
             <a:fld id="{D682CE29-8FAE-449E-A441-7A8BCDBC043E}" type="datetimeFigureOut">
               <a:rPr lang="en-GB" smtClean="0"/>
-              <a:t>10/03/2020</a:t>
+              <a:t>16/03/2020</a:t>
             </a:fld>
             <a:endParaRPr lang="en-GB"/>
           </a:p>
@@ -2567,7 +3163,7 @@
           <a:p>
             <a:fld id="{D682CE29-8FAE-449E-A441-7A8BCDBC043E}" type="datetimeFigureOut">
               <a:rPr lang="en-GB" smtClean="0"/>
-              <a:t>10/03/2020</a:t>
+              <a:t>16/03/2020</a:t>
             </a:fld>
             <a:endParaRPr lang="en-GB"/>
           </a:p>
@@ -2974,287 +3570,6 @@
       </p:grpSpPr>
       <p:sp>
         <p:nvSpPr>
-          <p:cNvPr id="2" name="Rectangle: Rounded Corners 1">
-            <a:extLst>
-              <a:ext uri="{FF2B5EF4-FFF2-40B4-BE49-F238E27FC236}">
-                <a16:creationId xmlns:a16="http://schemas.microsoft.com/office/drawing/2014/main" id="{52F1F8BC-D370-4BA9-AFFF-EDE06B095EE0}"/>
-              </a:ext>
-            </a:extLst>
-          </p:cNvPr>
-          <p:cNvSpPr/>
-          <p:nvPr/>
-        </p:nvSpPr>
-        <p:spPr>
-          <a:xfrm>
-            <a:off x="0" y="8731"/>
-            <a:ext cx="1149350" cy="431800"/>
-          </a:xfrm>
-          <a:prstGeom prst="roundRect">
-            <a:avLst/>
-          </a:prstGeom>
-          <a:solidFill>
-            <a:srgbClr val="0070C0"/>
-          </a:solidFill>
-          <a:ln>
-            <a:solidFill>
-              <a:srgbClr val="002060"/>
-            </a:solidFill>
-          </a:ln>
-        </p:spPr>
-        <p:style>
-          <a:lnRef idx="2">
-            <a:schemeClr val="accent5">
-              <a:shade val="50000"/>
-            </a:schemeClr>
-          </a:lnRef>
-          <a:fillRef idx="1">
-            <a:schemeClr val="accent5"/>
-          </a:fillRef>
-          <a:effectRef idx="0">
-            <a:schemeClr val="accent5"/>
-          </a:effectRef>
-          <a:fontRef idx="minor">
-            <a:schemeClr val="lt1"/>
-          </a:fontRef>
-        </p:style>
-        <p:txBody>
-          <a:bodyPr rot="0" spcFirstLastPara="0" vertOverflow="overflow" horzOverflow="overflow" vert="horz" wrap="square" lIns="91440" tIns="45720" rIns="91440" bIns="45720" numCol="1" spcCol="0" rtlCol="0" fromWordArt="0" anchor="ctr" anchorCtr="0" forceAA="0" compatLnSpc="1">
-            <a:prstTxWarp prst="textNoShape">
-              <a:avLst/>
-            </a:prstTxWarp>
-            <a:noAutofit/>
-          </a:bodyPr>
-          <a:lstStyle/>
-          <a:p>
-            <a:pPr algn="ctr"/>
-            <a:r>
-              <a:rPr lang="en-GB" dirty="0"/>
-              <a:t>Start</a:t>
-            </a:r>
-          </a:p>
-        </p:txBody>
-      </p:sp>
-      <p:sp>
-        <p:nvSpPr>
-          <p:cNvPr id="5" name="TextBox 4">
-            <a:extLst>
-              <a:ext uri="{FF2B5EF4-FFF2-40B4-BE49-F238E27FC236}">
-                <a16:creationId xmlns:a16="http://schemas.microsoft.com/office/drawing/2014/main" id="{2E248D1A-A8D2-43F0-B15C-D95B9A19A56D}"/>
-              </a:ext>
-            </a:extLst>
-          </p:cNvPr>
-          <p:cNvSpPr txBox="1"/>
-          <p:nvPr/>
-        </p:nvSpPr>
-        <p:spPr>
-          <a:xfrm>
-            <a:off x="4415354" y="1085243"/>
-            <a:ext cx="719941" cy="276999"/>
-          </a:xfrm>
-          <a:prstGeom prst="rect">
-            <a:avLst/>
-          </a:prstGeom>
-          <a:noFill/>
-        </p:spPr>
-        <p:txBody>
-          <a:bodyPr wrap="none" rtlCol="0">
-            <a:spAutoFit/>
-          </a:bodyPr>
-          <a:lstStyle/>
-          <a:p>
-            <a:r>
-              <a:rPr lang="en-GB" sz="1200" i="1" dirty="0">
-                <a:solidFill>
-                  <a:schemeClr val="accent2">
-                    <a:lumMod val="75000"/>
-                  </a:schemeClr>
-                </a:solidFill>
-              </a:rPr>
-              <a:t>Leighton</a:t>
-            </a:r>
-          </a:p>
-        </p:txBody>
-      </p:sp>
-      <p:sp>
-        <p:nvSpPr>
-          <p:cNvPr id="6" name="TextBox 5">
-            <a:extLst>
-              <a:ext uri="{FF2B5EF4-FFF2-40B4-BE49-F238E27FC236}">
-                <a16:creationId xmlns:a16="http://schemas.microsoft.com/office/drawing/2014/main" id="{80E9BCFA-92CF-49D7-846E-62DDF1DA254D}"/>
-              </a:ext>
-            </a:extLst>
-          </p:cNvPr>
-          <p:cNvSpPr txBox="1"/>
-          <p:nvPr/>
-        </p:nvSpPr>
-        <p:spPr>
-          <a:xfrm>
-            <a:off x="718290" y="741394"/>
-            <a:ext cx="1961915" cy="646331"/>
-          </a:xfrm>
-          <a:prstGeom prst="rect">
-            <a:avLst/>
-          </a:prstGeom>
-          <a:noFill/>
-        </p:spPr>
-        <p:txBody>
-          <a:bodyPr wrap="square" rtlCol="0">
-            <a:spAutoFit/>
-          </a:bodyPr>
-          <a:lstStyle/>
-          <a:p>
-            <a:pPr algn="ctr"/>
-            <a:r>
-              <a:rPr lang="en-GB" sz="1200" i="1" dirty="0">
-                <a:solidFill>
-                  <a:schemeClr val="accent2">
-                    <a:lumMod val="75000"/>
-                  </a:schemeClr>
-                </a:solidFill>
-              </a:rPr>
-              <a:t>Filter plant pathogens and biomass degraders – evidence from literature</a:t>
-            </a:r>
-          </a:p>
-        </p:txBody>
-      </p:sp>
-      <p:cxnSp>
-        <p:nvCxnSpPr>
-          <p:cNvPr id="8" name="Straight Arrow Connector 7">
-            <a:extLst>
-              <a:ext uri="{FF2B5EF4-FFF2-40B4-BE49-F238E27FC236}">
-                <a16:creationId xmlns:a16="http://schemas.microsoft.com/office/drawing/2014/main" id="{16990CD6-E126-47A8-8291-06269A2A943B}"/>
-              </a:ext>
-            </a:extLst>
-          </p:cNvPr>
-          <p:cNvCxnSpPr>
-            <a:cxnSpLocks/>
-          </p:cNvCxnSpPr>
-          <p:nvPr/>
-        </p:nvCxnSpPr>
-        <p:spPr>
-          <a:xfrm>
-            <a:off x="3428997" y="1342575"/>
-            <a:ext cx="2" cy="847848"/>
-          </a:xfrm>
-          <a:prstGeom prst="straightConnector1">
-            <a:avLst/>
-          </a:prstGeom>
-          <a:ln>
-            <a:solidFill>
-              <a:schemeClr val="bg1">
-                <a:lumMod val="50000"/>
-              </a:schemeClr>
-            </a:solidFill>
-            <a:tailEnd type="triangle"/>
-          </a:ln>
-        </p:spPr>
-        <p:style>
-          <a:lnRef idx="1">
-            <a:schemeClr val="dk1"/>
-          </a:lnRef>
-          <a:fillRef idx="0">
-            <a:schemeClr val="dk1"/>
-          </a:fillRef>
-          <a:effectRef idx="0">
-            <a:schemeClr val="dk1"/>
-          </a:effectRef>
-          <a:fontRef idx="minor">
-            <a:schemeClr val="tx1"/>
-          </a:fontRef>
-        </p:style>
-      </p:cxnSp>
-      <p:cxnSp>
-        <p:nvCxnSpPr>
-          <p:cNvPr id="10" name="Straight Arrow Connector 9">
-            <a:extLst>
-              <a:ext uri="{FF2B5EF4-FFF2-40B4-BE49-F238E27FC236}">
-                <a16:creationId xmlns:a16="http://schemas.microsoft.com/office/drawing/2014/main" id="{D9868C56-244A-451F-91A2-02330C0C5C5E}"/>
-              </a:ext>
-            </a:extLst>
-          </p:cNvPr>
-          <p:cNvCxnSpPr>
-            <a:cxnSpLocks/>
-          </p:cNvCxnSpPr>
-          <p:nvPr/>
-        </p:nvCxnSpPr>
-        <p:spPr>
-          <a:xfrm flipH="1">
-            <a:off x="3972514" y="1234919"/>
-            <a:ext cx="482528" cy="0"/>
-          </a:xfrm>
-          <a:prstGeom prst="straightConnector1">
-            <a:avLst/>
-          </a:prstGeom>
-          <a:ln>
-            <a:tailEnd type="triangle"/>
-          </a:ln>
-        </p:spPr>
-        <p:style>
-          <a:lnRef idx="1">
-            <a:schemeClr val="accent2"/>
-          </a:lnRef>
-          <a:fillRef idx="0">
-            <a:schemeClr val="accent2"/>
-          </a:fillRef>
-          <a:effectRef idx="0">
-            <a:schemeClr val="accent2"/>
-          </a:effectRef>
-          <a:fontRef idx="minor">
-            <a:schemeClr val="tx1"/>
-          </a:fontRef>
-        </p:style>
-      </p:cxnSp>
-      <p:sp>
-        <p:nvSpPr>
-          <p:cNvPr id="14" name="TextBox 13">
-            <a:extLst>
-              <a:ext uri="{FF2B5EF4-FFF2-40B4-BE49-F238E27FC236}">
-                <a16:creationId xmlns:a16="http://schemas.microsoft.com/office/drawing/2014/main" id="{2DFB4E6B-3B19-4384-B813-77E6EDC4A408}"/>
-              </a:ext>
-            </a:extLst>
-          </p:cNvPr>
-          <p:cNvSpPr txBox="1"/>
-          <p:nvPr/>
-        </p:nvSpPr>
-        <p:spPr>
-          <a:xfrm>
-            <a:off x="2723452" y="2127430"/>
-            <a:ext cx="1416286" cy="307777"/>
-          </a:xfrm>
-          <a:prstGeom prst="rect">
-            <a:avLst/>
-          </a:prstGeom>
-          <a:noFill/>
-        </p:spPr>
-        <p:txBody>
-          <a:bodyPr wrap="none" rtlCol="0">
-            <a:spAutoFit/>
-          </a:bodyPr>
-          <a:lstStyle/>
-          <a:p>
-            <a:pPr algn="ctr"/>
-            <a:r>
-              <a:rPr lang="en-GB" sz="1400" b="1" dirty="0">
-                <a:solidFill>
-                  <a:schemeClr val="bg1">
-                    <a:lumMod val="50000"/>
-                  </a:schemeClr>
-                </a:solidFill>
-              </a:rPr>
-              <a:t>Extract genomes</a:t>
-            </a:r>
-            <a:endParaRPr lang="en-GB" sz="1200" b="1" dirty="0">
-              <a:solidFill>
-                <a:schemeClr val="bg1">
-                  <a:lumMod val="50000"/>
-                </a:schemeClr>
-              </a:solidFill>
-            </a:endParaRPr>
-          </a:p>
-        </p:txBody>
-      </p:sp>
-      <p:sp>
-        <p:nvSpPr>
           <p:cNvPr id="18" name="TextBox 17">
             <a:extLst>
               <a:ext uri="{FF2B5EF4-FFF2-40B4-BE49-F238E27FC236}">
@@ -3267,7 +3582,7 @@
         </p:nvSpPr>
         <p:spPr>
           <a:xfrm>
-            <a:off x="4878129" y="2692529"/>
+            <a:off x="4878129" y="3568829"/>
             <a:ext cx="1665008" cy="307777"/>
           </a:xfrm>
           <a:prstGeom prst="rect">
@@ -3316,7 +3631,7 @@
         </p:nvSpPr>
         <p:spPr>
           <a:xfrm>
-            <a:off x="609350" y="2674098"/>
+            <a:off x="609350" y="3550398"/>
             <a:ext cx="1857368" cy="307777"/>
           </a:xfrm>
           <a:prstGeom prst="rect">
@@ -3351,47 +3666,6 @@
           </a:p>
         </p:txBody>
       </p:sp>
-      <p:cxnSp>
-        <p:nvCxnSpPr>
-          <p:cNvPr id="20" name="Straight Arrow Connector 19">
-            <a:extLst>
-              <a:ext uri="{FF2B5EF4-FFF2-40B4-BE49-F238E27FC236}">
-                <a16:creationId xmlns:a16="http://schemas.microsoft.com/office/drawing/2014/main" id="{658808FB-0384-4F82-AE99-29B2A1D7EF48}"/>
-              </a:ext>
-            </a:extLst>
-          </p:cNvPr>
-          <p:cNvCxnSpPr>
-            <a:cxnSpLocks/>
-          </p:cNvCxnSpPr>
-          <p:nvPr/>
-        </p:nvCxnSpPr>
-        <p:spPr>
-          <a:xfrm flipH="1">
-            <a:off x="1746878" y="336661"/>
-            <a:ext cx="0" cy="438073"/>
-          </a:xfrm>
-          <a:prstGeom prst="straightConnector1">
-            <a:avLst/>
-          </a:prstGeom>
-          <a:ln>
-            <a:tailEnd type="triangle"/>
-          </a:ln>
-        </p:spPr>
-        <p:style>
-          <a:lnRef idx="1">
-            <a:schemeClr val="accent2"/>
-          </a:lnRef>
-          <a:fillRef idx="0">
-            <a:schemeClr val="accent2"/>
-          </a:fillRef>
-          <a:effectRef idx="0">
-            <a:schemeClr val="accent2"/>
-          </a:effectRef>
-          <a:fontRef idx="minor">
-            <a:schemeClr val="tx1"/>
-          </a:fontRef>
-        </p:style>
-      </p:cxnSp>
       <p:cxnSp>
         <p:nvCxnSpPr>
           <p:cNvPr id="24" name="Straight Arrow Connector 23">
@@ -3408,8 +3682,8 @@
         </p:nvCxnSpPr>
         <p:spPr>
           <a:xfrm flipH="1">
-            <a:off x="1958339" y="2295442"/>
-            <a:ext cx="853440" cy="468857"/>
+            <a:off x="1958339" y="2905382"/>
+            <a:ext cx="1488181" cy="735217"/>
           </a:xfrm>
           <a:prstGeom prst="straightConnector1">
             <a:avLst/>
@@ -3454,8 +3728,8 @@
         </p:nvCxnSpPr>
         <p:spPr>
           <a:xfrm>
-            <a:off x="4046221" y="2281318"/>
-            <a:ext cx="1120138" cy="482980"/>
+            <a:off x="3898327" y="2905382"/>
+            <a:ext cx="1268032" cy="735216"/>
           </a:xfrm>
           <a:prstGeom prst="straightConnector1">
             <a:avLst/>
@@ -3498,7 +3772,7 @@
         </p:nvSpPr>
         <p:spPr>
           <a:xfrm>
-            <a:off x="479733" y="3239979"/>
+            <a:off x="479733" y="4116279"/>
             <a:ext cx="2116605" cy="307777"/>
           </a:xfrm>
           <a:prstGeom prst="rect">
@@ -3549,7 +3823,7 @@
         </p:nvCxnSpPr>
         <p:spPr>
           <a:xfrm>
-            <a:off x="1538034" y="2965461"/>
+            <a:off x="1538034" y="3841761"/>
             <a:ext cx="0" cy="289759"/>
           </a:xfrm>
           <a:prstGeom prst="straightConnector1">
@@ -3593,7 +3867,7 @@
         </p:nvSpPr>
         <p:spPr>
           <a:xfrm>
-            <a:off x="2959673" y="3796709"/>
+            <a:off x="2959673" y="4673009"/>
             <a:ext cx="938655" cy="307777"/>
           </a:xfrm>
           <a:prstGeom prst="rect">
@@ -3646,7 +3920,7 @@
         </p:nvCxnSpPr>
         <p:spPr>
           <a:xfrm>
-            <a:off x="1538036" y="3547755"/>
+            <a:off x="1538036" y="4424055"/>
             <a:ext cx="1421637" cy="402842"/>
           </a:xfrm>
           <a:prstGeom prst="straightConnector1">
@@ -3694,7 +3968,7 @@
         </p:nvCxnSpPr>
         <p:spPr>
           <a:xfrm flipH="1">
-            <a:off x="3898327" y="3000305"/>
+            <a:off x="3898327" y="3876605"/>
             <a:ext cx="1812306" cy="950292"/>
           </a:xfrm>
           <a:prstGeom prst="straightConnector1">
@@ -3738,7 +4012,7 @@
         </p:nvSpPr>
         <p:spPr>
           <a:xfrm>
-            <a:off x="5427130" y="3743364"/>
+            <a:off x="5427130" y="4619664"/>
             <a:ext cx="744436" cy="738664"/>
           </a:xfrm>
           <a:prstGeom prst="rect">
@@ -3829,7 +4103,7 @@
         </p:nvCxnSpPr>
         <p:spPr>
           <a:xfrm>
-            <a:off x="3429962" y="4054351"/>
+            <a:off x="3429962" y="4930651"/>
             <a:ext cx="0" cy="905596"/>
           </a:xfrm>
           <a:prstGeom prst="straightConnector1">
@@ -3875,7 +4149,7 @@
         </p:nvCxnSpPr>
         <p:spPr>
           <a:xfrm flipH="1">
-            <a:off x="3429001" y="4112696"/>
+            <a:off x="3429001" y="4988996"/>
             <a:ext cx="1998131" cy="457048"/>
           </a:xfrm>
           <a:prstGeom prst="straightConnector1">
@@ -3919,7 +4193,7 @@
         </p:nvSpPr>
         <p:spPr>
           <a:xfrm>
-            <a:off x="1731262" y="4200123"/>
+            <a:off x="1731262" y="5076423"/>
             <a:ext cx="1729383" cy="461665"/>
           </a:xfrm>
           <a:prstGeom prst="rect">
@@ -3968,7 +4242,7 @@
         </p:nvSpPr>
         <p:spPr>
           <a:xfrm>
-            <a:off x="2072986" y="4905346"/>
+            <a:off x="2072986" y="5781646"/>
             <a:ext cx="2712024" cy="307777"/>
           </a:xfrm>
           <a:prstGeom prst="rect">
@@ -4017,7 +4291,7 @@
         </p:nvSpPr>
         <p:spPr>
           <a:xfrm>
-            <a:off x="4732878" y="5300430"/>
+            <a:off x="4732878" y="6176730"/>
             <a:ext cx="1135247" cy="1046440"/>
           </a:xfrm>
           <a:prstGeom prst="rect">
@@ -4139,7 +4413,7 @@
         </p:nvSpPr>
         <p:spPr>
           <a:xfrm>
-            <a:off x="2221306" y="6110158"/>
+            <a:off x="2221306" y="6986458"/>
             <a:ext cx="2468768" cy="523220"/>
           </a:xfrm>
           <a:prstGeom prst="rect">
@@ -4190,7 +4464,7 @@
         </p:nvCxnSpPr>
         <p:spPr>
           <a:xfrm>
-            <a:off x="3573782" y="5138852"/>
+            <a:off x="3573782" y="6015152"/>
             <a:ext cx="1211228" cy="303998"/>
           </a:xfrm>
           <a:prstGeom prst="straightConnector1">
@@ -4234,7 +4508,7 @@
         </p:nvSpPr>
         <p:spPr>
           <a:xfrm>
-            <a:off x="5768539" y="5546652"/>
+            <a:off x="5768539" y="6422952"/>
             <a:ext cx="1042427" cy="461665"/>
           </a:xfrm>
           <a:prstGeom prst="rect">
@@ -4303,7 +4577,7 @@
         </p:nvSpPr>
         <p:spPr>
           <a:xfrm>
-            <a:off x="5125731" y="5652513"/>
+            <a:off x="5125731" y="6528813"/>
             <a:ext cx="742393" cy="204178"/>
           </a:xfrm>
           <a:prstGeom prst="arc">
@@ -4366,7 +4640,7 @@
         </p:nvCxnSpPr>
         <p:spPr>
           <a:xfrm flipH="1">
-            <a:off x="4500357" y="5966961"/>
+            <a:off x="4500357" y="6843261"/>
             <a:ext cx="302517" cy="220806"/>
           </a:xfrm>
           <a:prstGeom prst="straightConnector1">
@@ -4410,7 +4684,7 @@
         </p:nvSpPr>
         <p:spPr>
           <a:xfrm>
-            <a:off x="4922177" y="5546651"/>
+            <a:off x="4922177" y="6422951"/>
             <a:ext cx="113445" cy="800220"/>
           </a:xfrm>
           <a:prstGeom prst="leftBrace">
@@ -4466,7 +4740,7 @@
         </p:nvSpPr>
         <p:spPr>
           <a:xfrm>
-            <a:off x="1424215" y="6868032"/>
+            <a:off x="1424215" y="7744332"/>
             <a:ext cx="1367573" cy="307777"/>
           </a:xfrm>
           <a:prstGeom prst="rect">
@@ -4515,7 +4789,7 @@
         </p:nvSpPr>
         <p:spPr>
           <a:xfrm>
-            <a:off x="2811779" y="6873565"/>
+            <a:off x="2811779" y="7749865"/>
             <a:ext cx="2109932" cy="307777"/>
           </a:xfrm>
           <a:prstGeom prst="rect">
@@ -4564,7 +4838,7 @@
         </p:nvSpPr>
         <p:spPr>
           <a:xfrm>
-            <a:off x="1067309" y="7084008"/>
+            <a:off x="1067309" y="7960308"/>
             <a:ext cx="2109932" cy="830997"/>
           </a:xfrm>
           <a:prstGeom prst="rect">
@@ -4645,7 +4919,7 @@
         </p:nvSpPr>
         <p:spPr>
           <a:xfrm>
-            <a:off x="-158108" y="7175809"/>
+            <a:off x="-158108" y="8052109"/>
             <a:ext cx="1562331" cy="646331"/>
           </a:xfrm>
           <a:prstGeom prst="rect">
@@ -4710,7 +4984,7 @@
         </p:nvSpPr>
         <p:spPr>
           <a:xfrm>
-            <a:off x="1653529" y="7370662"/>
+            <a:off x="1653529" y="8246962"/>
             <a:ext cx="45719" cy="307777"/>
           </a:xfrm>
           <a:prstGeom prst="leftBrace">
@@ -4768,7 +5042,7 @@
         </p:nvCxnSpPr>
         <p:spPr>
           <a:xfrm>
-            <a:off x="963498" y="7518827"/>
+            <a:off x="963498" y="8395127"/>
             <a:ext cx="566588" cy="5723"/>
           </a:xfrm>
           <a:prstGeom prst="straightConnector1">
@@ -4814,7 +5088,7 @@
         </p:nvCxnSpPr>
         <p:spPr>
           <a:xfrm>
-            <a:off x="3428998" y="5164698"/>
+            <a:off x="3428998" y="6040998"/>
             <a:ext cx="0" cy="1008000"/>
           </a:xfrm>
           <a:prstGeom prst="straightConnector1">
@@ -4858,7 +5132,7 @@
         </p:nvSpPr>
         <p:spPr>
           <a:xfrm>
-            <a:off x="4046221" y="8268209"/>
+            <a:off x="4046221" y="9144509"/>
             <a:ext cx="2902922" cy="1231106"/>
           </a:xfrm>
           <a:prstGeom prst="rect">
@@ -4965,7 +5239,7 @@
         </p:nvSpPr>
         <p:spPr>
           <a:xfrm>
-            <a:off x="1190658" y="8287493"/>
+            <a:off x="1190658" y="9163793"/>
             <a:ext cx="2580199" cy="738664"/>
           </a:xfrm>
           <a:prstGeom prst="rect">
@@ -5033,7 +5307,7 @@
         </p:nvSpPr>
         <p:spPr>
           <a:xfrm>
-            <a:off x="1149350" y="9561771"/>
+            <a:off x="1149350" y="10438071"/>
             <a:ext cx="2580199" cy="307777"/>
           </a:xfrm>
           <a:prstGeom prst="rect">
@@ -5075,7 +5349,7 @@
         </p:nvSpPr>
         <p:spPr>
           <a:xfrm>
-            <a:off x="1560756" y="11451504"/>
+            <a:off x="1560756" y="12327804"/>
             <a:ext cx="4026051" cy="1600438"/>
           </a:xfrm>
           <a:prstGeom prst="rect">
@@ -5217,7 +5491,7 @@
         </p:nvCxnSpPr>
         <p:spPr>
           <a:xfrm>
-            <a:off x="1991830" y="7895766"/>
+            <a:off x="1991830" y="8772066"/>
             <a:ext cx="229476" cy="392521"/>
           </a:xfrm>
           <a:prstGeom prst="straightConnector1">
@@ -5263,7 +5537,7 @@
         </p:nvCxnSpPr>
         <p:spPr>
           <a:xfrm flipH="1">
-            <a:off x="2959673" y="7138836"/>
+            <a:off x="2959673" y="8015136"/>
             <a:ext cx="807769" cy="1149451"/>
           </a:xfrm>
           <a:prstGeom prst="straightConnector1">
@@ -5309,7 +5583,7 @@
         </p:nvCxnSpPr>
         <p:spPr>
           <a:xfrm flipH="1">
-            <a:off x="2408824" y="8981561"/>
+            <a:off x="2408824" y="9857861"/>
             <a:ext cx="1" cy="612262"/>
           </a:xfrm>
           <a:prstGeom prst="straightConnector1">
@@ -5355,7 +5629,7 @@
         </p:nvCxnSpPr>
         <p:spPr>
           <a:xfrm>
-            <a:off x="3428998" y="6588951"/>
+            <a:off x="3428998" y="7465251"/>
             <a:ext cx="274322" cy="350964"/>
           </a:xfrm>
           <a:prstGeom prst="straightConnector1">
@@ -5401,7 +5675,7 @@
         </p:nvCxnSpPr>
         <p:spPr>
           <a:xfrm flipH="1">
-            <a:off x="2466718" y="6581883"/>
+            <a:off x="2466718" y="7458183"/>
             <a:ext cx="962280" cy="364391"/>
           </a:xfrm>
           <a:prstGeom prst="straightConnector1">
@@ -5448,7 +5722,7 @@
         </p:nvCxnSpPr>
         <p:spPr>
           <a:xfrm>
-            <a:off x="4402658" y="6403366"/>
+            <a:off x="4402658" y="7279666"/>
             <a:ext cx="1095024" cy="1864843"/>
           </a:xfrm>
           <a:prstGeom prst="straightConnector1">
@@ -5495,7 +5769,7 @@
         </p:nvCxnSpPr>
         <p:spPr>
           <a:xfrm>
-            <a:off x="4708867" y="6072290"/>
+            <a:off x="4708867" y="6948590"/>
             <a:ext cx="788815" cy="2195919"/>
           </a:xfrm>
           <a:prstGeom prst="straightConnector1">
@@ -5541,7 +5815,7 @@
         </p:nvCxnSpPr>
         <p:spPr>
           <a:xfrm>
-            <a:off x="2439450" y="9869548"/>
+            <a:off x="2439450" y="10745848"/>
             <a:ext cx="1080323" cy="955482"/>
           </a:xfrm>
           <a:prstGeom prst="line">
@@ -5587,7 +5861,7 @@
         </p:nvCxnSpPr>
         <p:spPr>
           <a:xfrm flipH="1">
-            <a:off x="3519773" y="9499315"/>
+            <a:off x="3519773" y="10375615"/>
             <a:ext cx="1977909" cy="1324857"/>
           </a:xfrm>
           <a:prstGeom prst="line">
@@ -5632,7 +5906,7 @@
         </p:nvCxnSpPr>
         <p:spPr>
           <a:xfrm flipH="1">
-            <a:off x="3519772" y="10824172"/>
+            <a:off x="3519772" y="11700472"/>
             <a:ext cx="1" cy="612262"/>
           </a:xfrm>
           <a:prstGeom prst="straightConnector1">
@@ -5676,7 +5950,7 @@
         </p:nvSpPr>
         <p:spPr>
           <a:xfrm>
-            <a:off x="6350" y="11450193"/>
+            <a:off x="6350" y="12326493"/>
             <a:ext cx="1149350" cy="431800"/>
           </a:xfrm>
           <a:prstGeom prst="roundRect">
@@ -5738,7 +6012,7 @@
         </p:nvSpPr>
         <p:spPr>
           <a:xfrm>
-            <a:off x="312296" y="5622616"/>
+            <a:off x="312296" y="6498916"/>
             <a:ext cx="2069798" cy="307777"/>
           </a:xfrm>
           <a:prstGeom prst="rect">
@@ -5789,7 +6063,7 @@
         </p:nvCxnSpPr>
         <p:spPr>
           <a:xfrm flipV="1">
-            <a:off x="1885948" y="5164698"/>
+            <a:off x="1885948" y="6040998"/>
             <a:ext cx="580770" cy="519069"/>
           </a:xfrm>
           <a:prstGeom prst="straightConnector1">
@@ -5835,7 +6109,7 @@
         </p:nvCxnSpPr>
         <p:spPr>
           <a:xfrm>
-            <a:off x="1873716" y="5883004"/>
+            <a:off x="1873716" y="6759304"/>
             <a:ext cx="472167" cy="355166"/>
           </a:xfrm>
           <a:prstGeom prst="straightConnector1">
@@ -5865,12 +6139,63 @@
           </a:fontRef>
         </p:style>
       </p:cxnSp>
+      <p:sp>
+        <p:nvSpPr>
+          <p:cNvPr id="74" name="TextBox 73">
+            <a:extLst>
+              <a:ext uri="{FF2B5EF4-FFF2-40B4-BE49-F238E27FC236}">
+                <a16:creationId xmlns:a16="http://schemas.microsoft.com/office/drawing/2014/main" id="{B4EA40A6-D993-4327-B332-6BA086810054}"/>
+              </a:ext>
+            </a:extLst>
+          </p:cNvPr>
+          <p:cNvSpPr txBox="1"/>
+          <p:nvPr/>
+        </p:nvSpPr>
+        <p:spPr>
+          <a:xfrm>
+            <a:off x="5058242" y="-27147"/>
+            <a:ext cx="1890901" cy="1384995"/>
+          </a:xfrm>
+          <a:prstGeom prst="rect">
+            <a:avLst/>
+          </a:prstGeom>
+          <a:noFill/>
+        </p:spPr>
+        <p:txBody>
+          <a:bodyPr wrap="square" rtlCol="0">
+            <a:spAutoFit/>
+          </a:bodyPr>
+          <a:lstStyle/>
+          <a:p>
+            <a:pPr algn="ctr"/>
+            <a:r>
+              <a:rPr lang="en-GB" sz="1050" i="1" dirty="0">
+                <a:solidFill>
+                  <a:srgbClr val="969696"/>
+                </a:solidFill>
+              </a:rPr>
+              <a:t>Numbers in circles indicate the project section to which the associated work (indicated by colour) corresponds</a:t>
+            </a:r>
+          </a:p>
+          <a:p>
+            <a:pPr algn="ctr"/>
+            <a:r>
+              <a:rPr lang="en-GB" sz="1050" i="1" dirty="0">
+                <a:solidFill>
+                  <a:srgbClr val="969696"/>
+                </a:solidFill>
+              </a:rPr>
+              <a:t>Additionally each numbered script is given its own flow chart to demonstrate the process of the script.</a:t>
+            </a:r>
+          </a:p>
+        </p:txBody>
+      </p:sp>
       <p:grpSp>
         <p:nvGrpSpPr>
-          <p:cNvPr id="7" name="Group 6">
+          <p:cNvPr id="15" name="Group 14">
             <a:extLst>
               <a:ext uri="{FF2B5EF4-FFF2-40B4-BE49-F238E27FC236}">
-                <a16:creationId xmlns:a16="http://schemas.microsoft.com/office/drawing/2014/main" id="{4F279F56-716C-4D11-9918-2351AE9F1A79}"/>
+                <a16:creationId xmlns:a16="http://schemas.microsoft.com/office/drawing/2014/main" id="{4ADA4D7F-E767-4840-8670-E45CBA74A7E4}"/>
               </a:ext>
             </a:extLst>
           </p:cNvPr>
@@ -5879,76 +6204,18 @@
         </p:nvGrpSpPr>
         <p:grpSpPr>
           <a:xfrm>
-            <a:off x="5580912" y="1495009"/>
-            <a:ext cx="360000" cy="358577"/>
-            <a:chOff x="1387903" y="622415"/>
-            <a:chExt cx="360000" cy="358577"/>
+            <a:off x="67249" y="-6115"/>
+            <a:ext cx="5643384" cy="3418955"/>
+            <a:chOff x="67249" y="-6115"/>
+            <a:chExt cx="5643384" cy="3418955"/>
           </a:xfrm>
         </p:grpSpPr>
         <p:sp>
           <p:nvSpPr>
-            <p:cNvPr id="4" name="Oval 3">
+            <p:cNvPr id="5" name="TextBox 4">
               <a:extLst>
                 <a:ext uri="{FF2B5EF4-FFF2-40B4-BE49-F238E27FC236}">
-                  <a16:creationId xmlns:a16="http://schemas.microsoft.com/office/drawing/2014/main" id="{79B7DE22-94E0-487A-AF12-8C40B8CE033C}"/>
-                </a:ext>
-              </a:extLst>
-            </p:cNvPr>
-            <p:cNvSpPr/>
-            <p:nvPr/>
-          </p:nvSpPr>
-          <p:spPr>
-            <a:xfrm>
-              <a:off x="1387903" y="622415"/>
-              <a:ext cx="360000" cy="358577"/>
-            </a:xfrm>
-            <a:prstGeom prst="ellipse">
-              <a:avLst/>
-            </a:prstGeom>
-            <a:solidFill>
-              <a:schemeClr val="accent2">
-                <a:lumMod val="75000"/>
-              </a:schemeClr>
-            </a:solidFill>
-            <a:ln>
-              <a:solidFill>
-                <a:schemeClr val="accent2">
-                  <a:lumMod val="50000"/>
-                </a:schemeClr>
-              </a:solidFill>
-            </a:ln>
-          </p:spPr>
-          <p:style>
-            <a:lnRef idx="2">
-              <a:schemeClr val="accent2">
-                <a:shade val="50000"/>
-              </a:schemeClr>
-            </a:lnRef>
-            <a:fillRef idx="1">
-              <a:schemeClr val="accent2"/>
-            </a:fillRef>
-            <a:effectRef idx="0">
-              <a:schemeClr val="accent2"/>
-            </a:effectRef>
-            <a:fontRef idx="minor">
-              <a:schemeClr val="lt1"/>
-            </a:fontRef>
-          </p:style>
-          <p:txBody>
-            <a:bodyPr rtlCol="0" anchor="ctr"/>
-            <a:lstStyle/>
-            <a:p>
-              <a:pPr algn="ctr"/>
-              <a:endParaRPr lang="en-GB"/>
-            </a:p>
-          </p:txBody>
-        </p:sp>
-        <p:sp>
-          <p:nvSpPr>
-            <p:cNvPr id="56" name="TextBox 55">
-              <a:extLst>
-                <a:ext uri="{FF2B5EF4-FFF2-40B4-BE49-F238E27FC236}">
-                  <a16:creationId xmlns:a16="http://schemas.microsoft.com/office/drawing/2014/main" id="{1DA7A23F-4E09-467E-9B89-298040C40209}"/>
+                  <a16:creationId xmlns:a16="http://schemas.microsoft.com/office/drawing/2014/main" id="{2E248D1A-A8D2-43F0-B15C-D95B9A19A56D}"/>
                 </a:ext>
               </a:extLst>
             </p:cNvPr>
@@ -5957,8 +6224,390 @@
           </p:nvSpPr>
           <p:spPr>
             <a:xfrm>
-              <a:off x="1435720" y="649486"/>
-              <a:ext cx="276037" cy="307777"/>
+              <a:off x="4990692" y="2685815"/>
+              <a:ext cx="719941" cy="276999"/>
+            </a:xfrm>
+            <a:prstGeom prst="rect">
+              <a:avLst/>
+            </a:prstGeom>
+            <a:noFill/>
+          </p:spPr>
+          <p:txBody>
+            <a:bodyPr wrap="none" rtlCol="0">
+              <a:spAutoFit/>
+            </a:bodyPr>
+            <a:lstStyle/>
+            <a:p>
+              <a:r>
+                <a:rPr lang="en-GB" sz="1200" i="1" dirty="0">
+                  <a:solidFill>
+                    <a:schemeClr val="accent2">
+                      <a:lumMod val="75000"/>
+                    </a:schemeClr>
+                  </a:solidFill>
+                </a:rPr>
+                <a:t>Leighton</a:t>
+              </a:r>
+            </a:p>
+          </p:txBody>
+        </p:sp>
+        <p:sp>
+          <p:nvSpPr>
+            <p:cNvPr id="6" name="TextBox 5">
+              <a:extLst>
+                <a:ext uri="{FF2B5EF4-FFF2-40B4-BE49-F238E27FC236}">
+                  <a16:creationId xmlns:a16="http://schemas.microsoft.com/office/drawing/2014/main" id="{80E9BCFA-92CF-49D7-846E-62DDF1DA254D}"/>
+                </a:ext>
+              </a:extLst>
+            </p:cNvPr>
+            <p:cNvSpPr txBox="1"/>
+            <p:nvPr/>
+          </p:nvSpPr>
+          <p:spPr>
+            <a:xfrm>
+              <a:off x="195742" y="584737"/>
+              <a:ext cx="2663076" cy="461665"/>
+            </a:xfrm>
+            <a:prstGeom prst="rect">
+              <a:avLst/>
+            </a:prstGeom>
+            <a:noFill/>
+          </p:spPr>
+          <p:txBody>
+            <a:bodyPr wrap="square" rtlCol="0">
+              <a:spAutoFit/>
+            </a:bodyPr>
+            <a:lstStyle/>
+            <a:p>
+              <a:pPr algn="ctr"/>
+              <a:r>
+                <a:rPr lang="en-GB" sz="1200" i="1" dirty="0">
+                  <a:solidFill>
+                    <a:schemeClr val="accent2">
+                      <a:lumMod val="75000"/>
+                    </a:schemeClr>
+                  </a:solidFill>
+                </a:rPr>
+                <a:t>Filter plant pathogens and biomass degraders – evidence from literature</a:t>
+              </a:r>
+            </a:p>
+          </p:txBody>
+        </p:sp>
+        <p:cxnSp>
+          <p:nvCxnSpPr>
+            <p:cNvPr id="10" name="Straight Arrow Connector 9">
+              <a:extLst>
+                <a:ext uri="{FF2B5EF4-FFF2-40B4-BE49-F238E27FC236}">
+                  <a16:creationId xmlns:a16="http://schemas.microsoft.com/office/drawing/2014/main" id="{D9868C56-244A-451F-91A2-02330C0C5C5E}"/>
+                </a:ext>
+              </a:extLst>
+            </p:cNvPr>
+            <p:cNvCxnSpPr>
+              <a:cxnSpLocks/>
+            </p:cNvCxnSpPr>
+            <p:nvPr/>
+          </p:nvCxnSpPr>
+          <p:spPr>
+            <a:xfrm>
+              <a:off x="2549287" y="2605189"/>
+              <a:ext cx="627954" cy="0"/>
+            </a:xfrm>
+            <a:prstGeom prst="straightConnector1">
+              <a:avLst/>
+            </a:prstGeom>
+            <a:ln>
+              <a:tailEnd type="triangle"/>
+            </a:ln>
+          </p:spPr>
+          <p:style>
+            <a:lnRef idx="1">
+              <a:schemeClr val="accent2"/>
+            </a:lnRef>
+            <a:fillRef idx="0">
+              <a:schemeClr val="accent2"/>
+            </a:fillRef>
+            <a:effectRef idx="0">
+              <a:schemeClr val="accent2"/>
+            </a:effectRef>
+            <a:fontRef idx="minor">
+              <a:schemeClr val="tx1"/>
+            </a:fontRef>
+          </p:style>
+        </p:cxnSp>
+        <p:cxnSp>
+          <p:nvCxnSpPr>
+            <p:cNvPr id="20" name="Straight Arrow Connector 19">
+              <a:extLst>
+                <a:ext uri="{FF2B5EF4-FFF2-40B4-BE49-F238E27FC236}">
+                  <a16:creationId xmlns:a16="http://schemas.microsoft.com/office/drawing/2014/main" id="{658808FB-0384-4F82-AE99-29B2A1D7EF48}"/>
+                </a:ext>
+              </a:extLst>
+            </p:cNvPr>
+            <p:cNvCxnSpPr>
+              <a:cxnSpLocks/>
+            </p:cNvCxnSpPr>
+            <p:nvPr/>
+          </p:nvCxnSpPr>
+          <p:spPr>
+            <a:xfrm>
+              <a:off x="1509080" y="1324592"/>
+              <a:ext cx="0" cy="223050"/>
+            </a:xfrm>
+            <a:prstGeom prst="straightConnector1">
+              <a:avLst/>
+            </a:prstGeom>
+            <a:ln>
+              <a:tailEnd type="triangle"/>
+            </a:ln>
+          </p:spPr>
+          <p:style>
+            <a:lnRef idx="1">
+              <a:schemeClr val="accent2"/>
+            </a:lnRef>
+            <a:fillRef idx="0">
+              <a:schemeClr val="accent2"/>
+            </a:fillRef>
+            <a:effectRef idx="0">
+              <a:schemeClr val="accent2"/>
+            </a:effectRef>
+            <a:fontRef idx="minor">
+              <a:schemeClr val="tx1"/>
+            </a:fontRef>
+          </p:style>
+        </p:cxnSp>
+        <p:grpSp>
+          <p:nvGrpSpPr>
+            <p:cNvPr id="7" name="Group 6">
+              <a:extLst>
+                <a:ext uri="{FF2B5EF4-FFF2-40B4-BE49-F238E27FC236}">
+                  <a16:creationId xmlns:a16="http://schemas.microsoft.com/office/drawing/2014/main" id="{4F279F56-716C-4D11-9918-2351AE9F1A79}"/>
+                </a:ext>
+              </a:extLst>
+            </p:cNvPr>
+            <p:cNvGrpSpPr/>
+            <p:nvPr/>
+          </p:nvGrpSpPr>
+          <p:grpSpPr>
+            <a:xfrm>
+              <a:off x="67249" y="2425901"/>
+              <a:ext cx="360000" cy="358577"/>
+              <a:chOff x="1387903" y="622415"/>
+              <a:chExt cx="360000" cy="358577"/>
+            </a:xfrm>
+          </p:grpSpPr>
+          <p:sp>
+            <p:nvSpPr>
+              <p:cNvPr id="4" name="Oval 3">
+                <a:extLst>
+                  <a:ext uri="{FF2B5EF4-FFF2-40B4-BE49-F238E27FC236}">
+                    <a16:creationId xmlns:a16="http://schemas.microsoft.com/office/drawing/2014/main" id="{79B7DE22-94E0-487A-AF12-8C40B8CE033C}"/>
+                  </a:ext>
+                </a:extLst>
+              </p:cNvPr>
+              <p:cNvSpPr/>
+              <p:nvPr/>
+            </p:nvSpPr>
+            <p:spPr>
+              <a:xfrm>
+                <a:off x="1387903" y="622415"/>
+                <a:ext cx="360000" cy="358577"/>
+              </a:xfrm>
+              <a:prstGeom prst="ellipse">
+                <a:avLst/>
+              </a:prstGeom>
+              <a:solidFill>
+                <a:schemeClr val="accent2">
+                  <a:lumMod val="75000"/>
+                </a:schemeClr>
+              </a:solidFill>
+              <a:ln>
+                <a:solidFill>
+                  <a:schemeClr val="accent2">
+                    <a:lumMod val="50000"/>
+                  </a:schemeClr>
+                </a:solidFill>
+              </a:ln>
+            </p:spPr>
+            <p:style>
+              <a:lnRef idx="2">
+                <a:schemeClr val="accent2">
+                  <a:shade val="50000"/>
+                </a:schemeClr>
+              </a:lnRef>
+              <a:fillRef idx="1">
+                <a:schemeClr val="accent2"/>
+              </a:fillRef>
+              <a:effectRef idx="0">
+                <a:schemeClr val="accent2"/>
+              </a:effectRef>
+              <a:fontRef idx="minor">
+                <a:schemeClr val="lt1"/>
+              </a:fontRef>
+            </p:style>
+            <p:txBody>
+              <a:bodyPr rtlCol="0" anchor="ctr"/>
+              <a:lstStyle/>
+              <a:p>
+                <a:pPr algn="ctr"/>
+                <a:endParaRPr lang="en-GB"/>
+              </a:p>
+            </p:txBody>
+          </p:sp>
+          <p:sp>
+            <p:nvSpPr>
+              <p:cNvPr id="56" name="TextBox 55">
+                <a:extLst>
+                  <a:ext uri="{FF2B5EF4-FFF2-40B4-BE49-F238E27FC236}">
+                    <a16:creationId xmlns:a16="http://schemas.microsoft.com/office/drawing/2014/main" id="{1DA7A23F-4E09-467E-9B89-298040C40209}"/>
+                  </a:ext>
+                </a:extLst>
+              </p:cNvPr>
+              <p:cNvSpPr txBox="1"/>
+              <p:nvPr/>
+            </p:nvSpPr>
+            <p:spPr>
+              <a:xfrm>
+                <a:off x="1435720" y="649486"/>
+                <a:ext cx="276037" cy="307777"/>
+              </a:xfrm>
+              <a:prstGeom prst="rect">
+                <a:avLst/>
+              </a:prstGeom>
+              <a:noFill/>
+            </p:spPr>
+            <p:txBody>
+              <a:bodyPr wrap="none" rtlCol="0">
+                <a:spAutoFit/>
+              </a:bodyPr>
+              <a:lstStyle/>
+              <a:p>
+                <a:pPr algn="ctr"/>
+                <a:r>
+                  <a:rPr lang="en-GB" sz="1400" b="1" dirty="0">
+                    <a:solidFill>
+                      <a:schemeClr val="tx1">
+                        <a:lumMod val="85000"/>
+                        <a:lumOff val="15000"/>
+                      </a:schemeClr>
+                    </a:solidFill>
+                  </a:rPr>
+                  <a:t>1</a:t>
+                </a:r>
+                <a:endParaRPr lang="en-GB" sz="1200" dirty="0">
+                  <a:solidFill>
+                    <a:schemeClr val="tx1">
+                      <a:lumMod val="85000"/>
+                      <a:lumOff val="15000"/>
+                    </a:schemeClr>
+                  </a:solidFill>
+                </a:endParaRPr>
+              </a:p>
+            </p:txBody>
+          </p:sp>
+        </p:grpSp>
+        <p:sp>
+          <p:nvSpPr>
+            <p:cNvPr id="66" name="TextBox 65">
+              <a:extLst>
+                <a:ext uri="{FF2B5EF4-FFF2-40B4-BE49-F238E27FC236}">
+                  <a16:creationId xmlns:a16="http://schemas.microsoft.com/office/drawing/2014/main" id="{CC488942-9D81-47A8-9878-D69231F4189F}"/>
+                </a:ext>
+              </a:extLst>
+            </p:cNvPr>
+            <p:cNvSpPr txBox="1"/>
+            <p:nvPr/>
+          </p:nvSpPr>
+          <p:spPr>
+            <a:xfrm>
+              <a:off x="220554" y="-6115"/>
+              <a:ext cx="2613453" cy="461665"/>
+            </a:xfrm>
+            <a:prstGeom prst="rect">
+              <a:avLst/>
+            </a:prstGeom>
+            <a:noFill/>
+          </p:spPr>
+          <p:txBody>
+            <a:bodyPr wrap="square" rtlCol="0">
+              <a:spAutoFit/>
+            </a:bodyPr>
+            <a:lstStyle/>
+            <a:p>
+              <a:pPr algn="ctr"/>
+              <a:r>
+                <a:rPr lang="en-GB" sz="1200" i="1" dirty="0">
+                  <a:solidFill>
+                    <a:schemeClr val="accent2">
+                      <a:lumMod val="75000"/>
+                    </a:schemeClr>
+                  </a:solidFill>
+                </a:rPr>
+                <a:t>Fungi &amp; Oomycete species with genomic assemblies in NCBI</a:t>
+              </a:r>
+            </a:p>
+          </p:txBody>
+        </p:sp>
+        <p:sp>
+          <p:nvSpPr>
+            <p:cNvPr id="67" name="TextBox 66">
+              <a:extLst>
+                <a:ext uri="{FF2B5EF4-FFF2-40B4-BE49-F238E27FC236}">
+                  <a16:creationId xmlns:a16="http://schemas.microsoft.com/office/drawing/2014/main" id="{2A25AE5D-ED4B-4821-AF48-118C4C5A8552}"/>
+                </a:ext>
+              </a:extLst>
+            </p:cNvPr>
+            <p:cNvSpPr txBox="1"/>
+            <p:nvPr/>
+          </p:nvSpPr>
+          <p:spPr>
+            <a:xfrm>
+              <a:off x="389919" y="2443356"/>
+              <a:ext cx="2213827" cy="307777"/>
+            </a:xfrm>
+            <a:prstGeom prst="rect">
+              <a:avLst/>
+            </a:prstGeom>
+            <a:noFill/>
+          </p:spPr>
+          <p:txBody>
+            <a:bodyPr wrap="square" rtlCol="0">
+              <a:spAutoFit/>
+            </a:bodyPr>
+            <a:lstStyle/>
+            <a:p>
+              <a:pPr algn="ctr"/>
+              <a:r>
+                <a:rPr lang="en-GB" sz="1400" b="1" dirty="0">
+                  <a:solidFill>
+                    <a:schemeClr val="accent2"/>
+                  </a:solidFill>
+                </a:rPr>
+                <a:t>Extract_genomes_NCBI.py</a:t>
+              </a:r>
+              <a:endParaRPr lang="en-GB" sz="1200" b="1" dirty="0">
+                <a:solidFill>
+                  <a:schemeClr val="accent2"/>
+                </a:solidFill>
+              </a:endParaRPr>
+            </a:p>
+          </p:txBody>
+        </p:sp>
+        <p:sp>
+          <p:nvSpPr>
+            <p:cNvPr id="70" name="TextBox 69">
+              <a:extLst>
+                <a:ext uri="{FF2B5EF4-FFF2-40B4-BE49-F238E27FC236}">
+                  <a16:creationId xmlns:a16="http://schemas.microsoft.com/office/drawing/2014/main" id="{5B1FC922-8E89-4CE5-82FF-92395C888500}"/>
+                </a:ext>
+              </a:extLst>
+            </p:cNvPr>
+            <p:cNvSpPr txBox="1"/>
+            <p:nvPr/>
+          </p:nvSpPr>
+          <p:spPr>
+            <a:xfrm>
+              <a:off x="2740562" y="2243289"/>
+              <a:ext cx="1723549" cy="1169551"/>
             </a:xfrm>
             <a:prstGeom prst="rect">
               <a:avLst/>
@@ -5975,314 +6624,361 @@
               <a:r>
                 <a:rPr lang="en-GB" sz="1400" b="1" dirty="0">
                   <a:solidFill>
-                    <a:schemeClr val="tx1">
-                      <a:lumMod val="85000"/>
-                      <a:lumOff val="15000"/>
-                    </a:schemeClr>
+                    <a:schemeClr val="accent2"/>
                   </a:solidFill>
                 </a:rPr>
-                <a:t>1</a:t>
+                <a:t>Genomic Assemblies</a:t>
               </a:r>
-              <a:endParaRPr lang="en-GB" sz="1200" dirty="0">
-                <a:solidFill>
-                  <a:schemeClr val="tx1">
-                    <a:lumMod val="85000"/>
-                    <a:lumOff val="15000"/>
-                  </a:schemeClr>
+            </a:p>
+            <a:p>
+              <a:pPr algn="ctr"/>
+              <a:r>
+                <a:rPr lang="en-GB" sz="1400" dirty="0">
+                  <a:solidFill>
+                    <a:schemeClr val="accent2"/>
+                  </a:solidFill>
+                </a:rPr>
+                <a:t>From NCBI</a:t>
+              </a:r>
+            </a:p>
+            <a:p>
+              <a:pPr algn="ctr"/>
+              <a:r>
+                <a:rPr lang="en-GB" sz="1400" dirty="0">
+                  <a:solidFill>
+                    <a:schemeClr val="accent2"/>
+                  </a:solidFill>
+                </a:rPr>
+                <a:t>From collaborators</a:t>
+              </a:r>
+            </a:p>
+            <a:p>
+              <a:pPr algn="ctr"/>
+              <a:endParaRPr lang="en-GB" sz="1400" b="1" dirty="0">
+                <a:solidFill>
+                  <a:schemeClr val="accent2"/>
+                </a:solidFill>
+              </a:endParaRPr>
+            </a:p>
+            <a:p>
+              <a:pPr algn="ctr"/>
+              <a:endParaRPr lang="en-GB" sz="1400" dirty="0">
+                <a:solidFill>
+                  <a:schemeClr val="accent2"/>
                 </a:solidFill>
               </a:endParaRPr>
             </a:p>
           </p:txBody>
         </p:sp>
+        <p:cxnSp>
+          <p:nvCxnSpPr>
+            <p:cNvPr id="71" name="Straight Arrow Connector 70">
+              <a:extLst>
+                <a:ext uri="{FF2B5EF4-FFF2-40B4-BE49-F238E27FC236}">
+                  <a16:creationId xmlns:a16="http://schemas.microsoft.com/office/drawing/2014/main" id="{CF7515A4-9C72-4DB1-9C1D-8E9271DAFD7A}"/>
+                </a:ext>
+              </a:extLst>
+            </p:cNvPr>
+            <p:cNvCxnSpPr>
+              <a:cxnSpLocks/>
+            </p:cNvCxnSpPr>
+            <p:nvPr/>
+          </p:nvCxnSpPr>
+          <p:spPr>
+            <a:xfrm flipH="1">
+              <a:off x="4295775" y="2825640"/>
+              <a:ext cx="762467" cy="0"/>
+            </a:xfrm>
+            <a:prstGeom prst="straightConnector1">
+              <a:avLst/>
+            </a:prstGeom>
+            <a:ln>
+              <a:tailEnd type="triangle"/>
+            </a:ln>
+          </p:spPr>
+          <p:style>
+            <a:lnRef idx="1">
+              <a:schemeClr val="accent2"/>
+            </a:lnRef>
+            <a:fillRef idx="0">
+              <a:schemeClr val="accent2"/>
+            </a:fillRef>
+            <a:effectRef idx="0">
+              <a:schemeClr val="accent2"/>
+            </a:effectRef>
+            <a:fontRef idx="minor">
+              <a:schemeClr val="tx1"/>
+            </a:fontRef>
+          </p:style>
+        </p:cxnSp>
+        <p:sp>
+          <p:nvSpPr>
+            <p:cNvPr id="72" name="TextBox 71">
+              <a:extLst>
+                <a:ext uri="{FF2B5EF4-FFF2-40B4-BE49-F238E27FC236}">
+                  <a16:creationId xmlns:a16="http://schemas.microsoft.com/office/drawing/2014/main" id="{965D4E59-DB2C-494C-95EB-9A293DEA74CF}"/>
+                </a:ext>
+              </a:extLst>
+            </p:cNvPr>
+            <p:cNvSpPr txBox="1"/>
+            <p:nvPr/>
+          </p:nvSpPr>
+          <p:spPr>
+            <a:xfrm>
+              <a:off x="195742" y="956719"/>
+              <a:ext cx="2663076" cy="415498"/>
+            </a:xfrm>
+            <a:prstGeom prst="rect">
+              <a:avLst/>
+            </a:prstGeom>
+            <a:noFill/>
+          </p:spPr>
+          <p:txBody>
+            <a:bodyPr wrap="square" rtlCol="0">
+              <a:spAutoFit/>
+            </a:bodyPr>
+            <a:lstStyle/>
+            <a:p>
+              <a:pPr algn="ctr"/>
+              <a:r>
+                <a:rPr lang="en-GB" sz="1050" i="1" dirty="0">
+                  <a:solidFill>
+                    <a:schemeClr val="accent2">
+                      <a:lumMod val="60000"/>
+                      <a:lumOff val="40000"/>
+                    </a:schemeClr>
+                  </a:solidFill>
+                </a:rPr>
+                <a:t>Selection method / reasoning for decisions laid out in Selected_species.md</a:t>
+              </a:r>
+            </a:p>
+          </p:txBody>
+        </p:sp>
+        <p:sp>
+          <p:nvSpPr>
+            <p:cNvPr id="68" name="TextBox 67">
+              <a:extLst>
+                <a:ext uri="{FF2B5EF4-FFF2-40B4-BE49-F238E27FC236}">
+                  <a16:creationId xmlns:a16="http://schemas.microsoft.com/office/drawing/2014/main" id="{890F7AF2-3A73-4337-BED9-80813FCB6737}"/>
+                </a:ext>
+              </a:extLst>
+            </p:cNvPr>
+            <p:cNvSpPr txBox="1"/>
+            <p:nvPr/>
+          </p:nvSpPr>
+          <p:spPr>
+            <a:xfrm>
+              <a:off x="628057" y="1498978"/>
+              <a:ext cx="1706950" cy="276999"/>
+            </a:xfrm>
+            <a:prstGeom prst="rect">
+              <a:avLst/>
+            </a:prstGeom>
+            <a:noFill/>
+          </p:spPr>
+          <p:txBody>
+            <a:bodyPr wrap="square" rtlCol="0">
+              <a:spAutoFit/>
+            </a:bodyPr>
+            <a:lstStyle/>
+            <a:p>
+              <a:pPr algn="ctr"/>
+              <a:r>
+                <a:rPr lang="en-GB" sz="1200" b="1" dirty="0">
+                  <a:solidFill>
+                    <a:schemeClr val="accent2">
+                      <a:lumMod val="75000"/>
+                    </a:schemeClr>
+                  </a:solidFill>
+                </a:rPr>
+                <a:t>Species_list.txt</a:t>
+              </a:r>
+            </a:p>
+          </p:txBody>
+        </p:sp>
+        <p:sp>
+          <p:nvSpPr>
+            <p:cNvPr id="76" name="TextBox 75">
+              <a:extLst>
+                <a:ext uri="{FF2B5EF4-FFF2-40B4-BE49-F238E27FC236}">
+                  <a16:creationId xmlns:a16="http://schemas.microsoft.com/office/drawing/2014/main" id="{718FEC57-2474-4213-9A85-84418B145B97}"/>
+                </a:ext>
+              </a:extLst>
+            </p:cNvPr>
+            <p:cNvSpPr txBox="1"/>
+            <p:nvPr/>
+          </p:nvSpPr>
+          <p:spPr>
+            <a:xfrm>
+              <a:off x="489081" y="1709664"/>
+              <a:ext cx="2076397" cy="577081"/>
+            </a:xfrm>
+            <a:prstGeom prst="rect">
+              <a:avLst/>
+            </a:prstGeom>
+            <a:noFill/>
+          </p:spPr>
+          <p:txBody>
+            <a:bodyPr wrap="square" rtlCol="0">
+              <a:spAutoFit/>
+            </a:bodyPr>
+            <a:lstStyle/>
+            <a:p>
+              <a:pPr algn="ctr"/>
+              <a:r>
+                <a:rPr lang="en-GB" sz="1050" i="1" dirty="0">
+                  <a:solidFill>
+                    <a:schemeClr val="accent2">
+                      <a:lumMod val="60000"/>
+                      <a:lumOff val="40000"/>
+                    </a:schemeClr>
+                  </a:solidFill>
+                </a:rPr>
+                <a:t>Plain text file containing the genus and species names of selected fungi and oomycete species</a:t>
+              </a:r>
+            </a:p>
+          </p:txBody>
+        </p:sp>
+        <p:cxnSp>
+          <p:nvCxnSpPr>
+            <p:cNvPr id="84" name="Straight Arrow Connector 83">
+              <a:extLst>
+                <a:ext uri="{FF2B5EF4-FFF2-40B4-BE49-F238E27FC236}">
+                  <a16:creationId xmlns:a16="http://schemas.microsoft.com/office/drawing/2014/main" id="{6268912F-9A0E-4B9A-9AF5-76A8C91B96F7}"/>
+                </a:ext>
+              </a:extLst>
+            </p:cNvPr>
+            <p:cNvCxnSpPr>
+              <a:cxnSpLocks/>
+            </p:cNvCxnSpPr>
+            <p:nvPr/>
+          </p:nvCxnSpPr>
+          <p:spPr>
+            <a:xfrm>
+              <a:off x="1527280" y="400270"/>
+              <a:ext cx="0" cy="223050"/>
+            </a:xfrm>
+            <a:prstGeom prst="straightConnector1">
+              <a:avLst/>
+            </a:prstGeom>
+            <a:ln>
+              <a:tailEnd type="triangle"/>
+            </a:ln>
+          </p:spPr>
+          <p:style>
+            <a:lnRef idx="1">
+              <a:schemeClr val="accent2"/>
+            </a:lnRef>
+            <a:fillRef idx="0">
+              <a:schemeClr val="accent2"/>
+            </a:fillRef>
+            <a:effectRef idx="0">
+              <a:schemeClr val="accent2"/>
+            </a:effectRef>
+            <a:fontRef idx="minor">
+              <a:schemeClr val="tx1"/>
+            </a:fontRef>
+          </p:style>
+        </p:cxnSp>
+        <p:cxnSp>
+          <p:nvCxnSpPr>
+            <p:cNvPr id="86" name="Straight Arrow Connector 85">
+              <a:extLst>
+                <a:ext uri="{FF2B5EF4-FFF2-40B4-BE49-F238E27FC236}">
+                  <a16:creationId xmlns:a16="http://schemas.microsoft.com/office/drawing/2014/main" id="{BB94604A-2B33-42ED-9E21-E49A9DDEBC06}"/>
+                </a:ext>
+              </a:extLst>
+            </p:cNvPr>
+            <p:cNvCxnSpPr>
+              <a:cxnSpLocks/>
+            </p:cNvCxnSpPr>
+            <p:nvPr/>
+          </p:nvCxnSpPr>
+          <p:spPr>
+            <a:xfrm>
+              <a:off x="1491057" y="2267695"/>
+              <a:ext cx="0" cy="223050"/>
+            </a:xfrm>
+            <a:prstGeom prst="straightConnector1">
+              <a:avLst/>
+            </a:prstGeom>
+            <a:ln>
+              <a:tailEnd type="triangle"/>
+            </a:ln>
+          </p:spPr>
+          <p:style>
+            <a:lnRef idx="1">
+              <a:schemeClr val="accent2"/>
+            </a:lnRef>
+            <a:fillRef idx="0">
+              <a:schemeClr val="accent2"/>
+            </a:fillRef>
+            <a:effectRef idx="0">
+              <a:schemeClr val="accent2"/>
+            </a:effectRef>
+            <a:fontRef idx="minor">
+              <a:schemeClr val="tx1"/>
+            </a:fontRef>
+          </p:style>
+        </p:cxnSp>
+        <p:sp>
+          <p:nvSpPr>
+            <p:cNvPr id="87" name="TextBox 86">
+              <a:extLst>
+                <a:ext uri="{FF2B5EF4-FFF2-40B4-BE49-F238E27FC236}">
+                  <a16:creationId xmlns:a16="http://schemas.microsoft.com/office/drawing/2014/main" id="{8B45D38A-385B-4D75-891E-96DC400C877A}"/>
+                </a:ext>
+              </a:extLst>
+            </p:cNvPr>
+            <p:cNvSpPr txBox="1"/>
+            <p:nvPr/>
+          </p:nvSpPr>
+          <p:spPr>
+            <a:xfrm>
+              <a:off x="256212" y="2690683"/>
+              <a:ext cx="2542134" cy="577081"/>
+            </a:xfrm>
+            <a:prstGeom prst="rect">
+              <a:avLst/>
+            </a:prstGeom>
+            <a:noFill/>
+          </p:spPr>
+          <p:txBody>
+            <a:bodyPr wrap="square" rtlCol="0">
+              <a:spAutoFit/>
+            </a:bodyPr>
+            <a:lstStyle/>
+            <a:p>
+              <a:pPr algn="ctr"/>
+              <a:r>
+                <a:rPr lang="en-GB" sz="1050" i="1" dirty="0">
+                  <a:solidFill>
+                    <a:schemeClr val="accent2">
+                      <a:lumMod val="60000"/>
+                      <a:lumOff val="40000"/>
+                    </a:schemeClr>
+                  </a:solidFill>
+                </a:rPr>
+                <a:t>Species names passed to python script.</a:t>
+              </a:r>
+            </a:p>
+            <a:p>
+              <a:pPr algn="ctr"/>
+              <a:r>
+                <a:rPr lang="en-GB" sz="1050" i="1" dirty="0">
+                  <a:solidFill>
+                    <a:schemeClr val="accent2">
+                      <a:lumMod val="60000"/>
+                      <a:lumOff val="40000"/>
+                    </a:schemeClr>
+                  </a:solidFill>
+                </a:rPr>
+                <a:t>Python script will pull genomic assemblies from NCBI Assembly database</a:t>
+              </a:r>
+            </a:p>
+          </p:txBody>
+        </p:sp>
       </p:grpSp>
-      <p:sp>
-        <p:nvSpPr>
-          <p:cNvPr id="66" name="TextBox 65">
-            <a:extLst>
-              <a:ext uri="{FF2B5EF4-FFF2-40B4-BE49-F238E27FC236}">
-                <a16:creationId xmlns:a16="http://schemas.microsoft.com/office/drawing/2014/main" id="{CC488942-9D81-47A8-9878-D69231F4189F}"/>
-              </a:ext>
-            </a:extLst>
-          </p:cNvPr>
-          <p:cNvSpPr txBox="1"/>
-          <p:nvPr/>
-        </p:nvSpPr>
-        <p:spPr>
-          <a:xfrm>
-            <a:off x="960329" y="82082"/>
-            <a:ext cx="1706950" cy="276999"/>
-          </a:xfrm>
-          <a:prstGeom prst="rect">
-            <a:avLst/>
-          </a:prstGeom>
-          <a:noFill/>
-        </p:spPr>
-        <p:txBody>
-          <a:bodyPr wrap="square" rtlCol="0">
-            <a:spAutoFit/>
-          </a:bodyPr>
-          <a:lstStyle/>
-          <a:p>
-            <a:pPr algn="ctr"/>
-            <a:r>
-              <a:rPr lang="en-GB" sz="1200" i="1" dirty="0">
-                <a:solidFill>
-                  <a:schemeClr val="accent2">
-                    <a:lumMod val="75000"/>
-                  </a:schemeClr>
-                </a:solidFill>
-              </a:rPr>
-              <a:t>Fungi &amp; Oomycete</a:t>
-            </a:r>
-          </a:p>
-        </p:txBody>
-      </p:sp>
-      <p:sp>
-        <p:nvSpPr>
-          <p:cNvPr id="67" name="TextBox 66">
-            <a:extLst>
-              <a:ext uri="{FF2B5EF4-FFF2-40B4-BE49-F238E27FC236}">
-                <a16:creationId xmlns:a16="http://schemas.microsoft.com/office/drawing/2014/main" id="{2A25AE5D-ED4B-4821-AF48-118C4C5A8552}"/>
-              </a:ext>
-            </a:extLst>
-          </p:cNvPr>
-          <p:cNvSpPr txBox="1"/>
-          <p:nvPr/>
-        </p:nvSpPr>
-        <p:spPr>
-          <a:xfrm>
-            <a:off x="3372980" y="1433841"/>
-            <a:ext cx="2213827" cy="523220"/>
-          </a:xfrm>
-          <a:prstGeom prst="rect">
-            <a:avLst/>
-          </a:prstGeom>
-          <a:noFill/>
-        </p:spPr>
-        <p:txBody>
-          <a:bodyPr wrap="square" rtlCol="0">
-            <a:spAutoFit/>
-          </a:bodyPr>
-          <a:lstStyle/>
-          <a:p>
-            <a:r>
-              <a:rPr lang="en-GB" sz="1400" i="1" dirty="0">
-                <a:solidFill>
-                  <a:schemeClr val="accent2"/>
-                </a:solidFill>
-              </a:rPr>
-              <a:t>Python script Extract_genomes_NCBI.py</a:t>
-            </a:r>
-            <a:endParaRPr lang="en-GB" sz="1200" i="1" dirty="0">
-              <a:solidFill>
-                <a:schemeClr val="accent2"/>
-              </a:solidFill>
-            </a:endParaRPr>
-          </a:p>
-        </p:txBody>
-      </p:sp>
-      <p:sp>
-        <p:nvSpPr>
-          <p:cNvPr id="70" name="TextBox 69">
-            <a:extLst>
-              <a:ext uri="{FF2B5EF4-FFF2-40B4-BE49-F238E27FC236}">
-                <a16:creationId xmlns:a16="http://schemas.microsoft.com/office/drawing/2014/main" id="{5B1FC922-8E89-4CE5-82FF-92395C888500}"/>
-              </a:ext>
-            </a:extLst>
-          </p:cNvPr>
-          <p:cNvSpPr txBox="1"/>
-          <p:nvPr/>
-        </p:nvSpPr>
-        <p:spPr>
-          <a:xfrm>
-            <a:off x="2567222" y="650144"/>
-            <a:ext cx="1723549" cy="1169551"/>
-          </a:xfrm>
-          <a:prstGeom prst="rect">
-            <a:avLst/>
-          </a:prstGeom>
-          <a:noFill/>
-        </p:spPr>
-        <p:txBody>
-          <a:bodyPr wrap="none" rtlCol="0">
-            <a:spAutoFit/>
-          </a:bodyPr>
-          <a:lstStyle/>
-          <a:p>
-            <a:pPr algn="ctr"/>
-            <a:r>
-              <a:rPr lang="en-GB" sz="1400" b="1" dirty="0">
-                <a:solidFill>
-                  <a:schemeClr val="accent2"/>
-                </a:solidFill>
-              </a:rPr>
-              <a:t>Genomic Assemblies</a:t>
-            </a:r>
-          </a:p>
-          <a:p>
-            <a:pPr algn="ctr"/>
-            <a:r>
-              <a:rPr lang="en-GB" sz="1400" dirty="0">
-                <a:solidFill>
-                  <a:schemeClr val="accent2"/>
-                </a:solidFill>
-              </a:rPr>
-              <a:t>NCBI</a:t>
-            </a:r>
-          </a:p>
-          <a:p>
-            <a:pPr algn="ctr"/>
-            <a:r>
-              <a:rPr lang="en-GB" sz="1400" dirty="0">
-                <a:solidFill>
-                  <a:schemeClr val="accent2"/>
-                </a:solidFill>
-              </a:rPr>
-              <a:t>Collaborators</a:t>
-            </a:r>
-          </a:p>
-          <a:p>
-            <a:pPr algn="ctr"/>
-            <a:endParaRPr lang="en-GB" sz="1400" b="1" dirty="0">
-              <a:solidFill>
-                <a:schemeClr val="accent2"/>
-              </a:solidFill>
-            </a:endParaRPr>
-          </a:p>
-          <a:p>
-            <a:pPr algn="ctr"/>
-            <a:endParaRPr lang="en-GB" sz="1400" dirty="0">
-              <a:solidFill>
-                <a:schemeClr val="accent2"/>
-              </a:solidFill>
-            </a:endParaRPr>
-          </a:p>
-        </p:txBody>
-      </p:sp>
-      <p:cxnSp>
-        <p:nvCxnSpPr>
-          <p:cNvPr id="71" name="Straight Arrow Connector 70">
-            <a:extLst>
-              <a:ext uri="{FF2B5EF4-FFF2-40B4-BE49-F238E27FC236}">
-                <a16:creationId xmlns:a16="http://schemas.microsoft.com/office/drawing/2014/main" id="{CF7515A4-9C72-4DB1-9C1D-8E9271DAFD7A}"/>
-              </a:ext>
-            </a:extLst>
-          </p:cNvPr>
-          <p:cNvCxnSpPr>
-            <a:cxnSpLocks/>
-          </p:cNvCxnSpPr>
-          <p:nvPr/>
-        </p:nvCxnSpPr>
-        <p:spPr>
-          <a:xfrm>
-            <a:off x="2480757" y="1050906"/>
-            <a:ext cx="740038" cy="0"/>
-          </a:xfrm>
-          <a:prstGeom prst="straightConnector1">
-            <a:avLst/>
-          </a:prstGeom>
-          <a:ln>
-            <a:tailEnd type="triangle"/>
-          </a:ln>
-        </p:spPr>
-        <p:style>
-          <a:lnRef idx="1">
-            <a:schemeClr val="accent2"/>
-          </a:lnRef>
-          <a:fillRef idx="0">
-            <a:schemeClr val="accent2"/>
-          </a:fillRef>
-          <a:effectRef idx="0">
-            <a:schemeClr val="accent2"/>
-          </a:effectRef>
-          <a:fontRef idx="minor">
-            <a:schemeClr val="tx1"/>
-          </a:fontRef>
-        </p:style>
-      </p:cxnSp>
-      <p:sp>
-        <p:nvSpPr>
-          <p:cNvPr id="72" name="TextBox 71">
-            <a:extLst>
-              <a:ext uri="{FF2B5EF4-FFF2-40B4-BE49-F238E27FC236}">
-                <a16:creationId xmlns:a16="http://schemas.microsoft.com/office/drawing/2014/main" id="{965D4E59-DB2C-494C-95EB-9A293DEA74CF}"/>
-              </a:ext>
-            </a:extLst>
-          </p:cNvPr>
-          <p:cNvSpPr txBox="1"/>
-          <p:nvPr/>
-        </p:nvSpPr>
-        <p:spPr>
-          <a:xfrm>
-            <a:off x="764712" y="1285785"/>
-            <a:ext cx="1869069" cy="577081"/>
-          </a:xfrm>
-          <a:prstGeom prst="rect">
-            <a:avLst/>
-          </a:prstGeom>
-          <a:noFill/>
-        </p:spPr>
-        <p:txBody>
-          <a:bodyPr wrap="square" rtlCol="0">
-            <a:spAutoFit/>
-          </a:bodyPr>
-          <a:lstStyle/>
-          <a:p>
-            <a:pPr algn="ctr"/>
-            <a:r>
-              <a:rPr lang="en-GB" sz="1050" i="1" dirty="0">
-                <a:solidFill>
-                  <a:schemeClr val="accent2">
-                    <a:lumMod val="60000"/>
-                    <a:lumOff val="40000"/>
-                  </a:schemeClr>
-                </a:solidFill>
-              </a:rPr>
-              <a:t>Selection method / reasoning for decisions laid out in Selected_species.md</a:t>
-            </a:r>
-          </a:p>
-        </p:txBody>
-      </p:sp>
-      <p:sp>
-        <p:nvSpPr>
-          <p:cNvPr id="74" name="TextBox 73">
-            <a:extLst>
-              <a:ext uri="{FF2B5EF4-FFF2-40B4-BE49-F238E27FC236}">
-                <a16:creationId xmlns:a16="http://schemas.microsoft.com/office/drawing/2014/main" id="{B4EA40A6-D993-4327-B332-6BA086810054}"/>
-              </a:ext>
-            </a:extLst>
-          </p:cNvPr>
-          <p:cNvSpPr txBox="1"/>
-          <p:nvPr/>
-        </p:nvSpPr>
-        <p:spPr>
-          <a:xfrm>
-            <a:off x="5058242" y="-27147"/>
-            <a:ext cx="1890901" cy="738664"/>
-          </a:xfrm>
-          <a:prstGeom prst="rect">
-            <a:avLst/>
-          </a:prstGeom>
-          <a:noFill/>
-        </p:spPr>
-        <p:txBody>
-          <a:bodyPr wrap="square" rtlCol="0">
-            <a:spAutoFit/>
-          </a:bodyPr>
-          <a:lstStyle/>
-          <a:p>
-            <a:pPr algn="ctr"/>
-            <a:r>
-              <a:rPr lang="en-GB" sz="1050" i="1" dirty="0">
-                <a:solidFill>
-                  <a:srgbClr val="969696"/>
-                </a:solidFill>
-              </a:rPr>
-              <a:t>Numbers in circles indicate the project section to which the associated work (indicated by colour) corresponds</a:t>
-            </a:r>
-          </a:p>
-        </p:txBody>
-      </p:sp>
     </p:spTree>
     <p:extLst>
       <p:ext uri="{BB962C8B-B14F-4D97-AF65-F5344CB8AC3E}">
@@ -6492,8 +7188,8 @@
         </p:nvSpPr>
         <p:spPr>
           <a:xfrm>
-            <a:off x="2870643" y="1201870"/>
-            <a:ext cx="859531" cy="307777"/>
+            <a:off x="2664114" y="982737"/>
+            <a:ext cx="1272592" cy="523220"/>
           </a:xfrm>
           <a:prstGeom prst="rect">
             <a:avLst/>
@@ -6514,6 +7210,17 @@
                 </a:solidFill>
               </a:rPr>
               <a:t>Input file</a:t>
+            </a:r>
+          </a:p>
+          <a:p>
+            <a:pPr algn="ctr"/>
+            <a:r>
+              <a:rPr lang="en-GB" sz="1400" dirty="0">
+                <a:solidFill>
+                  <a:schemeClr val="accent2"/>
+                </a:solidFill>
+              </a:rPr>
+              <a:t>Species_list.txt</a:t>
             </a:r>
           </a:p>
         </p:txBody>

--- a/Computational_OverFlow_Flow_Charts.pptx
+++ b/Computational_OverFlow_Flow_Charts.pptx
@@ -113,594 +113,43 @@
 </p:presentation>
 </file>
 
-<file path=ppt/revisionInfo.xml><?xml version="1.0" encoding="utf-8"?>
-<p1510:revInfo xmlns:a="http://schemas.openxmlformats.org/drawingml/2006/main" xmlns:r="http://schemas.openxmlformats.org/officeDocument/2006/relationships" xmlns:p1510="http://schemas.microsoft.com/office/powerpoint/2015/10/main">
-  <p1510:revLst>
-    <p1510:client id="{7A5EE4CA-8985-495D-AAF7-D0594B4C61CB}" v="11" dt="2020-03-16T12:07:43.090"/>
-  </p1510:revLst>
-</p1510:revInfo>
-</file>
-
 <file path=ppt/changesInfos/changesInfo1.xml><?xml version="1.0" encoding="utf-8"?>
 <pc:chgInfo xmlns:a="http://schemas.openxmlformats.org/drawingml/2006/main" xmlns:r="http://schemas.openxmlformats.org/officeDocument/2006/relationships" xmlns:ac="http://schemas.microsoft.com/office/drawing/2013/main/command" xmlns:pc="http://schemas.microsoft.com/office/powerpoint/2013/main/command">
   <pc:docChgLst>
-    <pc:chgData name="Emma Hobbs" userId="a4555268070b5a5b" providerId="LiveId" clId="{7A5EE4CA-8985-495D-AAF7-D0594B4C61CB}"/>
-    <pc:docChg chg="undo custSel modSld">
-      <pc:chgData name="Emma Hobbs" userId="a4555268070b5a5b" providerId="LiveId" clId="{7A5EE4CA-8985-495D-AAF7-D0594B4C61CB}" dt="2020-03-16T12:14:10.822" v="659" actId="6549"/>
+    <pc:chgData name="Emma Hobbs" userId="a4555268070b5a5b" providerId="LiveId" clId="{03FE5483-4A79-467E-80AE-91AF3373B2B0}"/>
+    <pc:docChg chg="modSld">
+      <pc:chgData name="Emma Hobbs" userId="a4555268070b5a5b" providerId="LiveId" clId="{03FE5483-4A79-467E-80AE-91AF3373B2B0}" dt="2020-03-23T14:06:57.164" v="87" actId="1076"/>
       <pc:docMkLst>
         <pc:docMk/>
       </pc:docMkLst>
-      <pc:sldChg chg="addSp delSp modSp mod">
-        <pc:chgData name="Emma Hobbs" userId="a4555268070b5a5b" providerId="LiveId" clId="{7A5EE4CA-8985-495D-AAF7-D0594B4C61CB}" dt="2020-03-16T12:14:10.822" v="659" actId="6549"/>
+      <pc:sldChg chg="modSp mod">
+        <pc:chgData name="Emma Hobbs" userId="a4555268070b5a5b" providerId="LiveId" clId="{03FE5483-4A79-467E-80AE-91AF3373B2B0}" dt="2020-03-23T14:06:57.164" v="87" actId="1076"/>
         <pc:sldMkLst>
           <pc:docMk/>
           <pc:sldMk cId="1391225644" sldId="257"/>
         </pc:sldMkLst>
-        <pc:spChg chg="del">
-          <ac:chgData name="Emma Hobbs" userId="a4555268070b5a5b" providerId="LiveId" clId="{7A5EE4CA-8985-495D-AAF7-D0594B4C61CB}" dt="2020-03-16T12:06:27.754" v="470" actId="478"/>
+        <pc:spChg chg="mod">
+          <ac:chgData name="Emma Hobbs" userId="a4555268070b5a5b" providerId="LiveId" clId="{03FE5483-4A79-467E-80AE-91AF3373B2B0}" dt="2020-03-23T14:06:51.799" v="86" actId="1035"/>
           <ac:spMkLst>
             <pc:docMk/>
             <pc:sldMk cId="1391225644" sldId="257"/>
-            <ac:spMk id="2" creationId="{52F1F8BC-D370-4BA9-AFFF-EDE06B095EE0}"/>
+            <ac:spMk id="4" creationId="{79B7DE22-94E0-487A-AF12-8C40B8CE033C}"/>
           </ac:spMkLst>
         </pc:spChg>
         <pc:spChg chg="mod">
-          <ac:chgData name="Emma Hobbs" userId="a4555268070b5a5b" providerId="LiveId" clId="{7A5EE4CA-8985-495D-AAF7-D0594B4C61CB}" dt="2020-03-16T12:07:43.089" v="483" actId="164"/>
+          <ac:chgData name="Emma Hobbs" userId="a4555268070b5a5b" providerId="LiveId" clId="{03FE5483-4A79-467E-80AE-91AF3373B2B0}" dt="2020-03-23T14:06:51.799" v="86" actId="1035"/>
           <ac:spMkLst>
             <pc:docMk/>
             <pc:sldMk cId="1391225644" sldId="257"/>
-            <ac:spMk id="5" creationId="{2E248D1A-A8D2-43F0-B15C-D95B9A19A56D}"/>
+            <ac:spMk id="56" creationId="{1DA7A23F-4E09-467E-9B89-298040C40209}"/>
           </ac:spMkLst>
         </pc:spChg>
         <pc:spChg chg="mod">
-          <ac:chgData name="Emma Hobbs" userId="a4555268070b5a5b" providerId="LiveId" clId="{7A5EE4CA-8985-495D-AAF7-D0594B4C61CB}" dt="2020-03-16T12:07:43.089" v="483" actId="164"/>
-          <ac:spMkLst>
-            <pc:docMk/>
-            <pc:sldMk cId="1391225644" sldId="257"/>
-            <ac:spMk id="6" creationId="{80E9BCFA-92CF-49D7-846E-62DDF1DA254D}"/>
-          </ac:spMkLst>
-        </pc:spChg>
-        <pc:spChg chg="del mod">
-          <ac:chgData name="Emma Hobbs" userId="a4555268070b5a5b" providerId="LiveId" clId="{7A5EE4CA-8985-495D-AAF7-D0594B4C61CB}" dt="2020-03-16T12:07:18.887" v="481" actId="478"/>
-          <ac:spMkLst>
-            <pc:docMk/>
-            <pc:sldMk cId="1391225644" sldId="257"/>
-            <ac:spMk id="14" creationId="{2DFB4E6B-3B19-4384-B813-77E6EDC4A408}"/>
-          </ac:spMkLst>
-        </pc:spChg>
-        <pc:spChg chg="mod">
-          <ac:chgData name="Emma Hobbs" userId="a4555268070b5a5b" providerId="LiveId" clId="{7A5EE4CA-8985-495D-AAF7-D0594B4C61CB}" dt="2020-03-16T12:07:55.937" v="514" actId="1036"/>
-          <ac:spMkLst>
-            <pc:docMk/>
-            <pc:sldMk cId="1391225644" sldId="257"/>
-            <ac:spMk id="18" creationId="{F1E61786-1BA3-48A5-8889-FE5219D90D5A}"/>
-          </ac:spMkLst>
-        </pc:spChg>
-        <pc:spChg chg="mod">
-          <ac:chgData name="Emma Hobbs" userId="a4555268070b5a5b" providerId="LiveId" clId="{7A5EE4CA-8985-495D-AAF7-D0594B4C61CB}" dt="2020-03-16T12:07:55.937" v="514" actId="1036"/>
-          <ac:spMkLst>
-            <pc:docMk/>
-            <pc:sldMk cId="1391225644" sldId="257"/>
-            <ac:spMk id="19" creationId="{7003A6BE-26BD-4863-A655-C1B10733D8C9}"/>
-          </ac:spMkLst>
-        </pc:spChg>
-        <pc:spChg chg="mod">
-          <ac:chgData name="Emma Hobbs" userId="a4555268070b5a5b" providerId="LiveId" clId="{7A5EE4CA-8985-495D-AAF7-D0594B4C61CB}" dt="2020-03-16T12:07:55.937" v="514" actId="1036"/>
-          <ac:spMkLst>
-            <pc:docMk/>
-            <pc:sldMk cId="1391225644" sldId="257"/>
-            <ac:spMk id="29" creationId="{E83C32C8-B0FC-475A-8360-A14D2276FF18}"/>
-          </ac:spMkLst>
-        </pc:spChg>
-        <pc:spChg chg="mod">
-          <ac:chgData name="Emma Hobbs" userId="a4555268070b5a5b" providerId="LiveId" clId="{7A5EE4CA-8985-495D-AAF7-D0594B4C61CB}" dt="2020-03-16T12:07:55.937" v="514" actId="1036"/>
-          <ac:spMkLst>
-            <pc:docMk/>
-            <pc:sldMk cId="1391225644" sldId="257"/>
-            <ac:spMk id="32" creationId="{DD31A9B3-99EC-4F9E-9324-5A2E7CF55791}"/>
-          </ac:spMkLst>
-        </pc:spChg>
-        <pc:spChg chg="mod">
-          <ac:chgData name="Emma Hobbs" userId="a4555268070b5a5b" providerId="LiveId" clId="{7A5EE4CA-8985-495D-AAF7-D0594B4C61CB}" dt="2020-03-16T12:07:55.937" v="514" actId="1036"/>
-          <ac:spMkLst>
-            <pc:docMk/>
-            <pc:sldMk cId="1391225644" sldId="257"/>
-            <ac:spMk id="37" creationId="{A3B0019B-6594-4E56-8724-3B1AF79F912D}"/>
-          </ac:spMkLst>
-        </pc:spChg>
-        <pc:spChg chg="mod">
-          <ac:chgData name="Emma Hobbs" userId="a4555268070b5a5b" providerId="LiveId" clId="{7A5EE4CA-8985-495D-AAF7-D0594B4C61CB}" dt="2020-03-16T12:07:55.937" v="514" actId="1036"/>
-          <ac:spMkLst>
-            <pc:docMk/>
-            <pc:sldMk cId="1391225644" sldId="257"/>
-            <ac:spMk id="43" creationId="{58B13B3D-E692-4CF2-91E7-6683BC2C15F8}"/>
-          </ac:spMkLst>
-        </pc:spChg>
-        <pc:spChg chg="mod">
-          <ac:chgData name="Emma Hobbs" userId="a4555268070b5a5b" providerId="LiveId" clId="{7A5EE4CA-8985-495D-AAF7-D0594B4C61CB}" dt="2020-03-16T12:07:55.937" v="514" actId="1036"/>
-          <ac:spMkLst>
-            <pc:docMk/>
-            <pc:sldMk cId="1391225644" sldId="257"/>
-            <ac:spMk id="44" creationId="{5A281AF7-CBAC-4776-AECC-B8FDF95883CC}"/>
-          </ac:spMkLst>
-        </pc:spChg>
-        <pc:spChg chg="mod">
-          <ac:chgData name="Emma Hobbs" userId="a4555268070b5a5b" providerId="LiveId" clId="{7A5EE4CA-8985-495D-AAF7-D0594B4C61CB}" dt="2020-03-16T12:07:55.937" v="514" actId="1036"/>
-          <ac:spMkLst>
-            <pc:docMk/>
-            <pc:sldMk cId="1391225644" sldId="257"/>
-            <ac:spMk id="45" creationId="{BF3D5C54-4810-4E09-9941-176E0DAA6D24}"/>
-          </ac:spMkLst>
-        </pc:spChg>
-        <pc:spChg chg="mod">
-          <ac:chgData name="Emma Hobbs" userId="a4555268070b5a5b" providerId="LiveId" clId="{7A5EE4CA-8985-495D-AAF7-D0594B4C61CB}" dt="2020-03-16T12:07:55.937" v="514" actId="1036"/>
-          <ac:spMkLst>
-            <pc:docMk/>
-            <pc:sldMk cId="1391225644" sldId="257"/>
-            <ac:spMk id="46" creationId="{7F456C49-41AF-432E-B8E3-80250BD03FEC}"/>
-          </ac:spMkLst>
-        </pc:spChg>
-        <pc:spChg chg="mod">
-          <ac:chgData name="Emma Hobbs" userId="a4555268070b5a5b" providerId="LiveId" clId="{7A5EE4CA-8985-495D-AAF7-D0594B4C61CB}" dt="2020-03-16T12:07:55.937" v="514" actId="1036"/>
-          <ac:spMkLst>
-            <pc:docMk/>
-            <pc:sldMk cId="1391225644" sldId="257"/>
-            <ac:spMk id="52" creationId="{9E4F913D-00A2-4DED-ACFF-746F151768EB}"/>
-          </ac:spMkLst>
-        </pc:spChg>
-        <pc:spChg chg="mod">
-          <ac:chgData name="Emma Hobbs" userId="a4555268070b5a5b" providerId="LiveId" clId="{7A5EE4CA-8985-495D-AAF7-D0594B4C61CB}" dt="2020-03-16T12:07:55.937" v="514" actId="1036"/>
-          <ac:spMkLst>
-            <pc:docMk/>
-            <pc:sldMk cId="1391225644" sldId="257"/>
-            <ac:spMk id="53" creationId="{E47DD358-B158-4F6B-9ADF-49719714E8D2}"/>
-          </ac:spMkLst>
-        </pc:spChg>
-        <pc:spChg chg="mod">
-          <ac:chgData name="Emma Hobbs" userId="a4555268070b5a5b" providerId="LiveId" clId="{7A5EE4CA-8985-495D-AAF7-D0594B4C61CB}" dt="2020-03-16T12:07:55.937" v="514" actId="1036"/>
-          <ac:spMkLst>
-            <pc:docMk/>
-            <pc:sldMk cId="1391225644" sldId="257"/>
-            <ac:spMk id="55" creationId="{DDB1373F-75A6-48C4-A884-90E52A563542}"/>
-          </ac:spMkLst>
-        </pc:spChg>
-        <pc:spChg chg="mod">
-          <ac:chgData name="Emma Hobbs" userId="a4555268070b5a5b" providerId="LiveId" clId="{7A5EE4CA-8985-495D-AAF7-D0594B4C61CB}" dt="2020-03-16T12:07:55.937" v="514" actId="1036"/>
-          <ac:spMkLst>
-            <pc:docMk/>
-            <pc:sldMk cId="1391225644" sldId="257"/>
-            <ac:spMk id="60" creationId="{C29A5F2B-2630-4B89-8C12-7F9648B4223A}"/>
-          </ac:spMkLst>
-        </pc:spChg>
-        <pc:spChg chg="mod">
-          <ac:chgData name="Emma Hobbs" userId="a4555268070b5a5b" providerId="LiveId" clId="{7A5EE4CA-8985-495D-AAF7-D0594B4C61CB}" dt="2020-03-16T12:07:55.937" v="514" actId="1036"/>
-          <ac:spMkLst>
-            <pc:docMk/>
-            <pc:sldMk cId="1391225644" sldId="257"/>
-            <ac:spMk id="61" creationId="{CBAFC06A-3E06-4C28-9859-5791A3ED2AA7}"/>
-          </ac:spMkLst>
-        </pc:spChg>
-        <pc:spChg chg="mod">
-          <ac:chgData name="Emma Hobbs" userId="a4555268070b5a5b" providerId="LiveId" clId="{7A5EE4CA-8985-495D-AAF7-D0594B4C61CB}" dt="2020-03-16T12:07:55.937" v="514" actId="1036"/>
-          <ac:spMkLst>
-            <pc:docMk/>
-            <pc:sldMk cId="1391225644" sldId="257"/>
-            <ac:spMk id="62" creationId="{F89C44B5-28B9-4376-89AD-22B37822D2DB}"/>
-          </ac:spMkLst>
-        </pc:spChg>
-        <pc:spChg chg="mod">
-          <ac:chgData name="Emma Hobbs" userId="a4555268070b5a5b" providerId="LiveId" clId="{7A5EE4CA-8985-495D-AAF7-D0594B4C61CB}" dt="2020-03-16T12:07:55.937" v="514" actId="1036"/>
-          <ac:spMkLst>
-            <pc:docMk/>
-            <pc:sldMk cId="1391225644" sldId="257"/>
-            <ac:spMk id="63" creationId="{C2B614AF-8760-4426-B2F4-5BD5D0A917EA}"/>
-          </ac:spMkLst>
-        </pc:spChg>
-        <pc:spChg chg="mod">
-          <ac:chgData name="Emma Hobbs" userId="a4555268070b5a5b" providerId="LiveId" clId="{7A5EE4CA-8985-495D-AAF7-D0594B4C61CB}" dt="2020-03-16T12:07:55.937" v="514" actId="1036"/>
-          <ac:spMkLst>
-            <pc:docMk/>
-            <pc:sldMk cId="1391225644" sldId="257"/>
-            <ac:spMk id="64" creationId="{571CA5C4-405F-4E04-9AF8-D8E021F7C90D}"/>
-          </ac:spMkLst>
-        </pc:spChg>
-        <pc:spChg chg="mod">
-          <ac:chgData name="Emma Hobbs" userId="a4555268070b5a5b" providerId="LiveId" clId="{7A5EE4CA-8985-495D-AAF7-D0594B4C61CB}" dt="2020-03-16T12:07:43.089" v="483" actId="164"/>
-          <ac:spMkLst>
-            <pc:docMk/>
-            <pc:sldMk cId="1391225644" sldId="257"/>
-            <ac:spMk id="66" creationId="{CC488942-9D81-47A8-9878-D69231F4189F}"/>
-          </ac:spMkLst>
-        </pc:spChg>
-        <pc:spChg chg="mod">
-          <ac:chgData name="Emma Hobbs" userId="a4555268070b5a5b" providerId="LiveId" clId="{7A5EE4CA-8985-495D-AAF7-D0594B4C61CB}" dt="2020-03-16T12:07:43.089" v="483" actId="164"/>
-          <ac:spMkLst>
-            <pc:docMk/>
-            <pc:sldMk cId="1391225644" sldId="257"/>
-            <ac:spMk id="67" creationId="{2A25AE5D-ED4B-4821-AF48-118C4C5A8552}"/>
-          </ac:spMkLst>
-        </pc:spChg>
-        <pc:spChg chg="add mod">
-          <ac:chgData name="Emma Hobbs" userId="a4555268070b5a5b" providerId="LiveId" clId="{7A5EE4CA-8985-495D-AAF7-D0594B4C61CB}" dt="2020-03-16T12:07:43.089" v="483" actId="164"/>
-          <ac:spMkLst>
-            <pc:docMk/>
-            <pc:sldMk cId="1391225644" sldId="257"/>
-            <ac:spMk id="68" creationId="{890F7AF2-3A73-4337-BED9-80813FCB6737}"/>
-          </ac:spMkLst>
-        </pc:spChg>
-        <pc:spChg chg="mod">
-          <ac:chgData name="Emma Hobbs" userId="a4555268070b5a5b" providerId="LiveId" clId="{7A5EE4CA-8985-495D-AAF7-D0594B4C61CB}" dt="2020-03-16T12:07:43.089" v="483" actId="164"/>
-          <ac:spMkLst>
-            <pc:docMk/>
-            <pc:sldMk cId="1391225644" sldId="257"/>
-            <ac:spMk id="70" creationId="{5B1FC922-8E89-4CE5-82FF-92395C888500}"/>
-          </ac:spMkLst>
-        </pc:spChg>
-        <pc:spChg chg="mod">
-          <ac:chgData name="Emma Hobbs" userId="a4555268070b5a5b" providerId="LiveId" clId="{7A5EE4CA-8985-495D-AAF7-D0594B4C61CB}" dt="2020-03-16T12:07:43.089" v="483" actId="164"/>
-          <ac:spMkLst>
-            <pc:docMk/>
-            <pc:sldMk cId="1391225644" sldId="257"/>
-            <ac:spMk id="72" creationId="{965D4E59-DB2C-494C-95EB-9A293DEA74CF}"/>
-          </ac:spMkLst>
-        </pc:spChg>
-        <pc:spChg chg="mod">
-          <ac:chgData name="Emma Hobbs" userId="a4555268070b5a5b" providerId="LiveId" clId="{7A5EE4CA-8985-495D-AAF7-D0594B4C61CB}" dt="2020-03-16T12:14:10.822" v="659" actId="6549"/>
-          <ac:spMkLst>
-            <pc:docMk/>
-            <pc:sldMk cId="1391225644" sldId="257"/>
-            <ac:spMk id="74" creationId="{B4EA40A6-D993-4327-B332-6BA086810054}"/>
-          </ac:spMkLst>
-        </pc:spChg>
-        <pc:spChg chg="mod">
-          <ac:chgData name="Emma Hobbs" userId="a4555268070b5a5b" providerId="LiveId" clId="{7A5EE4CA-8985-495D-AAF7-D0594B4C61CB}" dt="2020-03-16T12:07:55.937" v="514" actId="1036"/>
-          <ac:spMkLst>
-            <pc:docMk/>
-            <pc:sldMk cId="1391225644" sldId="257"/>
-            <ac:spMk id="75" creationId="{03263CA5-DB70-406C-BB92-C4E32AB19856}"/>
-          </ac:spMkLst>
-        </pc:spChg>
-        <pc:spChg chg="add mod">
-          <ac:chgData name="Emma Hobbs" userId="a4555268070b5a5b" providerId="LiveId" clId="{7A5EE4CA-8985-495D-AAF7-D0594B4C61CB}" dt="2020-03-16T12:07:43.089" v="483" actId="164"/>
-          <ac:spMkLst>
-            <pc:docMk/>
-            <pc:sldMk cId="1391225644" sldId="257"/>
-            <ac:spMk id="76" creationId="{718FEC57-2474-4213-9A85-84418B145B97}"/>
-          </ac:spMkLst>
-        </pc:spChg>
-        <pc:spChg chg="add del">
-          <ac:chgData name="Emma Hobbs" userId="a4555268070b5a5b" providerId="LiveId" clId="{7A5EE4CA-8985-495D-AAF7-D0594B4C61CB}" dt="2020-03-16T12:02:04.774" v="228"/>
-          <ac:spMkLst>
-            <pc:docMk/>
-            <pc:sldMk cId="1391225644" sldId="257"/>
-            <ac:spMk id="77" creationId="{80F88062-E7AC-42FE-865F-0DF8FCE088AF}"/>
-          </ac:spMkLst>
-        </pc:spChg>
-        <pc:spChg chg="add del">
-          <ac:chgData name="Emma Hobbs" userId="a4555268070b5a5b" providerId="LiveId" clId="{7A5EE4CA-8985-495D-AAF7-D0594B4C61CB}" dt="2020-03-16T12:02:06.590" v="230"/>
-          <ac:spMkLst>
-            <pc:docMk/>
-            <pc:sldMk cId="1391225644" sldId="257"/>
-            <ac:spMk id="78" creationId="{49B82517-E80B-4276-B084-04802EC9E48D}"/>
-          </ac:spMkLst>
-        </pc:spChg>
-        <pc:spChg chg="mod">
-          <ac:chgData name="Emma Hobbs" userId="a4555268070b5a5b" providerId="LiveId" clId="{7A5EE4CA-8985-495D-AAF7-D0594B4C61CB}" dt="2020-03-16T12:07:55.937" v="514" actId="1036"/>
-          <ac:spMkLst>
-            <pc:docMk/>
-            <pc:sldMk cId="1391225644" sldId="257"/>
-            <ac:spMk id="79" creationId="{3A093E63-B81F-4122-B871-70DE8ECDF471}"/>
-          </ac:spMkLst>
-        </pc:spChg>
-        <pc:spChg chg="mod">
-          <ac:chgData name="Emma Hobbs" userId="a4555268070b5a5b" providerId="LiveId" clId="{7A5EE4CA-8985-495D-AAF7-D0594B4C61CB}" dt="2020-03-16T12:07:55.937" v="514" actId="1036"/>
-          <ac:spMkLst>
-            <pc:docMk/>
-            <pc:sldMk cId="1391225644" sldId="257"/>
-            <ac:spMk id="80" creationId="{31DE82C4-B1F5-4290-AA8D-1B1641CA4FCF}"/>
-          </ac:spMkLst>
-        </pc:spChg>
-        <pc:spChg chg="mod">
-          <ac:chgData name="Emma Hobbs" userId="a4555268070b5a5b" providerId="LiveId" clId="{7A5EE4CA-8985-495D-AAF7-D0594B4C61CB}" dt="2020-03-16T12:07:55.937" v="514" actId="1036"/>
-          <ac:spMkLst>
-            <pc:docMk/>
-            <pc:sldMk cId="1391225644" sldId="257"/>
-            <ac:spMk id="81" creationId="{D5751FC9-BC63-4CF2-8AB5-FC2EBE319776}"/>
-          </ac:spMkLst>
-        </pc:spChg>
-        <pc:spChg chg="add mod">
-          <ac:chgData name="Emma Hobbs" userId="a4555268070b5a5b" providerId="LiveId" clId="{7A5EE4CA-8985-495D-AAF7-D0594B4C61CB}" dt="2020-03-16T12:07:43.089" v="483" actId="164"/>
+          <ac:chgData name="Emma Hobbs" userId="a4555268070b5a5b" providerId="LiveId" clId="{03FE5483-4A79-467E-80AE-91AF3373B2B0}" dt="2020-03-23T14:06:57.164" v="87" actId="1076"/>
           <ac:spMkLst>
             <pc:docMk/>
             <pc:sldMk cId="1391225644" sldId="257"/>
             <ac:spMk id="87" creationId="{8B45D38A-385B-4D75-891E-96DC400C877A}"/>
-          </ac:spMkLst>
-        </pc:spChg>
-        <pc:spChg chg="mod">
-          <ac:chgData name="Emma Hobbs" userId="a4555268070b5a5b" providerId="LiveId" clId="{7A5EE4CA-8985-495D-AAF7-D0594B4C61CB}" dt="2020-03-16T12:07:55.937" v="514" actId="1036"/>
-          <ac:spMkLst>
-            <pc:docMk/>
-            <pc:sldMk cId="1391225644" sldId="257"/>
-            <ac:spMk id="116" creationId="{B38E0B65-3B9C-4ADF-96DF-2583827DB46A}"/>
-          </ac:spMkLst>
-        </pc:spChg>
-        <pc:spChg chg="mod">
-          <ac:chgData name="Emma Hobbs" userId="a4555268070b5a5b" providerId="LiveId" clId="{7A5EE4CA-8985-495D-AAF7-D0594B4C61CB}" dt="2020-03-16T12:07:55.937" v="514" actId="1036"/>
-          <ac:spMkLst>
-            <pc:docMk/>
-            <pc:sldMk cId="1391225644" sldId="257"/>
-            <ac:spMk id="117" creationId="{0B953F61-F88B-4645-A71E-AAFDAAF23AA2}"/>
-          </ac:spMkLst>
-        </pc:spChg>
-        <pc:grpChg chg="mod">
-          <ac:chgData name="Emma Hobbs" userId="a4555268070b5a5b" providerId="LiveId" clId="{7A5EE4CA-8985-495D-AAF7-D0594B4C61CB}" dt="2020-03-16T12:07:43.089" v="483" actId="164"/>
-          <ac:grpSpMkLst>
-            <pc:docMk/>
-            <pc:sldMk cId="1391225644" sldId="257"/>
-            <ac:grpSpMk id="7" creationId="{4F279F56-716C-4D11-9918-2351AE9F1A79}"/>
-          </ac:grpSpMkLst>
-        </pc:grpChg>
-        <pc:grpChg chg="add mod">
-          <ac:chgData name="Emma Hobbs" userId="a4555268070b5a5b" providerId="LiveId" clId="{7A5EE4CA-8985-495D-AAF7-D0594B4C61CB}" dt="2020-03-16T12:07:43.089" v="483" actId="164"/>
-          <ac:grpSpMkLst>
-            <pc:docMk/>
-            <pc:sldMk cId="1391225644" sldId="257"/>
-            <ac:grpSpMk id="15" creationId="{4ADA4D7F-E767-4840-8670-E45CBA74A7E4}"/>
-          </ac:grpSpMkLst>
-        </pc:grpChg>
-        <pc:cxnChg chg="del mod">
-          <ac:chgData name="Emma Hobbs" userId="a4555268070b5a5b" providerId="LiveId" clId="{7A5EE4CA-8985-495D-AAF7-D0594B4C61CB}" dt="2020-03-16T12:07:20.789" v="482" actId="478"/>
-          <ac:cxnSpMkLst>
-            <pc:docMk/>
-            <pc:sldMk cId="1391225644" sldId="257"/>
-            <ac:cxnSpMk id="8" creationId="{16990CD6-E126-47A8-8291-06269A2A943B}"/>
-          </ac:cxnSpMkLst>
-        </pc:cxnChg>
-        <pc:cxnChg chg="mod">
-          <ac:chgData name="Emma Hobbs" userId="a4555268070b5a5b" providerId="LiveId" clId="{7A5EE4CA-8985-495D-AAF7-D0594B4C61CB}" dt="2020-03-16T12:07:43.089" v="483" actId="164"/>
-          <ac:cxnSpMkLst>
-            <pc:docMk/>
-            <pc:sldMk cId="1391225644" sldId="257"/>
-            <ac:cxnSpMk id="10" creationId="{D9868C56-244A-451F-91A2-02330C0C5C5E}"/>
-          </ac:cxnSpMkLst>
-        </pc:cxnChg>
-        <pc:cxnChg chg="mod">
-          <ac:chgData name="Emma Hobbs" userId="a4555268070b5a5b" providerId="LiveId" clId="{7A5EE4CA-8985-495D-AAF7-D0594B4C61CB}" dt="2020-03-16T12:07:43.089" v="483" actId="164"/>
-          <ac:cxnSpMkLst>
-            <pc:docMk/>
-            <pc:sldMk cId="1391225644" sldId="257"/>
-            <ac:cxnSpMk id="20" creationId="{658808FB-0384-4F82-AE99-29B2A1D7EF48}"/>
-          </ac:cxnSpMkLst>
-        </pc:cxnChg>
-        <pc:cxnChg chg="mod">
-          <ac:chgData name="Emma Hobbs" userId="a4555268070b5a5b" providerId="LiveId" clId="{7A5EE4CA-8985-495D-AAF7-D0594B4C61CB}" dt="2020-03-16T12:08:03.274" v="515" actId="14100"/>
-          <ac:cxnSpMkLst>
-            <pc:docMk/>
-            <pc:sldMk cId="1391225644" sldId="257"/>
-            <ac:cxnSpMk id="24" creationId="{D9ED4F86-E4EC-4564-B12B-F1A22D40C343}"/>
-          </ac:cxnSpMkLst>
-        </pc:cxnChg>
-        <pc:cxnChg chg="mod">
-          <ac:chgData name="Emma Hobbs" userId="a4555268070b5a5b" providerId="LiveId" clId="{7A5EE4CA-8985-495D-AAF7-D0594B4C61CB}" dt="2020-03-16T12:08:07.799" v="516" actId="14100"/>
-          <ac:cxnSpMkLst>
-            <pc:docMk/>
-            <pc:sldMk cId="1391225644" sldId="257"/>
-            <ac:cxnSpMk id="26" creationId="{85E80BDD-8BEB-4A2E-8968-3561B6B3DEF9}"/>
-          </ac:cxnSpMkLst>
-        </pc:cxnChg>
-        <pc:cxnChg chg="mod">
-          <ac:chgData name="Emma Hobbs" userId="a4555268070b5a5b" providerId="LiveId" clId="{7A5EE4CA-8985-495D-AAF7-D0594B4C61CB}" dt="2020-03-16T12:07:55.937" v="514" actId="1036"/>
-          <ac:cxnSpMkLst>
-            <pc:docMk/>
-            <pc:sldMk cId="1391225644" sldId="257"/>
-            <ac:cxnSpMk id="30" creationId="{941BEE2B-0304-4845-B0B6-BDCC5A07D906}"/>
-          </ac:cxnSpMkLst>
-        </pc:cxnChg>
-        <pc:cxnChg chg="mod">
-          <ac:chgData name="Emma Hobbs" userId="a4555268070b5a5b" providerId="LiveId" clId="{7A5EE4CA-8985-495D-AAF7-D0594B4C61CB}" dt="2020-03-16T12:07:55.937" v="514" actId="1036"/>
-          <ac:cxnSpMkLst>
-            <pc:docMk/>
-            <pc:sldMk cId="1391225644" sldId="257"/>
-            <ac:cxnSpMk id="33" creationId="{74812C3B-BAC1-4A88-AF22-B43637633671}"/>
-          </ac:cxnSpMkLst>
-        </pc:cxnChg>
-        <pc:cxnChg chg="mod">
-          <ac:chgData name="Emma Hobbs" userId="a4555268070b5a5b" providerId="LiveId" clId="{7A5EE4CA-8985-495D-AAF7-D0594B4C61CB}" dt="2020-03-16T12:07:55.937" v="514" actId="1036"/>
-          <ac:cxnSpMkLst>
-            <pc:docMk/>
-            <pc:sldMk cId="1391225644" sldId="257"/>
-            <ac:cxnSpMk id="35" creationId="{8CB2C6F0-5542-4C27-A859-C7DFB09A59DE}"/>
-          </ac:cxnSpMkLst>
-        </pc:cxnChg>
-        <pc:cxnChg chg="mod">
-          <ac:chgData name="Emma Hobbs" userId="a4555268070b5a5b" providerId="LiveId" clId="{7A5EE4CA-8985-495D-AAF7-D0594B4C61CB}" dt="2020-03-16T12:07:55.937" v="514" actId="1036"/>
-          <ac:cxnSpMkLst>
-            <pc:docMk/>
-            <pc:sldMk cId="1391225644" sldId="257"/>
-            <ac:cxnSpMk id="38" creationId="{F591DC80-6787-4A59-8721-DD3A3646FA2C}"/>
-          </ac:cxnSpMkLst>
-        </pc:cxnChg>
-        <pc:cxnChg chg="mod">
-          <ac:chgData name="Emma Hobbs" userId="a4555268070b5a5b" providerId="LiveId" clId="{7A5EE4CA-8985-495D-AAF7-D0594B4C61CB}" dt="2020-03-16T12:07:55.937" v="514" actId="1036"/>
-          <ac:cxnSpMkLst>
-            <pc:docMk/>
-            <pc:sldMk cId="1391225644" sldId="257"/>
-            <ac:cxnSpMk id="40" creationId="{AF638ED6-C4BB-4D7C-B63A-4AA0206AF32A}"/>
-          </ac:cxnSpMkLst>
-        </pc:cxnChg>
-        <pc:cxnChg chg="mod">
-          <ac:chgData name="Emma Hobbs" userId="a4555268070b5a5b" providerId="LiveId" clId="{7A5EE4CA-8985-495D-AAF7-D0594B4C61CB}" dt="2020-03-16T12:07:55.937" v="514" actId="1036"/>
-          <ac:cxnSpMkLst>
-            <pc:docMk/>
-            <pc:sldMk cId="1391225644" sldId="257"/>
-            <ac:cxnSpMk id="49" creationId="{30D19542-54DB-4AFB-A092-706064A8F3E6}"/>
-          </ac:cxnSpMkLst>
-        </pc:cxnChg>
-        <pc:cxnChg chg="mod">
-          <ac:chgData name="Emma Hobbs" userId="a4555268070b5a5b" providerId="LiveId" clId="{7A5EE4CA-8985-495D-AAF7-D0594B4C61CB}" dt="2020-03-16T12:07:55.937" v="514" actId="1036"/>
-          <ac:cxnSpMkLst>
-            <pc:docMk/>
-            <pc:sldMk cId="1391225644" sldId="257"/>
-            <ac:cxnSpMk id="54" creationId="{DC7AECC1-B695-4C07-8D1E-087F44E8714F}"/>
-          </ac:cxnSpMkLst>
-        </pc:cxnChg>
-        <pc:cxnChg chg="mod">
-          <ac:chgData name="Emma Hobbs" userId="a4555268070b5a5b" providerId="LiveId" clId="{7A5EE4CA-8985-495D-AAF7-D0594B4C61CB}" dt="2020-03-16T12:07:55.937" v="514" actId="1036"/>
-          <ac:cxnSpMkLst>
-            <pc:docMk/>
-            <pc:sldMk cId="1391225644" sldId="257"/>
-            <ac:cxnSpMk id="65" creationId="{99AF5916-B6B6-4779-9BFF-31F7917AF5E1}"/>
-          </ac:cxnSpMkLst>
-        </pc:cxnChg>
-        <pc:cxnChg chg="mod">
-          <ac:chgData name="Emma Hobbs" userId="a4555268070b5a5b" providerId="LiveId" clId="{7A5EE4CA-8985-495D-AAF7-D0594B4C61CB}" dt="2020-03-16T12:07:55.937" v="514" actId="1036"/>
-          <ac:cxnSpMkLst>
-            <pc:docMk/>
-            <pc:sldMk cId="1391225644" sldId="257"/>
-            <ac:cxnSpMk id="69" creationId="{26D957A4-9FBF-4990-BC7D-9A983B3F053E}"/>
-          </ac:cxnSpMkLst>
-        </pc:cxnChg>
-        <pc:cxnChg chg="mod">
-          <ac:chgData name="Emma Hobbs" userId="a4555268070b5a5b" providerId="LiveId" clId="{7A5EE4CA-8985-495D-AAF7-D0594B4C61CB}" dt="2020-03-16T12:07:43.089" v="483" actId="164"/>
-          <ac:cxnSpMkLst>
-            <pc:docMk/>
-            <pc:sldMk cId="1391225644" sldId="257"/>
-            <ac:cxnSpMk id="71" creationId="{CF7515A4-9C72-4DB1-9C1D-8E9271DAFD7A}"/>
-          </ac:cxnSpMkLst>
-        </pc:cxnChg>
-        <pc:cxnChg chg="add del mod">
-          <ac:chgData name="Emma Hobbs" userId="a4555268070b5a5b" providerId="LiveId" clId="{7A5EE4CA-8985-495D-AAF7-D0594B4C61CB}" dt="2020-03-16T12:02:01.304" v="226" actId="478"/>
-          <ac:cxnSpMkLst>
-            <pc:docMk/>
-            <pc:sldMk cId="1391225644" sldId="257"/>
-            <ac:cxnSpMk id="73" creationId="{E5563F29-7CCA-4F64-8CE1-A711CA237510}"/>
-          </ac:cxnSpMkLst>
-        </pc:cxnChg>
-        <pc:cxnChg chg="mod">
-          <ac:chgData name="Emma Hobbs" userId="a4555268070b5a5b" providerId="LiveId" clId="{7A5EE4CA-8985-495D-AAF7-D0594B4C61CB}" dt="2020-03-16T12:07:55.937" v="514" actId="1036"/>
-          <ac:cxnSpMkLst>
-            <pc:docMk/>
-            <pc:sldMk cId="1391225644" sldId="257"/>
-            <ac:cxnSpMk id="82" creationId="{D224F852-59D8-437E-A202-0817FC1BA703}"/>
-          </ac:cxnSpMkLst>
-        </pc:cxnChg>
-        <pc:cxnChg chg="mod">
-          <ac:chgData name="Emma Hobbs" userId="a4555268070b5a5b" providerId="LiveId" clId="{7A5EE4CA-8985-495D-AAF7-D0594B4C61CB}" dt="2020-03-16T12:07:55.937" v="514" actId="1036"/>
-          <ac:cxnSpMkLst>
-            <pc:docMk/>
-            <pc:sldMk cId="1391225644" sldId="257"/>
-            <ac:cxnSpMk id="83" creationId="{1CD12F51-23E0-4119-B169-D041073BB484}"/>
-          </ac:cxnSpMkLst>
-        </pc:cxnChg>
-        <pc:cxnChg chg="add mod">
-          <ac:chgData name="Emma Hobbs" userId="a4555268070b5a5b" providerId="LiveId" clId="{7A5EE4CA-8985-495D-AAF7-D0594B4C61CB}" dt="2020-03-16T12:07:43.089" v="483" actId="164"/>
-          <ac:cxnSpMkLst>
-            <pc:docMk/>
-            <pc:sldMk cId="1391225644" sldId="257"/>
-            <ac:cxnSpMk id="84" creationId="{6268912F-9A0E-4B9A-9AF5-76A8C91B96F7}"/>
-          </ac:cxnSpMkLst>
-        </pc:cxnChg>
-        <pc:cxnChg chg="mod">
-          <ac:chgData name="Emma Hobbs" userId="a4555268070b5a5b" providerId="LiveId" clId="{7A5EE4CA-8985-495D-AAF7-D0594B4C61CB}" dt="2020-03-16T12:07:55.937" v="514" actId="1036"/>
-          <ac:cxnSpMkLst>
-            <pc:docMk/>
-            <pc:sldMk cId="1391225644" sldId="257"/>
-            <ac:cxnSpMk id="85" creationId="{7D1A153D-4263-4320-9E37-0DEA0C0413DF}"/>
-          </ac:cxnSpMkLst>
-        </pc:cxnChg>
-        <pc:cxnChg chg="add mod">
-          <ac:chgData name="Emma Hobbs" userId="a4555268070b5a5b" providerId="LiveId" clId="{7A5EE4CA-8985-495D-AAF7-D0594B4C61CB}" dt="2020-03-16T12:07:43.089" v="483" actId="164"/>
-          <ac:cxnSpMkLst>
-            <pc:docMk/>
-            <pc:sldMk cId="1391225644" sldId="257"/>
-            <ac:cxnSpMk id="86" creationId="{BB94604A-2B33-42ED-9E21-E49A9DDEBC06}"/>
-          </ac:cxnSpMkLst>
-        </pc:cxnChg>
-        <pc:cxnChg chg="mod">
-          <ac:chgData name="Emma Hobbs" userId="a4555268070b5a5b" providerId="LiveId" clId="{7A5EE4CA-8985-495D-AAF7-D0594B4C61CB}" dt="2020-03-16T12:07:55.937" v="514" actId="1036"/>
-          <ac:cxnSpMkLst>
-            <pc:docMk/>
-            <pc:sldMk cId="1391225644" sldId="257"/>
-            <ac:cxnSpMk id="98" creationId="{A707C4C9-1FDD-44E4-B133-3251AE247B31}"/>
-          </ac:cxnSpMkLst>
-        </pc:cxnChg>
-        <pc:cxnChg chg="mod">
-          <ac:chgData name="Emma Hobbs" userId="a4555268070b5a5b" providerId="LiveId" clId="{7A5EE4CA-8985-495D-AAF7-D0594B4C61CB}" dt="2020-03-16T12:07:55.937" v="514" actId="1036"/>
-          <ac:cxnSpMkLst>
-            <pc:docMk/>
-            <pc:sldMk cId="1391225644" sldId="257"/>
-            <ac:cxnSpMk id="100" creationId="{01C72306-5BA6-481B-9A7D-A90CE6250026}"/>
-          </ac:cxnSpMkLst>
-        </pc:cxnChg>
-        <pc:cxnChg chg="mod">
-          <ac:chgData name="Emma Hobbs" userId="a4555268070b5a5b" providerId="LiveId" clId="{7A5EE4CA-8985-495D-AAF7-D0594B4C61CB}" dt="2020-03-16T12:07:55.937" v="514" actId="1036"/>
-          <ac:cxnSpMkLst>
-            <pc:docMk/>
-            <pc:sldMk cId="1391225644" sldId="257"/>
-            <ac:cxnSpMk id="103" creationId="{1BB40029-4A74-4DD1-A215-4230B7007216}"/>
-          </ac:cxnSpMkLst>
-        </pc:cxnChg>
-        <pc:cxnChg chg="mod">
-          <ac:chgData name="Emma Hobbs" userId="a4555268070b5a5b" providerId="LiveId" clId="{7A5EE4CA-8985-495D-AAF7-D0594B4C61CB}" dt="2020-03-16T12:07:55.937" v="514" actId="1036"/>
-          <ac:cxnSpMkLst>
-            <pc:docMk/>
-            <pc:sldMk cId="1391225644" sldId="257"/>
-            <ac:cxnSpMk id="107" creationId="{38493D4F-9B07-47F7-B911-B96AC2843F6D}"/>
-          </ac:cxnSpMkLst>
-        </pc:cxnChg>
-        <pc:cxnChg chg="mod">
-          <ac:chgData name="Emma Hobbs" userId="a4555268070b5a5b" providerId="LiveId" clId="{7A5EE4CA-8985-495D-AAF7-D0594B4C61CB}" dt="2020-03-16T12:07:55.937" v="514" actId="1036"/>
-          <ac:cxnSpMkLst>
-            <pc:docMk/>
-            <pc:sldMk cId="1391225644" sldId="257"/>
-            <ac:cxnSpMk id="110" creationId="{EFA83D0A-4A8F-4A7C-AE09-F505D7E6791D}"/>
-          </ac:cxnSpMkLst>
-        </pc:cxnChg>
-        <pc:cxnChg chg="mod">
-          <ac:chgData name="Emma Hobbs" userId="a4555268070b5a5b" providerId="LiveId" clId="{7A5EE4CA-8985-495D-AAF7-D0594B4C61CB}" dt="2020-03-16T12:07:55.937" v="514" actId="1036"/>
-          <ac:cxnSpMkLst>
-            <pc:docMk/>
-            <pc:sldMk cId="1391225644" sldId="257"/>
-            <ac:cxnSpMk id="111" creationId="{446CB344-92DB-4CE1-9B47-59947A212CB8}"/>
-          </ac:cxnSpMkLst>
-        </pc:cxnChg>
-        <pc:cxnChg chg="mod">
-          <ac:chgData name="Emma Hobbs" userId="a4555268070b5a5b" providerId="LiveId" clId="{7A5EE4CA-8985-495D-AAF7-D0594B4C61CB}" dt="2020-03-16T12:07:55.937" v="514" actId="1036"/>
-          <ac:cxnSpMkLst>
-            <pc:docMk/>
-            <pc:sldMk cId="1391225644" sldId="257"/>
-            <ac:cxnSpMk id="114" creationId="{1F7699DF-D62B-4E18-8528-4B46E2181092}"/>
-          </ac:cxnSpMkLst>
-        </pc:cxnChg>
-        <pc:cxnChg chg="mod">
-          <ac:chgData name="Emma Hobbs" userId="a4555268070b5a5b" providerId="LiveId" clId="{7A5EE4CA-8985-495D-AAF7-D0594B4C61CB}" dt="2020-03-16T12:07:55.937" v="514" actId="1036"/>
-          <ac:cxnSpMkLst>
-            <pc:docMk/>
-            <pc:sldMk cId="1391225644" sldId="257"/>
-            <ac:cxnSpMk id="118" creationId="{0EE42359-A38D-44B7-8E14-2F4408DB2C31}"/>
-          </ac:cxnSpMkLst>
-        </pc:cxnChg>
-        <pc:cxnChg chg="mod">
-          <ac:chgData name="Emma Hobbs" userId="a4555268070b5a5b" providerId="LiveId" clId="{7A5EE4CA-8985-495D-AAF7-D0594B4C61CB}" dt="2020-03-16T12:07:55.937" v="514" actId="1036"/>
-          <ac:cxnSpMkLst>
-            <pc:docMk/>
-            <pc:sldMk cId="1391225644" sldId="257"/>
-            <ac:cxnSpMk id="120" creationId="{780FDA77-85B5-4888-8919-98BA3C520476}"/>
-          </ac:cxnSpMkLst>
-        </pc:cxnChg>
-      </pc:sldChg>
-      <pc:sldChg chg="modSp mod">
-        <pc:chgData name="Emma Hobbs" userId="a4555268070b5a5b" providerId="LiveId" clId="{7A5EE4CA-8985-495D-AAF7-D0594B4C61CB}" dt="2020-03-16T12:08:32.909" v="535" actId="20577"/>
-        <pc:sldMkLst>
-          <pc:docMk/>
-          <pc:sldMk cId="399537007" sldId="258"/>
-        </pc:sldMkLst>
-        <pc:spChg chg="mod">
-          <ac:chgData name="Emma Hobbs" userId="a4555268070b5a5b" providerId="LiveId" clId="{7A5EE4CA-8985-495D-AAF7-D0594B4C61CB}" dt="2020-03-16T12:08:32.909" v="535" actId="20577"/>
-          <ac:spMkLst>
-            <pc:docMk/>
-            <pc:sldMk cId="399537007" sldId="258"/>
-            <ac:spMk id="5" creationId="{6E0F67F3-BB23-480C-A7D9-D85A7BA87E62}"/>
           </ac:spMkLst>
         </pc:spChg>
       </pc:sldChg>
@@ -840,7 +289,7 @@
           <a:p>
             <a:fld id="{D682CE29-8FAE-449E-A441-7A8BCDBC043E}" type="datetimeFigureOut">
               <a:rPr lang="en-GB" smtClean="0"/>
-              <a:t>16/03/2020</a:t>
+              <a:t>23/03/2020</a:t>
             </a:fld>
             <a:endParaRPr lang="en-GB"/>
           </a:p>
@@ -1010,7 +459,7 @@
           <a:p>
             <a:fld id="{D682CE29-8FAE-449E-A441-7A8BCDBC043E}" type="datetimeFigureOut">
               <a:rPr lang="en-GB" smtClean="0"/>
-              <a:t>16/03/2020</a:t>
+              <a:t>23/03/2020</a:t>
             </a:fld>
             <a:endParaRPr lang="en-GB"/>
           </a:p>
@@ -1190,7 +639,7 @@
           <a:p>
             <a:fld id="{D682CE29-8FAE-449E-A441-7A8BCDBC043E}" type="datetimeFigureOut">
               <a:rPr lang="en-GB" smtClean="0"/>
-              <a:t>16/03/2020</a:t>
+              <a:t>23/03/2020</a:t>
             </a:fld>
             <a:endParaRPr lang="en-GB"/>
           </a:p>
@@ -1360,7 +809,7 @@
           <a:p>
             <a:fld id="{D682CE29-8FAE-449E-A441-7A8BCDBC043E}" type="datetimeFigureOut">
               <a:rPr lang="en-GB" smtClean="0"/>
-              <a:t>16/03/2020</a:t>
+              <a:t>23/03/2020</a:t>
             </a:fld>
             <a:endParaRPr lang="en-GB"/>
           </a:p>
@@ -1604,7 +1053,7 @@
           <a:p>
             <a:fld id="{D682CE29-8FAE-449E-A441-7A8BCDBC043E}" type="datetimeFigureOut">
               <a:rPr lang="en-GB" smtClean="0"/>
-              <a:t>16/03/2020</a:t>
+              <a:t>23/03/2020</a:t>
             </a:fld>
             <a:endParaRPr lang="en-GB"/>
           </a:p>
@@ -1836,7 +1285,7 @@
           <a:p>
             <a:fld id="{D682CE29-8FAE-449E-A441-7A8BCDBC043E}" type="datetimeFigureOut">
               <a:rPr lang="en-GB" smtClean="0"/>
-              <a:t>16/03/2020</a:t>
+              <a:t>23/03/2020</a:t>
             </a:fld>
             <a:endParaRPr lang="en-GB"/>
           </a:p>
@@ -2203,7 +1652,7 @@
           <a:p>
             <a:fld id="{D682CE29-8FAE-449E-A441-7A8BCDBC043E}" type="datetimeFigureOut">
               <a:rPr lang="en-GB" smtClean="0"/>
-              <a:t>16/03/2020</a:t>
+              <a:t>23/03/2020</a:t>
             </a:fld>
             <a:endParaRPr lang="en-GB"/>
           </a:p>
@@ -2321,7 +1770,7 @@
           <a:p>
             <a:fld id="{D682CE29-8FAE-449E-A441-7A8BCDBC043E}" type="datetimeFigureOut">
               <a:rPr lang="en-GB" smtClean="0"/>
-              <a:t>16/03/2020</a:t>
+              <a:t>23/03/2020</a:t>
             </a:fld>
             <a:endParaRPr lang="en-GB"/>
           </a:p>
@@ -2416,7 +1865,7 @@
           <a:p>
             <a:fld id="{D682CE29-8FAE-449E-A441-7A8BCDBC043E}" type="datetimeFigureOut">
               <a:rPr lang="en-GB" smtClean="0"/>
-              <a:t>16/03/2020</a:t>
+              <a:t>23/03/2020</a:t>
             </a:fld>
             <a:endParaRPr lang="en-GB"/>
           </a:p>
@@ -2693,7 +2142,7 @@
           <a:p>
             <a:fld id="{D682CE29-8FAE-449E-A441-7A8BCDBC043E}" type="datetimeFigureOut">
               <a:rPr lang="en-GB" smtClean="0"/>
-              <a:t>16/03/2020</a:t>
+              <a:t>23/03/2020</a:t>
             </a:fld>
             <a:endParaRPr lang="en-GB"/>
           </a:p>
@@ -2950,7 +2399,7 @@
           <a:p>
             <a:fld id="{D682CE29-8FAE-449E-A441-7A8BCDBC043E}" type="datetimeFigureOut">
               <a:rPr lang="en-GB" smtClean="0"/>
-              <a:t>16/03/2020</a:t>
+              <a:t>23/03/2020</a:t>
             </a:fld>
             <a:endParaRPr lang="en-GB"/>
           </a:p>
@@ -3163,7 +2612,7 @@
           <a:p>
             <a:fld id="{D682CE29-8FAE-449E-A441-7A8BCDBC043E}" type="datetimeFigureOut">
               <a:rPr lang="en-GB" smtClean="0"/>
-              <a:t>16/03/2020</a:t>
+              <a:t>23/03/2020</a:t>
             </a:fld>
             <a:endParaRPr lang="en-GB"/>
           </a:p>
@@ -6204,10 +5653,10 @@
         </p:nvGrpSpPr>
         <p:grpSpPr>
           <a:xfrm>
-            <a:off x="67249" y="-6115"/>
-            <a:ext cx="5643384" cy="3418955"/>
-            <a:chOff x="67249" y="-6115"/>
-            <a:chExt cx="5643384" cy="3418955"/>
+            <a:off x="101117" y="-6115"/>
+            <a:ext cx="5609516" cy="3463797"/>
+            <a:chOff x="101117" y="-6115"/>
+            <a:chExt cx="5609516" cy="3463797"/>
           </a:xfrm>
         </p:grpSpPr>
         <p:sp>
@@ -6389,9 +5838,9 @@
           </p:nvGrpSpPr>
           <p:grpSpPr>
             <a:xfrm>
-              <a:off x="67249" y="2425901"/>
+              <a:off x="124403" y="2397323"/>
               <a:ext cx="360000" cy="358577"/>
-              <a:chOff x="1387903" y="622415"/>
+              <a:chOff x="1445057" y="593837"/>
               <a:chExt cx="360000" cy="358577"/>
             </a:xfrm>
           </p:grpSpPr>
@@ -6409,7 +5858,7 @@
             </p:nvSpPr>
             <p:spPr>
               <a:xfrm>
-                <a:off x="1387903" y="622415"/>
+                <a:off x="1445057" y="593837"/>
                 <a:ext cx="360000" cy="358577"/>
               </a:xfrm>
               <a:prstGeom prst="ellipse">
@@ -6467,7 +5916,7 @@
             </p:nvSpPr>
             <p:spPr>
               <a:xfrm>
-                <a:off x="1435720" y="649486"/>
+                <a:off x="1492874" y="620908"/>
                 <a:ext cx="276037" cy="307777"/>
               </a:xfrm>
               <a:prstGeom prst="rect">
@@ -6935,8 +6384,8 @@
           </p:nvSpPr>
           <p:spPr>
             <a:xfrm>
-              <a:off x="256212" y="2690683"/>
-              <a:ext cx="2542134" cy="577081"/>
+              <a:off x="101117" y="2719018"/>
+              <a:ext cx="2779880" cy="738664"/>
             </a:xfrm>
             <a:prstGeom prst="rect">
               <a:avLst/>
@@ -6959,7 +6408,29 @@
                     </a:schemeClr>
                   </a:solidFill>
                 </a:rPr>
-                <a:t>Species names passed to python script.</a:t>
+                <a:t>Genus/</a:t>
+              </a:r>
+              <a:r>
+                <a:rPr lang="en-GB" sz="1050" i="1" dirty="0" err="1">
+                  <a:solidFill>
+                    <a:schemeClr val="accent2">
+                      <a:lumMod val="60000"/>
+                      <a:lumOff val="40000"/>
+                    </a:schemeClr>
+                  </a:solidFill>
+                </a:rPr>
+                <a:t>pecies</a:t>
+              </a:r>
+              <a:r>
+                <a:rPr lang="en-GB" sz="1050" i="1" dirty="0">
+                  <a:solidFill>
+                    <a:schemeClr val="accent2">
+                      <a:lumMod val="60000"/>
+                      <a:lumOff val="40000"/>
+                    </a:schemeClr>
+                  </a:solidFill>
+                </a:rPr>
+                <a:t> names or taxonomy ID per unique selected species passed to python script.</a:t>
               </a:r>
             </a:p>
             <a:p>
@@ -7011,10 +6482,10 @@
       </p:grpSpPr>
       <p:sp>
         <p:nvSpPr>
-          <p:cNvPr id="2" name="Rectangle: Rounded Corners 1">
+          <p:cNvPr id="225" name="Rectangle: Rounded Corners 224">
             <a:extLst>
               <a:ext uri="{FF2B5EF4-FFF2-40B4-BE49-F238E27FC236}">
-                <a16:creationId xmlns:a16="http://schemas.microsoft.com/office/drawing/2014/main" id="{4670C885-F6AD-4E9D-95DE-9BA28164A3FE}"/>
+                <a16:creationId xmlns:a16="http://schemas.microsoft.com/office/drawing/2014/main" id="{90B6B653-2459-4F0A-93D4-6E4F1ED85AFC}"/>
               </a:ext>
             </a:extLst>
           </p:cNvPr>
@@ -7023,44 +6494,169 @@
         </p:nvSpPr>
         <p:spPr>
           <a:xfrm>
-            <a:off x="0" y="998598"/>
-            <a:ext cx="1149350" cy="431800"/>
+            <a:off x="1633711" y="6760533"/>
+            <a:ext cx="3151895" cy="830593"/>
           </a:xfrm>
           <a:prstGeom prst="roundRect">
             <a:avLst/>
           </a:prstGeom>
-          <a:ln/>
+          <a:solidFill>
+            <a:schemeClr val="accent2">
+              <a:lumMod val="20000"/>
+              <a:lumOff val="80000"/>
+            </a:schemeClr>
+          </a:solidFill>
+          <a:ln>
+            <a:solidFill>
+              <a:schemeClr val="accent2">
+                <a:lumMod val="60000"/>
+                <a:lumOff val="40000"/>
+              </a:schemeClr>
+            </a:solidFill>
+          </a:ln>
         </p:spPr>
         <p:style>
           <a:lnRef idx="2">
-            <a:schemeClr val="accent2">
+            <a:schemeClr val="accent1">
               <a:shade val="50000"/>
             </a:schemeClr>
           </a:lnRef>
           <a:fillRef idx="1">
-            <a:schemeClr val="accent2"/>
+            <a:schemeClr val="accent1"/>
           </a:fillRef>
           <a:effectRef idx="0">
-            <a:schemeClr val="accent2"/>
+            <a:schemeClr val="accent1"/>
           </a:effectRef>
           <a:fontRef idx="minor">
             <a:schemeClr val="lt1"/>
           </a:fontRef>
         </p:style>
         <p:txBody>
-          <a:bodyPr rot="0" spcFirstLastPara="0" vertOverflow="overflow" horzOverflow="overflow" vert="horz" wrap="square" lIns="91440" tIns="45720" rIns="91440" bIns="45720" numCol="1" spcCol="0" rtlCol="0" fromWordArt="0" anchor="ctr" anchorCtr="0" forceAA="0" compatLnSpc="1">
-            <a:prstTxWarp prst="textNoShape">
-              <a:avLst/>
-            </a:prstTxWarp>
-            <a:noAutofit/>
-          </a:bodyPr>
+          <a:bodyPr rtlCol="0" anchor="ctr"/>
           <a:lstStyle/>
           <a:p>
             <a:pPr algn="ctr"/>
-            <a:r>
-              <a:rPr lang="en-GB" dirty="0"/>
-              <a:t>Start</a:t>
-            </a:r>
+            <a:endParaRPr lang="en-GB"/>
+          </a:p>
+        </p:txBody>
+      </p:sp>
+      <p:sp>
+        <p:nvSpPr>
+          <p:cNvPr id="223" name="Rectangle: Rounded Corners 222">
+            <a:extLst>
+              <a:ext uri="{FF2B5EF4-FFF2-40B4-BE49-F238E27FC236}">
+                <a16:creationId xmlns:a16="http://schemas.microsoft.com/office/drawing/2014/main" id="{417A31ED-1269-4020-8A10-8E6126768FBF}"/>
+              </a:ext>
+            </a:extLst>
+          </p:cNvPr>
+          <p:cNvSpPr/>
+          <p:nvPr/>
+        </p:nvSpPr>
+        <p:spPr>
+          <a:xfrm>
+            <a:off x="4169427" y="2783353"/>
+            <a:ext cx="2684400" cy="830593"/>
+          </a:xfrm>
+          <a:prstGeom prst="roundRect">
+            <a:avLst/>
+          </a:prstGeom>
+          <a:solidFill>
+            <a:schemeClr val="accent2">
+              <a:lumMod val="20000"/>
+              <a:lumOff val="80000"/>
+            </a:schemeClr>
+          </a:solidFill>
+          <a:ln>
+            <a:solidFill>
+              <a:schemeClr val="accent2">
+                <a:lumMod val="60000"/>
+                <a:lumOff val="40000"/>
+              </a:schemeClr>
+            </a:solidFill>
+          </a:ln>
+        </p:spPr>
+        <p:style>
+          <a:lnRef idx="2">
+            <a:schemeClr val="accent1">
+              <a:shade val="50000"/>
+            </a:schemeClr>
+          </a:lnRef>
+          <a:fillRef idx="1">
+            <a:schemeClr val="accent1"/>
+          </a:fillRef>
+          <a:effectRef idx="0">
+            <a:schemeClr val="accent1"/>
+          </a:effectRef>
+          <a:fontRef idx="minor">
+            <a:schemeClr val="lt1"/>
+          </a:fontRef>
+        </p:style>
+        <p:txBody>
+          <a:bodyPr rtlCol="0" anchor="ctr"/>
+          <a:lstStyle/>
+          <a:p>
+            <a:pPr algn="ctr"/>
+            <a:endParaRPr lang="en-GB"/>
+          </a:p>
+        </p:txBody>
+      </p:sp>
+      <p:sp>
+        <p:nvSpPr>
+          <p:cNvPr id="221" name="Rectangle: Rounded Corners 220">
+            <a:extLst>
+              <a:ext uri="{FF2B5EF4-FFF2-40B4-BE49-F238E27FC236}">
+                <a16:creationId xmlns:a16="http://schemas.microsoft.com/office/drawing/2014/main" id="{7578AA4B-B6E4-4A13-84C6-972A453A9CBB}"/>
+              </a:ext>
+            </a:extLst>
+          </p:cNvPr>
+          <p:cNvSpPr/>
+          <p:nvPr/>
+        </p:nvSpPr>
+        <p:spPr>
+          <a:xfrm>
+            <a:off x="4173" y="2764962"/>
+            <a:ext cx="2684400" cy="830593"/>
+          </a:xfrm>
+          <a:prstGeom prst="roundRect">
+            <a:avLst/>
+          </a:prstGeom>
+          <a:solidFill>
+            <a:schemeClr val="accent2">
+              <a:lumMod val="20000"/>
+              <a:lumOff val="80000"/>
+            </a:schemeClr>
+          </a:solidFill>
+          <a:ln>
+            <a:solidFill>
+              <a:schemeClr val="accent2">
+                <a:lumMod val="60000"/>
+                <a:lumOff val="40000"/>
+              </a:schemeClr>
+            </a:solidFill>
+          </a:ln>
+        </p:spPr>
+        <p:style>
+          <a:lnRef idx="2">
+            <a:schemeClr val="accent1">
+              <a:shade val="50000"/>
+            </a:schemeClr>
+          </a:lnRef>
+          <a:fillRef idx="1">
+            <a:schemeClr val="accent1"/>
+          </a:fillRef>
+          <a:effectRef idx="0">
+            <a:schemeClr val="accent1"/>
+          </a:effectRef>
+          <a:fontRef idx="minor">
+            <a:schemeClr val="lt1"/>
+          </a:fontRef>
+        </p:style>
+        <p:txBody>
+          <a:bodyPr rtlCol="0" anchor="ctr"/>
+          <a:lstStyle/>
+          <a:p>
+            <a:pPr algn="ctr"/>
+            <a:endParaRPr lang="en-GB"/>
           </a:p>
         </p:txBody>
       </p:sp>
@@ -7078,7 +6674,7 @@
         </p:nvSpPr>
         <p:spPr>
           <a:xfrm>
-            <a:off x="1938336" y="575469"/>
+            <a:off x="2068724" y="348902"/>
             <a:ext cx="2724151" cy="431800"/>
           </a:xfrm>
           <a:prstGeom prst="roundRect">
@@ -7133,8 +6729,8 @@
         </p:nvSpPr>
         <p:spPr>
           <a:xfrm>
-            <a:off x="1938336" y="0"/>
-            <a:ext cx="2724151" cy="431800"/>
+            <a:off x="2788186" y="-528"/>
+            <a:ext cx="1285228" cy="338532"/>
           </a:xfrm>
           <a:prstGeom prst="roundRect">
             <a:avLst/>
@@ -7168,7 +6764,7 @@
           <a:p>
             <a:pPr algn="ctr"/>
             <a:r>
-              <a:rPr lang="en-GB" dirty="0"/>
+              <a:rPr lang="en-GB" sz="1400" dirty="0"/>
               <a:t>Section 1</a:t>
             </a:r>
           </a:p>
@@ -7188,8 +6784,8 @@
         </p:nvSpPr>
         <p:spPr>
           <a:xfrm>
-            <a:off x="2664114" y="982737"/>
-            <a:ext cx="1272592" cy="523220"/>
+            <a:off x="2104993" y="1201186"/>
+            <a:ext cx="2635902" cy="307777"/>
           </a:xfrm>
           <a:prstGeom prst="rect">
             <a:avLst/>
@@ -7197,121 +6793,20 @@
           <a:noFill/>
         </p:spPr>
         <p:txBody>
-          <a:bodyPr wrap="none" rtlCol="0">
+          <a:bodyPr wrap="square" rtlCol="0">
             <a:spAutoFit/>
           </a:bodyPr>
           <a:lstStyle/>
           <a:p>
             <a:pPr algn="ctr"/>
             <a:r>
-              <a:rPr lang="en-GB" sz="1400" b="1" dirty="0">
+              <a:rPr lang="en-GB" sz="1400" dirty="0">
                 <a:solidFill>
                   <a:schemeClr val="accent2"/>
                 </a:solidFill>
               </a:rPr>
-              <a:t>Input file</a:t>
-            </a:r>
-          </a:p>
-          <a:p>
-            <a:pPr algn="ctr"/>
-            <a:r>
-              <a:rPr lang="en-GB" sz="1400" dirty="0">
-                <a:solidFill>
-                  <a:schemeClr val="accent2"/>
-                </a:solidFill>
-              </a:rPr>
-              <a:t>Species_list.txt</a:t>
-            </a:r>
-          </a:p>
-        </p:txBody>
-      </p:sp>
-      <p:sp>
-        <p:nvSpPr>
-          <p:cNvPr id="6" name="TextBox 5">
-            <a:extLst>
-              <a:ext uri="{FF2B5EF4-FFF2-40B4-BE49-F238E27FC236}">
-                <a16:creationId xmlns:a16="http://schemas.microsoft.com/office/drawing/2014/main" id="{4FD952ED-E909-4352-BE2A-4EE150AA1DD7}"/>
-              </a:ext>
-            </a:extLst>
-          </p:cNvPr>
-          <p:cNvSpPr txBox="1"/>
-          <p:nvPr/>
-        </p:nvSpPr>
-        <p:spPr>
-          <a:xfrm>
-            <a:off x="2758242" y="5858698"/>
-            <a:ext cx="1206870" cy="307777"/>
-          </a:xfrm>
-          <a:prstGeom prst="rect">
-            <a:avLst/>
-          </a:prstGeom>
-          <a:noFill/>
-        </p:spPr>
-        <p:txBody>
-          <a:bodyPr wrap="none" rtlCol="0">
-            <a:spAutoFit/>
-          </a:bodyPr>
-          <a:lstStyle/>
-          <a:p>
-            <a:pPr algn="ctr"/>
-            <a:r>
-              <a:rPr lang="en-GB" sz="1400" b="1" dirty="0">
-                <a:solidFill>
-                  <a:schemeClr val="accent2"/>
-                </a:solidFill>
-              </a:rPr>
-              <a:t>Taxonomy IDs</a:t>
-            </a:r>
-            <a:endParaRPr lang="en-GB" sz="1400" dirty="0">
-              <a:solidFill>
-                <a:schemeClr val="accent2"/>
-              </a:solidFill>
-            </a:endParaRPr>
-          </a:p>
-        </p:txBody>
-      </p:sp>
-      <p:sp>
-        <p:nvSpPr>
-          <p:cNvPr id="7" name="TextBox 6">
-            <a:extLst>
-              <a:ext uri="{FF2B5EF4-FFF2-40B4-BE49-F238E27FC236}">
-                <a16:creationId xmlns:a16="http://schemas.microsoft.com/office/drawing/2014/main" id="{B48F28B6-D76A-4A8A-973A-49E50B94E419}"/>
-              </a:ext>
-            </a:extLst>
-          </p:cNvPr>
-          <p:cNvSpPr txBox="1"/>
-          <p:nvPr/>
-        </p:nvSpPr>
-        <p:spPr>
-          <a:xfrm>
-            <a:off x="2615960" y="7732433"/>
-            <a:ext cx="1613968" cy="307777"/>
-          </a:xfrm>
-          <a:prstGeom prst="rect">
-            <a:avLst/>
-          </a:prstGeom>
-          <a:noFill/>
-        </p:spPr>
-        <p:txBody>
-          <a:bodyPr wrap="none" rtlCol="0">
-            <a:spAutoFit/>
-          </a:bodyPr>
-          <a:lstStyle/>
-          <a:p>
-            <a:pPr algn="ctr"/>
-            <a:r>
-              <a:rPr lang="en-GB" sz="1400" b="1" dirty="0">
-                <a:solidFill>
-                  <a:schemeClr val="accent2"/>
-                </a:solidFill>
-              </a:rPr>
-              <a:t>Accession numbers</a:t>
-            </a:r>
-            <a:endParaRPr lang="en-GB" sz="1400" dirty="0">
-              <a:solidFill>
-                <a:schemeClr val="accent2"/>
-              </a:solidFill>
-            </a:endParaRPr>
+              <a:t>Input file: ‘Species_list.txt’</a:t>
+            </a:r>
           </a:p>
         </p:txBody>
       </p:sp>
@@ -7329,8 +6824,8 @@
         </p:nvSpPr>
         <p:spPr>
           <a:xfrm>
-            <a:off x="2813866" y="1481405"/>
-            <a:ext cx="973088" cy="1015663"/>
+            <a:off x="2770515" y="1487823"/>
+            <a:ext cx="1318187" cy="1184940"/>
           </a:xfrm>
           <a:prstGeom prst="rect">
             <a:avLst/>
@@ -7452,6 +6947,29 @@
               </a:rPr>
               <a:t>1</a:t>
             </a:r>
+          </a:p>
+          <a:p>
+            <a:pPr algn="ctr"/>
+            <a:r>
+              <a:rPr lang="en-GB" sz="1200" dirty="0">
+                <a:solidFill>
+                  <a:schemeClr val="bg1">
+                    <a:lumMod val="50000"/>
+                  </a:schemeClr>
+                </a:solidFill>
+              </a:rPr>
+              <a:t>Taxonomy ID</a:t>
+            </a:r>
+            <a:r>
+              <a:rPr lang="en-GB" sz="1200" baseline="-25000" dirty="0">
+                <a:solidFill>
+                  <a:schemeClr val="bg1">
+                    <a:lumMod val="50000"/>
+                  </a:schemeClr>
+                </a:solidFill>
+              </a:rPr>
+              <a:t>1</a:t>
+            </a:r>
             <a:endParaRPr lang="en-GB" sz="1200" dirty="0">
               <a:solidFill>
                 <a:schemeClr val="bg1">
@@ -7522,13 +7040,16 @@
               </a:rPr>
               <a:t>Taxonomy ID</a:t>
             </a:r>
-            <a:endParaRPr lang="en-GB" sz="1200" dirty="0">
-              <a:solidFill>
-                <a:schemeClr val="bg1">
-                  <a:lumMod val="50000"/>
-                </a:schemeClr>
-              </a:solidFill>
-            </a:endParaRPr>
+            <a:r>
+              <a:rPr lang="en-GB" sz="1100" baseline="-25000" dirty="0">
+                <a:solidFill>
+                  <a:schemeClr val="bg1">
+                    <a:lumMod val="50000"/>
+                  </a:schemeClr>
+                </a:solidFill>
+              </a:rPr>
+              <a:t>2</a:t>
+            </a:r>
           </a:p>
         </p:txBody>
       </p:sp>
@@ -7546,8 +7067,8 @@
         </p:nvSpPr>
         <p:spPr>
           <a:xfrm>
-            <a:off x="3786954" y="1387603"/>
-            <a:ext cx="2496322" cy="1608133"/>
+            <a:off x="4390775" y="833299"/>
+            <a:ext cx="2496322" cy="1277273"/>
           </a:xfrm>
           <a:prstGeom prst="rect">
             <a:avLst/>
@@ -7583,7 +7104,7 @@
                   </a:schemeClr>
                 </a:solidFill>
               </a:rPr>
-              <a:t>Plain text file</a:t>
+              <a:t>Plain text file containing no blank lines</a:t>
             </a:r>
           </a:p>
           <a:p>
@@ -7595,7 +7116,7 @@
                   </a:schemeClr>
                 </a:solidFill>
               </a:rPr>
-              <a:t>Contains genus-species or taxonomy ID name of selected species</a:t>
+              <a:t>Each line contains a genus-species names or taxonomy ID of unique selected species</a:t>
             </a:r>
           </a:p>
           <a:p>
@@ -7607,34 +7128,8 @@
                   </a:schemeClr>
                 </a:solidFill>
               </a:rPr>
-              <a:t>Each line contains a unique species</a:t>
-            </a:r>
-          </a:p>
-          <a:p>
-            <a:r>
-              <a:rPr lang="en-GB" sz="1100" i="1" dirty="0">
-                <a:solidFill>
-                  <a:schemeClr val="bg1">
-                    <a:lumMod val="50000"/>
-                  </a:schemeClr>
-                </a:solidFill>
-              </a:rPr>
-              <a:t>No blank lines</a:t>
-            </a:r>
-          </a:p>
-          <a:p>
-            <a:r>
-              <a:rPr lang="en-GB" sz="1100" i="1" dirty="0">
-                <a:solidFill>
-                  <a:schemeClr val="bg1">
-                    <a:lumMod val="50000"/>
-                  </a:schemeClr>
-                </a:solidFill>
-              </a:rPr>
-              <a:t>Contains comments indicated by first character of ‘#’</a:t>
-            </a:r>
-          </a:p>
-          <a:p>
+              <a:t>Comments are indicated by with the first line character ‘#’</a:t>
+            </a:r>
             <a:endParaRPr lang="en-GB" sz="1050" i="1" dirty="0">
               <a:solidFill>
                 <a:schemeClr val="bg1">
@@ -7647,10 +7142,10 @@
       </p:sp>
       <p:sp>
         <p:nvSpPr>
-          <p:cNvPr id="11" name="TextBox 10">
+          <p:cNvPr id="8" name="TextBox 7">
             <a:extLst>
               <a:ext uri="{FF2B5EF4-FFF2-40B4-BE49-F238E27FC236}">
-                <a16:creationId xmlns:a16="http://schemas.microsoft.com/office/drawing/2014/main" id="{C2476284-ED03-4479-8F99-B1518895E652}"/>
+                <a16:creationId xmlns:a16="http://schemas.microsoft.com/office/drawing/2014/main" id="{62591C02-2E02-4608-8909-D3F003DE4743}"/>
               </a:ext>
             </a:extLst>
           </p:cNvPr>
@@ -7659,8 +7154,8 @@
         </p:nvSpPr>
         <p:spPr>
           <a:xfrm>
-            <a:off x="2041110" y="2494182"/>
-            <a:ext cx="1320567" cy="523220"/>
+            <a:off x="2770515" y="862584"/>
+            <a:ext cx="1320567" cy="307777"/>
           </a:xfrm>
           <a:prstGeom prst="rect">
             <a:avLst/>
@@ -7673,24 +7168,62 @@
           </a:bodyPr>
           <a:lstStyle/>
           <a:p>
-            <a:pPr algn="r"/>
-            <a:r>
-              <a:rPr lang="en-GB" sz="1400" dirty="0">
+            <a:pPr algn="ctr"/>
+            <a:r>
+              <a:rPr lang="en-GB" sz="1400" b="1" dirty="0">
                 <a:solidFill>
                   <a:schemeClr val="accent2"/>
                 </a:solidFill>
               </a:rPr>
-              <a:t>Extract data from input file</a:t>
+              <a:t>Main()</a:t>
             </a:r>
           </a:p>
         </p:txBody>
       </p:sp>
+      <p:cxnSp>
+        <p:nvCxnSpPr>
+          <p:cNvPr id="58" name="Straight Connector 57">
+            <a:extLst>
+              <a:ext uri="{FF2B5EF4-FFF2-40B4-BE49-F238E27FC236}">
+                <a16:creationId xmlns:a16="http://schemas.microsoft.com/office/drawing/2014/main" id="{21A6E700-2226-4C64-9049-BE049E0E172F}"/>
+              </a:ext>
+            </a:extLst>
+          </p:cNvPr>
+          <p:cNvCxnSpPr>
+            <a:cxnSpLocks/>
+          </p:cNvCxnSpPr>
+          <p:nvPr/>
+        </p:nvCxnSpPr>
+        <p:spPr>
+          <a:xfrm flipH="1">
+            <a:off x="3594100" y="2362200"/>
+            <a:ext cx="1537444" cy="0"/>
+          </a:xfrm>
+          <a:prstGeom prst="line">
+            <a:avLst/>
+          </a:prstGeom>
+        </p:spPr>
+        <p:style>
+          <a:lnRef idx="1">
+            <a:schemeClr val="accent1"/>
+          </a:lnRef>
+          <a:fillRef idx="0">
+            <a:schemeClr val="accent1"/>
+          </a:fillRef>
+          <a:effectRef idx="0">
+            <a:schemeClr val="accent1"/>
+          </a:effectRef>
+          <a:fontRef idx="minor">
+            <a:schemeClr val="tx1"/>
+          </a:fontRef>
+        </p:style>
+      </p:cxnSp>
       <p:sp>
         <p:nvSpPr>
-          <p:cNvPr id="12" name="TextBox 11">
+          <p:cNvPr id="63" name="TextBox 62">
             <a:extLst>
               <a:ext uri="{FF2B5EF4-FFF2-40B4-BE49-F238E27FC236}">
-                <a16:creationId xmlns:a16="http://schemas.microsoft.com/office/drawing/2014/main" id="{AF847840-3C26-4B09-BEE4-8608C027B1AF}"/>
+                <a16:creationId xmlns:a16="http://schemas.microsoft.com/office/drawing/2014/main" id="{BA7E861F-343E-4653-95E1-F5C9EA4F049C}"/>
               </a:ext>
             </a:extLst>
           </p:cNvPr>
@@ -7699,8 +7232,900 @@
         </p:nvSpPr>
         <p:spPr>
           <a:xfrm>
-            <a:off x="582031" y="3539801"/>
-            <a:ext cx="2404716" cy="761747"/>
+            <a:off x="4169427" y="2791731"/>
+            <a:ext cx="2684400" cy="461665"/>
+          </a:xfrm>
+          <a:prstGeom prst="rect">
+            <a:avLst/>
+          </a:prstGeom>
+          <a:noFill/>
+        </p:spPr>
+        <p:txBody>
+          <a:bodyPr wrap="square" rtlCol="0">
+            <a:spAutoFit/>
+          </a:bodyPr>
+          <a:lstStyle/>
+          <a:p>
+            <a:pPr algn="ctr"/>
+            <a:r>
+              <a:rPr lang="en-GB" sz="1200" b="1" dirty="0" err="1">
+                <a:solidFill>
+                  <a:schemeClr val="accent2">
+                    <a:lumMod val="50000"/>
+                  </a:schemeClr>
+                </a:solidFill>
+              </a:rPr>
+              <a:t>get_tax_ID</a:t>
+            </a:r>
+            <a:r>
+              <a:rPr lang="en-GB" sz="1200" b="1" dirty="0">
+                <a:solidFill>
+                  <a:schemeClr val="accent2">
+                    <a:lumMod val="50000"/>
+                  </a:schemeClr>
+                </a:solidFill>
+              </a:rPr>
+              <a:t>(</a:t>
+            </a:r>
+            <a:r>
+              <a:rPr lang="en-GB" sz="1200" dirty="0" err="1">
+                <a:solidFill>
+                  <a:schemeClr val="accent2">
+                    <a:lumMod val="50000"/>
+                  </a:schemeClr>
+                </a:solidFill>
+              </a:rPr>
+              <a:t>genus_species</a:t>
+            </a:r>
+            <a:r>
+              <a:rPr lang="en-GB" sz="1200" b="1" dirty="0">
+                <a:solidFill>
+                  <a:schemeClr val="accent2">
+                    <a:lumMod val="50000"/>
+                  </a:schemeClr>
+                </a:solidFill>
+              </a:rPr>
+              <a:t>)</a:t>
+            </a:r>
+          </a:p>
+          <a:p>
+            <a:pPr algn="ctr"/>
+            <a:endParaRPr lang="en-GB" sz="1200" b="1" dirty="0">
+              <a:solidFill>
+                <a:schemeClr val="accent2">
+                  <a:lumMod val="50000"/>
+                </a:schemeClr>
+              </a:solidFill>
+            </a:endParaRPr>
+          </a:p>
+        </p:txBody>
+      </p:sp>
+      <p:sp>
+        <p:nvSpPr>
+          <p:cNvPr id="65" name="TextBox 64">
+            <a:extLst>
+              <a:ext uri="{FF2B5EF4-FFF2-40B4-BE49-F238E27FC236}">
+                <a16:creationId xmlns:a16="http://schemas.microsoft.com/office/drawing/2014/main" id="{41E4EE14-D544-4D99-A200-48D6E5C61EB5}"/>
+              </a:ext>
+            </a:extLst>
+          </p:cNvPr>
+          <p:cNvSpPr txBox="1"/>
+          <p:nvPr/>
+        </p:nvSpPr>
+        <p:spPr>
+          <a:xfrm>
+            <a:off x="86429" y="2795764"/>
+            <a:ext cx="3261543" cy="276999"/>
+          </a:xfrm>
+          <a:prstGeom prst="rect">
+            <a:avLst/>
+          </a:prstGeom>
+          <a:noFill/>
+        </p:spPr>
+        <p:txBody>
+          <a:bodyPr wrap="square" rtlCol="0">
+            <a:spAutoFit/>
+          </a:bodyPr>
+          <a:lstStyle/>
+          <a:p>
+            <a:pPr algn="ctr"/>
+            <a:endParaRPr lang="en-GB" sz="1200" dirty="0">
+              <a:solidFill>
+                <a:schemeClr val="accent2">
+                  <a:lumMod val="50000"/>
+                </a:schemeClr>
+              </a:solidFill>
+            </a:endParaRPr>
+          </a:p>
+        </p:txBody>
+      </p:sp>
+      <p:grpSp>
+        <p:nvGrpSpPr>
+          <p:cNvPr id="80" name="Group 79">
+            <a:extLst>
+              <a:ext uri="{FF2B5EF4-FFF2-40B4-BE49-F238E27FC236}">
+                <a16:creationId xmlns:a16="http://schemas.microsoft.com/office/drawing/2014/main" id="{668D2F41-0F0B-426D-AF61-463B03D38CAA}"/>
+              </a:ext>
+            </a:extLst>
+          </p:cNvPr>
+          <p:cNvGrpSpPr/>
+          <p:nvPr/>
+        </p:nvGrpSpPr>
+        <p:grpSpPr>
+          <a:xfrm>
+            <a:off x="1667193" y="2163807"/>
+            <a:ext cx="1319554" cy="640021"/>
+            <a:chOff x="1667193" y="2163807"/>
+            <a:chExt cx="1319554" cy="640021"/>
+          </a:xfrm>
+        </p:grpSpPr>
+        <p:cxnSp>
+          <p:nvCxnSpPr>
+            <p:cNvPr id="17" name="Straight Connector 16">
+              <a:extLst>
+                <a:ext uri="{FF2B5EF4-FFF2-40B4-BE49-F238E27FC236}">
+                  <a16:creationId xmlns:a16="http://schemas.microsoft.com/office/drawing/2014/main" id="{A06CB5EA-6871-432A-8D58-436F21C0EBC4}"/>
+                </a:ext>
+              </a:extLst>
+            </p:cNvPr>
+            <p:cNvCxnSpPr>
+              <a:cxnSpLocks/>
+            </p:cNvCxnSpPr>
+            <p:nvPr/>
+          </p:nvCxnSpPr>
+          <p:spPr>
+            <a:xfrm flipH="1" flipV="1">
+              <a:off x="1715400" y="2178050"/>
+              <a:ext cx="1271347" cy="0"/>
+            </a:xfrm>
+            <a:prstGeom prst="line">
+              <a:avLst/>
+            </a:prstGeom>
+          </p:spPr>
+          <p:style>
+            <a:lnRef idx="1">
+              <a:schemeClr val="accent1"/>
+            </a:lnRef>
+            <a:fillRef idx="0">
+              <a:schemeClr val="accent1"/>
+            </a:fillRef>
+            <a:effectRef idx="0">
+              <a:schemeClr val="accent1"/>
+            </a:effectRef>
+            <a:fontRef idx="minor">
+              <a:schemeClr val="tx1"/>
+            </a:fontRef>
+          </p:style>
+        </p:cxnSp>
+        <p:cxnSp>
+          <p:nvCxnSpPr>
+            <p:cNvPr id="42" name="Straight Connector 41">
+              <a:extLst>
+                <a:ext uri="{FF2B5EF4-FFF2-40B4-BE49-F238E27FC236}">
+                  <a16:creationId xmlns:a16="http://schemas.microsoft.com/office/drawing/2014/main" id="{4DB16D58-4053-4FB5-8049-60704698B65F}"/>
+                </a:ext>
+              </a:extLst>
+            </p:cNvPr>
+            <p:cNvCxnSpPr>
+              <a:cxnSpLocks/>
+              <a:stCxn id="65" idx="0"/>
+            </p:cNvCxnSpPr>
+            <p:nvPr/>
+          </p:nvCxnSpPr>
+          <p:spPr>
+            <a:xfrm flipV="1">
+              <a:off x="1717201" y="2178049"/>
+              <a:ext cx="0" cy="617715"/>
+            </a:xfrm>
+            <a:prstGeom prst="line">
+              <a:avLst/>
+            </a:prstGeom>
+            <a:ln>
+              <a:headEnd type="triangle" w="med" len="med"/>
+              <a:tailEnd type="none" w="med" len="med"/>
+            </a:ln>
+          </p:spPr>
+          <p:style>
+            <a:lnRef idx="1">
+              <a:schemeClr val="accent1"/>
+            </a:lnRef>
+            <a:fillRef idx="0">
+              <a:schemeClr val="accent1"/>
+            </a:fillRef>
+            <a:effectRef idx="0">
+              <a:schemeClr val="accent1"/>
+            </a:effectRef>
+            <a:fontRef idx="minor">
+              <a:schemeClr val="tx1"/>
+            </a:fontRef>
+          </p:style>
+        </p:cxnSp>
+        <p:sp>
+          <p:nvSpPr>
+            <p:cNvPr id="73" name="Rectangle 72">
+              <a:extLst>
+                <a:ext uri="{FF2B5EF4-FFF2-40B4-BE49-F238E27FC236}">
+                  <a16:creationId xmlns:a16="http://schemas.microsoft.com/office/drawing/2014/main" id="{0F452F18-2287-481B-B108-A598005A59E7}"/>
+                </a:ext>
+              </a:extLst>
+            </p:cNvPr>
+            <p:cNvSpPr/>
+            <p:nvPr/>
+          </p:nvSpPr>
+          <p:spPr>
+            <a:xfrm>
+              <a:off x="1717200" y="2164366"/>
+              <a:ext cx="1269547" cy="45719"/>
+            </a:xfrm>
+            <a:prstGeom prst="rect">
+              <a:avLst/>
+            </a:prstGeom>
+            <a:gradFill flip="none" rotWithShape="1">
+              <a:gsLst>
+                <a:gs pos="0">
+                  <a:schemeClr val="accent2">
+                    <a:lumMod val="50000"/>
+                    <a:shade val="30000"/>
+                    <a:satMod val="115000"/>
+                  </a:schemeClr>
+                </a:gs>
+                <a:gs pos="63000">
+                  <a:schemeClr val="accent2">
+                    <a:lumMod val="50000"/>
+                    <a:shade val="30000"/>
+                    <a:satMod val="115000"/>
+                  </a:schemeClr>
+                </a:gs>
+                <a:gs pos="81000">
+                  <a:schemeClr val="accent2">
+                    <a:lumMod val="50000"/>
+                    <a:shade val="67500"/>
+                    <a:satMod val="115000"/>
+                  </a:schemeClr>
+                </a:gs>
+                <a:gs pos="100000">
+                  <a:schemeClr val="accent2">
+                    <a:lumMod val="50000"/>
+                    <a:shade val="100000"/>
+                    <a:satMod val="115000"/>
+                  </a:schemeClr>
+                </a:gs>
+              </a:gsLst>
+              <a:lin ang="10800000" scaled="1"/>
+              <a:tileRect/>
+            </a:gradFill>
+            <a:ln>
+              <a:solidFill>
+                <a:srgbClr val="501E00"/>
+              </a:solidFill>
+            </a:ln>
+          </p:spPr>
+          <p:style>
+            <a:lnRef idx="2">
+              <a:schemeClr val="accent1">
+                <a:shade val="50000"/>
+              </a:schemeClr>
+            </a:lnRef>
+            <a:fillRef idx="1">
+              <a:schemeClr val="accent1"/>
+            </a:fillRef>
+            <a:effectRef idx="0">
+              <a:schemeClr val="accent1"/>
+            </a:effectRef>
+            <a:fontRef idx="minor">
+              <a:schemeClr val="lt1"/>
+            </a:fontRef>
+          </p:style>
+          <p:txBody>
+            <a:bodyPr rtlCol="0" anchor="ctr"/>
+            <a:lstStyle/>
+            <a:p>
+              <a:pPr algn="ctr"/>
+              <a:endParaRPr lang="en-GB"/>
+            </a:p>
+          </p:txBody>
+        </p:sp>
+        <p:sp>
+          <p:nvSpPr>
+            <p:cNvPr id="75" name="Rectangle 74">
+              <a:extLst>
+                <a:ext uri="{FF2B5EF4-FFF2-40B4-BE49-F238E27FC236}">
+                  <a16:creationId xmlns:a16="http://schemas.microsoft.com/office/drawing/2014/main" id="{6CAC2E29-393D-422C-A857-879920604875}"/>
+                </a:ext>
+              </a:extLst>
+            </p:cNvPr>
+            <p:cNvSpPr/>
+            <p:nvPr/>
+          </p:nvSpPr>
+          <p:spPr>
+            <a:xfrm rot="16200000">
+              <a:off x="1434254" y="2422093"/>
+              <a:ext cx="562291" cy="45720"/>
+            </a:xfrm>
+            <a:prstGeom prst="rect">
+              <a:avLst/>
+            </a:prstGeom>
+            <a:solidFill>
+              <a:schemeClr val="accent2">
+                <a:lumMod val="50000"/>
+              </a:schemeClr>
+            </a:solidFill>
+            <a:ln>
+              <a:solidFill>
+                <a:srgbClr val="501E00"/>
+              </a:solidFill>
+            </a:ln>
+          </p:spPr>
+          <p:style>
+            <a:lnRef idx="2">
+              <a:schemeClr val="accent1">
+                <a:shade val="50000"/>
+              </a:schemeClr>
+            </a:lnRef>
+            <a:fillRef idx="1">
+              <a:schemeClr val="accent1"/>
+            </a:fillRef>
+            <a:effectRef idx="0">
+              <a:schemeClr val="accent1"/>
+            </a:effectRef>
+            <a:fontRef idx="minor">
+              <a:schemeClr val="lt1"/>
+            </a:fontRef>
+          </p:style>
+          <p:txBody>
+            <a:bodyPr rtlCol="0" anchor="ctr"/>
+            <a:lstStyle/>
+            <a:p>
+              <a:pPr algn="ctr"/>
+              <a:endParaRPr lang="en-GB"/>
+            </a:p>
+          </p:txBody>
+        </p:sp>
+        <p:sp>
+          <p:nvSpPr>
+            <p:cNvPr id="76" name="Isosceles Triangle 75">
+              <a:extLst>
+                <a:ext uri="{FF2B5EF4-FFF2-40B4-BE49-F238E27FC236}">
+                  <a16:creationId xmlns:a16="http://schemas.microsoft.com/office/drawing/2014/main" id="{F32D5BA1-6B68-45BC-ADCB-CEFE7C17BE46}"/>
+                </a:ext>
+              </a:extLst>
+            </p:cNvPr>
+            <p:cNvSpPr/>
+            <p:nvPr/>
+          </p:nvSpPr>
+          <p:spPr>
+            <a:xfrm rot="10800000">
+              <a:off x="1667193" y="2726097"/>
+              <a:ext cx="99694" cy="77731"/>
+            </a:xfrm>
+            <a:prstGeom prst="triangle">
+              <a:avLst/>
+            </a:prstGeom>
+            <a:solidFill>
+              <a:schemeClr val="accent2">
+                <a:lumMod val="50000"/>
+              </a:schemeClr>
+            </a:solidFill>
+            <a:ln>
+              <a:solidFill>
+                <a:srgbClr val="501E00"/>
+              </a:solidFill>
+            </a:ln>
+          </p:spPr>
+          <p:style>
+            <a:lnRef idx="2">
+              <a:schemeClr val="accent1">
+                <a:shade val="50000"/>
+              </a:schemeClr>
+            </a:lnRef>
+            <a:fillRef idx="1">
+              <a:schemeClr val="accent1"/>
+            </a:fillRef>
+            <a:effectRef idx="0">
+              <a:schemeClr val="accent1"/>
+            </a:effectRef>
+            <a:fontRef idx="minor">
+              <a:schemeClr val="lt1"/>
+            </a:fontRef>
+          </p:style>
+          <p:txBody>
+            <a:bodyPr rtlCol="0" anchor="ctr"/>
+            <a:lstStyle/>
+            <a:p>
+              <a:pPr algn="ctr"/>
+              <a:endParaRPr lang="en-GB"/>
+            </a:p>
+          </p:txBody>
+        </p:sp>
+        <p:sp>
+          <p:nvSpPr>
+            <p:cNvPr id="77" name="Rectangle 76">
+              <a:extLst>
+                <a:ext uri="{FF2B5EF4-FFF2-40B4-BE49-F238E27FC236}">
+                  <a16:creationId xmlns:a16="http://schemas.microsoft.com/office/drawing/2014/main" id="{2E9999A9-6956-40A4-A860-9F2E3B89A70E}"/>
+                </a:ext>
+              </a:extLst>
+            </p:cNvPr>
+            <p:cNvSpPr/>
+            <p:nvPr/>
+          </p:nvSpPr>
+          <p:spPr>
+            <a:xfrm>
+              <a:off x="1727102" y="2172695"/>
+              <a:ext cx="32400" cy="32400"/>
+            </a:xfrm>
+            <a:prstGeom prst="rect">
+              <a:avLst/>
+            </a:prstGeom>
+            <a:solidFill>
+              <a:schemeClr val="accent2">
+                <a:lumMod val="50000"/>
+              </a:schemeClr>
+            </a:solidFill>
+            <a:ln>
+              <a:noFill/>
+            </a:ln>
+          </p:spPr>
+          <p:style>
+            <a:lnRef idx="2">
+              <a:schemeClr val="accent1">
+                <a:shade val="50000"/>
+              </a:schemeClr>
+            </a:lnRef>
+            <a:fillRef idx="1">
+              <a:schemeClr val="accent1"/>
+            </a:fillRef>
+            <a:effectRef idx="0">
+              <a:schemeClr val="accent1"/>
+            </a:effectRef>
+            <a:fontRef idx="minor">
+              <a:schemeClr val="lt1"/>
+            </a:fontRef>
+          </p:style>
+          <p:txBody>
+            <a:bodyPr rtlCol="0" anchor="ctr"/>
+            <a:lstStyle/>
+            <a:p>
+              <a:pPr algn="ctr"/>
+              <a:endParaRPr lang="en-GB"/>
+            </a:p>
+          </p:txBody>
+        </p:sp>
+        <p:sp>
+          <p:nvSpPr>
+            <p:cNvPr id="79" name="Rectangle 78">
+              <a:extLst>
+                <a:ext uri="{FF2B5EF4-FFF2-40B4-BE49-F238E27FC236}">
+                  <a16:creationId xmlns:a16="http://schemas.microsoft.com/office/drawing/2014/main" id="{0FFBF8A8-F8FB-428F-90B0-F773EBCD0F34}"/>
+                </a:ext>
+              </a:extLst>
+            </p:cNvPr>
+            <p:cNvSpPr/>
+            <p:nvPr/>
+          </p:nvSpPr>
+          <p:spPr>
+            <a:xfrm>
+              <a:off x="1701001" y="2709716"/>
+              <a:ext cx="32400" cy="32400"/>
+            </a:xfrm>
+            <a:prstGeom prst="rect">
+              <a:avLst/>
+            </a:prstGeom>
+            <a:solidFill>
+              <a:schemeClr val="accent2">
+                <a:lumMod val="50000"/>
+              </a:schemeClr>
+            </a:solidFill>
+            <a:ln>
+              <a:noFill/>
+            </a:ln>
+          </p:spPr>
+          <p:style>
+            <a:lnRef idx="2">
+              <a:schemeClr val="accent1">
+                <a:shade val="50000"/>
+              </a:schemeClr>
+            </a:lnRef>
+            <a:fillRef idx="1">
+              <a:schemeClr val="accent1"/>
+            </a:fillRef>
+            <a:effectRef idx="0">
+              <a:schemeClr val="accent1"/>
+            </a:effectRef>
+            <a:fontRef idx="minor">
+              <a:schemeClr val="lt1"/>
+            </a:fontRef>
+          </p:style>
+          <p:txBody>
+            <a:bodyPr rtlCol="0" anchor="ctr"/>
+            <a:lstStyle/>
+            <a:p>
+              <a:pPr algn="ctr"/>
+              <a:endParaRPr lang="en-GB"/>
+            </a:p>
+          </p:txBody>
+        </p:sp>
+      </p:grpSp>
+      <p:grpSp>
+        <p:nvGrpSpPr>
+          <p:cNvPr id="89" name="Group 88">
+            <a:extLst>
+              <a:ext uri="{FF2B5EF4-FFF2-40B4-BE49-F238E27FC236}">
+                <a16:creationId xmlns:a16="http://schemas.microsoft.com/office/drawing/2014/main" id="{8199B7B4-D01A-4B67-AEEA-F1F63FA9BB52}"/>
+              </a:ext>
+            </a:extLst>
+          </p:cNvPr>
+          <p:cNvGrpSpPr/>
+          <p:nvPr/>
+        </p:nvGrpSpPr>
+        <p:grpSpPr>
+          <a:xfrm flipH="1">
+            <a:off x="3603292" y="2339760"/>
+            <a:ext cx="1587516" cy="460167"/>
+            <a:chOff x="1667193" y="2163806"/>
+            <a:chExt cx="1585538" cy="460167"/>
+          </a:xfrm>
+        </p:grpSpPr>
+        <p:cxnSp>
+          <p:nvCxnSpPr>
+            <p:cNvPr id="82" name="Straight Connector 81">
+              <a:extLst>
+                <a:ext uri="{FF2B5EF4-FFF2-40B4-BE49-F238E27FC236}">
+                  <a16:creationId xmlns:a16="http://schemas.microsoft.com/office/drawing/2014/main" id="{735B2541-FA69-45E9-9841-AF491FB0F8D2}"/>
+                </a:ext>
+              </a:extLst>
+            </p:cNvPr>
+            <p:cNvCxnSpPr>
+              <a:cxnSpLocks/>
+            </p:cNvCxnSpPr>
+            <p:nvPr/>
+          </p:nvCxnSpPr>
+          <p:spPr>
+            <a:xfrm flipH="1" flipV="1">
+              <a:off x="1715400" y="2178050"/>
+              <a:ext cx="1271347" cy="0"/>
+            </a:xfrm>
+            <a:prstGeom prst="line">
+              <a:avLst/>
+            </a:prstGeom>
+          </p:spPr>
+          <p:style>
+            <a:lnRef idx="1">
+              <a:schemeClr val="accent1"/>
+            </a:lnRef>
+            <a:fillRef idx="0">
+              <a:schemeClr val="accent1"/>
+            </a:fillRef>
+            <a:effectRef idx="0">
+              <a:schemeClr val="accent1"/>
+            </a:effectRef>
+            <a:fontRef idx="minor">
+              <a:schemeClr val="tx1"/>
+            </a:fontRef>
+          </p:style>
+        </p:cxnSp>
+        <p:sp>
+          <p:nvSpPr>
+            <p:cNvPr id="84" name="Rectangle 83">
+              <a:extLst>
+                <a:ext uri="{FF2B5EF4-FFF2-40B4-BE49-F238E27FC236}">
+                  <a16:creationId xmlns:a16="http://schemas.microsoft.com/office/drawing/2014/main" id="{1B2D9763-CF74-40AE-A378-376102FA2B04}"/>
+                </a:ext>
+              </a:extLst>
+            </p:cNvPr>
+            <p:cNvSpPr/>
+            <p:nvPr/>
+          </p:nvSpPr>
+          <p:spPr>
+            <a:xfrm>
+              <a:off x="1717201" y="2164366"/>
+              <a:ext cx="1535530" cy="45719"/>
+            </a:xfrm>
+            <a:prstGeom prst="rect">
+              <a:avLst/>
+            </a:prstGeom>
+            <a:gradFill flip="none" rotWithShape="1">
+              <a:gsLst>
+                <a:gs pos="0">
+                  <a:schemeClr val="accent2">
+                    <a:lumMod val="50000"/>
+                    <a:shade val="30000"/>
+                    <a:satMod val="115000"/>
+                  </a:schemeClr>
+                </a:gs>
+                <a:gs pos="63000">
+                  <a:schemeClr val="accent2">
+                    <a:lumMod val="50000"/>
+                    <a:shade val="30000"/>
+                    <a:satMod val="115000"/>
+                  </a:schemeClr>
+                </a:gs>
+                <a:gs pos="81000">
+                  <a:schemeClr val="accent2">
+                    <a:lumMod val="50000"/>
+                    <a:shade val="67500"/>
+                    <a:satMod val="115000"/>
+                  </a:schemeClr>
+                </a:gs>
+                <a:gs pos="100000">
+                  <a:schemeClr val="accent2">
+                    <a:lumMod val="50000"/>
+                    <a:shade val="100000"/>
+                    <a:satMod val="115000"/>
+                  </a:schemeClr>
+                </a:gs>
+              </a:gsLst>
+              <a:lin ang="10800000" scaled="1"/>
+              <a:tileRect/>
+            </a:gradFill>
+            <a:ln>
+              <a:solidFill>
+                <a:srgbClr val="501E00"/>
+              </a:solidFill>
+            </a:ln>
+          </p:spPr>
+          <p:style>
+            <a:lnRef idx="2">
+              <a:schemeClr val="accent1">
+                <a:shade val="50000"/>
+              </a:schemeClr>
+            </a:lnRef>
+            <a:fillRef idx="1">
+              <a:schemeClr val="accent1"/>
+            </a:fillRef>
+            <a:effectRef idx="0">
+              <a:schemeClr val="accent1"/>
+            </a:effectRef>
+            <a:fontRef idx="minor">
+              <a:schemeClr val="lt1"/>
+            </a:fontRef>
+          </p:style>
+          <p:txBody>
+            <a:bodyPr rtlCol="0" anchor="ctr"/>
+            <a:lstStyle/>
+            <a:p>
+              <a:pPr algn="ctr"/>
+              <a:endParaRPr lang="en-GB"/>
+            </a:p>
+          </p:txBody>
+        </p:sp>
+        <p:sp>
+          <p:nvSpPr>
+            <p:cNvPr id="85" name="Rectangle 84">
+              <a:extLst>
+                <a:ext uri="{FF2B5EF4-FFF2-40B4-BE49-F238E27FC236}">
+                  <a16:creationId xmlns:a16="http://schemas.microsoft.com/office/drawing/2014/main" id="{7E81EB9B-ED5B-4794-9FE1-31CAA33EAB17}"/>
+                </a:ext>
+              </a:extLst>
+            </p:cNvPr>
+            <p:cNvSpPr/>
+            <p:nvPr/>
+          </p:nvSpPr>
+          <p:spPr>
+            <a:xfrm rot="16200000">
+              <a:off x="1522261" y="2334143"/>
+              <a:ext cx="386336" cy="45662"/>
+            </a:xfrm>
+            <a:prstGeom prst="rect">
+              <a:avLst/>
+            </a:prstGeom>
+            <a:solidFill>
+              <a:schemeClr val="accent2">
+                <a:lumMod val="50000"/>
+              </a:schemeClr>
+            </a:solidFill>
+            <a:ln>
+              <a:solidFill>
+                <a:srgbClr val="501E00"/>
+              </a:solidFill>
+            </a:ln>
+          </p:spPr>
+          <p:style>
+            <a:lnRef idx="2">
+              <a:schemeClr val="accent1">
+                <a:shade val="50000"/>
+              </a:schemeClr>
+            </a:lnRef>
+            <a:fillRef idx="1">
+              <a:schemeClr val="accent1"/>
+            </a:fillRef>
+            <a:effectRef idx="0">
+              <a:schemeClr val="accent1"/>
+            </a:effectRef>
+            <a:fontRef idx="minor">
+              <a:schemeClr val="lt1"/>
+            </a:fontRef>
+          </p:style>
+          <p:txBody>
+            <a:bodyPr rtlCol="0" anchor="ctr"/>
+            <a:lstStyle/>
+            <a:p>
+              <a:pPr algn="ctr"/>
+              <a:endParaRPr lang="en-GB"/>
+            </a:p>
+          </p:txBody>
+        </p:sp>
+        <p:sp>
+          <p:nvSpPr>
+            <p:cNvPr id="86" name="Isosceles Triangle 85">
+              <a:extLst>
+                <a:ext uri="{FF2B5EF4-FFF2-40B4-BE49-F238E27FC236}">
+                  <a16:creationId xmlns:a16="http://schemas.microsoft.com/office/drawing/2014/main" id="{995525E6-611C-40DC-8859-C1238BE997C4}"/>
+                </a:ext>
+              </a:extLst>
+            </p:cNvPr>
+            <p:cNvSpPr/>
+            <p:nvPr/>
+          </p:nvSpPr>
+          <p:spPr>
+            <a:xfrm rot="10800000">
+              <a:off x="1667193" y="2546242"/>
+              <a:ext cx="99694" cy="77731"/>
+            </a:xfrm>
+            <a:prstGeom prst="triangle">
+              <a:avLst/>
+            </a:prstGeom>
+            <a:solidFill>
+              <a:schemeClr val="accent2">
+                <a:lumMod val="50000"/>
+              </a:schemeClr>
+            </a:solidFill>
+            <a:ln>
+              <a:solidFill>
+                <a:srgbClr val="501E00"/>
+              </a:solidFill>
+            </a:ln>
+          </p:spPr>
+          <p:style>
+            <a:lnRef idx="2">
+              <a:schemeClr val="accent1">
+                <a:shade val="50000"/>
+              </a:schemeClr>
+            </a:lnRef>
+            <a:fillRef idx="1">
+              <a:schemeClr val="accent1"/>
+            </a:fillRef>
+            <a:effectRef idx="0">
+              <a:schemeClr val="accent1"/>
+            </a:effectRef>
+            <a:fontRef idx="minor">
+              <a:schemeClr val="lt1"/>
+            </a:fontRef>
+          </p:style>
+          <p:txBody>
+            <a:bodyPr rtlCol="0" anchor="ctr"/>
+            <a:lstStyle/>
+            <a:p>
+              <a:pPr algn="ctr"/>
+              <a:endParaRPr lang="en-GB"/>
+            </a:p>
+          </p:txBody>
+        </p:sp>
+        <p:sp>
+          <p:nvSpPr>
+            <p:cNvPr id="87" name="Rectangle 86">
+              <a:extLst>
+                <a:ext uri="{FF2B5EF4-FFF2-40B4-BE49-F238E27FC236}">
+                  <a16:creationId xmlns:a16="http://schemas.microsoft.com/office/drawing/2014/main" id="{9932E401-4B20-4A13-B3C2-930625E614CF}"/>
+                </a:ext>
+              </a:extLst>
+            </p:cNvPr>
+            <p:cNvSpPr/>
+            <p:nvPr/>
+          </p:nvSpPr>
+          <p:spPr>
+            <a:xfrm>
+              <a:off x="1727102" y="2172695"/>
+              <a:ext cx="32400" cy="32400"/>
+            </a:xfrm>
+            <a:prstGeom prst="rect">
+              <a:avLst/>
+            </a:prstGeom>
+            <a:solidFill>
+              <a:schemeClr val="accent2">
+                <a:lumMod val="50000"/>
+              </a:schemeClr>
+            </a:solidFill>
+            <a:ln>
+              <a:noFill/>
+            </a:ln>
+          </p:spPr>
+          <p:style>
+            <a:lnRef idx="2">
+              <a:schemeClr val="accent1">
+                <a:shade val="50000"/>
+              </a:schemeClr>
+            </a:lnRef>
+            <a:fillRef idx="1">
+              <a:schemeClr val="accent1"/>
+            </a:fillRef>
+            <a:effectRef idx="0">
+              <a:schemeClr val="accent1"/>
+            </a:effectRef>
+            <a:fontRef idx="minor">
+              <a:schemeClr val="lt1"/>
+            </a:fontRef>
+          </p:style>
+          <p:txBody>
+            <a:bodyPr rtlCol="0" anchor="ctr"/>
+            <a:lstStyle/>
+            <a:p>
+              <a:pPr algn="ctr"/>
+              <a:endParaRPr lang="en-GB"/>
+            </a:p>
+          </p:txBody>
+        </p:sp>
+        <p:sp>
+          <p:nvSpPr>
+            <p:cNvPr id="88" name="Rectangle 87">
+              <a:extLst>
+                <a:ext uri="{FF2B5EF4-FFF2-40B4-BE49-F238E27FC236}">
+                  <a16:creationId xmlns:a16="http://schemas.microsoft.com/office/drawing/2014/main" id="{FE6F2F8A-5771-4F77-A2C9-10D37D7FD8EE}"/>
+                </a:ext>
+              </a:extLst>
+            </p:cNvPr>
+            <p:cNvSpPr/>
+            <p:nvPr/>
+          </p:nvSpPr>
+          <p:spPr>
+            <a:xfrm>
+              <a:off x="1698625" y="2529861"/>
+              <a:ext cx="32400" cy="32400"/>
+            </a:xfrm>
+            <a:prstGeom prst="rect">
+              <a:avLst/>
+            </a:prstGeom>
+            <a:solidFill>
+              <a:schemeClr val="accent2">
+                <a:lumMod val="50000"/>
+              </a:schemeClr>
+            </a:solidFill>
+            <a:ln>
+              <a:noFill/>
+            </a:ln>
+          </p:spPr>
+          <p:style>
+            <a:lnRef idx="2">
+              <a:schemeClr val="accent1">
+                <a:shade val="50000"/>
+              </a:schemeClr>
+            </a:lnRef>
+            <a:fillRef idx="1">
+              <a:schemeClr val="accent1"/>
+            </a:fillRef>
+            <a:effectRef idx="0">
+              <a:schemeClr val="accent1"/>
+            </a:effectRef>
+            <a:fontRef idx="minor">
+              <a:schemeClr val="lt1"/>
+            </a:fontRef>
+          </p:style>
+          <p:txBody>
+            <a:bodyPr rtlCol="0" anchor="ctr"/>
+            <a:lstStyle/>
+            <a:p>
+              <a:pPr algn="ctr"/>
+              <a:endParaRPr lang="en-GB"/>
+            </a:p>
+          </p:txBody>
+        </p:sp>
+      </p:grpSp>
+      <p:sp>
+        <p:nvSpPr>
+          <p:cNvPr id="91" name="TextBox 90">
+            <a:extLst>
+              <a:ext uri="{FF2B5EF4-FFF2-40B4-BE49-F238E27FC236}">
+                <a16:creationId xmlns:a16="http://schemas.microsoft.com/office/drawing/2014/main" id="{55663CD6-1F2E-426B-8993-DA46C23C51F1}"/>
+              </a:ext>
+            </a:extLst>
+          </p:cNvPr>
+          <p:cNvSpPr txBox="1"/>
+          <p:nvPr/>
+        </p:nvSpPr>
+        <p:spPr>
+          <a:xfrm>
+            <a:off x="0" y="2975364"/>
+            <a:ext cx="2701393" cy="600164"/>
           </a:xfrm>
           <a:prstGeom prst="rect">
             <a:avLst/>
@@ -7716,6 +8141,7 @@
           </a:bodyPr>
           <a:lstStyle/>
           <a:p>
+            <a:pPr algn="ctr"/>
             <a:r>
               <a:rPr lang="en-GB" sz="1100" i="1" dirty="0">
                 <a:solidFill>
@@ -7724,11 +8150,41 @@
                   </a:schemeClr>
                 </a:solidFill>
               </a:rPr>
-              <a:t>Pass genus-species names to an array, so that each genus-species is a unique, individual element</a:t>
-            </a:r>
-          </a:p>
-          <a:p>
-            <a:pPr algn="r"/>
+              <a:t>Pass NCBI taxonomy ID</a:t>
+            </a:r>
+          </a:p>
+          <a:p>
+            <a:pPr algn="ctr"/>
+            <a:r>
+              <a:rPr lang="en-GB" sz="1100" i="1" dirty="0">
+                <a:solidFill>
+                  <a:schemeClr val="bg1">
+                    <a:lumMod val="50000"/>
+                  </a:schemeClr>
+                </a:solidFill>
+              </a:rPr>
+              <a:t>Use Entrez </a:t>
+            </a:r>
+            <a:r>
+              <a:rPr lang="en-GB" sz="1100" i="1" dirty="0" err="1">
+                <a:solidFill>
+                  <a:schemeClr val="bg1">
+                    <a:lumMod val="50000"/>
+                  </a:schemeClr>
+                </a:solidFill>
+              </a:rPr>
+              <a:t>e.fetch</a:t>
+            </a:r>
+            <a:r>
+              <a:rPr lang="en-GB" sz="1100" i="1" dirty="0">
+                <a:solidFill>
+                  <a:schemeClr val="bg1">
+                    <a:lumMod val="50000"/>
+                  </a:schemeClr>
+                </a:solidFill>
+              </a:rPr>
+              <a:t> to pull down genus/species name</a:t>
+            </a:r>
             <a:endParaRPr lang="en-GB" sz="1050" i="1" dirty="0">
               <a:solidFill>
                 <a:schemeClr val="bg1">
@@ -7741,10 +8197,10 @@
       </p:sp>
       <p:sp>
         <p:nvSpPr>
-          <p:cNvPr id="13" name="TextBox 12">
+          <p:cNvPr id="93" name="TextBox 92">
             <a:extLst>
               <a:ext uri="{FF2B5EF4-FFF2-40B4-BE49-F238E27FC236}">
-                <a16:creationId xmlns:a16="http://schemas.microsoft.com/office/drawing/2014/main" id="{3C9CF1D6-3228-43E0-BBCF-69568D50799C}"/>
+                <a16:creationId xmlns:a16="http://schemas.microsoft.com/office/drawing/2014/main" id="{2ACC4E54-B722-4808-BEA0-2A523D5B5FE1}"/>
               </a:ext>
             </a:extLst>
           </p:cNvPr>
@@ -7753,195 +8209,8 @@
         </p:nvSpPr>
         <p:spPr>
           <a:xfrm>
-            <a:off x="313660" y="4256800"/>
-            <a:ext cx="2622016" cy="307777"/>
-          </a:xfrm>
-          <a:prstGeom prst="rect">
-            <a:avLst/>
-          </a:prstGeom>
-          <a:noFill/>
-        </p:spPr>
-        <p:txBody>
-          <a:bodyPr wrap="square" rtlCol="0">
-            <a:spAutoFit/>
-          </a:bodyPr>
-          <a:lstStyle/>
-          <a:p>
-            <a:pPr algn="ctr"/>
-            <a:r>
-              <a:rPr lang="en-GB" sz="1400" b="1" dirty="0">
-                <a:solidFill>
-                  <a:schemeClr val="accent2"/>
-                </a:solidFill>
-              </a:rPr>
-              <a:t>List of genus-species names</a:t>
-            </a:r>
-          </a:p>
-        </p:txBody>
-      </p:sp>
-      <p:sp>
-        <p:nvSpPr>
-          <p:cNvPr id="14" name="TextBox 13">
-            <a:extLst>
-              <a:ext uri="{FF2B5EF4-FFF2-40B4-BE49-F238E27FC236}">
-                <a16:creationId xmlns:a16="http://schemas.microsoft.com/office/drawing/2014/main" id="{03D00FA0-A237-4D1B-9927-A708E6BC913C}"/>
-              </a:ext>
-            </a:extLst>
-          </p:cNvPr>
-          <p:cNvSpPr txBox="1"/>
-          <p:nvPr/>
-        </p:nvSpPr>
-        <p:spPr>
-          <a:xfrm>
-            <a:off x="1265236" y="4698491"/>
-            <a:ext cx="1346199" cy="307777"/>
-          </a:xfrm>
-          <a:prstGeom prst="rect">
-            <a:avLst/>
-          </a:prstGeom>
-          <a:noFill/>
-        </p:spPr>
-        <p:txBody>
-          <a:bodyPr wrap="square" rtlCol="0">
-            <a:spAutoFit/>
-          </a:bodyPr>
-          <a:lstStyle/>
-          <a:p>
-            <a:pPr algn="ctr"/>
-            <a:r>
-              <a:rPr lang="en-GB" sz="1400" dirty="0">
-                <a:solidFill>
-                  <a:schemeClr val="accent2"/>
-                </a:solidFill>
-              </a:rPr>
-              <a:t>Entrez </a:t>
-            </a:r>
-            <a:r>
-              <a:rPr lang="en-GB" sz="1400" dirty="0" err="1">
-                <a:solidFill>
-                  <a:schemeClr val="accent2"/>
-                </a:solidFill>
-              </a:rPr>
-              <a:t>eSearch</a:t>
-            </a:r>
-            <a:endParaRPr lang="en-GB" sz="1400" dirty="0">
-              <a:solidFill>
-                <a:schemeClr val="accent2"/>
-              </a:solidFill>
-            </a:endParaRPr>
-          </a:p>
-        </p:txBody>
-      </p:sp>
-      <p:sp>
-        <p:nvSpPr>
-          <p:cNvPr id="15" name="TextBox 14">
-            <a:extLst>
-              <a:ext uri="{FF2B5EF4-FFF2-40B4-BE49-F238E27FC236}">
-                <a16:creationId xmlns:a16="http://schemas.microsoft.com/office/drawing/2014/main" id="{492856FB-5B55-4034-B53F-97CEAE73ED56}"/>
-              </a:ext>
-            </a:extLst>
-          </p:cNvPr>
-          <p:cNvSpPr txBox="1"/>
-          <p:nvPr/>
-        </p:nvSpPr>
-        <p:spPr>
-          <a:xfrm>
-            <a:off x="835318" y="5126867"/>
-            <a:ext cx="2241550" cy="307777"/>
-          </a:xfrm>
-          <a:prstGeom prst="rect">
-            <a:avLst/>
-          </a:prstGeom>
-          <a:noFill/>
-        </p:spPr>
-        <p:txBody>
-          <a:bodyPr wrap="square" rtlCol="0">
-            <a:spAutoFit/>
-          </a:bodyPr>
-          <a:lstStyle/>
-          <a:p>
-            <a:pPr algn="ctr"/>
-            <a:r>
-              <a:rPr lang="en-GB" sz="1400" dirty="0">
-                <a:solidFill>
-                  <a:schemeClr val="accent2"/>
-                </a:solidFill>
-              </a:rPr>
-              <a:t>NCBI taxonomy database</a:t>
-            </a:r>
-          </a:p>
-        </p:txBody>
-      </p:sp>
-      <p:sp>
-        <p:nvSpPr>
-          <p:cNvPr id="18" name="Rectangle 17">
-            <a:extLst>
-              <a:ext uri="{FF2B5EF4-FFF2-40B4-BE49-F238E27FC236}">
-                <a16:creationId xmlns:a16="http://schemas.microsoft.com/office/drawing/2014/main" id="{B64DEE58-040D-46F2-9F46-BEA6684455DB}"/>
-              </a:ext>
-            </a:extLst>
-          </p:cNvPr>
-          <p:cNvSpPr/>
-          <p:nvPr/>
-        </p:nvSpPr>
-        <p:spPr>
-          <a:xfrm>
-            <a:off x="964475" y="2905709"/>
-            <a:ext cx="1983236" cy="430887"/>
-          </a:xfrm>
-          <a:prstGeom prst="rect">
-            <a:avLst/>
-          </a:prstGeom>
-        </p:spPr>
-        <p:txBody>
-          <a:bodyPr wrap="none">
-            <a:spAutoFit/>
-          </a:bodyPr>
-          <a:lstStyle/>
-          <a:p>
-            <a:pPr algn="r"/>
-            <a:r>
-              <a:rPr lang="en-GB" sz="1100" i="1" dirty="0">
-                <a:solidFill>
-                  <a:schemeClr val="bg1">
-                    <a:lumMod val="50000"/>
-                  </a:schemeClr>
-                </a:solidFill>
-              </a:rPr>
-              <a:t>Check for no duplicates</a:t>
-            </a:r>
-          </a:p>
-          <a:p>
-            <a:pPr algn="r"/>
-            <a:r>
-              <a:rPr lang="en-GB" sz="1100" i="1" dirty="0">
-                <a:solidFill>
-                  <a:schemeClr val="bg1">
-                    <a:lumMod val="50000"/>
-                  </a:schemeClr>
-                </a:solidFill>
-              </a:rPr>
-              <a:t>Comments not passed to arrays</a:t>
-            </a:r>
-          </a:p>
-        </p:txBody>
-      </p:sp>
-      <p:sp>
-        <p:nvSpPr>
-          <p:cNvPr id="19" name="TextBox 18">
-            <a:extLst>
-              <a:ext uri="{FF2B5EF4-FFF2-40B4-BE49-F238E27FC236}">
-                <a16:creationId xmlns:a16="http://schemas.microsoft.com/office/drawing/2014/main" id="{E0236E83-CDF6-4477-B9FC-203865CC359D}"/>
-              </a:ext>
-            </a:extLst>
-          </p:cNvPr>
-          <p:cNvSpPr txBox="1"/>
-          <p:nvPr/>
-        </p:nvSpPr>
-        <p:spPr>
-          <a:xfrm>
-            <a:off x="3490566" y="3446619"/>
-            <a:ext cx="2984817" cy="592470"/>
+            <a:off x="4169427" y="2968685"/>
+            <a:ext cx="2684400" cy="600164"/>
           </a:xfrm>
           <a:prstGeom prst="rect">
             <a:avLst/>
@@ -7957,7 +8226,7 @@
           </a:bodyPr>
           <a:lstStyle/>
           <a:p>
-            <a:pPr algn="r"/>
+            <a:pPr algn="ctr"/>
             <a:r>
               <a:rPr lang="en-GB" sz="1100" i="1" dirty="0">
                 <a:solidFill>
@@ -7966,11 +8235,61 @@
                   </a:schemeClr>
                 </a:solidFill>
               </a:rPr>
-              <a:t>Pass taxonomy IDs to an array, so that each taxonomy is a unique, individual element</a:t>
-            </a:r>
-          </a:p>
-          <a:p>
-            <a:pPr algn="r"/>
+              <a:t>Pass genus/species name</a:t>
+            </a:r>
+          </a:p>
+          <a:p>
+            <a:pPr algn="ctr"/>
+            <a:r>
+              <a:rPr lang="en-GB" sz="1100" i="1" dirty="0">
+                <a:solidFill>
+                  <a:schemeClr val="bg1">
+                    <a:lumMod val="50000"/>
+                  </a:schemeClr>
+                </a:solidFill>
+              </a:rPr>
+              <a:t>Use Entrez </a:t>
+            </a:r>
+            <a:r>
+              <a:rPr lang="en-GB" sz="1100" i="1" dirty="0" err="1">
+                <a:solidFill>
+                  <a:schemeClr val="bg1">
+                    <a:lumMod val="50000"/>
+                  </a:schemeClr>
+                </a:solidFill>
+              </a:rPr>
+              <a:t>e.search</a:t>
+            </a:r>
+            <a:r>
+              <a:rPr lang="en-GB" sz="1100" i="1" dirty="0">
+                <a:solidFill>
+                  <a:schemeClr val="bg1">
+                    <a:lumMod val="50000"/>
+                  </a:schemeClr>
+                </a:solidFill>
+              </a:rPr>
+              <a:t> to pull down NCBI taxonomy ID, adding ‘</a:t>
+            </a:r>
+            <a:r>
+              <a:rPr lang="en-GB" sz="1100" i="1" dirty="0" err="1">
+                <a:solidFill>
+                  <a:schemeClr val="bg1">
+                    <a:lumMod val="50000"/>
+                  </a:schemeClr>
+                </a:solidFill>
+              </a:rPr>
+              <a:t>NCBI:txid</a:t>
+            </a:r>
+            <a:r>
+              <a:rPr lang="en-GB" sz="1100" i="1" dirty="0">
+                <a:solidFill>
+                  <a:schemeClr val="bg1">
+                    <a:lumMod val="50000"/>
+                  </a:schemeClr>
+                </a:solidFill>
+              </a:rPr>
+              <a:t>’ prefix</a:t>
+            </a:r>
             <a:endParaRPr lang="en-GB" sz="1050" i="1" dirty="0">
               <a:solidFill>
                 <a:schemeClr val="bg1">
@@ -7983,10 +8302,10 @@
       </p:sp>
       <p:sp>
         <p:nvSpPr>
-          <p:cNvPr id="21" name="TextBox 20">
+          <p:cNvPr id="134" name="TextBox 133">
             <a:extLst>
               <a:ext uri="{FF2B5EF4-FFF2-40B4-BE49-F238E27FC236}">
-                <a16:creationId xmlns:a16="http://schemas.microsoft.com/office/drawing/2014/main" id="{26467E21-8CB7-4577-8413-FFC58AD824D8}"/>
+                <a16:creationId xmlns:a16="http://schemas.microsoft.com/office/drawing/2014/main" id="{F11ED9AD-7F5C-4A61-85F1-6566197B709B}"/>
               </a:ext>
             </a:extLst>
           </p:cNvPr>
@@ -7995,8 +8314,480 @@
         </p:nvSpPr>
         <p:spPr>
           <a:xfrm>
-            <a:off x="3929896" y="5615315"/>
-            <a:ext cx="2599609" cy="769441"/>
+            <a:off x="-284399" y="2788329"/>
+            <a:ext cx="3261543" cy="276999"/>
+          </a:xfrm>
+          <a:prstGeom prst="rect">
+            <a:avLst/>
+          </a:prstGeom>
+          <a:noFill/>
+        </p:spPr>
+        <p:txBody>
+          <a:bodyPr wrap="square" rtlCol="0">
+            <a:spAutoFit/>
+          </a:bodyPr>
+          <a:lstStyle/>
+          <a:p>
+            <a:pPr algn="ctr"/>
+            <a:r>
+              <a:rPr lang="en-GB" sz="1200" b="1" dirty="0" err="1">
+                <a:solidFill>
+                  <a:schemeClr val="accent2">
+                    <a:lumMod val="50000"/>
+                  </a:schemeClr>
+                </a:solidFill>
+              </a:rPr>
+              <a:t>get_genus_species_name</a:t>
+            </a:r>
+            <a:r>
+              <a:rPr lang="en-GB" sz="1200" b="1" dirty="0">
+                <a:solidFill>
+                  <a:schemeClr val="accent2">
+                    <a:lumMod val="50000"/>
+                  </a:schemeClr>
+                </a:solidFill>
+              </a:rPr>
+              <a:t>(</a:t>
+            </a:r>
+            <a:r>
+              <a:rPr lang="en-GB" sz="1200" dirty="0" err="1">
+                <a:solidFill>
+                  <a:schemeClr val="accent2">
+                    <a:lumMod val="50000"/>
+                  </a:schemeClr>
+                </a:solidFill>
+              </a:rPr>
+              <a:t>taxonomy_id</a:t>
+            </a:r>
+            <a:r>
+              <a:rPr lang="en-GB" sz="1200" dirty="0">
+                <a:solidFill>
+                  <a:schemeClr val="accent2">
+                    <a:lumMod val="50000"/>
+                  </a:schemeClr>
+                </a:solidFill>
+              </a:rPr>
+              <a:t>)</a:t>
+            </a:r>
+          </a:p>
+        </p:txBody>
+      </p:sp>
+      <p:sp>
+        <p:nvSpPr>
+          <p:cNvPr id="138" name="Rectangle 137">
+            <a:extLst>
+              <a:ext uri="{FF2B5EF4-FFF2-40B4-BE49-F238E27FC236}">
+                <a16:creationId xmlns:a16="http://schemas.microsoft.com/office/drawing/2014/main" id="{0EC0B7F4-295D-45CF-AFA9-2AAA6CBDA7CC}"/>
+              </a:ext>
+            </a:extLst>
+          </p:cNvPr>
+          <p:cNvSpPr/>
+          <p:nvPr/>
+        </p:nvSpPr>
+        <p:spPr>
+          <a:xfrm rot="16200000">
+            <a:off x="2062711" y="2936437"/>
+            <a:ext cx="1588655" cy="45719"/>
+          </a:xfrm>
+          <a:prstGeom prst="rect">
+            <a:avLst/>
+          </a:prstGeom>
+          <a:gradFill flip="none" rotWithShape="1">
+            <a:gsLst>
+              <a:gs pos="0">
+                <a:schemeClr val="accent2">
+                  <a:lumMod val="50000"/>
+                  <a:shade val="30000"/>
+                  <a:satMod val="115000"/>
+                </a:schemeClr>
+              </a:gs>
+              <a:gs pos="26000">
+                <a:schemeClr val="accent2">
+                  <a:lumMod val="50000"/>
+                  <a:shade val="30000"/>
+                  <a:satMod val="115000"/>
+                </a:schemeClr>
+              </a:gs>
+              <a:gs pos="49000">
+                <a:schemeClr val="accent2">
+                  <a:lumMod val="50000"/>
+                  <a:shade val="67500"/>
+                  <a:satMod val="115000"/>
+                </a:schemeClr>
+              </a:gs>
+              <a:gs pos="99115">
+                <a:schemeClr val="accent2">
+                  <a:lumMod val="75000"/>
+                </a:schemeClr>
+              </a:gs>
+              <a:gs pos="76000">
+                <a:schemeClr val="accent2">
+                  <a:lumMod val="50000"/>
+                  <a:shade val="100000"/>
+                  <a:satMod val="115000"/>
+                </a:schemeClr>
+              </a:gs>
+            </a:gsLst>
+            <a:lin ang="10800000" scaled="1"/>
+            <a:tileRect/>
+          </a:gradFill>
+          <a:ln>
+            <a:solidFill>
+              <a:srgbClr val="501E00"/>
+            </a:solidFill>
+          </a:ln>
+        </p:spPr>
+        <p:style>
+          <a:lnRef idx="2">
+            <a:schemeClr val="accent1">
+              <a:shade val="50000"/>
+            </a:schemeClr>
+          </a:lnRef>
+          <a:fillRef idx="1">
+            <a:schemeClr val="accent1"/>
+          </a:fillRef>
+          <a:effectRef idx="0">
+            <a:schemeClr val="accent1"/>
+          </a:effectRef>
+          <a:fontRef idx="minor">
+            <a:schemeClr val="lt1"/>
+          </a:fontRef>
+        </p:style>
+        <p:txBody>
+          <a:bodyPr rtlCol="0" anchor="ctr"/>
+          <a:lstStyle/>
+          <a:p>
+            <a:pPr algn="ctr"/>
+            <a:endParaRPr lang="en-GB"/>
+          </a:p>
+        </p:txBody>
+      </p:sp>
+      <p:sp>
+        <p:nvSpPr>
+          <p:cNvPr id="140" name="Rectangle 139">
+            <a:extLst>
+              <a:ext uri="{FF2B5EF4-FFF2-40B4-BE49-F238E27FC236}">
+                <a16:creationId xmlns:a16="http://schemas.microsoft.com/office/drawing/2014/main" id="{35E1EB23-7E39-4014-A65D-C8B0A0AB9861}"/>
+              </a:ext>
+            </a:extLst>
+          </p:cNvPr>
+          <p:cNvSpPr/>
+          <p:nvPr/>
+        </p:nvSpPr>
+        <p:spPr>
+          <a:xfrm rot="16200000">
+            <a:off x="3241041" y="3022246"/>
+            <a:ext cx="1410693" cy="45719"/>
+          </a:xfrm>
+          <a:prstGeom prst="rect">
+            <a:avLst/>
+          </a:prstGeom>
+          <a:gradFill flip="none" rotWithShape="1">
+            <a:gsLst>
+              <a:gs pos="0">
+                <a:schemeClr val="accent2">
+                  <a:lumMod val="50000"/>
+                  <a:shade val="30000"/>
+                  <a:satMod val="115000"/>
+                </a:schemeClr>
+              </a:gs>
+              <a:gs pos="25000">
+                <a:schemeClr val="accent2">
+                  <a:lumMod val="50000"/>
+                  <a:shade val="30000"/>
+                  <a:satMod val="115000"/>
+                </a:schemeClr>
+              </a:gs>
+              <a:gs pos="50000">
+                <a:schemeClr val="accent2">
+                  <a:lumMod val="50000"/>
+                  <a:shade val="67500"/>
+                  <a:satMod val="115000"/>
+                </a:schemeClr>
+              </a:gs>
+              <a:gs pos="100000">
+                <a:schemeClr val="accent2">
+                  <a:lumMod val="75000"/>
+                </a:schemeClr>
+              </a:gs>
+              <a:gs pos="65000">
+                <a:schemeClr val="accent2">
+                  <a:lumMod val="50000"/>
+                  <a:shade val="100000"/>
+                  <a:satMod val="115000"/>
+                </a:schemeClr>
+              </a:gs>
+            </a:gsLst>
+            <a:lin ang="10800000" scaled="1"/>
+            <a:tileRect/>
+          </a:gradFill>
+          <a:ln>
+            <a:solidFill>
+              <a:srgbClr val="501E00"/>
+            </a:solidFill>
+          </a:ln>
+        </p:spPr>
+        <p:style>
+          <a:lnRef idx="2">
+            <a:schemeClr val="accent1">
+              <a:shade val="50000"/>
+            </a:schemeClr>
+          </a:lnRef>
+          <a:fillRef idx="1">
+            <a:schemeClr val="accent1"/>
+          </a:fillRef>
+          <a:effectRef idx="0">
+            <a:schemeClr val="accent1"/>
+          </a:effectRef>
+          <a:fontRef idx="minor">
+            <a:schemeClr val="lt1"/>
+          </a:fontRef>
+        </p:style>
+        <p:txBody>
+          <a:bodyPr rtlCol="0" anchor="ctr"/>
+          <a:lstStyle/>
+          <a:p>
+            <a:pPr algn="ctr"/>
+            <a:endParaRPr lang="en-GB"/>
+          </a:p>
+        </p:txBody>
+      </p:sp>
+      <p:sp>
+        <p:nvSpPr>
+          <p:cNvPr id="142" name="Isosceles Triangle 141">
+            <a:extLst>
+              <a:ext uri="{FF2B5EF4-FFF2-40B4-BE49-F238E27FC236}">
+                <a16:creationId xmlns:a16="http://schemas.microsoft.com/office/drawing/2014/main" id="{274A9B10-BF82-4769-8FF0-728F50B11588}"/>
+              </a:ext>
+            </a:extLst>
+          </p:cNvPr>
+          <p:cNvSpPr/>
+          <p:nvPr/>
+        </p:nvSpPr>
+        <p:spPr>
+          <a:xfrm rot="10800000" flipH="1">
+            <a:off x="3895064" y="3763176"/>
+            <a:ext cx="99818" cy="77731"/>
+          </a:xfrm>
+          <a:prstGeom prst="triangle">
+            <a:avLst/>
+          </a:prstGeom>
+          <a:solidFill>
+            <a:schemeClr val="accent2">
+              <a:lumMod val="75000"/>
+            </a:schemeClr>
+          </a:solidFill>
+          <a:ln>
+            <a:solidFill>
+              <a:srgbClr val="501E00"/>
+            </a:solidFill>
+          </a:ln>
+        </p:spPr>
+        <p:style>
+          <a:lnRef idx="2">
+            <a:schemeClr val="accent1">
+              <a:shade val="50000"/>
+            </a:schemeClr>
+          </a:lnRef>
+          <a:fillRef idx="1">
+            <a:schemeClr val="accent1"/>
+          </a:fillRef>
+          <a:effectRef idx="0">
+            <a:schemeClr val="accent1"/>
+          </a:effectRef>
+          <a:fontRef idx="minor">
+            <a:schemeClr val="lt1"/>
+          </a:fontRef>
+        </p:style>
+        <p:txBody>
+          <a:bodyPr rtlCol="0" anchor="ctr"/>
+          <a:lstStyle/>
+          <a:p>
+            <a:pPr algn="ctr"/>
+            <a:endParaRPr lang="en-GB"/>
+          </a:p>
+        </p:txBody>
+      </p:sp>
+      <p:sp>
+        <p:nvSpPr>
+          <p:cNvPr id="144" name="Rectangle 143">
+            <a:extLst>
+              <a:ext uri="{FF2B5EF4-FFF2-40B4-BE49-F238E27FC236}">
+                <a16:creationId xmlns:a16="http://schemas.microsoft.com/office/drawing/2014/main" id="{D56EDA88-4FA9-4654-AD9E-2C62F66DDC93}"/>
+              </a:ext>
+            </a:extLst>
+          </p:cNvPr>
+          <p:cNvSpPr/>
+          <p:nvPr/>
+        </p:nvSpPr>
+        <p:spPr>
+          <a:xfrm flipH="1">
+            <a:off x="3930970" y="3743620"/>
+            <a:ext cx="32440" cy="32400"/>
+          </a:xfrm>
+          <a:prstGeom prst="rect">
+            <a:avLst/>
+          </a:prstGeom>
+          <a:solidFill>
+            <a:schemeClr val="accent2">
+              <a:lumMod val="75000"/>
+            </a:schemeClr>
+          </a:solidFill>
+          <a:ln>
+            <a:noFill/>
+          </a:ln>
+        </p:spPr>
+        <p:style>
+          <a:lnRef idx="2">
+            <a:schemeClr val="accent1">
+              <a:shade val="50000"/>
+            </a:schemeClr>
+          </a:lnRef>
+          <a:fillRef idx="1">
+            <a:schemeClr val="accent1"/>
+          </a:fillRef>
+          <a:effectRef idx="0">
+            <a:schemeClr val="accent1"/>
+          </a:effectRef>
+          <a:fontRef idx="minor">
+            <a:schemeClr val="lt1"/>
+          </a:fontRef>
+        </p:style>
+        <p:txBody>
+          <a:bodyPr rtlCol="0" anchor="ctr"/>
+          <a:lstStyle/>
+          <a:p>
+            <a:pPr algn="ctr"/>
+            <a:endParaRPr lang="en-GB"/>
+          </a:p>
+        </p:txBody>
+      </p:sp>
+      <p:sp>
+        <p:nvSpPr>
+          <p:cNvPr id="146" name="Isosceles Triangle 145">
+            <a:extLst>
+              <a:ext uri="{FF2B5EF4-FFF2-40B4-BE49-F238E27FC236}">
+                <a16:creationId xmlns:a16="http://schemas.microsoft.com/office/drawing/2014/main" id="{72B30297-4FFA-4339-8216-B2290D01FE85}"/>
+              </a:ext>
+            </a:extLst>
+          </p:cNvPr>
+          <p:cNvSpPr/>
+          <p:nvPr/>
+        </p:nvSpPr>
+        <p:spPr>
+          <a:xfrm rot="10800000" flipH="1">
+            <a:off x="2804167" y="3758971"/>
+            <a:ext cx="99818" cy="77731"/>
+          </a:xfrm>
+          <a:prstGeom prst="triangle">
+            <a:avLst/>
+          </a:prstGeom>
+          <a:solidFill>
+            <a:schemeClr val="accent2">
+              <a:lumMod val="75000"/>
+            </a:schemeClr>
+          </a:solidFill>
+          <a:ln>
+            <a:solidFill>
+              <a:srgbClr val="501E00"/>
+            </a:solidFill>
+          </a:ln>
+        </p:spPr>
+        <p:style>
+          <a:lnRef idx="2">
+            <a:schemeClr val="accent1">
+              <a:shade val="50000"/>
+            </a:schemeClr>
+          </a:lnRef>
+          <a:fillRef idx="1">
+            <a:schemeClr val="accent1"/>
+          </a:fillRef>
+          <a:effectRef idx="0">
+            <a:schemeClr val="accent1"/>
+          </a:effectRef>
+          <a:fontRef idx="minor">
+            <a:schemeClr val="lt1"/>
+          </a:fontRef>
+        </p:style>
+        <p:txBody>
+          <a:bodyPr rtlCol="0" anchor="ctr"/>
+          <a:lstStyle/>
+          <a:p>
+            <a:pPr algn="ctr"/>
+            <a:endParaRPr lang="en-GB"/>
+          </a:p>
+        </p:txBody>
+      </p:sp>
+      <p:sp>
+        <p:nvSpPr>
+          <p:cNvPr id="148" name="Rectangle 147">
+            <a:extLst>
+              <a:ext uri="{FF2B5EF4-FFF2-40B4-BE49-F238E27FC236}">
+                <a16:creationId xmlns:a16="http://schemas.microsoft.com/office/drawing/2014/main" id="{8ED1CB7E-FDBE-42B6-9630-F438D20306E9}"/>
+              </a:ext>
+            </a:extLst>
+          </p:cNvPr>
+          <p:cNvSpPr/>
+          <p:nvPr/>
+        </p:nvSpPr>
+        <p:spPr>
+          <a:xfrm flipH="1">
+            <a:off x="2840073" y="3742590"/>
+            <a:ext cx="32440" cy="32400"/>
+          </a:xfrm>
+          <a:prstGeom prst="rect">
+            <a:avLst/>
+          </a:prstGeom>
+          <a:solidFill>
+            <a:schemeClr val="accent2">
+              <a:lumMod val="75000"/>
+            </a:schemeClr>
+          </a:solidFill>
+          <a:ln>
+            <a:noFill/>
+          </a:ln>
+        </p:spPr>
+        <p:style>
+          <a:lnRef idx="2">
+            <a:schemeClr val="accent1">
+              <a:shade val="50000"/>
+            </a:schemeClr>
+          </a:lnRef>
+          <a:fillRef idx="1">
+            <a:schemeClr val="accent1"/>
+          </a:fillRef>
+          <a:effectRef idx="0">
+            <a:schemeClr val="accent1"/>
+          </a:effectRef>
+          <a:fontRef idx="minor">
+            <a:schemeClr val="lt1"/>
+          </a:fontRef>
+        </p:style>
+        <p:txBody>
+          <a:bodyPr rtlCol="0" anchor="ctr"/>
+          <a:lstStyle/>
+          <a:p>
+            <a:pPr algn="ctr"/>
+            <a:endParaRPr lang="en-GB"/>
+          </a:p>
+        </p:txBody>
+      </p:sp>
+      <p:sp>
+        <p:nvSpPr>
+          <p:cNvPr id="150" name="TextBox 149">
+            <a:extLst>
+              <a:ext uri="{FF2B5EF4-FFF2-40B4-BE49-F238E27FC236}">
+                <a16:creationId xmlns:a16="http://schemas.microsoft.com/office/drawing/2014/main" id="{79C0777A-675D-4183-9CCA-54E6D7A3AB66}"/>
+              </a:ext>
+            </a:extLst>
+          </p:cNvPr>
+          <p:cNvSpPr txBox="1"/>
+          <p:nvPr/>
+        </p:nvSpPr>
+        <p:spPr>
+          <a:xfrm>
+            <a:off x="1928866" y="3789923"/>
+            <a:ext cx="2984817" cy="600164"/>
           </a:xfrm>
           <a:prstGeom prst="rect">
             <a:avLst/>
@@ -8012,6 +8803,7 @@
           </a:bodyPr>
           <a:lstStyle/>
           <a:p>
+            <a:pPr algn="ctr"/>
             <a:r>
               <a:rPr lang="en-GB" sz="1100" i="1" dirty="0">
                 <a:solidFill>
@@ -8020,36 +8812,25 @@
                   </a:schemeClr>
                 </a:solidFill>
               </a:rPr>
-              <a:t>List of taxonomy IDs</a:t>
-            </a:r>
-          </a:p>
-          <a:p>
-            <a:r>
-              <a:rPr lang="en-GB" sz="1100" i="1" dirty="0">
-                <a:solidFill>
-                  <a:schemeClr val="bg1">
-                    <a:lumMod val="50000"/>
+              <a:t>Pass associated genus name, species name and taxonomy into a new list per unique species </a:t>
+            </a:r>
+          </a:p>
+          <a:p>
+            <a:pPr algn="ctr"/>
+            <a:r>
+              <a:rPr lang="en-GB" sz="1100" dirty="0">
+                <a:solidFill>
+                  <a:schemeClr val="accent2">
+                    <a:lumMod val="75000"/>
                   </a:schemeClr>
                 </a:solidFill>
               </a:rPr>
-              <a:t>Stored within python as an array</a:t>
-            </a:r>
-          </a:p>
-          <a:p>
-            <a:r>
-              <a:rPr lang="en-GB" sz="1100" i="1" dirty="0">
-                <a:solidFill>
-                  <a:schemeClr val="bg1">
-                    <a:lumMod val="50000"/>
-                  </a:schemeClr>
-                </a:solidFill>
-              </a:rPr>
-              <a:t>Also stored outside python as a plain text file. Each unique ID on a separate line</a:t>
-            </a:r>
-            <a:endParaRPr lang="en-GB" sz="1050" i="1" dirty="0">
+              <a:t>[‘Genus’, ‘Species’, ‘Taxonomy ID’]</a:t>
+            </a:r>
+            <a:endParaRPr lang="en-GB" sz="1050" dirty="0">
               <a:solidFill>
-                <a:schemeClr val="bg1">
-                  <a:lumMod val="50000"/>
+                <a:schemeClr val="accent2">
+                  <a:lumMod val="75000"/>
                 </a:schemeClr>
               </a:solidFill>
             </a:endParaRPr>
@@ -8058,10 +8839,10 @@
       </p:sp>
       <p:sp>
         <p:nvSpPr>
-          <p:cNvPr id="22" name="TextBox 21">
+          <p:cNvPr id="152" name="TextBox 151">
             <a:extLst>
               <a:ext uri="{FF2B5EF4-FFF2-40B4-BE49-F238E27FC236}">
-                <a16:creationId xmlns:a16="http://schemas.microsoft.com/office/drawing/2014/main" id="{42F0FD0D-5B90-458B-B7E1-6C5A64E38F2A}"/>
+                <a16:creationId xmlns:a16="http://schemas.microsoft.com/office/drawing/2014/main" id="{FEF725D8-C76A-4192-B5B9-9152474A5D0E}"/>
               </a:ext>
             </a:extLst>
           </p:cNvPr>
@@ -8070,367 +8851,8 @@
         </p:nvSpPr>
         <p:spPr>
           <a:xfrm>
-            <a:off x="2688577" y="6946476"/>
-            <a:ext cx="1346199" cy="307777"/>
-          </a:xfrm>
-          <a:prstGeom prst="rect">
-            <a:avLst/>
-          </a:prstGeom>
-          <a:noFill/>
-        </p:spPr>
-        <p:txBody>
-          <a:bodyPr wrap="square" rtlCol="0">
-            <a:spAutoFit/>
-          </a:bodyPr>
-          <a:lstStyle/>
-          <a:p>
-            <a:pPr algn="ctr"/>
-            <a:r>
-              <a:rPr lang="en-GB" sz="1400" dirty="0">
-                <a:solidFill>
-                  <a:schemeClr val="accent2"/>
-                </a:solidFill>
-              </a:rPr>
-              <a:t>Entrez </a:t>
-            </a:r>
-            <a:r>
-              <a:rPr lang="en-GB" sz="1400" dirty="0" err="1">
-                <a:solidFill>
-                  <a:schemeClr val="accent2"/>
-                </a:solidFill>
-              </a:rPr>
-              <a:t>eLink</a:t>
-            </a:r>
-            <a:endParaRPr lang="en-GB" sz="1400" dirty="0">
-              <a:solidFill>
-                <a:schemeClr val="accent2"/>
-              </a:solidFill>
-            </a:endParaRPr>
-          </a:p>
-        </p:txBody>
-      </p:sp>
-      <p:sp>
-        <p:nvSpPr>
-          <p:cNvPr id="23" name="TextBox 22">
-            <a:extLst>
-              <a:ext uri="{FF2B5EF4-FFF2-40B4-BE49-F238E27FC236}">
-                <a16:creationId xmlns:a16="http://schemas.microsoft.com/office/drawing/2014/main" id="{E879E307-D4F0-40EE-845B-3A0A424BFC76}"/>
-              </a:ext>
-            </a:extLst>
-          </p:cNvPr>
-          <p:cNvSpPr txBox="1"/>
-          <p:nvPr/>
-        </p:nvSpPr>
-        <p:spPr>
-          <a:xfrm>
-            <a:off x="2206124" y="7312921"/>
-            <a:ext cx="2433640" cy="307777"/>
-          </a:xfrm>
-          <a:prstGeom prst="rect">
-            <a:avLst/>
-          </a:prstGeom>
-          <a:noFill/>
-        </p:spPr>
-        <p:txBody>
-          <a:bodyPr wrap="square" rtlCol="0">
-            <a:spAutoFit/>
-          </a:bodyPr>
-          <a:lstStyle/>
-          <a:p>
-            <a:pPr algn="ctr"/>
-            <a:r>
-              <a:rPr lang="en-GB" sz="1400" dirty="0">
-                <a:solidFill>
-                  <a:schemeClr val="accent2"/>
-                </a:solidFill>
-              </a:rPr>
-              <a:t>NCBI assembly database</a:t>
-            </a:r>
-          </a:p>
-        </p:txBody>
-      </p:sp>
-      <p:sp>
-        <p:nvSpPr>
-          <p:cNvPr id="24" name="TextBox 23">
-            <a:extLst>
-              <a:ext uri="{FF2B5EF4-FFF2-40B4-BE49-F238E27FC236}">
-                <a16:creationId xmlns:a16="http://schemas.microsoft.com/office/drawing/2014/main" id="{8A1A7DC7-C67E-49A7-9D0D-9493E0E18B4A}"/>
-              </a:ext>
-            </a:extLst>
-          </p:cNvPr>
-          <p:cNvSpPr txBox="1"/>
-          <p:nvPr/>
-        </p:nvSpPr>
-        <p:spPr>
-          <a:xfrm>
-            <a:off x="238030" y="8862733"/>
-            <a:ext cx="2306081" cy="307777"/>
-          </a:xfrm>
-          <a:prstGeom prst="rect">
-            <a:avLst/>
-          </a:prstGeom>
-          <a:noFill/>
-        </p:spPr>
-        <p:txBody>
-          <a:bodyPr wrap="none" rtlCol="0">
-            <a:spAutoFit/>
-          </a:bodyPr>
-          <a:lstStyle/>
-          <a:p>
-            <a:pPr algn="ctr"/>
-            <a:r>
-              <a:rPr lang="en-GB" sz="1400" b="1" dirty="0">
-                <a:solidFill>
-                  <a:schemeClr val="accent2"/>
-                </a:solidFill>
-              </a:rPr>
-              <a:t>Retrieved data output: Table</a:t>
-            </a:r>
-            <a:endParaRPr lang="en-GB" sz="1400" dirty="0">
-              <a:solidFill>
-                <a:schemeClr val="accent2"/>
-              </a:solidFill>
-            </a:endParaRPr>
-          </a:p>
-        </p:txBody>
-      </p:sp>
-      <p:graphicFrame>
-        <p:nvGraphicFramePr>
-          <p:cNvPr id="25" name="Table 25">
-            <a:extLst>
-              <a:ext uri="{FF2B5EF4-FFF2-40B4-BE49-F238E27FC236}">
-                <a16:creationId xmlns:a16="http://schemas.microsoft.com/office/drawing/2014/main" id="{A24E6A0F-4853-410D-88A7-EA21161401DD}"/>
-              </a:ext>
-            </a:extLst>
-          </p:cNvPr>
-          <p:cNvGraphicFramePr>
-            <a:graphicFrameLocks noGrp="1"/>
-          </p:cNvGraphicFramePr>
-          <p:nvPr>
-            <p:extLst>
-              <p:ext uri="{D42A27DB-BD31-4B8C-83A1-F6EECF244321}">
-                <p14:modId xmlns:p14="http://schemas.microsoft.com/office/powerpoint/2010/main" val="1501677579"/>
-              </p:ext>
-            </p:extLst>
-          </p:nvPr>
-        </p:nvGraphicFramePr>
-        <p:xfrm>
-          <a:off x="596399" y="9240168"/>
-          <a:ext cx="5715000" cy="1244600"/>
-        </p:xfrm>
-        <a:graphic>
-          <a:graphicData uri="http://schemas.openxmlformats.org/drawingml/2006/table">
-            <a:tbl>
-              <a:tblPr firstRow="1" bandRow="1">
-                <a:tableStyleId>{5940675A-B579-460E-94D1-54222C63F5DA}</a:tableStyleId>
-              </a:tblPr>
-              <a:tblGrid>
-                <a:gridCol w="1428750">
-                  <a:extLst>
-                    <a:ext uri="{9D8B030D-6E8A-4147-A177-3AD203B41FA5}">
-                      <a16:colId xmlns:a16="http://schemas.microsoft.com/office/drawing/2014/main" val="1197249053"/>
-                    </a:ext>
-                  </a:extLst>
-                </a:gridCol>
-                <a:gridCol w="1428750">
-                  <a:extLst>
-                    <a:ext uri="{9D8B030D-6E8A-4147-A177-3AD203B41FA5}">
-                      <a16:colId xmlns:a16="http://schemas.microsoft.com/office/drawing/2014/main" val="3562843122"/>
-                    </a:ext>
-                  </a:extLst>
-                </a:gridCol>
-                <a:gridCol w="1428750">
-                  <a:extLst>
-                    <a:ext uri="{9D8B030D-6E8A-4147-A177-3AD203B41FA5}">
-                      <a16:colId xmlns:a16="http://schemas.microsoft.com/office/drawing/2014/main" val="3573213676"/>
-                    </a:ext>
-                  </a:extLst>
-                </a:gridCol>
-                <a:gridCol w="1428750">
-                  <a:extLst>
-                    <a:ext uri="{9D8B030D-6E8A-4147-A177-3AD203B41FA5}">
-                      <a16:colId xmlns:a16="http://schemas.microsoft.com/office/drawing/2014/main" val="1103757442"/>
-                    </a:ext>
-                  </a:extLst>
-                </a:gridCol>
-              </a:tblGrid>
-              <a:tr h="370840">
-                <a:tc>
-                  <a:txBody>
-                    <a:bodyPr/>
-                    <a:lstStyle/>
-                    <a:p>
-                      <a:pPr algn="ctr"/>
-                      <a:r>
-                        <a:rPr lang="en-GB" b="1" dirty="0"/>
-                        <a:t>Genus</a:t>
-                      </a:r>
-                    </a:p>
-                  </a:txBody>
-                  <a:tcPr anchor="ctr"/>
-                </a:tc>
-                <a:tc>
-                  <a:txBody>
-                    <a:bodyPr/>
-                    <a:lstStyle/>
-                    <a:p>
-                      <a:pPr algn="ctr"/>
-                      <a:r>
-                        <a:rPr lang="en-GB" b="1" dirty="0"/>
-                        <a:t>Species</a:t>
-                      </a:r>
-                    </a:p>
-                  </a:txBody>
-                  <a:tcPr anchor="ctr"/>
-                </a:tc>
-                <a:tc>
-                  <a:txBody>
-                    <a:bodyPr/>
-                    <a:lstStyle/>
-                    <a:p>
-                      <a:pPr algn="ctr"/>
-                      <a:r>
-                        <a:rPr lang="en-GB" b="1" dirty="0"/>
-                        <a:t>Taxonomy ID</a:t>
-                      </a:r>
-                    </a:p>
-                  </a:txBody>
-                  <a:tcPr anchor="ctr"/>
-                </a:tc>
-                <a:tc>
-                  <a:txBody>
-                    <a:bodyPr/>
-                    <a:lstStyle/>
-                    <a:p>
-                      <a:pPr algn="ctr"/>
-                      <a:r>
-                        <a:rPr lang="en-GB" b="1" dirty="0"/>
-                        <a:t>Accession Number</a:t>
-                      </a:r>
-                    </a:p>
-                  </a:txBody>
-                  <a:tcPr anchor="ctr"/>
-                </a:tc>
-                <a:extLst>
-                  <a:ext uri="{0D108BD9-81ED-4DB2-BD59-A6C34878D82A}">
-                    <a16:rowId xmlns:a16="http://schemas.microsoft.com/office/drawing/2014/main" val="3284808171"/>
-                  </a:ext>
-                </a:extLst>
-              </a:tr>
-              <a:tr h="370840">
-                <a:tc>
-                  <a:txBody>
-                    <a:bodyPr/>
-                    <a:lstStyle/>
-                    <a:p>
-                      <a:endParaRPr lang="en-GB" dirty="0"/>
-                    </a:p>
-                  </a:txBody>
-                  <a:tcPr/>
-                </a:tc>
-                <a:tc>
-                  <a:txBody>
-                    <a:bodyPr/>
-                    <a:lstStyle/>
-                    <a:p>
-                      <a:endParaRPr lang="en-GB" dirty="0"/>
-                    </a:p>
-                  </a:txBody>
-                  <a:tcPr/>
-                </a:tc>
-                <a:tc>
-                  <a:txBody>
-                    <a:bodyPr/>
-                    <a:lstStyle/>
-                    <a:p>
-                      <a:endParaRPr lang="en-GB" dirty="0"/>
-                    </a:p>
-                  </a:txBody>
-                  <a:tcPr/>
-                </a:tc>
-                <a:tc>
-                  <a:txBody>
-                    <a:bodyPr/>
-                    <a:lstStyle/>
-                    <a:p>
-                      <a:endParaRPr lang="en-GB" dirty="0"/>
-                    </a:p>
-                  </a:txBody>
-                  <a:tcPr/>
-                </a:tc>
-                <a:extLst>
-                  <a:ext uri="{0D108BD9-81ED-4DB2-BD59-A6C34878D82A}">
-                    <a16:rowId xmlns:a16="http://schemas.microsoft.com/office/drawing/2014/main" val="3661687851"/>
-                  </a:ext>
-                </a:extLst>
-              </a:tr>
-              <a:tr h="370840">
-                <a:tc>
-                  <a:txBody>
-                    <a:bodyPr/>
-                    <a:lstStyle/>
-                    <a:p>
-                      <a:endParaRPr lang="en-GB" dirty="0"/>
-                    </a:p>
-                  </a:txBody>
-                  <a:tcPr/>
-                </a:tc>
-                <a:tc>
-                  <a:txBody>
-                    <a:bodyPr/>
-                    <a:lstStyle/>
-                    <a:p>
-                      <a:endParaRPr lang="en-GB" dirty="0"/>
-                    </a:p>
-                  </a:txBody>
-                  <a:tcPr/>
-                </a:tc>
-                <a:tc>
-                  <a:txBody>
-                    <a:bodyPr/>
-                    <a:lstStyle/>
-                    <a:p>
-                      <a:endParaRPr lang="en-GB" dirty="0"/>
-                    </a:p>
-                  </a:txBody>
-                  <a:tcPr/>
-                </a:tc>
-                <a:tc>
-                  <a:txBody>
-                    <a:bodyPr/>
-                    <a:lstStyle/>
-                    <a:p>
-                      <a:endParaRPr lang="en-GB" dirty="0"/>
-                    </a:p>
-                  </a:txBody>
-                  <a:tcPr/>
-                </a:tc>
-                <a:extLst>
-                  <a:ext uri="{0D108BD9-81ED-4DB2-BD59-A6C34878D82A}">
-                    <a16:rowId xmlns:a16="http://schemas.microsoft.com/office/drawing/2014/main" val="3446395295"/>
-                  </a:ext>
-                </a:extLst>
-              </a:tr>
-            </a:tbl>
-          </a:graphicData>
-        </a:graphic>
-      </p:graphicFrame>
-      <p:sp>
-        <p:nvSpPr>
-          <p:cNvPr id="27" name="TextBox 26">
-            <a:extLst>
-              <a:ext uri="{FF2B5EF4-FFF2-40B4-BE49-F238E27FC236}">
-                <a16:creationId xmlns:a16="http://schemas.microsoft.com/office/drawing/2014/main" id="{7D557707-AE1D-4001-88DD-9DBB0206DB8F}"/>
-              </a:ext>
-            </a:extLst>
-          </p:cNvPr>
-          <p:cNvSpPr txBox="1"/>
-          <p:nvPr/>
-        </p:nvSpPr>
-        <p:spPr>
-          <a:xfrm>
-            <a:off x="4134243" y="7767224"/>
-            <a:ext cx="2599609" cy="769441"/>
+            <a:off x="1921338" y="4651495"/>
+            <a:ext cx="2984817" cy="430887"/>
           </a:xfrm>
           <a:prstGeom prst="rect">
             <a:avLst/>
@@ -8446,6 +8868,7 @@
           </a:bodyPr>
           <a:lstStyle/>
           <a:p>
+            <a:pPr algn="ctr"/>
             <a:r>
               <a:rPr lang="en-GB" sz="1100" i="1" dirty="0">
                 <a:solidFill>
@@ -8454,10 +8877,1064 @@
                   </a:schemeClr>
                 </a:solidFill>
               </a:rPr>
-              <a:t>List of accession numbers</a:t>
-            </a:r>
-          </a:p>
-          <a:p>
+              <a:t>Pass genus/species/taxonomy ID list into </a:t>
+            </a:r>
+            <a:r>
+              <a:rPr lang="en-GB" sz="1100" dirty="0">
+                <a:solidFill>
+                  <a:schemeClr val="accent2">
+                    <a:lumMod val="75000"/>
+                  </a:schemeClr>
+                </a:solidFill>
+              </a:rPr>
+              <a:t>‘</a:t>
+            </a:r>
+            <a:r>
+              <a:rPr lang="en-GB" sz="1100" dirty="0" err="1">
+                <a:solidFill>
+                  <a:schemeClr val="accent2">
+                    <a:lumMod val="75000"/>
+                  </a:schemeClr>
+                </a:solidFill>
+              </a:rPr>
+              <a:t>all_species_data</a:t>
+            </a:r>
+            <a:r>
+              <a:rPr lang="en-GB" sz="1100" dirty="0">
+                <a:solidFill>
+                  <a:schemeClr val="accent2">
+                    <a:lumMod val="75000"/>
+                  </a:schemeClr>
+                </a:solidFill>
+              </a:rPr>
+              <a:t>’ tuple</a:t>
+            </a:r>
+            <a:endParaRPr lang="en-GB" sz="1050" dirty="0">
+              <a:solidFill>
+                <a:schemeClr val="accent2">
+                  <a:lumMod val="75000"/>
+                </a:schemeClr>
+              </a:solidFill>
+            </a:endParaRPr>
+          </a:p>
+        </p:txBody>
+      </p:sp>
+      <p:sp>
+        <p:nvSpPr>
+          <p:cNvPr id="154" name="Rectangle 153">
+            <a:extLst>
+              <a:ext uri="{FF2B5EF4-FFF2-40B4-BE49-F238E27FC236}">
+                <a16:creationId xmlns:a16="http://schemas.microsoft.com/office/drawing/2014/main" id="{EA8AF5B8-B182-4BD5-9C33-55AA2C9A198A}"/>
+              </a:ext>
+            </a:extLst>
+          </p:cNvPr>
+          <p:cNvSpPr/>
+          <p:nvPr/>
+        </p:nvSpPr>
+        <p:spPr>
+          <a:xfrm rot="16200000">
+            <a:off x="3288599" y="4474886"/>
+            <a:ext cx="251669" cy="45719"/>
+          </a:xfrm>
+          <a:prstGeom prst="rect">
+            <a:avLst/>
+          </a:prstGeom>
+          <a:solidFill>
+            <a:schemeClr val="accent2">
+              <a:lumMod val="75000"/>
+            </a:schemeClr>
+          </a:solidFill>
+          <a:ln>
+            <a:solidFill>
+              <a:srgbClr val="501E00"/>
+            </a:solidFill>
+          </a:ln>
+        </p:spPr>
+        <p:style>
+          <a:lnRef idx="2">
+            <a:schemeClr val="accent1">
+              <a:shade val="50000"/>
+            </a:schemeClr>
+          </a:lnRef>
+          <a:fillRef idx="1">
+            <a:schemeClr val="accent1"/>
+          </a:fillRef>
+          <a:effectRef idx="0">
+            <a:schemeClr val="accent1"/>
+          </a:effectRef>
+          <a:fontRef idx="minor">
+            <a:schemeClr val="lt1"/>
+          </a:fontRef>
+        </p:style>
+        <p:txBody>
+          <a:bodyPr rtlCol="0" anchor="ctr"/>
+          <a:lstStyle/>
+          <a:p>
+            <a:pPr algn="ctr"/>
+            <a:endParaRPr lang="en-GB"/>
+          </a:p>
+        </p:txBody>
+      </p:sp>
+      <p:sp>
+        <p:nvSpPr>
+          <p:cNvPr id="156" name="Isosceles Triangle 155">
+            <a:extLst>
+              <a:ext uri="{FF2B5EF4-FFF2-40B4-BE49-F238E27FC236}">
+                <a16:creationId xmlns:a16="http://schemas.microsoft.com/office/drawing/2014/main" id="{F92744CE-CFF2-47CE-A16F-3C1ECD5CAD1A}"/>
+              </a:ext>
+            </a:extLst>
+          </p:cNvPr>
+          <p:cNvSpPr/>
+          <p:nvPr/>
+        </p:nvSpPr>
+        <p:spPr>
+          <a:xfrm rot="10800000" flipH="1">
+            <a:off x="3364223" y="4607561"/>
+            <a:ext cx="99818" cy="77731"/>
+          </a:xfrm>
+          <a:prstGeom prst="triangle">
+            <a:avLst/>
+          </a:prstGeom>
+          <a:solidFill>
+            <a:schemeClr val="accent2">
+              <a:lumMod val="75000"/>
+            </a:schemeClr>
+          </a:solidFill>
+          <a:ln>
+            <a:solidFill>
+              <a:srgbClr val="501E00"/>
+            </a:solidFill>
+          </a:ln>
+        </p:spPr>
+        <p:style>
+          <a:lnRef idx="2">
+            <a:schemeClr val="accent1">
+              <a:shade val="50000"/>
+            </a:schemeClr>
+          </a:lnRef>
+          <a:fillRef idx="1">
+            <a:schemeClr val="accent1"/>
+          </a:fillRef>
+          <a:effectRef idx="0">
+            <a:schemeClr val="accent1"/>
+          </a:effectRef>
+          <a:fontRef idx="minor">
+            <a:schemeClr val="lt1"/>
+          </a:fontRef>
+        </p:style>
+        <p:txBody>
+          <a:bodyPr rtlCol="0" anchor="ctr"/>
+          <a:lstStyle/>
+          <a:p>
+            <a:pPr algn="ctr"/>
+            <a:endParaRPr lang="en-GB"/>
+          </a:p>
+        </p:txBody>
+      </p:sp>
+      <p:sp>
+        <p:nvSpPr>
+          <p:cNvPr id="158" name="Rectangle 157">
+            <a:extLst>
+              <a:ext uri="{FF2B5EF4-FFF2-40B4-BE49-F238E27FC236}">
+                <a16:creationId xmlns:a16="http://schemas.microsoft.com/office/drawing/2014/main" id="{E7D0ABFE-F5CF-4D47-970A-410D61C829EA}"/>
+              </a:ext>
+            </a:extLst>
+          </p:cNvPr>
+          <p:cNvSpPr/>
+          <p:nvPr/>
+        </p:nvSpPr>
+        <p:spPr>
+          <a:xfrm flipH="1">
+            <a:off x="3400129" y="4591180"/>
+            <a:ext cx="32440" cy="32400"/>
+          </a:xfrm>
+          <a:prstGeom prst="rect">
+            <a:avLst/>
+          </a:prstGeom>
+          <a:solidFill>
+            <a:schemeClr val="accent2">
+              <a:lumMod val="75000"/>
+            </a:schemeClr>
+          </a:solidFill>
+          <a:ln>
+            <a:noFill/>
+          </a:ln>
+        </p:spPr>
+        <p:style>
+          <a:lnRef idx="2">
+            <a:schemeClr val="accent1">
+              <a:shade val="50000"/>
+            </a:schemeClr>
+          </a:lnRef>
+          <a:fillRef idx="1">
+            <a:schemeClr val="accent1"/>
+          </a:fillRef>
+          <a:effectRef idx="0">
+            <a:schemeClr val="accent1"/>
+          </a:effectRef>
+          <a:fontRef idx="minor">
+            <a:schemeClr val="lt1"/>
+          </a:fontRef>
+        </p:style>
+        <p:txBody>
+          <a:bodyPr rtlCol="0" anchor="ctr"/>
+          <a:lstStyle/>
+          <a:p>
+            <a:pPr algn="ctr"/>
+            <a:endParaRPr lang="en-GB"/>
+          </a:p>
+        </p:txBody>
+      </p:sp>
+      <p:grpSp>
+        <p:nvGrpSpPr>
+          <p:cNvPr id="167" name="Group 166">
+            <a:extLst>
+              <a:ext uri="{FF2B5EF4-FFF2-40B4-BE49-F238E27FC236}">
+                <a16:creationId xmlns:a16="http://schemas.microsoft.com/office/drawing/2014/main" id="{6E307346-88AA-4AE6-9519-A034F59D05DB}"/>
+              </a:ext>
+            </a:extLst>
+          </p:cNvPr>
+          <p:cNvGrpSpPr/>
+          <p:nvPr/>
+        </p:nvGrpSpPr>
+        <p:grpSpPr>
+          <a:xfrm rot="16200000">
+            <a:off x="1655049" y="3572742"/>
+            <a:ext cx="442075" cy="369171"/>
+            <a:chOff x="1700286" y="2162662"/>
+            <a:chExt cx="442075" cy="369171"/>
+          </a:xfrm>
+        </p:grpSpPr>
+        <p:sp>
+          <p:nvSpPr>
+            <p:cNvPr id="162" name="Rectangle 161">
+              <a:extLst>
+                <a:ext uri="{FF2B5EF4-FFF2-40B4-BE49-F238E27FC236}">
+                  <a16:creationId xmlns:a16="http://schemas.microsoft.com/office/drawing/2014/main" id="{9F3A179E-2C35-40B8-8DED-9AC9BA4DBFC1}"/>
+                </a:ext>
+              </a:extLst>
+            </p:cNvPr>
+            <p:cNvSpPr/>
+            <p:nvPr/>
+          </p:nvSpPr>
+          <p:spPr>
+            <a:xfrm>
+              <a:off x="1733220" y="2162662"/>
+              <a:ext cx="409141" cy="45719"/>
+            </a:xfrm>
+            <a:prstGeom prst="rect">
+              <a:avLst/>
+            </a:prstGeom>
+            <a:gradFill flip="none" rotWithShape="1">
+              <a:gsLst>
+                <a:gs pos="0">
+                  <a:schemeClr val="accent2">
+                    <a:lumMod val="50000"/>
+                    <a:shade val="30000"/>
+                    <a:satMod val="115000"/>
+                  </a:schemeClr>
+                </a:gs>
+                <a:gs pos="63000">
+                  <a:schemeClr val="accent2">
+                    <a:lumMod val="50000"/>
+                    <a:shade val="30000"/>
+                    <a:satMod val="115000"/>
+                  </a:schemeClr>
+                </a:gs>
+                <a:gs pos="81000">
+                  <a:schemeClr val="accent2">
+                    <a:lumMod val="50000"/>
+                    <a:shade val="67500"/>
+                    <a:satMod val="115000"/>
+                  </a:schemeClr>
+                </a:gs>
+                <a:gs pos="100000">
+                  <a:schemeClr val="accent2">
+                    <a:lumMod val="50000"/>
+                    <a:shade val="100000"/>
+                    <a:satMod val="115000"/>
+                  </a:schemeClr>
+                </a:gs>
+              </a:gsLst>
+              <a:lin ang="10800000" scaled="1"/>
+              <a:tileRect/>
+            </a:gradFill>
+            <a:ln>
+              <a:solidFill>
+                <a:srgbClr val="501E00"/>
+              </a:solidFill>
+            </a:ln>
+          </p:spPr>
+          <p:style>
+            <a:lnRef idx="2">
+              <a:schemeClr val="accent1">
+                <a:shade val="50000"/>
+              </a:schemeClr>
+            </a:lnRef>
+            <a:fillRef idx="1">
+              <a:schemeClr val="accent1"/>
+            </a:fillRef>
+            <a:effectRef idx="0">
+              <a:schemeClr val="accent1"/>
+            </a:effectRef>
+            <a:fontRef idx="minor">
+              <a:schemeClr val="lt1"/>
+            </a:fontRef>
+          </p:style>
+          <p:txBody>
+            <a:bodyPr rtlCol="0" anchor="ctr"/>
+            <a:lstStyle/>
+            <a:p>
+              <a:pPr algn="ctr"/>
+              <a:endParaRPr lang="en-GB"/>
+            </a:p>
+          </p:txBody>
+        </p:sp>
+        <p:sp>
+          <p:nvSpPr>
+            <p:cNvPr id="163" name="Rectangle 162">
+              <a:extLst>
+                <a:ext uri="{FF2B5EF4-FFF2-40B4-BE49-F238E27FC236}">
+                  <a16:creationId xmlns:a16="http://schemas.microsoft.com/office/drawing/2014/main" id="{1126DA7D-93B8-486D-BAE1-6B991C36E6D3}"/>
+                </a:ext>
+              </a:extLst>
+            </p:cNvPr>
+            <p:cNvSpPr/>
+            <p:nvPr/>
+          </p:nvSpPr>
+          <p:spPr>
+            <a:xfrm rot="16200000">
+              <a:off x="1589923" y="2302161"/>
+              <a:ext cx="324718" cy="45719"/>
+            </a:xfrm>
+            <a:prstGeom prst="rect">
+              <a:avLst/>
+            </a:prstGeom>
+            <a:solidFill>
+              <a:schemeClr val="accent2">
+                <a:lumMod val="50000"/>
+              </a:schemeClr>
+            </a:solidFill>
+            <a:ln>
+              <a:solidFill>
+                <a:srgbClr val="501E00"/>
+              </a:solidFill>
+            </a:ln>
+          </p:spPr>
+          <p:style>
+            <a:lnRef idx="2">
+              <a:schemeClr val="accent1">
+                <a:shade val="50000"/>
+              </a:schemeClr>
+            </a:lnRef>
+            <a:fillRef idx="1">
+              <a:schemeClr val="accent1"/>
+            </a:fillRef>
+            <a:effectRef idx="0">
+              <a:schemeClr val="accent1"/>
+            </a:effectRef>
+            <a:fontRef idx="minor">
+              <a:schemeClr val="lt1"/>
+            </a:fontRef>
+          </p:style>
+          <p:txBody>
+            <a:bodyPr rtlCol="0" anchor="ctr"/>
+            <a:lstStyle/>
+            <a:p>
+              <a:pPr algn="ctr"/>
+              <a:endParaRPr lang="en-GB"/>
+            </a:p>
+          </p:txBody>
+        </p:sp>
+        <p:sp>
+          <p:nvSpPr>
+            <p:cNvPr id="164" name="Isosceles Triangle 163">
+              <a:extLst>
+                <a:ext uri="{FF2B5EF4-FFF2-40B4-BE49-F238E27FC236}">
+                  <a16:creationId xmlns:a16="http://schemas.microsoft.com/office/drawing/2014/main" id="{D35C39C4-B140-4304-B427-F09F3D96FF48}"/>
+                </a:ext>
+              </a:extLst>
+            </p:cNvPr>
+            <p:cNvSpPr/>
+            <p:nvPr/>
+          </p:nvSpPr>
+          <p:spPr>
+            <a:xfrm rot="10800000">
+              <a:off x="1700286" y="2454102"/>
+              <a:ext cx="99694" cy="77731"/>
+            </a:xfrm>
+            <a:prstGeom prst="triangle">
+              <a:avLst/>
+            </a:prstGeom>
+            <a:solidFill>
+              <a:schemeClr val="accent2">
+                <a:lumMod val="50000"/>
+              </a:schemeClr>
+            </a:solidFill>
+            <a:ln>
+              <a:solidFill>
+                <a:srgbClr val="501E00"/>
+              </a:solidFill>
+            </a:ln>
+          </p:spPr>
+          <p:style>
+            <a:lnRef idx="2">
+              <a:schemeClr val="accent1">
+                <a:shade val="50000"/>
+              </a:schemeClr>
+            </a:lnRef>
+            <a:fillRef idx="1">
+              <a:schemeClr val="accent1"/>
+            </a:fillRef>
+            <a:effectRef idx="0">
+              <a:schemeClr val="accent1"/>
+            </a:effectRef>
+            <a:fontRef idx="minor">
+              <a:schemeClr val="lt1"/>
+            </a:fontRef>
+          </p:style>
+          <p:txBody>
+            <a:bodyPr rtlCol="0" anchor="ctr"/>
+            <a:lstStyle/>
+            <a:p>
+              <a:pPr algn="ctr"/>
+              <a:endParaRPr lang="en-GB"/>
+            </a:p>
+          </p:txBody>
+        </p:sp>
+        <p:sp>
+          <p:nvSpPr>
+            <p:cNvPr id="165" name="Rectangle 164">
+              <a:extLst>
+                <a:ext uri="{FF2B5EF4-FFF2-40B4-BE49-F238E27FC236}">
+                  <a16:creationId xmlns:a16="http://schemas.microsoft.com/office/drawing/2014/main" id="{59F01303-F6AD-4E34-A7C9-F285E8FC8839}"/>
+                </a:ext>
+              </a:extLst>
+            </p:cNvPr>
+            <p:cNvSpPr/>
+            <p:nvPr/>
+          </p:nvSpPr>
+          <p:spPr>
+            <a:xfrm>
+              <a:off x="1755676" y="2167933"/>
+              <a:ext cx="36000" cy="36000"/>
+            </a:xfrm>
+            <a:prstGeom prst="rect">
+              <a:avLst/>
+            </a:prstGeom>
+            <a:solidFill>
+              <a:schemeClr val="accent2">
+                <a:lumMod val="50000"/>
+              </a:schemeClr>
+            </a:solidFill>
+            <a:ln>
+              <a:noFill/>
+            </a:ln>
+          </p:spPr>
+          <p:style>
+            <a:lnRef idx="2">
+              <a:schemeClr val="accent1">
+                <a:shade val="50000"/>
+              </a:schemeClr>
+            </a:lnRef>
+            <a:fillRef idx="1">
+              <a:schemeClr val="accent1"/>
+            </a:fillRef>
+            <a:effectRef idx="0">
+              <a:schemeClr val="accent1"/>
+            </a:effectRef>
+            <a:fontRef idx="minor">
+              <a:schemeClr val="lt1"/>
+            </a:fontRef>
+          </p:style>
+          <p:txBody>
+            <a:bodyPr rtlCol="0" anchor="ctr"/>
+            <a:lstStyle/>
+            <a:p>
+              <a:pPr algn="ctr"/>
+              <a:endParaRPr lang="en-GB"/>
+            </a:p>
+          </p:txBody>
+        </p:sp>
+        <p:sp>
+          <p:nvSpPr>
+            <p:cNvPr id="166" name="Rectangle 165">
+              <a:extLst>
+                <a:ext uri="{FF2B5EF4-FFF2-40B4-BE49-F238E27FC236}">
+                  <a16:creationId xmlns:a16="http://schemas.microsoft.com/office/drawing/2014/main" id="{70FAD6D9-F0F2-40A8-A55C-69C946F5C83F}"/>
+                </a:ext>
+              </a:extLst>
+            </p:cNvPr>
+            <p:cNvSpPr/>
+            <p:nvPr/>
+          </p:nvSpPr>
+          <p:spPr>
+            <a:xfrm>
+              <a:off x="1734760" y="2442141"/>
+              <a:ext cx="32400" cy="32400"/>
+            </a:xfrm>
+            <a:prstGeom prst="rect">
+              <a:avLst/>
+            </a:prstGeom>
+            <a:solidFill>
+              <a:schemeClr val="accent2">
+                <a:lumMod val="50000"/>
+              </a:schemeClr>
+            </a:solidFill>
+            <a:ln>
+              <a:noFill/>
+            </a:ln>
+          </p:spPr>
+          <p:style>
+            <a:lnRef idx="2">
+              <a:schemeClr val="accent1">
+                <a:shade val="50000"/>
+              </a:schemeClr>
+            </a:lnRef>
+            <a:fillRef idx="1">
+              <a:schemeClr val="accent1"/>
+            </a:fillRef>
+            <a:effectRef idx="0">
+              <a:schemeClr val="accent1"/>
+            </a:effectRef>
+            <a:fontRef idx="minor">
+              <a:schemeClr val="lt1"/>
+            </a:fontRef>
+          </p:style>
+          <p:txBody>
+            <a:bodyPr rtlCol="0" anchor="ctr"/>
+            <a:lstStyle/>
+            <a:p>
+              <a:pPr algn="ctr"/>
+              <a:endParaRPr lang="en-GB"/>
+            </a:p>
+          </p:txBody>
+        </p:sp>
+      </p:grpSp>
+      <p:grpSp>
+        <p:nvGrpSpPr>
+          <p:cNvPr id="183" name="Group 182">
+            <a:extLst>
+              <a:ext uri="{FF2B5EF4-FFF2-40B4-BE49-F238E27FC236}">
+                <a16:creationId xmlns:a16="http://schemas.microsoft.com/office/drawing/2014/main" id="{F17893AA-D7B4-4EBB-BC4D-62DDE6790067}"/>
+              </a:ext>
+            </a:extLst>
+          </p:cNvPr>
+          <p:cNvGrpSpPr/>
+          <p:nvPr/>
+        </p:nvGrpSpPr>
+        <p:grpSpPr>
+          <a:xfrm rot="16200000" flipV="1">
+            <a:off x="4749969" y="3566160"/>
+            <a:ext cx="442075" cy="370800"/>
+            <a:chOff x="1700286" y="2162662"/>
+            <a:chExt cx="442075" cy="369171"/>
+          </a:xfrm>
+        </p:grpSpPr>
+        <p:sp>
+          <p:nvSpPr>
+            <p:cNvPr id="178" name="Rectangle 177">
+              <a:extLst>
+                <a:ext uri="{FF2B5EF4-FFF2-40B4-BE49-F238E27FC236}">
+                  <a16:creationId xmlns:a16="http://schemas.microsoft.com/office/drawing/2014/main" id="{EECFF204-905B-4E81-9E37-B46C93415DB3}"/>
+                </a:ext>
+              </a:extLst>
+            </p:cNvPr>
+            <p:cNvSpPr/>
+            <p:nvPr/>
+          </p:nvSpPr>
+          <p:spPr>
+            <a:xfrm>
+              <a:off x="1733220" y="2162662"/>
+              <a:ext cx="409141" cy="45719"/>
+            </a:xfrm>
+            <a:prstGeom prst="rect">
+              <a:avLst/>
+            </a:prstGeom>
+            <a:gradFill flip="none" rotWithShape="1">
+              <a:gsLst>
+                <a:gs pos="0">
+                  <a:schemeClr val="accent2">
+                    <a:lumMod val="50000"/>
+                    <a:shade val="30000"/>
+                    <a:satMod val="115000"/>
+                  </a:schemeClr>
+                </a:gs>
+                <a:gs pos="63000">
+                  <a:schemeClr val="accent2">
+                    <a:lumMod val="50000"/>
+                    <a:shade val="30000"/>
+                    <a:satMod val="115000"/>
+                  </a:schemeClr>
+                </a:gs>
+                <a:gs pos="81000">
+                  <a:schemeClr val="accent2">
+                    <a:lumMod val="50000"/>
+                    <a:shade val="67500"/>
+                    <a:satMod val="115000"/>
+                  </a:schemeClr>
+                </a:gs>
+                <a:gs pos="100000">
+                  <a:schemeClr val="accent2">
+                    <a:lumMod val="50000"/>
+                    <a:shade val="100000"/>
+                    <a:satMod val="115000"/>
+                  </a:schemeClr>
+                </a:gs>
+              </a:gsLst>
+              <a:lin ang="10800000" scaled="1"/>
+              <a:tileRect/>
+            </a:gradFill>
+            <a:ln>
+              <a:solidFill>
+                <a:srgbClr val="501E00"/>
+              </a:solidFill>
+            </a:ln>
+          </p:spPr>
+          <p:style>
+            <a:lnRef idx="2">
+              <a:schemeClr val="accent1">
+                <a:shade val="50000"/>
+              </a:schemeClr>
+            </a:lnRef>
+            <a:fillRef idx="1">
+              <a:schemeClr val="accent1"/>
+            </a:fillRef>
+            <a:effectRef idx="0">
+              <a:schemeClr val="accent1"/>
+            </a:effectRef>
+            <a:fontRef idx="minor">
+              <a:schemeClr val="lt1"/>
+            </a:fontRef>
+          </p:style>
+          <p:txBody>
+            <a:bodyPr rtlCol="0" anchor="ctr"/>
+            <a:lstStyle/>
+            <a:p>
+              <a:pPr algn="ctr"/>
+              <a:endParaRPr lang="en-GB"/>
+            </a:p>
+          </p:txBody>
+        </p:sp>
+        <p:sp>
+          <p:nvSpPr>
+            <p:cNvPr id="179" name="Rectangle 178">
+              <a:extLst>
+                <a:ext uri="{FF2B5EF4-FFF2-40B4-BE49-F238E27FC236}">
+                  <a16:creationId xmlns:a16="http://schemas.microsoft.com/office/drawing/2014/main" id="{AE8FEE93-3C80-41A5-9864-F32252B6EF02}"/>
+                </a:ext>
+              </a:extLst>
+            </p:cNvPr>
+            <p:cNvSpPr/>
+            <p:nvPr/>
+          </p:nvSpPr>
+          <p:spPr>
+            <a:xfrm rot="16200000">
+              <a:off x="1589923" y="2302161"/>
+              <a:ext cx="324718" cy="45719"/>
+            </a:xfrm>
+            <a:prstGeom prst="rect">
+              <a:avLst/>
+            </a:prstGeom>
+            <a:solidFill>
+              <a:schemeClr val="accent2">
+                <a:lumMod val="50000"/>
+              </a:schemeClr>
+            </a:solidFill>
+            <a:ln>
+              <a:solidFill>
+                <a:srgbClr val="501E00"/>
+              </a:solidFill>
+            </a:ln>
+          </p:spPr>
+          <p:style>
+            <a:lnRef idx="2">
+              <a:schemeClr val="accent1">
+                <a:shade val="50000"/>
+              </a:schemeClr>
+            </a:lnRef>
+            <a:fillRef idx="1">
+              <a:schemeClr val="accent1"/>
+            </a:fillRef>
+            <a:effectRef idx="0">
+              <a:schemeClr val="accent1"/>
+            </a:effectRef>
+            <a:fontRef idx="minor">
+              <a:schemeClr val="lt1"/>
+            </a:fontRef>
+          </p:style>
+          <p:txBody>
+            <a:bodyPr rtlCol="0" anchor="ctr"/>
+            <a:lstStyle/>
+            <a:p>
+              <a:pPr algn="ctr"/>
+              <a:endParaRPr lang="en-GB"/>
+            </a:p>
+          </p:txBody>
+        </p:sp>
+        <p:sp>
+          <p:nvSpPr>
+            <p:cNvPr id="180" name="Isosceles Triangle 179">
+              <a:extLst>
+                <a:ext uri="{FF2B5EF4-FFF2-40B4-BE49-F238E27FC236}">
+                  <a16:creationId xmlns:a16="http://schemas.microsoft.com/office/drawing/2014/main" id="{16B766E1-D280-448D-A2F4-F7B403DCD950}"/>
+                </a:ext>
+              </a:extLst>
+            </p:cNvPr>
+            <p:cNvSpPr/>
+            <p:nvPr/>
+          </p:nvSpPr>
+          <p:spPr>
+            <a:xfrm rot="10800000">
+              <a:off x="1700286" y="2454102"/>
+              <a:ext cx="99694" cy="77731"/>
+            </a:xfrm>
+            <a:prstGeom prst="triangle">
+              <a:avLst/>
+            </a:prstGeom>
+            <a:solidFill>
+              <a:schemeClr val="accent2">
+                <a:lumMod val="50000"/>
+              </a:schemeClr>
+            </a:solidFill>
+            <a:ln>
+              <a:solidFill>
+                <a:srgbClr val="501E00"/>
+              </a:solidFill>
+            </a:ln>
+          </p:spPr>
+          <p:style>
+            <a:lnRef idx="2">
+              <a:schemeClr val="accent1">
+                <a:shade val="50000"/>
+              </a:schemeClr>
+            </a:lnRef>
+            <a:fillRef idx="1">
+              <a:schemeClr val="accent1"/>
+            </a:fillRef>
+            <a:effectRef idx="0">
+              <a:schemeClr val="accent1"/>
+            </a:effectRef>
+            <a:fontRef idx="minor">
+              <a:schemeClr val="lt1"/>
+            </a:fontRef>
+          </p:style>
+          <p:txBody>
+            <a:bodyPr rtlCol="0" anchor="ctr"/>
+            <a:lstStyle/>
+            <a:p>
+              <a:pPr algn="ctr"/>
+              <a:endParaRPr lang="en-GB"/>
+            </a:p>
+          </p:txBody>
+        </p:sp>
+        <p:sp>
+          <p:nvSpPr>
+            <p:cNvPr id="181" name="Rectangle 180">
+              <a:extLst>
+                <a:ext uri="{FF2B5EF4-FFF2-40B4-BE49-F238E27FC236}">
+                  <a16:creationId xmlns:a16="http://schemas.microsoft.com/office/drawing/2014/main" id="{D4D225AA-33B8-4749-B21C-CE60EB282C59}"/>
+                </a:ext>
+              </a:extLst>
+            </p:cNvPr>
+            <p:cNvSpPr/>
+            <p:nvPr/>
+          </p:nvSpPr>
+          <p:spPr>
+            <a:xfrm>
+              <a:off x="1755676" y="2167933"/>
+              <a:ext cx="36000" cy="36000"/>
+            </a:xfrm>
+            <a:prstGeom prst="rect">
+              <a:avLst/>
+            </a:prstGeom>
+            <a:solidFill>
+              <a:schemeClr val="accent2">
+                <a:lumMod val="50000"/>
+              </a:schemeClr>
+            </a:solidFill>
+            <a:ln>
+              <a:noFill/>
+            </a:ln>
+          </p:spPr>
+          <p:style>
+            <a:lnRef idx="2">
+              <a:schemeClr val="accent1">
+                <a:shade val="50000"/>
+              </a:schemeClr>
+            </a:lnRef>
+            <a:fillRef idx="1">
+              <a:schemeClr val="accent1"/>
+            </a:fillRef>
+            <a:effectRef idx="0">
+              <a:schemeClr val="accent1"/>
+            </a:effectRef>
+            <a:fontRef idx="minor">
+              <a:schemeClr val="lt1"/>
+            </a:fontRef>
+          </p:style>
+          <p:txBody>
+            <a:bodyPr rtlCol="0" anchor="ctr"/>
+            <a:lstStyle/>
+            <a:p>
+              <a:pPr algn="ctr"/>
+              <a:endParaRPr lang="en-GB"/>
+            </a:p>
+          </p:txBody>
+        </p:sp>
+        <p:sp>
+          <p:nvSpPr>
+            <p:cNvPr id="182" name="Rectangle 181">
+              <a:extLst>
+                <a:ext uri="{FF2B5EF4-FFF2-40B4-BE49-F238E27FC236}">
+                  <a16:creationId xmlns:a16="http://schemas.microsoft.com/office/drawing/2014/main" id="{CACB6AAD-C064-4B52-83B7-D334C888BF09}"/>
+                </a:ext>
+              </a:extLst>
+            </p:cNvPr>
+            <p:cNvSpPr/>
+            <p:nvPr/>
+          </p:nvSpPr>
+          <p:spPr>
+            <a:xfrm>
+              <a:off x="1734760" y="2442141"/>
+              <a:ext cx="32400" cy="32400"/>
+            </a:xfrm>
+            <a:prstGeom prst="rect">
+              <a:avLst/>
+            </a:prstGeom>
+            <a:solidFill>
+              <a:schemeClr val="accent2">
+                <a:lumMod val="50000"/>
+              </a:schemeClr>
+            </a:solidFill>
+            <a:ln>
+              <a:noFill/>
+            </a:ln>
+          </p:spPr>
+          <p:style>
+            <a:lnRef idx="2">
+              <a:schemeClr val="accent1">
+                <a:shade val="50000"/>
+              </a:schemeClr>
+            </a:lnRef>
+            <a:fillRef idx="1">
+              <a:schemeClr val="accent1"/>
+            </a:fillRef>
+            <a:effectRef idx="0">
+              <a:schemeClr val="accent1"/>
+            </a:effectRef>
+            <a:fontRef idx="minor">
+              <a:schemeClr val="lt1"/>
+            </a:fontRef>
+          </p:style>
+          <p:txBody>
+            <a:bodyPr rtlCol="0" anchor="ctr"/>
+            <a:lstStyle/>
+            <a:p>
+              <a:pPr algn="ctr"/>
+              <a:endParaRPr lang="en-GB"/>
+            </a:p>
+          </p:txBody>
+        </p:sp>
+      </p:grpSp>
+      <p:sp>
+        <p:nvSpPr>
+          <p:cNvPr id="187" name="Rectangle 186">
+            <a:extLst>
+              <a:ext uri="{FF2B5EF4-FFF2-40B4-BE49-F238E27FC236}">
+                <a16:creationId xmlns:a16="http://schemas.microsoft.com/office/drawing/2014/main" id="{F1237048-D59C-45C1-8A93-7DD87FEB574A}"/>
+              </a:ext>
+            </a:extLst>
+          </p:cNvPr>
+          <p:cNvSpPr/>
+          <p:nvPr/>
+        </p:nvSpPr>
+        <p:spPr>
+          <a:xfrm rot="16200000">
+            <a:off x="3288599" y="5156966"/>
+            <a:ext cx="251669" cy="45719"/>
+          </a:xfrm>
+          <a:prstGeom prst="rect">
+            <a:avLst/>
+          </a:prstGeom>
+          <a:solidFill>
+            <a:schemeClr val="accent2">
+              <a:lumMod val="75000"/>
+            </a:schemeClr>
+          </a:solidFill>
+          <a:ln>
+            <a:solidFill>
+              <a:srgbClr val="501E00"/>
+            </a:solidFill>
+          </a:ln>
+        </p:spPr>
+        <p:style>
+          <a:lnRef idx="2">
+            <a:schemeClr val="accent1">
+              <a:shade val="50000"/>
+            </a:schemeClr>
+          </a:lnRef>
+          <a:fillRef idx="1">
+            <a:schemeClr val="accent1"/>
+          </a:fillRef>
+          <a:effectRef idx="0">
+            <a:schemeClr val="accent1"/>
+          </a:effectRef>
+          <a:fontRef idx="minor">
+            <a:schemeClr val="lt1"/>
+          </a:fontRef>
+        </p:style>
+        <p:txBody>
+          <a:bodyPr rtlCol="0" anchor="ctr"/>
+          <a:lstStyle/>
+          <a:p>
+            <a:pPr algn="ctr"/>
+            <a:endParaRPr lang="en-GB"/>
+          </a:p>
+        </p:txBody>
+      </p:sp>
+      <p:sp>
+        <p:nvSpPr>
+          <p:cNvPr id="189" name="Isosceles Triangle 188">
+            <a:extLst>
+              <a:ext uri="{FF2B5EF4-FFF2-40B4-BE49-F238E27FC236}">
+                <a16:creationId xmlns:a16="http://schemas.microsoft.com/office/drawing/2014/main" id="{A72DD7D7-21F5-4F83-9382-A297378A0229}"/>
+              </a:ext>
+            </a:extLst>
+          </p:cNvPr>
+          <p:cNvSpPr/>
+          <p:nvPr/>
+        </p:nvSpPr>
+        <p:spPr>
+          <a:xfrm rot="10800000" flipH="1">
+            <a:off x="3364223" y="5289641"/>
+            <a:ext cx="99818" cy="77731"/>
+          </a:xfrm>
+          <a:prstGeom prst="triangle">
+            <a:avLst/>
+          </a:prstGeom>
+          <a:solidFill>
+            <a:schemeClr val="accent2">
+              <a:lumMod val="75000"/>
+            </a:schemeClr>
+          </a:solidFill>
+          <a:ln>
+            <a:solidFill>
+              <a:srgbClr val="501E00"/>
+            </a:solidFill>
+          </a:ln>
+        </p:spPr>
+        <p:style>
+          <a:lnRef idx="2">
+            <a:schemeClr val="accent1">
+              <a:shade val="50000"/>
+            </a:schemeClr>
+          </a:lnRef>
+          <a:fillRef idx="1">
+            <a:schemeClr val="accent1"/>
+          </a:fillRef>
+          <a:effectRef idx="0">
+            <a:schemeClr val="accent1"/>
+          </a:effectRef>
+          <a:fontRef idx="minor">
+            <a:schemeClr val="lt1"/>
+          </a:fontRef>
+        </p:style>
+        <p:txBody>
+          <a:bodyPr rtlCol="0" anchor="ctr"/>
+          <a:lstStyle/>
+          <a:p>
+            <a:pPr algn="ctr"/>
+            <a:endParaRPr lang="en-GB"/>
+          </a:p>
+        </p:txBody>
+      </p:sp>
+      <p:sp>
+        <p:nvSpPr>
+          <p:cNvPr id="191" name="Rectangle 190">
+            <a:extLst>
+              <a:ext uri="{FF2B5EF4-FFF2-40B4-BE49-F238E27FC236}">
+                <a16:creationId xmlns:a16="http://schemas.microsoft.com/office/drawing/2014/main" id="{521B9D17-F7CE-408D-9657-6E60EFBB8230}"/>
+              </a:ext>
+            </a:extLst>
+          </p:cNvPr>
+          <p:cNvSpPr/>
+          <p:nvPr/>
+        </p:nvSpPr>
+        <p:spPr>
+          <a:xfrm flipH="1">
+            <a:off x="3400129" y="5273260"/>
+            <a:ext cx="32440" cy="32400"/>
+          </a:xfrm>
+          <a:prstGeom prst="rect">
+            <a:avLst/>
+          </a:prstGeom>
+          <a:solidFill>
+            <a:schemeClr val="accent2">
+              <a:lumMod val="75000"/>
+            </a:schemeClr>
+          </a:solidFill>
+          <a:ln>
+            <a:noFill/>
+          </a:ln>
+        </p:spPr>
+        <p:style>
+          <a:lnRef idx="2">
+            <a:schemeClr val="accent1">
+              <a:shade val="50000"/>
+            </a:schemeClr>
+          </a:lnRef>
+          <a:fillRef idx="1">
+            <a:schemeClr val="accent1"/>
+          </a:fillRef>
+          <a:effectRef idx="0">
+            <a:schemeClr val="accent1"/>
+          </a:effectRef>
+          <a:fontRef idx="minor">
+            <a:schemeClr val="lt1"/>
+          </a:fontRef>
+        </p:style>
+        <p:txBody>
+          <a:bodyPr rtlCol="0" anchor="ctr"/>
+          <a:lstStyle/>
+          <a:p>
+            <a:pPr algn="ctr"/>
+            <a:endParaRPr lang="en-GB"/>
+          </a:p>
+        </p:txBody>
+      </p:sp>
+      <p:sp>
+        <p:nvSpPr>
+          <p:cNvPr id="193" name="TextBox 192">
+            <a:extLst>
+              <a:ext uri="{FF2B5EF4-FFF2-40B4-BE49-F238E27FC236}">
+                <a16:creationId xmlns:a16="http://schemas.microsoft.com/office/drawing/2014/main" id="{C8807F3D-1620-4873-998C-734D4D0047FB}"/>
+              </a:ext>
+            </a:extLst>
+          </p:cNvPr>
+          <p:cNvSpPr txBox="1"/>
+          <p:nvPr/>
+        </p:nvSpPr>
+        <p:spPr>
+          <a:xfrm>
+            <a:off x="1909731" y="5334080"/>
+            <a:ext cx="2984817" cy="261610"/>
+          </a:xfrm>
+          <a:prstGeom prst="rect">
+            <a:avLst/>
+          </a:prstGeom>
+          <a:noFill/>
+          <a:ln>
+            <a:noFill/>
+          </a:ln>
+        </p:spPr>
+        <p:txBody>
+          <a:bodyPr wrap="square" rtlCol="0">
+            <a:spAutoFit/>
+          </a:bodyPr>
+          <a:lstStyle/>
+          <a:p>
+            <a:pPr algn="ctr"/>
             <a:r>
               <a:rPr lang="en-GB" sz="1100" i="1" dirty="0">
                 <a:solidFill>
@@ -8466,19 +9943,1357 @@
                   </a:schemeClr>
                 </a:solidFill>
               </a:rPr>
-              <a:t>Stored within python as an array</a:t>
-            </a:r>
-          </a:p>
-          <a:p>
-            <a:r>
-              <a:rPr lang="en-GB" sz="1100" i="1" dirty="0">
+              <a:t>Pandas </a:t>
+            </a:r>
+            <a:r>
+              <a:rPr lang="en-GB" sz="1100" i="1" dirty="0" err="1">
                 <a:solidFill>
                   <a:schemeClr val="bg1">
                     <a:lumMod val="50000"/>
                   </a:schemeClr>
                 </a:solidFill>
               </a:rPr>
-              <a:t>Also stored outside python as a plain text file. Each unique ID on a separate line</a:t>
+              <a:t>DataFrame</a:t>
+            </a:r>
+            <a:r>
+              <a:rPr lang="en-GB" sz="1100" i="1" dirty="0">
+                <a:solidFill>
+                  <a:schemeClr val="bg1">
+                    <a:lumMod val="50000"/>
+                  </a:schemeClr>
+                </a:solidFill>
+              </a:rPr>
+              <a:t>: </a:t>
+            </a:r>
+            <a:r>
+              <a:rPr lang="en-GB" sz="1100" i="1" dirty="0">
+                <a:solidFill>
+                  <a:schemeClr val="accent2">
+                    <a:lumMod val="75000"/>
+                  </a:schemeClr>
+                </a:solidFill>
+              </a:rPr>
+              <a:t>‘</a:t>
+            </a:r>
+            <a:r>
+              <a:rPr lang="en-GB" sz="1100" i="1" dirty="0" err="1">
+                <a:solidFill>
+                  <a:schemeClr val="accent2">
+                    <a:lumMod val="75000"/>
+                  </a:schemeClr>
+                </a:solidFill>
+              </a:rPr>
+              <a:t>species_table</a:t>
+            </a:r>
+            <a:r>
+              <a:rPr lang="en-GB" sz="1100" i="1" dirty="0">
+                <a:solidFill>
+                  <a:schemeClr val="accent2">
+                    <a:lumMod val="75000"/>
+                  </a:schemeClr>
+                </a:solidFill>
+              </a:rPr>
+              <a:t>’</a:t>
+            </a:r>
+            <a:endParaRPr lang="en-GB" sz="1050" dirty="0">
+              <a:solidFill>
+                <a:schemeClr val="accent2">
+                  <a:lumMod val="75000"/>
+                </a:schemeClr>
+              </a:solidFill>
+            </a:endParaRPr>
+          </a:p>
+        </p:txBody>
+      </p:sp>
+      <p:graphicFrame>
+        <p:nvGraphicFramePr>
+          <p:cNvPr id="201" name="Table 194">
+            <a:extLst>
+              <a:ext uri="{FF2B5EF4-FFF2-40B4-BE49-F238E27FC236}">
+                <a16:creationId xmlns:a16="http://schemas.microsoft.com/office/drawing/2014/main" id="{DA6CC48B-C8C1-46D0-A586-97D58A43BC1B}"/>
+              </a:ext>
+            </a:extLst>
+          </p:cNvPr>
+          <p:cNvGraphicFramePr>
+            <a:graphicFrameLocks noGrp="1"/>
+          </p:cNvGraphicFramePr>
+          <p:nvPr>
+            <p:extLst>
+              <p:ext uri="{D42A27DB-BD31-4B8C-83A1-F6EECF244321}">
+                <p14:modId xmlns:p14="http://schemas.microsoft.com/office/powerpoint/2010/main" val="3533919527"/>
+              </p:ext>
+            </p:extLst>
+          </p:nvPr>
+        </p:nvGraphicFramePr>
+        <p:xfrm>
+          <a:off x="1633711" y="5547597"/>
+          <a:ext cx="3519486" cy="975360"/>
+        </p:xfrm>
+        <a:graphic>
+          <a:graphicData uri="http://schemas.openxmlformats.org/drawingml/2006/table">
+            <a:tbl>
+              <a:tblPr firstRow="1" bandRow="1">
+                <a:tableStyleId>{5940675A-B579-460E-94D1-54222C63F5DA}</a:tableStyleId>
+              </a:tblPr>
+              <a:tblGrid>
+                <a:gridCol w="1173162">
+                  <a:extLst>
+                    <a:ext uri="{9D8B030D-6E8A-4147-A177-3AD203B41FA5}">
+                      <a16:colId xmlns:a16="http://schemas.microsoft.com/office/drawing/2014/main" val="1312114264"/>
+                    </a:ext>
+                  </a:extLst>
+                </a:gridCol>
+                <a:gridCol w="1173162">
+                  <a:extLst>
+                    <a:ext uri="{9D8B030D-6E8A-4147-A177-3AD203B41FA5}">
+                      <a16:colId xmlns:a16="http://schemas.microsoft.com/office/drawing/2014/main" val="682019497"/>
+                    </a:ext>
+                  </a:extLst>
+                </a:gridCol>
+                <a:gridCol w="1173162">
+                  <a:extLst>
+                    <a:ext uri="{9D8B030D-6E8A-4147-A177-3AD203B41FA5}">
+                      <a16:colId xmlns:a16="http://schemas.microsoft.com/office/drawing/2014/main" val="1451020453"/>
+                    </a:ext>
+                  </a:extLst>
+                </a:gridCol>
+              </a:tblGrid>
+              <a:tr h="237219">
+                <a:tc>
+                  <a:txBody>
+                    <a:bodyPr/>
+                    <a:lstStyle/>
+                    <a:p>
+                      <a:pPr algn="ctr"/>
+                      <a:r>
+                        <a:rPr lang="en-GB" sz="1000" b="1" dirty="0">
+                          <a:solidFill>
+                            <a:schemeClr val="bg1">
+                              <a:lumMod val="50000"/>
+                            </a:schemeClr>
+                          </a:solidFill>
+                        </a:rPr>
+                        <a:t>Genus</a:t>
+                      </a:r>
+                    </a:p>
+                  </a:txBody>
+                  <a:tcPr>
+                    <a:lnL w="12700" cap="flat" cmpd="sng" algn="ctr">
+                      <a:solidFill>
+                        <a:schemeClr val="bg1">
+                          <a:lumMod val="50000"/>
+                        </a:schemeClr>
+                      </a:solidFill>
+                      <a:prstDash val="solid"/>
+                      <a:round/>
+                      <a:headEnd type="none" w="med" len="med"/>
+                      <a:tailEnd type="none" w="med" len="med"/>
+                    </a:lnL>
+                    <a:lnR w="12700" cap="flat" cmpd="sng" algn="ctr">
+                      <a:solidFill>
+                        <a:schemeClr val="bg1">
+                          <a:lumMod val="50000"/>
+                        </a:schemeClr>
+                      </a:solidFill>
+                      <a:prstDash val="solid"/>
+                      <a:round/>
+                      <a:headEnd type="none" w="med" len="med"/>
+                      <a:tailEnd type="none" w="med" len="med"/>
+                    </a:lnR>
+                    <a:lnT w="12700" cap="flat" cmpd="sng" algn="ctr">
+                      <a:solidFill>
+                        <a:schemeClr val="bg1">
+                          <a:lumMod val="50000"/>
+                        </a:schemeClr>
+                      </a:solidFill>
+                      <a:prstDash val="solid"/>
+                      <a:round/>
+                      <a:headEnd type="none" w="med" len="med"/>
+                      <a:tailEnd type="none" w="med" len="med"/>
+                    </a:lnT>
+                    <a:lnB w="12700" cap="flat" cmpd="sng" algn="ctr">
+                      <a:solidFill>
+                        <a:schemeClr val="bg1">
+                          <a:lumMod val="50000"/>
+                        </a:schemeClr>
+                      </a:solidFill>
+                      <a:prstDash val="solid"/>
+                      <a:round/>
+                      <a:headEnd type="none" w="med" len="med"/>
+                      <a:tailEnd type="none" w="med" len="med"/>
+                    </a:lnB>
+                  </a:tcPr>
+                </a:tc>
+                <a:tc>
+                  <a:txBody>
+                    <a:bodyPr/>
+                    <a:lstStyle/>
+                    <a:p>
+                      <a:pPr algn="ctr"/>
+                      <a:r>
+                        <a:rPr lang="en-GB" sz="1000" b="1" dirty="0">
+                          <a:solidFill>
+                            <a:schemeClr val="bg1">
+                              <a:lumMod val="50000"/>
+                            </a:schemeClr>
+                          </a:solidFill>
+                        </a:rPr>
+                        <a:t>Species</a:t>
+                      </a:r>
+                    </a:p>
+                  </a:txBody>
+                  <a:tcPr>
+                    <a:lnL w="12700" cap="flat" cmpd="sng" algn="ctr">
+                      <a:solidFill>
+                        <a:schemeClr val="bg1">
+                          <a:lumMod val="50000"/>
+                        </a:schemeClr>
+                      </a:solidFill>
+                      <a:prstDash val="solid"/>
+                      <a:round/>
+                      <a:headEnd type="none" w="med" len="med"/>
+                      <a:tailEnd type="none" w="med" len="med"/>
+                    </a:lnL>
+                    <a:lnR w="12700" cap="flat" cmpd="sng" algn="ctr">
+                      <a:solidFill>
+                        <a:schemeClr val="bg1">
+                          <a:lumMod val="50000"/>
+                        </a:schemeClr>
+                      </a:solidFill>
+                      <a:prstDash val="solid"/>
+                      <a:round/>
+                      <a:headEnd type="none" w="med" len="med"/>
+                      <a:tailEnd type="none" w="med" len="med"/>
+                    </a:lnR>
+                    <a:lnT w="12700" cap="flat" cmpd="sng" algn="ctr">
+                      <a:solidFill>
+                        <a:schemeClr val="bg1">
+                          <a:lumMod val="50000"/>
+                        </a:schemeClr>
+                      </a:solidFill>
+                      <a:prstDash val="solid"/>
+                      <a:round/>
+                      <a:headEnd type="none" w="med" len="med"/>
+                      <a:tailEnd type="none" w="med" len="med"/>
+                    </a:lnT>
+                    <a:lnB w="12700" cap="flat" cmpd="sng" algn="ctr">
+                      <a:solidFill>
+                        <a:schemeClr val="bg1">
+                          <a:lumMod val="50000"/>
+                        </a:schemeClr>
+                      </a:solidFill>
+                      <a:prstDash val="solid"/>
+                      <a:round/>
+                      <a:headEnd type="none" w="med" len="med"/>
+                      <a:tailEnd type="none" w="med" len="med"/>
+                    </a:lnB>
+                  </a:tcPr>
+                </a:tc>
+                <a:tc>
+                  <a:txBody>
+                    <a:bodyPr/>
+                    <a:lstStyle/>
+                    <a:p>
+                      <a:pPr algn="ctr"/>
+                      <a:r>
+                        <a:rPr lang="en-GB" sz="1000" b="1" dirty="0">
+                          <a:solidFill>
+                            <a:schemeClr val="bg1">
+                              <a:lumMod val="50000"/>
+                            </a:schemeClr>
+                          </a:solidFill>
+                        </a:rPr>
+                        <a:t>NCBI Taxonomy ID</a:t>
+                      </a:r>
+                    </a:p>
+                  </a:txBody>
+                  <a:tcPr>
+                    <a:lnL w="12700" cap="flat" cmpd="sng" algn="ctr">
+                      <a:solidFill>
+                        <a:schemeClr val="bg1">
+                          <a:lumMod val="50000"/>
+                        </a:schemeClr>
+                      </a:solidFill>
+                      <a:prstDash val="solid"/>
+                      <a:round/>
+                      <a:headEnd type="none" w="med" len="med"/>
+                      <a:tailEnd type="none" w="med" len="med"/>
+                    </a:lnL>
+                    <a:lnR w="12700" cap="flat" cmpd="sng" algn="ctr">
+                      <a:solidFill>
+                        <a:schemeClr val="bg1">
+                          <a:lumMod val="50000"/>
+                        </a:schemeClr>
+                      </a:solidFill>
+                      <a:prstDash val="solid"/>
+                      <a:round/>
+                      <a:headEnd type="none" w="med" len="med"/>
+                      <a:tailEnd type="none" w="med" len="med"/>
+                    </a:lnR>
+                    <a:lnT w="12700" cap="flat" cmpd="sng" algn="ctr">
+                      <a:solidFill>
+                        <a:schemeClr val="bg1">
+                          <a:lumMod val="50000"/>
+                        </a:schemeClr>
+                      </a:solidFill>
+                      <a:prstDash val="solid"/>
+                      <a:round/>
+                      <a:headEnd type="none" w="med" len="med"/>
+                      <a:tailEnd type="none" w="med" len="med"/>
+                    </a:lnT>
+                    <a:lnB w="12700" cap="flat" cmpd="sng" algn="ctr">
+                      <a:solidFill>
+                        <a:schemeClr val="bg1">
+                          <a:lumMod val="50000"/>
+                        </a:schemeClr>
+                      </a:solidFill>
+                      <a:prstDash val="solid"/>
+                      <a:round/>
+                      <a:headEnd type="none" w="med" len="med"/>
+                      <a:tailEnd type="none" w="med" len="med"/>
+                    </a:lnB>
+                  </a:tcPr>
+                </a:tc>
+                <a:extLst>
+                  <a:ext uri="{0D108BD9-81ED-4DB2-BD59-A6C34878D82A}">
+                    <a16:rowId xmlns:a16="http://schemas.microsoft.com/office/drawing/2014/main" val="2995197089"/>
+                  </a:ext>
+                </a:extLst>
+              </a:tr>
+              <a:tr h="237219">
+                <a:tc>
+                  <a:txBody>
+                    <a:bodyPr/>
+                    <a:lstStyle/>
+                    <a:p>
+                      <a:pPr algn="ctr"/>
+                      <a:r>
+                        <a:rPr lang="en-GB" sz="1000" dirty="0">
+                          <a:solidFill>
+                            <a:schemeClr val="bg1">
+                              <a:lumMod val="50000"/>
+                            </a:schemeClr>
+                          </a:solidFill>
+                        </a:rPr>
+                        <a:t>G</a:t>
+                      </a:r>
+                      <a:r>
+                        <a:rPr lang="en-GB" sz="1000" baseline="-25000" dirty="0">
+                          <a:solidFill>
+                            <a:schemeClr val="bg1">
+                              <a:lumMod val="50000"/>
+                            </a:schemeClr>
+                          </a:solidFill>
+                        </a:rPr>
+                        <a:t>1</a:t>
+                      </a:r>
+                      <a:endParaRPr lang="en-GB" sz="1000" dirty="0">
+                        <a:solidFill>
+                          <a:schemeClr val="bg1">
+                            <a:lumMod val="50000"/>
+                          </a:schemeClr>
+                        </a:solidFill>
+                      </a:endParaRPr>
+                    </a:p>
+                  </a:txBody>
+                  <a:tcPr>
+                    <a:lnL w="12700" cap="flat" cmpd="sng" algn="ctr">
+                      <a:solidFill>
+                        <a:schemeClr val="bg1">
+                          <a:lumMod val="50000"/>
+                        </a:schemeClr>
+                      </a:solidFill>
+                      <a:prstDash val="solid"/>
+                      <a:round/>
+                      <a:headEnd type="none" w="med" len="med"/>
+                      <a:tailEnd type="none" w="med" len="med"/>
+                    </a:lnL>
+                    <a:lnR w="12700" cap="flat" cmpd="sng" algn="ctr">
+                      <a:solidFill>
+                        <a:schemeClr val="bg1">
+                          <a:lumMod val="50000"/>
+                        </a:schemeClr>
+                      </a:solidFill>
+                      <a:prstDash val="solid"/>
+                      <a:round/>
+                      <a:headEnd type="none" w="med" len="med"/>
+                      <a:tailEnd type="none" w="med" len="med"/>
+                    </a:lnR>
+                    <a:lnT w="12700" cap="flat" cmpd="sng" algn="ctr">
+                      <a:solidFill>
+                        <a:schemeClr val="bg1">
+                          <a:lumMod val="50000"/>
+                        </a:schemeClr>
+                      </a:solidFill>
+                      <a:prstDash val="solid"/>
+                      <a:round/>
+                      <a:headEnd type="none" w="med" len="med"/>
+                      <a:tailEnd type="none" w="med" len="med"/>
+                    </a:lnT>
+                    <a:lnB w="12700" cap="flat" cmpd="sng" algn="ctr">
+                      <a:solidFill>
+                        <a:schemeClr val="bg1">
+                          <a:lumMod val="50000"/>
+                        </a:schemeClr>
+                      </a:solidFill>
+                      <a:prstDash val="solid"/>
+                      <a:round/>
+                      <a:headEnd type="none" w="med" len="med"/>
+                      <a:tailEnd type="none" w="med" len="med"/>
+                    </a:lnB>
+                  </a:tcPr>
+                </a:tc>
+                <a:tc>
+                  <a:txBody>
+                    <a:bodyPr/>
+                    <a:lstStyle/>
+                    <a:p>
+                      <a:pPr algn="ctr"/>
+                      <a:r>
+                        <a:rPr lang="en-GB" sz="1000" dirty="0">
+                          <a:solidFill>
+                            <a:schemeClr val="bg1">
+                              <a:lumMod val="50000"/>
+                            </a:schemeClr>
+                          </a:solidFill>
+                        </a:rPr>
+                        <a:t>S</a:t>
+                      </a:r>
+                      <a:r>
+                        <a:rPr lang="en-GB" sz="1000" baseline="-25000" dirty="0">
+                          <a:solidFill>
+                            <a:schemeClr val="bg1">
+                              <a:lumMod val="50000"/>
+                            </a:schemeClr>
+                          </a:solidFill>
+                        </a:rPr>
+                        <a:t>1</a:t>
+                      </a:r>
+                      <a:endParaRPr lang="en-GB" sz="1000" dirty="0">
+                        <a:solidFill>
+                          <a:schemeClr val="bg1">
+                            <a:lumMod val="50000"/>
+                          </a:schemeClr>
+                        </a:solidFill>
+                      </a:endParaRPr>
+                    </a:p>
+                  </a:txBody>
+                  <a:tcPr>
+                    <a:lnL w="12700" cap="flat" cmpd="sng" algn="ctr">
+                      <a:solidFill>
+                        <a:schemeClr val="bg1">
+                          <a:lumMod val="50000"/>
+                        </a:schemeClr>
+                      </a:solidFill>
+                      <a:prstDash val="solid"/>
+                      <a:round/>
+                      <a:headEnd type="none" w="med" len="med"/>
+                      <a:tailEnd type="none" w="med" len="med"/>
+                    </a:lnL>
+                    <a:lnR w="12700" cap="flat" cmpd="sng" algn="ctr">
+                      <a:solidFill>
+                        <a:schemeClr val="bg1">
+                          <a:lumMod val="50000"/>
+                        </a:schemeClr>
+                      </a:solidFill>
+                      <a:prstDash val="solid"/>
+                      <a:round/>
+                      <a:headEnd type="none" w="med" len="med"/>
+                      <a:tailEnd type="none" w="med" len="med"/>
+                    </a:lnR>
+                    <a:lnT w="12700" cap="flat" cmpd="sng" algn="ctr">
+                      <a:solidFill>
+                        <a:schemeClr val="bg1">
+                          <a:lumMod val="50000"/>
+                        </a:schemeClr>
+                      </a:solidFill>
+                      <a:prstDash val="solid"/>
+                      <a:round/>
+                      <a:headEnd type="none" w="med" len="med"/>
+                      <a:tailEnd type="none" w="med" len="med"/>
+                    </a:lnT>
+                    <a:lnB w="12700" cap="flat" cmpd="sng" algn="ctr">
+                      <a:solidFill>
+                        <a:schemeClr val="bg1">
+                          <a:lumMod val="50000"/>
+                        </a:schemeClr>
+                      </a:solidFill>
+                      <a:prstDash val="solid"/>
+                      <a:round/>
+                      <a:headEnd type="none" w="med" len="med"/>
+                      <a:tailEnd type="none" w="med" len="med"/>
+                    </a:lnB>
+                  </a:tcPr>
+                </a:tc>
+                <a:tc>
+                  <a:txBody>
+                    <a:bodyPr/>
+                    <a:lstStyle/>
+                    <a:p>
+                      <a:pPr algn="ctr"/>
+                      <a:r>
+                        <a:rPr lang="en-GB" sz="1000" dirty="0">
+                          <a:solidFill>
+                            <a:schemeClr val="bg1">
+                              <a:lumMod val="50000"/>
+                            </a:schemeClr>
+                          </a:solidFill>
+                        </a:rPr>
+                        <a:t>Taxonomy ID</a:t>
+                      </a:r>
+                    </a:p>
+                  </a:txBody>
+                  <a:tcPr>
+                    <a:lnL w="12700" cap="flat" cmpd="sng" algn="ctr">
+                      <a:solidFill>
+                        <a:schemeClr val="bg1">
+                          <a:lumMod val="50000"/>
+                        </a:schemeClr>
+                      </a:solidFill>
+                      <a:prstDash val="solid"/>
+                      <a:round/>
+                      <a:headEnd type="none" w="med" len="med"/>
+                      <a:tailEnd type="none" w="med" len="med"/>
+                    </a:lnL>
+                    <a:lnR w="12700" cap="flat" cmpd="sng" algn="ctr">
+                      <a:solidFill>
+                        <a:schemeClr val="bg1">
+                          <a:lumMod val="50000"/>
+                        </a:schemeClr>
+                      </a:solidFill>
+                      <a:prstDash val="solid"/>
+                      <a:round/>
+                      <a:headEnd type="none" w="med" len="med"/>
+                      <a:tailEnd type="none" w="med" len="med"/>
+                    </a:lnR>
+                    <a:lnT w="12700" cap="flat" cmpd="sng" algn="ctr">
+                      <a:solidFill>
+                        <a:schemeClr val="bg1">
+                          <a:lumMod val="50000"/>
+                        </a:schemeClr>
+                      </a:solidFill>
+                      <a:prstDash val="solid"/>
+                      <a:round/>
+                      <a:headEnd type="none" w="med" len="med"/>
+                      <a:tailEnd type="none" w="med" len="med"/>
+                    </a:lnT>
+                    <a:lnB w="12700" cap="flat" cmpd="sng" algn="ctr">
+                      <a:solidFill>
+                        <a:schemeClr val="bg1">
+                          <a:lumMod val="50000"/>
+                        </a:schemeClr>
+                      </a:solidFill>
+                      <a:prstDash val="solid"/>
+                      <a:round/>
+                      <a:headEnd type="none" w="med" len="med"/>
+                      <a:tailEnd type="none" w="med" len="med"/>
+                    </a:lnB>
+                    <a:lnTlToBr w="12700" cmpd="sng">
+                      <a:noFill/>
+                      <a:prstDash val="solid"/>
+                    </a:lnTlToBr>
+                    <a:lnBlToTr w="12700" cmpd="sng">
+                      <a:noFill/>
+                      <a:prstDash val="solid"/>
+                    </a:lnBlToTr>
+                  </a:tcPr>
+                </a:tc>
+                <a:extLst>
+                  <a:ext uri="{0D108BD9-81ED-4DB2-BD59-A6C34878D82A}">
+                    <a16:rowId xmlns:a16="http://schemas.microsoft.com/office/drawing/2014/main" val="3169428146"/>
+                  </a:ext>
+                </a:extLst>
+              </a:tr>
+              <a:tr h="237219">
+                <a:tc>
+                  <a:txBody>
+                    <a:bodyPr/>
+                    <a:lstStyle/>
+                    <a:p>
+                      <a:pPr algn="ctr"/>
+                      <a:r>
+                        <a:rPr lang="en-GB" sz="1000" dirty="0">
+                          <a:solidFill>
+                            <a:schemeClr val="bg1">
+                              <a:lumMod val="50000"/>
+                            </a:schemeClr>
+                          </a:solidFill>
+                        </a:rPr>
+                        <a:t>G</a:t>
+                      </a:r>
+                      <a:r>
+                        <a:rPr lang="en-GB" sz="1000" baseline="-25000" dirty="0">
+                          <a:solidFill>
+                            <a:schemeClr val="bg1">
+                              <a:lumMod val="50000"/>
+                            </a:schemeClr>
+                          </a:solidFill>
+                        </a:rPr>
+                        <a:t>1</a:t>
+                      </a:r>
+                      <a:endParaRPr lang="en-GB" sz="1000" dirty="0">
+                        <a:solidFill>
+                          <a:schemeClr val="bg1">
+                            <a:lumMod val="50000"/>
+                          </a:schemeClr>
+                        </a:solidFill>
+                      </a:endParaRPr>
+                    </a:p>
+                  </a:txBody>
+                  <a:tcPr>
+                    <a:lnL w="12700" cap="flat" cmpd="sng" algn="ctr">
+                      <a:solidFill>
+                        <a:schemeClr val="bg1">
+                          <a:lumMod val="50000"/>
+                        </a:schemeClr>
+                      </a:solidFill>
+                      <a:prstDash val="solid"/>
+                      <a:round/>
+                      <a:headEnd type="none" w="med" len="med"/>
+                      <a:tailEnd type="none" w="med" len="med"/>
+                    </a:lnL>
+                    <a:lnR w="12700" cap="flat" cmpd="sng" algn="ctr">
+                      <a:solidFill>
+                        <a:schemeClr val="bg1">
+                          <a:lumMod val="50000"/>
+                        </a:schemeClr>
+                      </a:solidFill>
+                      <a:prstDash val="solid"/>
+                      <a:round/>
+                      <a:headEnd type="none" w="med" len="med"/>
+                      <a:tailEnd type="none" w="med" len="med"/>
+                    </a:lnR>
+                    <a:lnT w="12700" cap="flat" cmpd="sng" algn="ctr">
+                      <a:solidFill>
+                        <a:schemeClr val="bg1">
+                          <a:lumMod val="50000"/>
+                        </a:schemeClr>
+                      </a:solidFill>
+                      <a:prstDash val="solid"/>
+                      <a:round/>
+                      <a:headEnd type="none" w="med" len="med"/>
+                      <a:tailEnd type="none" w="med" len="med"/>
+                    </a:lnT>
+                    <a:lnB w="12700" cap="flat" cmpd="sng" algn="ctr">
+                      <a:solidFill>
+                        <a:schemeClr val="bg1">
+                          <a:lumMod val="50000"/>
+                        </a:schemeClr>
+                      </a:solidFill>
+                      <a:prstDash val="solid"/>
+                      <a:round/>
+                      <a:headEnd type="none" w="med" len="med"/>
+                      <a:tailEnd type="none" w="med" len="med"/>
+                    </a:lnB>
+                  </a:tcPr>
+                </a:tc>
+                <a:tc>
+                  <a:txBody>
+                    <a:bodyPr/>
+                    <a:lstStyle/>
+                    <a:p>
+                      <a:pPr algn="ctr"/>
+                      <a:r>
+                        <a:rPr lang="en-GB" sz="1000" dirty="0">
+                          <a:solidFill>
+                            <a:schemeClr val="bg1">
+                              <a:lumMod val="50000"/>
+                            </a:schemeClr>
+                          </a:solidFill>
+                        </a:rPr>
+                        <a:t>S</a:t>
+                      </a:r>
+                      <a:r>
+                        <a:rPr lang="en-GB" sz="1000" baseline="-25000" dirty="0">
+                          <a:solidFill>
+                            <a:schemeClr val="bg1">
+                              <a:lumMod val="50000"/>
+                            </a:schemeClr>
+                          </a:solidFill>
+                        </a:rPr>
+                        <a:t>2</a:t>
+                      </a:r>
+                      <a:endParaRPr lang="en-GB" sz="1000" dirty="0">
+                        <a:solidFill>
+                          <a:schemeClr val="bg1">
+                            <a:lumMod val="50000"/>
+                          </a:schemeClr>
+                        </a:solidFill>
+                      </a:endParaRPr>
+                    </a:p>
+                  </a:txBody>
+                  <a:tcPr>
+                    <a:lnL w="12700" cap="flat" cmpd="sng" algn="ctr">
+                      <a:solidFill>
+                        <a:schemeClr val="bg1">
+                          <a:lumMod val="50000"/>
+                        </a:schemeClr>
+                      </a:solidFill>
+                      <a:prstDash val="solid"/>
+                      <a:round/>
+                      <a:headEnd type="none" w="med" len="med"/>
+                      <a:tailEnd type="none" w="med" len="med"/>
+                    </a:lnL>
+                    <a:lnR w="12700" cap="flat" cmpd="sng" algn="ctr">
+                      <a:solidFill>
+                        <a:schemeClr val="bg1">
+                          <a:lumMod val="50000"/>
+                        </a:schemeClr>
+                      </a:solidFill>
+                      <a:prstDash val="solid"/>
+                      <a:round/>
+                      <a:headEnd type="none" w="med" len="med"/>
+                      <a:tailEnd type="none" w="med" len="med"/>
+                    </a:lnR>
+                    <a:lnT w="12700" cap="flat" cmpd="sng" algn="ctr">
+                      <a:solidFill>
+                        <a:schemeClr val="bg1">
+                          <a:lumMod val="50000"/>
+                        </a:schemeClr>
+                      </a:solidFill>
+                      <a:prstDash val="solid"/>
+                      <a:round/>
+                      <a:headEnd type="none" w="med" len="med"/>
+                      <a:tailEnd type="none" w="med" len="med"/>
+                    </a:lnT>
+                    <a:lnB w="12700" cap="flat" cmpd="sng" algn="ctr">
+                      <a:solidFill>
+                        <a:schemeClr val="bg1">
+                          <a:lumMod val="50000"/>
+                        </a:schemeClr>
+                      </a:solidFill>
+                      <a:prstDash val="solid"/>
+                      <a:round/>
+                      <a:headEnd type="none" w="med" len="med"/>
+                      <a:tailEnd type="none" w="med" len="med"/>
+                    </a:lnB>
+                  </a:tcPr>
+                </a:tc>
+                <a:tc>
+                  <a:txBody>
+                    <a:bodyPr/>
+                    <a:lstStyle/>
+                    <a:p>
+                      <a:pPr algn="ctr"/>
+                      <a:r>
+                        <a:rPr lang="en-GB" sz="1000" dirty="0">
+                          <a:solidFill>
+                            <a:schemeClr val="bg1">
+                              <a:lumMod val="50000"/>
+                            </a:schemeClr>
+                          </a:solidFill>
+                        </a:rPr>
+                        <a:t>Taxonomy ID</a:t>
+                      </a:r>
+                    </a:p>
+                  </a:txBody>
+                  <a:tcPr>
+                    <a:lnL w="12700" cap="flat" cmpd="sng" algn="ctr">
+                      <a:solidFill>
+                        <a:schemeClr val="bg1">
+                          <a:lumMod val="50000"/>
+                        </a:schemeClr>
+                      </a:solidFill>
+                      <a:prstDash val="solid"/>
+                      <a:round/>
+                      <a:headEnd type="none" w="med" len="med"/>
+                      <a:tailEnd type="none" w="med" len="med"/>
+                    </a:lnL>
+                    <a:lnR w="12700" cap="flat" cmpd="sng" algn="ctr">
+                      <a:solidFill>
+                        <a:schemeClr val="bg1">
+                          <a:lumMod val="50000"/>
+                        </a:schemeClr>
+                      </a:solidFill>
+                      <a:prstDash val="solid"/>
+                      <a:round/>
+                      <a:headEnd type="none" w="med" len="med"/>
+                      <a:tailEnd type="none" w="med" len="med"/>
+                    </a:lnR>
+                    <a:lnT w="12700" cap="flat" cmpd="sng" algn="ctr">
+                      <a:solidFill>
+                        <a:schemeClr val="bg1">
+                          <a:lumMod val="50000"/>
+                        </a:schemeClr>
+                      </a:solidFill>
+                      <a:prstDash val="solid"/>
+                      <a:round/>
+                      <a:headEnd type="none" w="med" len="med"/>
+                      <a:tailEnd type="none" w="med" len="med"/>
+                    </a:lnT>
+                    <a:lnB w="12700" cap="flat" cmpd="sng" algn="ctr">
+                      <a:solidFill>
+                        <a:schemeClr val="bg1">
+                          <a:lumMod val="50000"/>
+                        </a:schemeClr>
+                      </a:solidFill>
+                      <a:prstDash val="solid"/>
+                      <a:round/>
+                      <a:headEnd type="none" w="med" len="med"/>
+                      <a:tailEnd type="none" w="med" len="med"/>
+                    </a:lnB>
+                  </a:tcPr>
+                </a:tc>
+                <a:extLst>
+                  <a:ext uri="{0D108BD9-81ED-4DB2-BD59-A6C34878D82A}">
+                    <a16:rowId xmlns:a16="http://schemas.microsoft.com/office/drawing/2014/main" val="2877303266"/>
+                  </a:ext>
+                </a:extLst>
+              </a:tr>
+              <a:tr h="237219">
+                <a:tc>
+                  <a:txBody>
+                    <a:bodyPr/>
+                    <a:lstStyle/>
+                    <a:p>
+                      <a:pPr algn="ctr"/>
+                      <a:endParaRPr lang="en-GB" sz="1000" dirty="0">
+                        <a:solidFill>
+                          <a:schemeClr val="bg1">
+                            <a:lumMod val="50000"/>
+                          </a:schemeClr>
+                        </a:solidFill>
+                      </a:endParaRPr>
+                    </a:p>
+                  </a:txBody>
+                  <a:tcPr>
+                    <a:lnL w="12700" cap="flat" cmpd="sng" algn="ctr">
+                      <a:solidFill>
+                        <a:schemeClr val="bg1">
+                          <a:lumMod val="50000"/>
+                        </a:schemeClr>
+                      </a:solidFill>
+                      <a:prstDash val="solid"/>
+                      <a:round/>
+                      <a:headEnd type="none" w="med" len="med"/>
+                      <a:tailEnd type="none" w="med" len="med"/>
+                    </a:lnL>
+                    <a:lnR w="12700" cap="flat" cmpd="sng" algn="ctr">
+                      <a:solidFill>
+                        <a:schemeClr val="bg1">
+                          <a:lumMod val="50000"/>
+                        </a:schemeClr>
+                      </a:solidFill>
+                      <a:prstDash val="solid"/>
+                      <a:round/>
+                      <a:headEnd type="none" w="med" len="med"/>
+                      <a:tailEnd type="none" w="med" len="med"/>
+                    </a:lnR>
+                    <a:lnT w="12700" cap="flat" cmpd="sng" algn="ctr">
+                      <a:solidFill>
+                        <a:schemeClr val="bg1">
+                          <a:lumMod val="50000"/>
+                        </a:schemeClr>
+                      </a:solidFill>
+                      <a:prstDash val="solid"/>
+                      <a:round/>
+                      <a:headEnd type="none" w="med" len="med"/>
+                      <a:tailEnd type="none" w="med" len="med"/>
+                    </a:lnT>
+                    <a:lnB w="12700" cap="flat" cmpd="sng" algn="ctr">
+                      <a:noFill/>
+                      <a:prstDash val="solid"/>
+                      <a:round/>
+                      <a:headEnd type="none" w="med" len="med"/>
+                      <a:tailEnd type="none" w="med" len="med"/>
+                    </a:lnB>
+                  </a:tcPr>
+                </a:tc>
+                <a:tc>
+                  <a:txBody>
+                    <a:bodyPr/>
+                    <a:lstStyle/>
+                    <a:p>
+                      <a:pPr algn="ctr"/>
+                      <a:endParaRPr lang="en-GB" sz="1000" dirty="0">
+                        <a:solidFill>
+                          <a:schemeClr val="bg1">
+                            <a:lumMod val="50000"/>
+                          </a:schemeClr>
+                        </a:solidFill>
+                      </a:endParaRPr>
+                    </a:p>
+                  </a:txBody>
+                  <a:tcPr>
+                    <a:lnL w="12700" cap="flat" cmpd="sng" algn="ctr">
+                      <a:solidFill>
+                        <a:schemeClr val="bg1">
+                          <a:lumMod val="50000"/>
+                        </a:schemeClr>
+                      </a:solidFill>
+                      <a:prstDash val="solid"/>
+                      <a:round/>
+                      <a:headEnd type="none" w="med" len="med"/>
+                      <a:tailEnd type="none" w="med" len="med"/>
+                    </a:lnL>
+                    <a:lnR w="12700" cap="flat" cmpd="sng" algn="ctr">
+                      <a:solidFill>
+                        <a:schemeClr val="bg1">
+                          <a:lumMod val="50000"/>
+                        </a:schemeClr>
+                      </a:solidFill>
+                      <a:prstDash val="solid"/>
+                      <a:round/>
+                      <a:headEnd type="none" w="med" len="med"/>
+                      <a:tailEnd type="none" w="med" len="med"/>
+                    </a:lnR>
+                    <a:lnT w="12700" cap="flat" cmpd="sng" algn="ctr">
+                      <a:solidFill>
+                        <a:schemeClr val="bg1">
+                          <a:lumMod val="50000"/>
+                        </a:schemeClr>
+                      </a:solidFill>
+                      <a:prstDash val="solid"/>
+                      <a:round/>
+                      <a:headEnd type="none" w="med" len="med"/>
+                      <a:tailEnd type="none" w="med" len="med"/>
+                    </a:lnT>
+                    <a:lnB w="12700" cap="flat" cmpd="sng" algn="ctr">
+                      <a:noFill/>
+                      <a:prstDash val="solid"/>
+                      <a:round/>
+                      <a:headEnd type="none" w="med" len="med"/>
+                      <a:tailEnd type="none" w="med" len="med"/>
+                    </a:lnB>
+                  </a:tcPr>
+                </a:tc>
+                <a:tc>
+                  <a:txBody>
+                    <a:bodyPr/>
+                    <a:lstStyle/>
+                    <a:p>
+                      <a:pPr algn="ctr"/>
+                      <a:endParaRPr lang="en-GB" sz="1000" dirty="0">
+                        <a:solidFill>
+                          <a:schemeClr val="bg1">
+                            <a:lumMod val="50000"/>
+                          </a:schemeClr>
+                        </a:solidFill>
+                      </a:endParaRPr>
+                    </a:p>
+                  </a:txBody>
+                  <a:tcPr>
+                    <a:lnL w="12700" cap="flat" cmpd="sng" algn="ctr">
+                      <a:solidFill>
+                        <a:schemeClr val="bg1">
+                          <a:lumMod val="50000"/>
+                        </a:schemeClr>
+                      </a:solidFill>
+                      <a:prstDash val="solid"/>
+                      <a:round/>
+                      <a:headEnd type="none" w="med" len="med"/>
+                      <a:tailEnd type="none" w="med" len="med"/>
+                    </a:lnL>
+                    <a:lnR w="12700" cap="flat" cmpd="sng" algn="ctr">
+                      <a:solidFill>
+                        <a:schemeClr val="bg1">
+                          <a:lumMod val="50000"/>
+                        </a:schemeClr>
+                      </a:solidFill>
+                      <a:prstDash val="solid"/>
+                      <a:round/>
+                      <a:headEnd type="none" w="med" len="med"/>
+                      <a:tailEnd type="none" w="med" len="med"/>
+                    </a:lnR>
+                    <a:lnT w="12700" cap="flat" cmpd="sng" algn="ctr">
+                      <a:solidFill>
+                        <a:schemeClr val="bg1">
+                          <a:lumMod val="50000"/>
+                        </a:schemeClr>
+                      </a:solidFill>
+                      <a:prstDash val="solid"/>
+                      <a:round/>
+                      <a:headEnd type="none" w="med" len="med"/>
+                      <a:tailEnd type="none" w="med" len="med"/>
+                    </a:lnT>
+                    <a:lnB w="12700" cap="flat" cmpd="sng" algn="ctr">
+                      <a:noFill/>
+                      <a:prstDash val="solid"/>
+                      <a:round/>
+                      <a:headEnd type="none" w="med" len="med"/>
+                      <a:tailEnd type="none" w="med" len="med"/>
+                    </a:lnB>
+                  </a:tcPr>
+                </a:tc>
+                <a:extLst>
+                  <a:ext uri="{0D108BD9-81ED-4DB2-BD59-A6C34878D82A}">
+                    <a16:rowId xmlns:a16="http://schemas.microsoft.com/office/drawing/2014/main" val="1453192428"/>
+                  </a:ext>
+                </a:extLst>
+              </a:tr>
+            </a:tbl>
+          </a:graphicData>
+        </a:graphic>
+      </p:graphicFrame>
+      <p:sp>
+        <p:nvSpPr>
+          <p:cNvPr id="203" name="Rectangle 202">
+            <a:extLst>
+              <a:ext uri="{FF2B5EF4-FFF2-40B4-BE49-F238E27FC236}">
+                <a16:creationId xmlns:a16="http://schemas.microsoft.com/office/drawing/2014/main" id="{D10F66B1-543A-4134-A029-FC22A3673929}"/>
+              </a:ext>
+            </a:extLst>
+          </p:cNvPr>
+          <p:cNvSpPr/>
+          <p:nvPr/>
+        </p:nvSpPr>
+        <p:spPr>
+          <a:xfrm rot="5400000">
+            <a:off x="4435663" y="6558766"/>
+            <a:ext cx="312818" cy="45719"/>
+          </a:xfrm>
+          <a:prstGeom prst="rect">
+            <a:avLst/>
+          </a:prstGeom>
+          <a:gradFill flip="none" rotWithShape="1">
+            <a:gsLst>
+              <a:gs pos="0">
+                <a:schemeClr val="accent2">
+                  <a:lumMod val="50000"/>
+                  <a:shade val="30000"/>
+                  <a:satMod val="115000"/>
+                </a:schemeClr>
+              </a:gs>
+              <a:gs pos="25000">
+                <a:schemeClr val="accent2">
+                  <a:lumMod val="50000"/>
+                  <a:shade val="30000"/>
+                  <a:satMod val="115000"/>
+                </a:schemeClr>
+              </a:gs>
+              <a:gs pos="50000">
+                <a:schemeClr val="accent2">
+                  <a:lumMod val="50000"/>
+                  <a:shade val="67500"/>
+                  <a:satMod val="115000"/>
+                </a:schemeClr>
+              </a:gs>
+              <a:gs pos="100000">
+                <a:schemeClr val="accent2">
+                  <a:lumMod val="75000"/>
+                </a:schemeClr>
+              </a:gs>
+              <a:gs pos="65000">
+                <a:schemeClr val="accent2">
+                  <a:lumMod val="50000"/>
+                  <a:shade val="100000"/>
+                  <a:satMod val="115000"/>
+                </a:schemeClr>
+              </a:gs>
+            </a:gsLst>
+            <a:lin ang="10800000" scaled="1"/>
+            <a:tileRect/>
+          </a:gradFill>
+          <a:ln>
+            <a:solidFill>
+              <a:srgbClr val="501E00"/>
+            </a:solidFill>
+          </a:ln>
+        </p:spPr>
+        <p:style>
+          <a:lnRef idx="2">
+            <a:schemeClr val="accent1">
+              <a:shade val="50000"/>
+            </a:schemeClr>
+          </a:lnRef>
+          <a:fillRef idx="1">
+            <a:schemeClr val="accent1"/>
+          </a:fillRef>
+          <a:effectRef idx="0">
+            <a:schemeClr val="accent1"/>
+          </a:effectRef>
+          <a:fontRef idx="minor">
+            <a:schemeClr val="lt1"/>
+          </a:fontRef>
+        </p:style>
+        <p:txBody>
+          <a:bodyPr rtlCol="0" anchor="ctr"/>
+          <a:lstStyle/>
+          <a:p>
+            <a:pPr algn="ctr"/>
+            <a:endParaRPr lang="en-GB"/>
+          </a:p>
+        </p:txBody>
+      </p:sp>
+      <p:sp>
+        <p:nvSpPr>
+          <p:cNvPr id="205" name="Isosceles Triangle 204">
+            <a:extLst>
+              <a:ext uri="{FF2B5EF4-FFF2-40B4-BE49-F238E27FC236}">
+                <a16:creationId xmlns:a16="http://schemas.microsoft.com/office/drawing/2014/main" id="{DEA36D77-612D-42F9-A4A3-BDF72BCF7F2B}"/>
+              </a:ext>
+            </a:extLst>
+          </p:cNvPr>
+          <p:cNvSpPr/>
+          <p:nvPr/>
+        </p:nvSpPr>
+        <p:spPr>
+          <a:xfrm rot="10800000" flipH="1">
+            <a:off x="4539946" y="6738282"/>
+            <a:ext cx="99818" cy="77731"/>
+          </a:xfrm>
+          <a:prstGeom prst="triangle">
+            <a:avLst/>
+          </a:prstGeom>
+          <a:solidFill>
+            <a:srgbClr val="4F1E00"/>
+          </a:solidFill>
+          <a:ln>
+            <a:solidFill>
+              <a:srgbClr val="501E00"/>
+            </a:solidFill>
+          </a:ln>
+        </p:spPr>
+        <p:style>
+          <a:lnRef idx="2">
+            <a:schemeClr val="accent1">
+              <a:shade val="50000"/>
+            </a:schemeClr>
+          </a:lnRef>
+          <a:fillRef idx="1">
+            <a:schemeClr val="accent1"/>
+          </a:fillRef>
+          <a:effectRef idx="0">
+            <a:schemeClr val="accent1"/>
+          </a:effectRef>
+          <a:fontRef idx="minor">
+            <a:schemeClr val="lt1"/>
+          </a:fontRef>
+        </p:style>
+        <p:txBody>
+          <a:bodyPr rtlCol="0" anchor="ctr"/>
+          <a:lstStyle/>
+          <a:p>
+            <a:pPr algn="ctr"/>
+            <a:endParaRPr lang="en-GB"/>
+          </a:p>
+        </p:txBody>
+      </p:sp>
+      <p:sp>
+        <p:nvSpPr>
+          <p:cNvPr id="207" name="Rectangle 206">
+            <a:extLst>
+              <a:ext uri="{FF2B5EF4-FFF2-40B4-BE49-F238E27FC236}">
+                <a16:creationId xmlns:a16="http://schemas.microsoft.com/office/drawing/2014/main" id="{716FED03-92C5-4764-AB88-535582A6DD6A}"/>
+              </a:ext>
+            </a:extLst>
+          </p:cNvPr>
+          <p:cNvSpPr/>
+          <p:nvPr/>
+        </p:nvSpPr>
+        <p:spPr>
+          <a:xfrm flipH="1">
+            <a:off x="4575852" y="6718726"/>
+            <a:ext cx="32440" cy="32400"/>
+          </a:xfrm>
+          <a:prstGeom prst="rect">
+            <a:avLst/>
+          </a:prstGeom>
+          <a:solidFill>
+            <a:srgbClr val="4F1E00"/>
+          </a:solidFill>
+          <a:ln>
+            <a:noFill/>
+          </a:ln>
+        </p:spPr>
+        <p:style>
+          <a:lnRef idx="2">
+            <a:schemeClr val="accent1">
+              <a:shade val="50000"/>
+            </a:schemeClr>
+          </a:lnRef>
+          <a:fillRef idx="1">
+            <a:schemeClr val="accent1"/>
+          </a:fillRef>
+          <a:effectRef idx="0">
+            <a:schemeClr val="accent1"/>
+          </a:effectRef>
+          <a:fontRef idx="minor">
+            <a:schemeClr val="lt1"/>
+          </a:fontRef>
+        </p:style>
+        <p:txBody>
+          <a:bodyPr rtlCol="0" anchor="ctr"/>
+          <a:lstStyle/>
+          <a:p>
+            <a:pPr algn="ctr"/>
+            <a:endParaRPr lang="en-GB"/>
+          </a:p>
+        </p:txBody>
+      </p:sp>
+      <p:sp>
+        <p:nvSpPr>
+          <p:cNvPr id="209" name="TextBox 208">
+            <a:extLst>
+              <a:ext uri="{FF2B5EF4-FFF2-40B4-BE49-F238E27FC236}">
+                <a16:creationId xmlns:a16="http://schemas.microsoft.com/office/drawing/2014/main" id="{5A5116A8-C4E0-4CA8-BA79-910ECCF67F5C}"/>
+              </a:ext>
+            </a:extLst>
+          </p:cNvPr>
+          <p:cNvSpPr txBox="1"/>
+          <p:nvPr/>
+        </p:nvSpPr>
+        <p:spPr>
+          <a:xfrm>
+            <a:off x="1627206" y="6767684"/>
+            <a:ext cx="3168935" cy="461665"/>
+          </a:xfrm>
+          <a:prstGeom prst="rect">
+            <a:avLst/>
+          </a:prstGeom>
+          <a:noFill/>
+        </p:spPr>
+        <p:txBody>
+          <a:bodyPr wrap="square" rtlCol="0">
+            <a:spAutoFit/>
+          </a:bodyPr>
+          <a:lstStyle/>
+          <a:p>
+            <a:pPr algn="ctr"/>
+            <a:r>
+              <a:rPr lang="en-GB" sz="1200" b="1" dirty="0" err="1">
+                <a:solidFill>
+                  <a:schemeClr val="accent2">
+                    <a:lumMod val="50000"/>
+                  </a:schemeClr>
+                </a:solidFill>
+              </a:rPr>
+              <a:t>get_accession_numbers</a:t>
+            </a:r>
+            <a:r>
+              <a:rPr lang="en-GB" sz="1200" b="1" dirty="0">
+                <a:solidFill>
+                  <a:schemeClr val="accent2">
+                    <a:lumMod val="50000"/>
+                  </a:schemeClr>
+                </a:solidFill>
+              </a:rPr>
+              <a:t>(</a:t>
+            </a:r>
+            <a:r>
+              <a:rPr lang="en-GB" sz="1200" dirty="0" err="1">
+                <a:solidFill>
+                  <a:schemeClr val="accent2">
+                    <a:lumMod val="50000"/>
+                  </a:schemeClr>
+                </a:solidFill>
+              </a:rPr>
+              <a:t>taxonomy_id_column</a:t>
+            </a:r>
+            <a:r>
+              <a:rPr lang="en-GB" sz="1200" b="1" dirty="0">
+                <a:solidFill>
+                  <a:schemeClr val="accent2">
+                    <a:lumMod val="50000"/>
+                  </a:schemeClr>
+                </a:solidFill>
+              </a:rPr>
+              <a:t>)</a:t>
+            </a:r>
+          </a:p>
+          <a:p>
+            <a:pPr algn="ctr"/>
+            <a:endParaRPr lang="en-GB" sz="1200" b="1" dirty="0">
+              <a:solidFill>
+                <a:schemeClr val="accent2">
+                  <a:lumMod val="50000"/>
+                </a:schemeClr>
+              </a:solidFill>
+            </a:endParaRPr>
+          </a:p>
+        </p:txBody>
+      </p:sp>
+      <p:sp>
+        <p:nvSpPr>
+          <p:cNvPr id="211" name="TextBox 210">
+            <a:extLst>
+              <a:ext uri="{FF2B5EF4-FFF2-40B4-BE49-F238E27FC236}">
+                <a16:creationId xmlns:a16="http://schemas.microsoft.com/office/drawing/2014/main" id="{41194890-05E1-40A9-AB9F-6A23A535331A}"/>
+              </a:ext>
+            </a:extLst>
+          </p:cNvPr>
+          <p:cNvSpPr txBox="1"/>
+          <p:nvPr/>
+        </p:nvSpPr>
+        <p:spPr>
+          <a:xfrm>
+            <a:off x="1627206" y="6971508"/>
+            <a:ext cx="3158400" cy="600164"/>
+          </a:xfrm>
+          <a:prstGeom prst="rect">
+            <a:avLst/>
+          </a:prstGeom>
+          <a:noFill/>
+          <a:ln>
+            <a:noFill/>
+          </a:ln>
+        </p:spPr>
+        <p:txBody>
+          <a:bodyPr wrap="square" rtlCol="0">
+            <a:spAutoFit/>
+          </a:bodyPr>
+          <a:lstStyle/>
+          <a:p>
+            <a:pPr algn="ctr"/>
+            <a:r>
+              <a:rPr lang="en-GB" sz="1100" i="1" dirty="0">
+                <a:solidFill>
+                  <a:schemeClr val="bg1">
+                    <a:lumMod val="50000"/>
+                  </a:schemeClr>
+                </a:solidFill>
+              </a:rPr>
+              <a:t>Pass over using </a:t>
+            </a:r>
+            <a:r>
+              <a:rPr lang="en-GB" sz="1100" i="1" dirty="0" err="1">
+                <a:solidFill>
+                  <a:schemeClr val="bg1">
+                    <a:lumMod val="50000"/>
+                  </a:schemeClr>
+                </a:solidFill>
+              </a:rPr>
+              <a:t>entrez.assign</a:t>
+            </a:r>
+            <a:r>
+              <a:rPr lang="en-GB" sz="1100" i="1" dirty="0">
+                <a:solidFill>
+                  <a:schemeClr val="bg1">
+                    <a:lumMod val="50000"/>
+                  </a:schemeClr>
+                </a:solidFill>
+              </a:rPr>
+              <a:t>, calling </a:t>
+            </a:r>
+            <a:r>
+              <a:rPr lang="en-GB" sz="1100" i="1" dirty="0" err="1">
+                <a:solidFill>
+                  <a:schemeClr val="bg1">
+                    <a:lumMod val="50000"/>
+                  </a:schemeClr>
+                </a:solidFill>
+              </a:rPr>
+              <a:t>get_accession_numbers</a:t>
+            </a:r>
+            <a:r>
+              <a:rPr lang="en-GB" sz="1100" i="1" dirty="0">
+                <a:solidFill>
+                  <a:schemeClr val="bg1">
+                    <a:lumMod val="50000"/>
+                  </a:schemeClr>
+                </a:solidFill>
+              </a:rPr>
+              <a:t> for each taxonomy ID, to call its Assembly database ID via </a:t>
+            </a:r>
+            <a:r>
+              <a:rPr lang="en-GB" sz="1100" i="1" dirty="0" err="1">
+                <a:solidFill>
+                  <a:schemeClr val="bg1">
+                    <a:lumMod val="50000"/>
+                  </a:schemeClr>
+                </a:solidFill>
+              </a:rPr>
+              <a:t>Entrez.eLink</a:t>
             </a:r>
             <a:endParaRPr lang="en-GB" sz="1050" i="1" dirty="0">
               <a:solidFill>
@@ -8490,542 +11305,657 @@
           </a:p>
         </p:txBody>
       </p:sp>
-      <p:cxnSp>
-        <p:nvCxnSpPr>
-          <p:cNvPr id="29" name="Straight Arrow Connector 28">
+      <p:grpSp>
+        <p:nvGrpSpPr>
+          <p:cNvPr id="218" name="Group 217">
             <a:extLst>
               <a:ext uri="{FF2B5EF4-FFF2-40B4-BE49-F238E27FC236}">
-                <a16:creationId xmlns:a16="http://schemas.microsoft.com/office/drawing/2014/main" id="{DF5D5799-84AF-470A-A2AD-1631B17B16D2}"/>
+                <a16:creationId xmlns:a16="http://schemas.microsoft.com/office/drawing/2014/main" id="{CA2CB996-05C8-4E05-8425-2C978F659319}"/>
               </a:ext>
             </a:extLst>
           </p:cNvPr>
-          <p:cNvCxnSpPr>
-            <a:cxnSpLocks/>
-          </p:cNvCxnSpPr>
+          <p:cNvGrpSpPr/>
           <p:nvPr/>
-        </p:nvCxnSpPr>
-        <p:spPr>
-          <a:xfrm flipH="1">
-            <a:off x="3300408" y="2525007"/>
-            <a:ext cx="2" cy="949551"/>
+        </p:nvGrpSpPr>
+        <p:grpSpPr>
+          <a:xfrm rot="10800000">
+            <a:off x="4664869" y="6427648"/>
+            <a:ext cx="923758" cy="774838"/>
+            <a:chOff x="1700286" y="1756995"/>
+            <a:chExt cx="923758" cy="774838"/>
           </a:xfrm>
-          <a:prstGeom prst="straightConnector1">
-            <a:avLst/>
-          </a:prstGeom>
-          <a:ln>
-            <a:tailEnd type="triangle"/>
-          </a:ln>
-        </p:spPr>
-        <p:style>
-          <a:lnRef idx="1">
-            <a:schemeClr val="dk1"/>
-          </a:lnRef>
-          <a:fillRef idx="0">
-            <a:schemeClr val="dk1"/>
-          </a:fillRef>
-          <a:effectRef idx="0">
-            <a:schemeClr val="dk1"/>
-          </a:effectRef>
-          <a:fontRef idx="minor">
-            <a:schemeClr val="tx1"/>
-          </a:fontRef>
-        </p:style>
-      </p:cxnSp>
-      <p:cxnSp>
-        <p:nvCxnSpPr>
-          <p:cNvPr id="30" name="Straight Arrow Connector 29">
+        </p:grpSpPr>
+        <p:sp>
+          <p:nvSpPr>
+            <p:cNvPr id="213" name="Rectangle 212">
+              <a:extLst>
+                <a:ext uri="{FF2B5EF4-FFF2-40B4-BE49-F238E27FC236}">
+                  <a16:creationId xmlns:a16="http://schemas.microsoft.com/office/drawing/2014/main" id="{EDC74EEE-2E09-482E-BAF8-A79D2AF71DBE}"/>
+                </a:ext>
+              </a:extLst>
+            </p:cNvPr>
+            <p:cNvSpPr/>
+            <p:nvPr/>
+          </p:nvSpPr>
+          <p:spPr>
+            <a:xfrm>
+              <a:off x="1729730" y="1756995"/>
+              <a:ext cx="894314" cy="45719"/>
+            </a:xfrm>
+            <a:prstGeom prst="rect">
+              <a:avLst/>
+            </a:prstGeom>
+            <a:gradFill flip="none" rotWithShape="1">
+              <a:gsLst>
+                <a:gs pos="0">
+                  <a:schemeClr val="accent2">
+                    <a:lumMod val="50000"/>
+                    <a:shade val="30000"/>
+                    <a:satMod val="115000"/>
+                  </a:schemeClr>
+                </a:gs>
+                <a:gs pos="63000">
+                  <a:schemeClr val="accent2">
+                    <a:lumMod val="50000"/>
+                    <a:shade val="30000"/>
+                    <a:satMod val="115000"/>
+                  </a:schemeClr>
+                </a:gs>
+                <a:gs pos="81000">
+                  <a:schemeClr val="accent2">
+                    <a:lumMod val="50000"/>
+                    <a:shade val="67500"/>
+                    <a:satMod val="115000"/>
+                  </a:schemeClr>
+                </a:gs>
+                <a:gs pos="100000">
+                  <a:srgbClr val="642800"/>
+                </a:gs>
+              </a:gsLst>
+              <a:lin ang="10800000" scaled="1"/>
+              <a:tileRect/>
+            </a:gradFill>
+            <a:ln>
+              <a:solidFill>
+                <a:srgbClr val="501E00"/>
+              </a:solidFill>
+            </a:ln>
+          </p:spPr>
+          <p:style>
+            <a:lnRef idx="2">
+              <a:schemeClr val="accent1">
+                <a:shade val="50000"/>
+              </a:schemeClr>
+            </a:lnRef>
+            <a:fillRef idx="1">
+              <a:schemeClr val="accent1"/>
+            </a:fillRef>
+            <a:effectRef idx="0">
+              <a:schemeClr val="accent1"/>
+            </a:effectRef>
+            <a:fontRef idx="minor">
+              <a:schemeClr val="lt1"/>
+            </a:fontRef>
+          </p:style>
+          <p:txBody>
+            <a:bodyPr rtlCol="0" anchor="ctr"/>
+            <a:lstStyle/>
+            <a:p>
+              <a:pPr algn="ctr"/>
+              <a:endParaRPr lang="en-GB"/>
+            </a:p>
+          </p:txBody>
+        </p:sp>
+        <p:sp>
+          <p:nvSpPr>
+            <p:cNvPr id="214" name="Rectangle 213">
+              <a:extLst>
+                <a:ext uri="{FF2B5EF4-FFF2-40B4-BE49-F238E27FC236}">
+                  <a16:creationId xmlns:a16="http://schemas.microsoft.com/office/drawing/2014/main" id="{A8974582-9E85-4420-9B41-C22C7D1E738C}"/>
+                </a:ext>
+              </a:extLst>
+            </p:cNvPr>
+            <p:cNvSpPr/>
+            <p:nvPr/>
+          </p:nvSpPr>
+          <p:spPr>
+            <a:xfrm rot="16200000">
+              <a:off x="1388279" y="2100517"/>
+              <a:ext cx="728006" cy="45719"/>
+            </a:xfrm>
+            <a:prstGeom prst="rect">
+              <a:avLst/>
+            </a:prstGeom>
+            <a:gradFill>
+              <a:gsLst>
+                <a:gs pos="0">
+                  <a:srgbClr val="622700"/>
+                </a:gs>
+                <a:gs pos="28000">
+                  <a:schemeClr val="accent2">
+                    <a:lumMod val="50000"/>
+                    <a:shade val="67500"/>
+                    <a:satMod val="115000"/>
+                  </a:schemeClr>
+                </a:gs>
+                <a:gs pos="72000">
+                  <a:schemeClr val="accent2">
+                    <a:lumMod val="75000"/>
+                  </a:schemeClr>
+                </a:gs>
+              </a:gsLst>
+              <a:lin ang="10800000" scaled="1"/>
+            </a:gradFill>
+            <a:ln>
+              <a:solidFill>
+                <a:srgbClr val="501E00"/>
+              </a:solidFill>
+            </a:ln>
+          </p:spPr>
+          <p:style>
+            <a:lnRef idx="2">
+              <a:schemeClr val="accent1">
+                <a:shade val="50000"/>
+              </a:schemeClr>
+            </a:lnRef>
+            <a:fillRef idx="1">
+              <a:schemeClr val="accent1"/>
+            </a:fillRef>
+            <a:effectRef idx="0">
+              <a:schemeClr val="accent1"/>
+            </a:effectRef>
+            <a:fontRef idx="minor">
+              <a:schemeClr val="lt1"/>
+            </a:fontRef>
+          </p:style>
+          <p:txBody>
+            <a:bodyPr rtlCol="0" anchor="ctr"/>
+            <a:lstStyle/>
+            <a:p>
+              <a:pPr algn="ctr"/>
+              <a:endParaRPr lang="en-GB"/>
+            </a:p>
+          </p:txBody>
+        </p:sp>
+        <p:sp>
+          <p:nvSpPr>
+            <p:cNvPr id="215" name="Isosceles Triangle 214">
+              <a:extLst>
+                <a:ext uri="{FF2B5EF4-FFF2-40B4-BE49-F238E27FC236}">
+                  <a16:creationId xmlns:a16="http://schemas.microsoft.com/office/drawing/2014/main" id="{B7CB7831-21F1-4ECD-9154-99885EEDBE6F}"/>
+                </a:ext>
+              </a:extLst>
+            </p:cNvPr>
+            <p:cNvSpPr/>
+            <p:nvPr/>
+          </p:nvSpPr>
+          <p:spPr>
+            <a:xfrm rot="10800000">
+              <a:off x="1700286" y="2454102"/>
+              <a:ext cx="99694" cy="77731"/>
+            </a:xfrm>
+            <a:prstGeom prst="triangle">
+              <a:avLst/>
+            </a:prstGeom>
+            <a:solidFill>
+              <a:schemeClr val="accent2">
+                <a:lumMod val="75000"/>
+              </a:schemeClr>
+            </a:solidFill>
+            <a:ln>
+              <a:solidFill>
+                <a:srgbClr val="501E00"/>
+              </a:solidFill>
+            </a:ln>
+          </p:spPr>
+          <p:style>
+            <a:lnRef idx="2">
+              <a:schemeClr val="accent1">
+                <a:shade val="50000"/>
+              </a:schemeClr>
+            </a:lnRef>
+            <a:fillRef idx="1">
+              <a:schemeClr val="accent1"/>
+            </a:fillRef>
+            <a:effectRef idx="0">
+              <a:schemeClr val="accent1"/>
+            </a:effectRef>
+            <a:fontRef idx="minor">
+              <a:schemeClr val="lt1"/>
+            </a:fontRef>
+          </p:style>
+          <p:txBody>
+            <a:bodyPr rtlCol="0" anchor="ctr"/>
+            <a:lstStyle/>
+            <a:p>
+              <a:pPr algn="ctr"/>
+              <a:endParaRPr lang="en-GB"/>
+            </a:p>
+          </p:txBody>
+        </p:sp>
+        <p:sp>
+          <p:nvSpPr>
+            <p:cNvPr id="216" name="Rectangle 215">
+              <a:extLst>
+                <a:ext uri="{FF2B5EF4-FFF2-40B4-BE49-F238E27FC236}">
+                  <a16:creationId xmlns:a16="http://schemas.microsoft.com/office/drawing/2014/main" id="{7B70EA06-9841-4D5F-BBDE-776E6F479D75}"/>
+                </a:ext>
+              </a:extLst>
+            </p:cNvPr>
+            <p:cNvSpPr/>
+            <p:nvPr/>
+          </p:nvSpPr>
+          <p:spPr>
+            <a:xfrm>
+              <a:off x="1757142" y="1762400"/>
+              <a:ext cx="36000" cy="36000"/>
+            </a:xfrm>
+            <a:prstGeom prst="rect">
+              <a:avLst/>
+            </a:prstGeom>
+            <a:solidFill>
+              <a:srgbClr val="642800"/>
+            </a:solidFill>
+            <a:ln>
+              <a:noFill/>
+            </a:ln>
+          </p:spPr>
+          <p:style>
+            <a:lnRef idx="2">
+              <a:schemeClr val="accent1">
+                <a:shade val="50000"/>
+              </a:schemeClr>
+            </a:lnRef>
+            <a:fillRef idx="1">
+              <a:schemeClr val="accent1"/>
+            </a:fillRef>
+            <a:effectRef idx="0">
+              <a:schemeClr val="accent1"/>
+            </a:effectRef>
+            <a:fontRef idx="minor">
+              <a:schemeClr val="lt1"/>
+            </a:fontRef>
+          </p:style>
+          <p:txBody>
+            <a:bodyPr rtlCol="0" anchor="ctr"/>
+            <a:lstStyle/>
+            <a:p>
+              <a:pPr algn="ctr"/>
+              <a:endParaRPr lang="en-GB"/>
+            </a:p>
+          </p:txBody>
+        </p:sp>
+        <p:sp>
+          <p:nvSpPr>
+            <p:cNvPr id="217" name="Rectangle 216">
+              <a:extLst>
+                <a:ext uri="{FF2B5EF4-FFF2-40B4-BE49-F238E27FC236}">
+                  <a16:creationId xmlns:a16="http://schemas.microsoft.com/office/drawing/2014/main" id="{0EF72700-F7FF-40D9-B5E6-8599BE0BC652}"/>
+                </a:ext>
+              </a:extLst>
+            </p:cNvPr>
+            <p:cNvSpPr/>
+            <p:nvPr/>
+          </p:nvSpPr>
+          <p:spPr>
+            <a:xfrm>
+              <a:off x="1732379" y="2437379"/>
+              <a:ext cx="36000" cy="36000"/>
+            </a:xfrm>
+            <a:prstGeom prst="rect">
+              <a:avLst/>
+            </a:prstGeom>
+            <a:solidFill>
+              <a:schemeClr val="accent2">
+                <a:lumMod val="75000"/>
+              </a:schemeClr>
+            </a:solidFill>
+            <a:ln>
+              <a:noFill/>
+            </a:ln>
+          </p:spPr>
+          <p:style>
+            <a:lnRef idx="2">
+              <a:schemeClr val="accent1">
+                <a:shade val="50000"/>
+              </a:schemeClr>
+            </a:lnRef>
+            <a:fillRef idx="1">
+              <a:schemeClr val="accent1"/>
+            </a:fillRef>
+            <a:effectRef idx="0">
+              <a:schemeClr val="accent1"/>
+            </a:effectRef>
+            <a:fontRef idx="minor">
+              <a:schemeClr val="lt1"/>
+            </a:fontRef>
+          </p:style>
+          <p:txBody>
+            <a:bodyPr rtlCol="0" anchor="ctr"/>
+            <a:lstStyle/>
+            <a:p>
+              <a:pPr algn="ctr"/>
+              <a:endParaRPr lang="en-GB"/>
+            </a:p>
+          </p:txBody>
+        </p:sp>
+      </p:grpSp>
+      <p:graphicFrame>
+        <p:nvGraphicFramePr>
+          <p:cNvPr id="220" name="Table 194">
             <a:extLst>
               <a:ext uri="{FF2B5EF4-FFF2-40B4-BE49-F238E27FC236}">
-                <a16:creationId xmlns:a16="http://schemas.microsoft.com/office/drawing/2014/main" id="{15B1475E-5A65-41D5-8896-2C0AE9DD5731}"/>
+                <a16:creationId xmlns:a16="http://schemas.microsoft.com/office/drawing/2014/main" id="{A030AAC9-8240-4BAC-A645-3962A028E8DF}"/>
               </a:ext>
             </a:extLst>
           </p:cNvPr>
-          <p:cNvCxnSpPr>
-            <a:cxnSpLocks/>
-          </p:cNvCxnSpPr>
-          <p:nvPr/>
-        </p:nvCxnSpPr>
-        <p:spPr>
-          <a:xfrm flipH="1">
-            <a:off x="2544111" y="3425794"/>
-            <a:ext cx="756299" cy="890883"/>
-          </a:xfrm>
-          <a:prstGeom prst="straightConnector1">
-            <a:avLst/>
-          </a:prstGeom>
-          <a:ln>
-            <a:tailEnd type="triangle"/>
-          </a:ln>
-        </p:spPr>
-        <p:style>
-          <a:lnRef idx="1">
-            <a:schemeClr val="dk1"/>
-          </a:lnRef>
-          <a:fillRef idx="0">
-            <a:schemeClr val="dk1"/>
-          </a:fillRef>
-          <a:effectRef idx="0">
-            <a:schemeClr val="dk1"/>
-          </a:effectRef>
-          <a:fontRef idx="minor">
-            <a:schemeClr val="tx1"/>
-          </a:fontRef>
-        </p:style>
-      </p:cxnSp>
-      <p:cxnSp>
-        <p:nvCxnSpPr>
-          <p:cNvPr id="32" name="Straight Arrow Connector 31">
-            <a:extLst>
-              <a:ext uri="{FF2B5EF4-FFF2-40B4-BE49-F238E27FC236}">
-                <a16:creationId xmlns:a16="http://schemas.microsoft.com/office/drawing/2014/main" id="{7037E88C-0311-4C1F-8ABB-C77D9E0C371E}"/>
-              </a:ext>
-            </a:extLst>
-          </p:cNvPr>
-          <p:cNvCxnSpPr>
-            <a:cxnSpLocks/>
-          </p:cNvCxnSpPr>
-          <p:nvPr/>
-        </p:nvCxnSpPr>
-        <p:spPr>
-          <a:xfrm>
-            <a:off x="3296782" y="3441672"/>
-            <a:ext cx="1365705" cy="812887"/>
-          </a:xfrm>
-          <a:prstGeom prst="straightConnector1">
-            <a:avLst/>
-          </a:prstGeom>
-          <a:ln>
-            <a:tailEnd type="triangle"/>
-          </a:ln>
-        </p:spPr>
-        <p:style>
-          <a:lnRef idx="1">
-            <a:schemeClr val="dk1"/>
-          </a:lnRef>
-          <a:fillRef idx="0">
-            <a:schemeClr val="dk1"/>
-          </a:fillRef>
-          <a:effectRef idx="0">
-            <a:schemeClr val="dk1"/>
-          </a:effectRef>
-          <a:fontRef idx="minor">
-            <a:schemeClr val="tx1"/>
-          </a:fontRef>
-        </p:style>
-      </p:cxnSp>
-      <p:cxnSp>
-        <p:nvCxnSpPr>
-          <p:cNvPr id="35" name="Straight Arrow Connector 34">
-            <a:extLst>
-              <a:ext uri="{FF2B5EF4-FFF2-40B4-BE49-F238E27FC236}">
-                <a16:creationId xmlns:a16="http://schemas.microsoft.com/office/drawing/2014/main" id="{2D98375A-499D-4A38-BC10-FFBFCF8ADA41}"/>
-              </a:ext>
-            </a:extLst>
-          </p:cNvPr>
-          <p:cNvCxnSpPr>
-            <a:cxnSpLocks/>
-          </p:cNvCxnSpPr>
-          <p:nvPr/>
-        </p:nvCxnSpPr>
-        <p:spPr>
-          <a:xfrm flipH="1">
-            <a:off x="3730174" y="4232847"/>
-            <a:ext cx="909590" cy="1625851"/>
-          </a:xfrm>
-          <a:prstGeom prst="straightConnector1">
-            <a:avLst/>
-          </a:prstGeom>
-          <a:ln>
-            <a:tailEnd type="triangle"/>
-          </a:ln>
-        </p:spPr>
-        <p:style>
-          <a:lnRef idx="1">
-            <a:schemeClr val="dk1"/>
-          </a:lnRef>
-          <a:fillRef idx="0">
-            <a:schemeClr val="dk1"/>
-          </a:fillRef>
-          <a:effectRef idx="0">
-            <a:schemeClr val="dk1"/>
-          </a:effectRef>
-          <a:fontRef idx="minor">
-            <a:schemeClr val="tx1"/>
-          </a:fontRef>
-        </p:style>
-      </p:cxnSp>
-      <p:cxnSp>
-        <p:nvCxnSpPr>
-          <p:cNvPr id="38" name="Straight Arrow Connector 37">
-            <a:extLst>
-              <a:ext uri="{FF2B5EF4-FFF2-40B4-BE49-F238E27FC236}">
-                <a16:creationId xmlns:a16="http://schemas.microsoft.com/office/drawing/2014/main" id="{A2B051BF-571D-4CB1-9AF4-6D73117104C2}"/>
-              </a:ext>
-            </a:extLst>
-          </p:cNvPr>
-          <p:cNvCxnSpPr>
-            <a:cxnSpLocks/>
-          </p:cNvCxnSpPr>
-          <p:nvPr/>
-        </p:nvCxnSpPr>
-        <p:spPr>
-          <a:xfrm>
-            <a:off x="1956093" y="4524404"/>
-            <a:ext cx="0" cy="216000"/>
-          </a:xfrm>
-          <a:prstGeom prst="straightConnector1">
-            <a:avLst/>
-          </a:prstGeom>
-          <a:ln>
-            <a:tailEnd type="triangle"/>
-          </a:ln>
-        </p:spPr>
-        <p:style>
-          <a:lnRef idx="1">
-            <a:schemeClr val="dk1"/>
-          </a:lnRef>
-          <a:fillRef idx="0">
-            <a:schemeClr val="dk1"/>
-          </a:fillRef>
-          <a:effectRef idx="0">
-            <a:schemeClr val="dk1"/>
-          </a:effectRef>
-          <a:fontRef idx="minor">
-            <a:schemeClr val="tx1"/>
-          </a:fontRef>
-        </p:style>
-      </p:cxnSp>
-      <p:cxnSp>
-        <p:nvCxnSpPr>
-          <p:cNvPr id="40" name="Straight Arrow Connector 39">
-            <a:extLst>
-              <a:ext uri="{FF2B5EF4-FFF2-40B4-BE49-F238E27FC236}">
-                <a16:creationId xmlns:a16="http://schemas.microsoft.com/office/drawing/2014/main" id="{90C5D1A4-7637-4E61-8B83-D8A748E0204F}"/>
-              </a:ext>
-            </a:extLst>
-          </p:cNvPr>
-          <p:cNvCxnSpPr>
-            <a:cxnSpLocks/>
-          </p:cNvCxnSpPr>
-          <p:nvPr/>
-        </p:nvCxnSpPr>
-        <p:spPr>
-          <a:xfrm>
-            <a:off x="1946568" y="4979860"/>
-            <a:ext cx="0" cy="216000"/>
-          </a:xfrm>
-          <a:prstGeom prst="straightConnector1">
-            <a:avLst/>
-          </a:prstGeom>
-          <a:ln>
-            <a:tailEnd type="triangle"/>
-          </a:ln>
-        </p:spPr>
-        <p:style>
-          <a:lnRef idx="1">
-            <a:schemeClr val="dk1"/>
-          </a:lnRef>
-          <a:fillRef idx="0">
-            <a:schemeClr val="dk1"/>
-          </a:fillRef>
-          <a:effectRef idx="0">
-            <a:schemeClr val="dk1"/>
-          </a:effectRef>
-          <a:fontRef idx="minor">
-            <a:schemeClr val="tx1"/>
-          </a:fontRef>
-        </p:style>
-      </p:cxnSp>
-      <p:cxnSp>
-        <p:nvCxnSpPr>
-          <p:cNvPr id="41" name="Straight Arrow Connector 40">
-            <a:extLst>
-              <a:ext uri="{FF2B5EF4-FFF2-40B4-BE49-F238E27FC236}">
-                <a16:creationId xmlns:a16="http://schemas.microsoft.com/office/drawing/2014/main" id="{BCD66F1F-A6F7-4892-9C64-BDDCC79FDBB0}"/>
-              </a:ext>
-            </a:extLst>
-          </p:cNvPr>
-          <p:cNvCxnSpPr>
-            <a:cxnSpLocks/>
-          </p:cNvCxnSpPr>
-          <p:nvPr/>
-        </p:nvCxnSpPr>
-        <p:spPr>
-          <a:xfrm>
-            <a:off x="1969086" y="5399315"/>
-            <a:ext cx="1017661" cy="459383"/>
-          </a:xfrm>
-          <a:prstGeom prst="straightConnector1">
-            <a:avLst/>
-          </a:prstGeom>
-          <a:ln>
-            <a:tailEnd type="triangle"/>
-          </a:ln>
-        </p:spPr>
-        <p:style>
-          <a:lnRef idx="1">
-            <a:schemeClr val="dk1"/>
-          </a:lnRef>
-          <a:fillRef idx="0">
-            <a:schemeClr val="dk1"/>
-          </a:fillRef>
-          <a:effectRef idx="0">
-            <a:schemeClr val="dk1"/>
-          </a:effectRef>
-          <a:fontRef idx="minor">
-            <a:schemeClr val="tx1"/>
-          </a:fontRef>
-        </p:style>
-      </p:cxnSp>
-      <p:cxnSp>
-        <p:nvCxnSpPr>
-          <p:cNvPr id="43" name="Straight Arrow Connector 42">
-            <a:extLst>
-              <a:ext uri="{FF2B5EF4-FFF2-40B4-BE49-F238E27FC236}">
-                <a16:creationId xmlns:a16="http://schemas.microsoft.com/office/drawing/2014/main" id="{051FE9E0-CE41-4320-B654-A35965E9F797}"/>
-              </a:ext>
-            </a:extLst>
-          </p:cNvPr>
-          <p:cNvCxnSpPr>
-            <a:cxnSpLocks/>
-            <a:stCxn id="6" idx="2"/>
-            <a:endCxn id="22" idx="0"/>
-          </p:cNvCxnSpPr>
-          <p:nvPr/>
-        </p:nvCxnSpPr>
-        <p:spPr>
-          <a:xfrm>
-            <a:off x="3361677" y="6166475"/>
-            <a:ext cx="0" cy="780001"/>
-          </a:xfrm>
-          <a:prstGeom prst="straightConnector1">
-            <a:avLst/>
-          </a:prstGeom>
-          <a:ln>
-            <a:tailEnd type="triangle"/>
-          </a:ln>
-        </p:spPr>
-        <p:style>
-          <a:lnRef idx="1">
-            <a:schemeClr val="dk1"/>
-          </a:lnRef>
-          <a:fillRef idx="0">
-            <a:schemeClr val="dk1"/>
-          </a:fillRef>
-          <a:effectRef idx="0">
-            <a:schemeClr val="dk1"/>
-          </a:effectRef>
-          <a:fontRef idx="minor">
-            <a:schemeClr val="tx1"/>
-          </a:fontRef>
-        </p:style>
-      </p:cxnSp>
-      <p:cxnSp>
-        <p:nvCxnSpPr>
-          <p:cNvPr id="47" name="Straight Arrow Connector 46">
-            <a:extLst>
-              <a:ext uri="{FF2B5EF4-FFF2-40B4-BE49-F238E27FC236}">
-                <a16:creationId xmlns:a16="http://schemas.microsoft.com/office/drawing/2014/main" id="{C4685BCE-E820-40CC-836D-F8B4B9C68D88}"/>
-              </a:ext>
-            </a:extLst>
-          </p:cNvPr>
-          <p:cNvCxnSpPr>
-            <a:cxnSpLocks/>
-          </p:cNvCxnSpPr>
-          <p:nvPr/>
-        </p:nvCxnSpPr>
-        <p:spPr>
-          <a:xfrm>
-            <a:off x="3355619" y="7195815"/>
-            <a:ext cx="0" cy="216000"/>
-          </a:xfrm>
-          <a:prstGeom prst="straightConnector1">
-            <a:avLst/>
-          </a:prstGeom>
-          <a:ln>
-            <a:tailEnd type="triangle"/>
-          </a:ln>
-        </p:spPr>
-        <p:style>
-          <a:lnRef idx="1">
-            <a:schemeClr val="dk1"/>
-          </a:lnRef>
-          <a:fillRef idx="0">
-            <a:schemeClr val="dk1"/>
-          </a:fillRef>
-          <a:effectRef idx="0">
-            <a:schemeClr val="dk1"/>
-          </a:effectRef>
-          <a:fontRef idx="minor">
-            <a:schemeClr val="tx1"/>
-          </a:fontRef>
-        </p:style>
-      </p:cxnSp>
-      <p:cxnSp>
-        <p:nvCxnSpPr>
-          <p:cNvPr id="48" name="Straight Arrow Connector 47">
-            <a:extLst>
-              <a:ext uri="{FF2B5EF4-FFF2-40B4-BE49-F238E27FC236}">
-                <a16:creationId xmlns:a16="http://schemas.microsoft.com/office/drawing/2014/main" id="{7855E8CE-6F68-4AD1-902A-5AEBEC1D1AC5}"/>
-              </a:ext>
-            </a:extLst>
-          </p:cNvPr>
-          <p:cNvCxnSpPr>
-            <a:cxnSpLocks/>
-          </p:cNvCxnSpPr>
-          <p:nvPr/>
-        </p:nvCxnSpPr>
-        <p:spPr>
-          <a:xfrm>
-            <a:off x="3346094" y="7584596"/>
-            <a:ext cx="0" cy="216000"/>
-          </a:xfrm>
-          <a:prstGeom prst="straightConnector1">
-            <a:avLst/>
-          </a:prstGeom>
-          <a:ln>
-            <a:tailEnd type="triangle"/>
-          </a:ln>
-        </p:spPr>
-        <p:style>
-          <a:lnRef idx="1">
-            <a:schemeClr val="dk1"/>
-          </a:lnRef>
-          <a:fillRef idx="0">
-            <a:schemeClr val="dk1"/>
-          </a:fillRef>
-          <a:effectRef idx="0">
-            <a:schemeClr val="dk1"/>
-          </a:effectRef>
-          <a:fontRef idx="minor">
-            <a:schemeClr val="tx1"/>
-          </a:fontRef>
-        </p:style>
-      </p:cxnSp>
-      <p:cxnSp>
-        <p:nvCxnSpPr>
-          <p:cNvPr id="49" name="Straight Arrow Connector 48">
-            <a:extLst>
-              <a:ext uri="{FF2B5EF4-FFF2-40B4-BE49-F238E27FC236}">
-                <a16:creationId xmlns:a16="http://schemas.microsoft.com/office/drawing/2014/main" id="{01695EFC-CB7D-496E-B75F-675332EA342E}"/>
-              </a:ext>
-            </a:extLst>
-          </p:cNvPr>
-          <p:cNvCxnSpPr>
-            <a:cxnSpLocks/>
-          </p:cNvCxnSpPr>
-          <p:nvPr/>
-        </p:nvCxnSpPr>
-        <p:spPr>
-          <a:xfrm flipH="1">
-            <a:off x="1784389" y="7938865"/>
-            <a:ext cx="917004" cy="923868"/>
-          </a:xfrm>
-          <a:prstGeom prst="straightConnector1">
-            <a:avLst/>
-          </a:prstGeom>
-          <a:ln>
-            <a:tailEnd type="triangle"/>
-          </a:ln>
-        </p:spPr>
-        <p:style>
-          <a:lnRef idx="1">
-            <a:schemeClr val="dk1"/>
-          </a:lnRef>
-          <a:fillRef idx="0">
-            <a:schemeClr val="dk1"/>
-          </a:fillRef>
-          <a:effectRef idx="0">
-            <a:schemeClr val="dk1"/>
-          </a:effectRef>
-          <a:fontRef idx="minor">
-            <a:schemeClr val="tx1"/>
-          </a:fontRef>
-        </p:style>
-      </p:cxnSp>
-      <p:cxnSp>
-        <p:nvCxnSpPr>
-          <p:cNvPr id="51" name="Straight Arrow Connector 50">
-            <a:extLst>
-              <a:ext uri="{FF2B5EF4-FFF2-40B4-BE49-F238E27FC236}">
-                <a16:creationId xmlns:a16="http://schemas.microsoft.com/office/drawing/2014/main" id="{C40BBC6F-36EF-4304-B2E3-33C0BD04BEAD}"/>
-              </a:ext>
-            </a:extLst>
-          </p:cNvPr>
-          <p:cNvCxnSpPr>
-            <a:cxnSpLocks/>
-            <a:endCxn id="24" idx="0"/>
-          </p:cNvCxnSpPr>
-          <p:nvPr/>
-        </p:nvCxnSpPr>
-        <p:spPr>
-          <a:xfrm flipH="1">
-            <a:off x="1391071" y="6014705"/>
-            <a:ext cx="1463876" cy="2848028"/>
-          </a:xfrm>
-          <a:prstGeom prst="straightConnector1">
-            <a:avLst/>
-          </a:prstGeom>
-          <a:ln>
-            <a:tailEnd type="triangle"/>
-          </a:ln>
-        </p:spPr>
-        <p:style>
-          <a:lnRef idx="1">
-            <a:schemeClr val="dk1"/>
-          </a:lnRef>
-          <a:fillRef idx="0">
-            <a:schemeClr val="dk1"/>
-          </a:fillRef>
-          <a:effectRef idx="0">
-            <a:schemeClr val="dk1"/>
-          </a:effectRef>
-          <a:fontRef idx="minor">
-            <a:schemeClr val="tx1"/>
-          </a:fontRef>
-        </p:style>
-      </p:cxnSp>
-      <p:cxnSp>
-        <p:nvCxnSpPr>
-          <p:cNvPr id="53" name="Straight Arrow Connector 52">
-            <a:extLst>
-              <a:ext uri="{FF2B5EF4-FFF2-40B4-BE49-F238E27FC236}">
-                <a16:creationId xmlns:a16="http://schemas.microsoft.com/office/drawing/2014/main" id="{2E991B79-E283-4DCF-9F47-D54BBD3DFE99}"/>
-              </a:ext>
-            </a:extLst>
-          </p:cNvPr>
-          <p:cNvCxnSpPr>
-            <a:cxnSpLocks/>
-          </p:cNvCxnSpPr>
-          <p:nvPr/>
-        </p:nvCxnSpPr>
-        <p:spPr>
-          <a:xfrm>
-            <a:off x="873645" y="4545422"/>
-            <a:ext cx="1" cy="4326179"/>
-          </a:xfrm>
-          <a:prstGeom prst="straightConnector1">
-            <a:avLst/>
-          </a:prstGeom>
-          <a:ln>
-            <a:tailEnd type="triangle"/>
-          </a:ln>
-        </p:spPr>
-        <p:style>
-          <a:lnRef idx="1">
-            <a:schemeClr val="dk1"/>
-          </a:lnRef>
-          <a:fillRef idx="0">
-            <a:schemeClr val="dk1"/>
-          </a:fillRef>
-          <a:effectRef idx="0">
-            <a:schemeClr val="dk1"/>
-          </a:effectRef>
-          <a:fontRef idx="minor">
-            <a:schemeClr val="tx1"/>
-          </a:fontRef>
-        </p:style>
-      </p:cxnSp>
+          <p:cNvGraphicFramePr>
+            <a:graphicFrameLocks noGrp="1"/>
+          </p:cNvGraphicFramePr>
+          <p:nvPr>
+            <p:extLst>
+              <p:ext uri="{D42A27DB-BD31-4B8C-83A1-F6EECF244321}">
+                <p14:modId xmlns:p14="http://schemas.microsoft.com/office/powerpoint/2010/main" val="1898376713"/>
+              </p:ext>
+            </p:extLst>
+          </p:nvPr>
+        </p:nvGraphicFramePr>
+        <p:xfrm>
+          <a:off x="5182464" y="5546743"/>
+          <a:ext cx="1173162" cy="975360"/>
+        </p:xfrm>
+        <a:graphic>
+          <a:graphicData uri="http://schemas.openxmlformats.org/drawingml/2006/table">
+            <a:tbl>
+              <a:tblPr firstRow="1" bandRow="1">
+                <a:tableStyleId>{5940675A-B579-460E-94D1-54222C63F5DA}</a:tableStyleId>
+              </a:tblPr>
+              <a:tblGrid>
+                <a:gridCol w="1173162">
+                  <a:extLst>
+                    <a:ext uri="{9D8B030D-6E8A-4147-A177-3AD203B41FA5}">
+                      <a16:colId xmlns:a16="http://schemas.microsoft.com/office/drawing/2014/main" val="1451020453"/>
+                    </a:ext>
+                  </a:extLst>
+                </a:gridCol>
+              </a:tblGrid>
+              <a:tr h="237219">
+                <a:tc>
+                  <a:txBody>
+                    <a:bodyPr/>
+                    <a:lstStyle/>
+                    <a:p>
+                      <a:pPr algn="ctr"/>
+                      <a:r>
+                        <a:rPr lang="en-GB" sz="1000" b="1" dirty="0">
+                          <a:solidFill>
+                            <a:schemeClr val="bg1">
+                              <a:lumMod val="50000"/>
+                            </a:schemeClr>
+                          </a:solidFill>
+                        </a:rPr>
+                        <a:t>NCBI Assembly ID</a:t>
+                      </a:r>
+                    </a:p>
+                  </a:txBody>
+                  <a:tcPr>
+                    <a:lnL w="12700" cap="flat" cmpd="sng" algn="ctr">
+                      <a:noFill/>
+                      <a:prstDash val="solid"/>
+                      <a:round/>
+                      <a:headEnd type="none" w="med" len="med"/>
+                      <a:tailEnd type="none" w="med" len="med"/>
+                    </a:lnL>
+                    <a:lnR w="12700" cap="flat" cmpd="sng" algn="ctr">
+                      <a:solidFill>
+                        <a:schemeClr val="bg1">
+                          <a:lumMod val="50000"/>
+                        </a:schemeClr>
+                      </a:solidFill>
+                      <a:prstDash val="solid"/>
+                      <a:round/>
+                      <a:headEnd type="none" w="med" len="med"/>
+                      <a:tailEnd type="none" w="med" len="med"/>
+                    </a:lnR>
+                    <a:lnT w="12700" cap="flat" cmpd="sng" algn="ctr">
+                      <a:solidFill>
+                        <a:schemeClr val="bg1">
+                          <a:lumMod val="50000"/>
+                        </a:schemeClr>
+                      </a:solidFill>
+                      <a:prstDash val="solid"/>
+                      <a:round/>
+                      <a:headEnd type="none" w="med" len="med"/>
+                      <a:tailEnd type="none" w="med" len="med"/>
+                    </a:lnT>
+                    <a:lnB w="12700" cap="flat" cmpd="sng" algn="ctr">
+                      <a:solidFill>
+                        <a:schemeClr val="bg1">
+                          <a:lumMod val="50000"/>
+                        </a:schemeClr>
+                      </a:solidFill>
+                      <a:prstDash val="solid"/>
+                      <a:round/>
+                      <a:headEnd type="none" w="med" len="med"/>
+                      <a:tailEnd type="none" w="med" len="med"/>
+                    </a:lnB>
+                  </a:tcPr>
+                </a:tc>
+                <a:extLst>
+                  <a:ext uri="{0D108BD9-81ED-4DB2-BD59-A6C34878D82A}">
+                    <a16:rowId xmlns:a16="http://schemas.microsoft.com/office/drawing/2014/main" val="2995197089"/>
+                  </a:ext>
+                </a:extLst>
+              </a:tr>
+              <a:tr h="237219">
+                <a:tc>
+                  <a:txBody>
+                    <a:bodyPr/>
+                    <a:lstStyle/>
+                    <a:p>
+                      <a:pPr algn="ctr"/>
+                      <a:r>
+                        <a:rPr lang="en-GB" sz="1000" dirty="0">
+                          <a:solidFill>
+                            <a:schemeClr val="bg1">
+                              <a:lumMod val="50000"/>
+                            </a:schemeClr>
+                          </a:solidFill>
+                        </a:rPr>
+                        <a:t>Assembly ID</a:t>
+                      </a:r>
+                    </a:p>
+                  </a:txBody>
+                  <a:tcPr>
+                    <a:lnL w="12700" cap="flat" cmpd="sng" algn="ctr">
+                      <a:noFill/>
+                      <a:prstDash val="solid"/>
+                      <a:round/>
+                      <a:headEnd type="none" w="med" len="med"/>
+                      <a:tailEnd type="none" w="med" len="med"/>
+                    </a:lnL>
+                    <a:lnR w="12700" cap="flat" cmpd="sng" algn="ctr">
+                      <a:solidFill>
+                        <a:schemeClr val="bg1">
+                          <a:lumMod val="50000"/>
+                        </a:schemeClr>
+                      </a:solidFill>
+                      <a:prstDash val="solid"/>
+                      <a:round/>
+                      <a:headEnd type="none" w="med" len="med"/>
+                      <a:tailEnd type="none" w="med" len="med"/>
+                    </a:lnR>
+                    <a:lnT w="12700" cap="flat" cmpd="sng" algn="ctr">
+                      <a:solidFill>
+                        <a:schemeClr val="bg1">
+                          <a:lumMod val="50000"/>
+                        </a:schemeClr>
+                      </a:solidFill>
+                      <a:prstDash val="solid"/>
+                      <a:round/>
+                      <a:headEnd type="none" w="med" len="med"/>
+                      <a:tailEnd type="none" w="med" len="med"/>
+                    </a:lnT>
+                    <a:lnB w="12700" cap="flat" cmpd="sng" algn="ctr">
+                      <a:solidFill>
+                        <a:schemeClr val="bg1">
+                          <a:lumMod val="50000"/>
+                        </a:schemeClr>
+                      </a:solidFill>
+                      <a:prstDash val="solid"/>
+                      <a:round/>
+                      <a:headEnd type="none" w="med" len="med"/>
+                      <a:tailEnd type="none" w="med" len="med"/>
+                    </a:lnB>
+                    <a:lnTlToBr w="12700" cmpd="sng">
+                      <a:noFill/>
+                      <a:prstDash val="solid"/>
+                    </a:lnTlToBr>
+                    <a:lnBlToTr w="12700" cmpd="sng">
+                      <a:noFill/>
+                      <a:prstDash val="solid"/>
+                    </a:lnBlToTr>
+                  </a:tcPr>
+                </a:tc>
+                <a:extLst>
+                  <a:ext uri="{0D108BD9-81ED-4DB2-BD59-A6C34878D82A}">
+                    <a16:rowId xmlns:a16="http://schemas.microsoft.com/office/drawing/2014/main" val="3169428146"/>
+                  </a:ext>
+                </a:extLst>
+              </a:tr>
+              <a:tr h="237219">
+                <a:tc>
+                  <a:txBody>
+                    <a:bodyPr/>
+                    <a:lstStyle/>
+                    <a:p>
+                      <a:pPr algn="ctr"/>
+                      <a:r>
+                        <a:rPr lang="en-GB" sz="1000" dirty="0">
+                          <a:solidFill>
+                            <a:schemeClr val="bg1">
+                              <a:lumMod val="50000"/>
+                            </a:schemeClr>
+                          </a:solidFill>
+                        </a:rPr>
+                        <a:t>Assembly ID</a:t>
+                      </a:r>
+                    </a:p>
+                  </a:txBody>
+                  <a:tcPr>
+                    <a:lnL w="12700" cap="flat" cmpd="sng" algn="ctr">
+                      <a:noFill/>
+                      <a:prstDash val="solid"/>
+                      <a:round/>
+                      <a:headEnd type="none" w="med" len="med"/>
+                      <a:tailEnd type="none" w="med" len="med"/>
+                    </a:lnL>
+                    <a:lnR w="12700" cap="flat" cmpd="sng" algn="ctr">
+                      <a:solidFill>
+                        <a:schemeClr val="bg1">
+                          <a:lumMod val="50000"/>
+                        </a:schemeClr>
+                      </a:solidFill>
+                      <a:prstDash val="solid"/>
+                      <a:round/>
+                      <a:headEnd type="none" w="med" len="med"/>
+                      <a:tailEnd type="none" w="med" len="med"/>
+                    </a:lnR>
+                    <a:lnT w="12700" cap="flat" cmpd="sng" algn="ctr">
+                      <a:solidFill>
+                        <a:schemeClr val="bg1">
+                          <a:lumMod val="50000"/>
+                        </a:schemeClr>
+                      </a:solidFill>
+                      <a:prstDash val="solid"/>
+                      <a:round/>
+                      <a:headEnd type="none" w="med" len="med"/>
+                      <a:tailEnd type="none" w="med" len="med"/>
+                    </a:lnT>
+                    <a:lnB w="12700" cap="flat" cmpd="sng" algn="ctr">
+                      <a:solidFill>
+                        <a:schemeClr val="bg1">
+                          <a:lumMod val="50000"/>
+                        </a:schemeClr>
+                      </a:solidFill>
+                      <a:prstDash val="solid"/>
+                      <a:round/>
+                      <a:headEnd type="none" w="med" len="med"/>
+                      <a:tailEnd type="none" w="med" len="med"/>
+                    </a:lnB>
+                  </a:tcPr>
+                </a:tc>
+                <a:extLst>
+                  <a:ext uri="{0D108BD9-81ED-4DB2-BD59-A6C34878D82A}">
+                    <a16:rowId xmlns:a16="http://schemas.microsoft.com/office/drawing/2014/main" val="2877303266"/>
+                  </a:ext>
+                </a:extLst>
+              </a:tr>
+              <a:tr h="237219">
+                <a:tc>
+                  <a:txBody>
+                    <a:bodyPr/>
+                    <a:lstStyle/>
+                    <a:p>
+                      <a:pPr algn="ctr"/>
+                      <a:endParaRPr lang="en-GB" sz="1000" dirty="0">
+                        <a:solidFill>
+                          <a:schemeClr val="bg1">
+                            <a:lumMod val="50000"/>
+                          </a:schemeClr>
+                        </a:solidFill>
+                      </a:endParaRPr>
+                    </a:p>
+                  </a:txBody>
+                  <a:tcPr>
+                    <a:lnL w="12700" cap="flat" cmpd="sng" algn="ctr">
+                      <a:noFill/>
+                      <a:prstDash val="solid"/>
+                      <a:round/>
+                      <a:headEnd type="none" w="med" len="med"/>
+                      <a:tailEnd type="none" w="med" len="med"/>
+                    </a:lnL>
+                    <a:lnR w="12700" cap="flat" cmpd="sng" algn="ctr">
+                      <a:solidFill>
+                        <a:schemeClr val="bg1">
+                          <a:lumMod val="50000"/>
+                        </a:schemeClr>
+                      </a:solidFill>
+                      <a:prstDash val="solid"/>
+                      <a:round/>
+                      <a:headEnd type="none" w="med" len="med"/>
+                      <a:tailEnd type="none" w="med" len="med"/>
+                    </a:lnR>
+                    <a:lnT w="12700" cap="flat" cmpd="sng" algn="ctr">
+                      <a:solidFill>
+                        <a:schemeClr val="bg1">
+                          <a:lumMod val="50000"/>
+                        </a:schemeClr>
+                      </a:solidFill>
+                      <a:prstDash val="solid"/>
+                      <a:round/>
+                      <a:headEnd type="none" w="med" len="med"/>
+                      <a:tailEnd type="none" w="med" len="med"/>
+                    </a:lnT>
+                    <a:lnB w="12700" cap="flat" cmpd="sng" algn="ctr">
+                      <a:noFill/>
+                      <a:prstDash val="solid"/>
+                      <a:round/>
+                      <a:headEnd type="none" w="med" len="med"/>
+                      <a:tailEnd type="none" w="med" len="med"/>
+                    </a:lnB>
+                  </a:tcPr>
+                </a:tc>
+                <a:extLst>
+                  <a:ext uri="{0D108BD9-81ED-4DB2-BD59-A6C34878D82A}">
+                    <a16:rowId xmlns:a16="http://schemas.microsoft.com/office/drawing/2014/main" val="1453192428"/>
+                  </a:ext>
+                </a:extLst>
+              </a:tr>
+            </a:tbl>
+          </a:graphicData>
+        </a:graphic>
+      </p:graphicFrame>
     </p:spTree>
     <p:extLst>
       <p:ext uri="{BB962C8B-B14F-4D97-AF65-F5344CB8AC3E}">

--- a/Computational_OverFlow_Flow_Charts.pptx
+++ b/Computational_OverFlow_Flow_Charts.pptx
@@ -2,13 +2,13 @@
 <file path=ppt/presentation.xml><?xml version="1.0" encoding="utf-8"?>
 <p:presentation xmlns:a="http://schemas.openxmlformats.org/drawingml/2006/main" xmlns:r="http://schemas.openxmlformats.org/officeDocument/2006/relationships" xmlns:p="http://schemas.openxmlformats.org/presentationml/2006/main" saveSubsetFonts="1">
   <p:sldMasterIdLst>
-    <p:sldMasterId id="2147483684" r:id="rId1"/>
+    <p:sldMasterId id="2147483696" r:id="rId1"/>
   </p:sldMasterIdLst>
   <p:sldIdLst>
     <p:sldId id="257" r:id="rId2"/>
     <p:sldId id="258" r:id="rId3"/>
   </p:sldIdLst>
-  <p:sldSz cx="6858000" cy="14400213"/>
+  <p:sldSz cx="8999538" cy="14400213"/>
   <p:notesSz cx="6858000" cy="9144000"/>
   <p:defaultTextStyle>
     <a:defPPr>
@@ -113,12 +113,20 @@
 </p:presentation>
 </file>
 
+<file path=ppt/revisionInfo.xml><?xml version="1.0" encoding="utf-8"?>
+<p1510:revInfo xmlns:a="http://schemas.openxmlformats.org/drawingml/2006/main" xmlns:r="http://schemas.openxmlformats.org/officeDocument/2006/relationships" xmlns:p1510="http://schemas.microsoft.com/office/powerpoint/2015/10/main">
+  <p1510:revLst>
+    <p1510:client id="{03FE5483-4A79-467E-80AE-91AF3373B2B0}" v="170" dt="2020-04-01T11:07:32.208"/>
+  </p1510:revLst>
+</p1510:revInfo>
+</file>
+
 <file path=ppt/changesInfos/changesInfo1.xml><?xml version="1.0" encoding="utf-8"?>
 <pc:chgInfo xmlns:a="http://schemas.openxmlformats.org/drawingml/2006/main" xmlns:r="http://schemas.openxmlformats.org/officeDocument/2006/relationships" xmlns:ac="http://schemas.microsoft.com/office/drawing/2013/main/command" xmlns:pc="http://schemas.microsoft.com/office/powerpoint/2013/main/command">
   <pc:docChgLst>
     <pc:chgData name="Emma Hobbs" userId="a4555268070b5a5b" providerId="LiveId" clId="{03FE5483-4A79-467E-80AE-91AF3373B2B0}"/>
-    <pc:docChg chg="modSld">
-      <pc:chgData name="Emma Hobbs" userId="a4555268070b5a5b" providerId="LiveId" clId="{03FE5483-4A79-467E-80AE-91AF3373B2B0}" dt="2020-03-23T14:06:57.164" v="87" actId="1076"/>
+    <pc:docChg chg="undo custSel modSld">
+      <pc:chgData name="Emma Hobbs" userId="a4555268070b5a5b" providerId="LiveId" clId="{03FE5483-4A79-467E-80AE-91AF3373B2B0}" dt="2020-04-01T11:14:06.212" v="2001" actId="693"/>
       <pc:docMkLst>
         <pc:docMk/>
       </pc:docMkLst>
@@ -152,6 +160,653 @@
             <ac:spMk id="87" creationId="{8B45D38A-385B-4D75-891E-96DC400C877A}"/>
           </ac:spMkLst>
         </pc:spChg>
+      </pc:sldChg>
+      <pc:sldChg chg="addSp delSp modSp mod">
+        <pc:chgData name="Emma Hobbs" userId="a4555268070b5a5b" providerId="LiveId" clId="{03FE5483-4A79-467E-80AE-91AF3373B2B0}" dt="2020-04-01T11:14:06.212" v="2001" actId="693"/>
+        <pc:sldMkLst>
+          <pc:docMk/>
+          <pc:sldMk cId="399537007" sldId="258"/>
+        </pc:sldMkLst>
+        <pc:spChg chg="mod topLvl">
+          <ac:chgData name="Emma Hobbs" userId="a4555268070b5a5b" providerId="LiveId" clId="{03FE5483-4A79-467E-80AE-91AF3373B2B0}" dt="2020-04-01T10:43:28.849" v="663" actId="164"/>
+          <ac:spMkLst>
+            <pc:docMk/>
+            <pc:sldMk cId="399537007" sldId="258"/>
+            <ac:spMk id="5" creationId="{6E0F67F3-BB23-480C-A7D9-D85A7BA87E62}"/>
+          </ac:spMkLst>
+        </pc:spChg>
+        <pc:spChg chg="add del mod">
+          <ac:chgData name="Emma Hobbs" userId="a4555268070b5a5b" providerId="LiveId" clId="{03FE5483-4A79-467E-80AE-91AF3373B2B0}" dt="2020-04-01T10:34:39.755" v="333" actId="478"/>
+          <ac:spMkLst>
+            <pc:docMk/>
+            <pc:sldMk cId="399537007" sldId="258"/>
+            <ac:spMk id="6" creationId="{5E0BFAC9-18D4-4F6A-9AD6-774712B17D45}"/>
+          </ac:spMkLst>
+        </pc:spChg>
+        <pc:spChg chg="mod topLvl">
+          <ac:chgData name="Emma Hobbs" userId="a4555268070b5a5b" providerId="LiveId" clId="{03FE5483-4A79-467E-80AE-91AF3373B2B0}" dt="2020-04-01T10:43:28.849" v="663" actId="164"/>
+          <ac:spMkLst>
+            <pc:docMk/>
+            <pc:sldMk cId="399537007" sldId="258"/>
+            <ac:spMk id="8" creationId="{62591C02-2E02-4608-8909-D3F003DE4743}"/>
+          </ac:spMkLst>
+        </pc:spChg>
+        <pc:spChg chg="mod ord topLvl">
+          <ac:chgData name="Emma Hobbs" userId="a4555268070b5a5b" providerId="LiveId" clId="{03FE5483-4A79-467E-80AE-91AF3373B2B0}" dt="2020-04-01T10:51:49.058" v="938" actId="1076"/>
+          <ac:spMkLst>
+            <pc:docMk/>
+            <pc:sldMk cId="399537007" sldId="258"/>
+            <ac:spMk id="9" creationId="{40BDC933-FD3F-4D16-9353-A241A67A8FE5}"/>
+          </ac:spMkLst>
+        </pc:spChg>
+        <pc:spChg chg="mod topLvl">
+          <ac:chgData name="Emma Hobbs" userId="a4555268070b5a5b" providerId="LiveId" clId="{03FE5483-4A79-467E-80AE-91AF3373B2B0}" dt="2020-04-01T11:09:30.653" v="1796" actId="1076"/>
+          <ac:spMkLst>
+            <pc:docMk/>
+            <pc:sldMk cId="399537007" sldId="258"/>
+            <ac:spMk id="10" creationId="{6D13C418-5E3E-4C21-8A76-B35473D724D1}"/>
+          </ac:spMkLst>
+        </pc:spChg>
+        <pc:spChg chg="add mod">
+          <ac:chgData name="Emma Hobbs" userId="a4555268070b5a5b" providerId="LiveId" clId="{03FE5483-4A79-467E-80AE-91AF3373B2B0}" dt="2020-04-01T11:01:12.266" v="1261" actId="14100"/>
+          <ac:spMkLst>
+            <pc:docMk/>
+            <pc:sldMk cId="399537007" sldId="258"/>
+            <ac:spMk id="14" creationId="{CEFD1E0E-2299-4BF7-BC82-5BDD8BB829EA}"/>
+          </ac:spMkLst>
+        </pc:spChg>
+        <pc:spChg chg="add mod">
+          <ac:chgData name="Emma Hobbs" userId="a4555268070b5a5b" providerId="LiveId" clId="{03FE5483-4A79-467E-80AE-91AF3373B2B0}" dt="2020-04-01T10:40:13.453" v="630" actId="164"/>
+          <ac:spMkLst>
+            <pc:docMk/>
+            <pc:sldMk cId="399537007" sldId="258"/>
+            <ac:spMk id="15" creationId="{8B5207DE-45F1-41A4-8CFB-796DA5687397}"/>
+          </ac:spMkLst>
+        </pc:spChg>
+        <pc:spChg chg="add mod">
+          <ac:chgData name="Emma Hobbs" userId="a4555268070b5a5b" providerId="LiveId" clId="{03FE5483-4A79-467E-80AE-91AF3373B2B0}" dt="2020-04-01T10:40:13.453" v="630" actId="164"/>
+          <ac:spMkLst>
+            <pc:docMk/>
+            <pc:sldMk cId="399537007" sldId="258"/>
+            <ac:spMk id="16" creationId="{837D1B75-422A-435B-867F-1CD7462A9DCF}"/>
+          </ac:spMkLst>
+        </pc:spChg>
+        <pc:spChg chg="add mod ord">
+          <ac:chgData name="Emma Hobbs" userId="a4555268070b5a5b" providerId="LiveId" clId="{03FE5483-4A79-467E-80AE-91AF3373B2B0}" dt="2020-04-01T11:07:01.056" v="1742" actId="14100"/>
+          <ac:spMkLst>
+            <pc:docMk/>
+            <pc:sldMk cId="399537007" sldId="258"/>
+            <ac:spMk id="18" creationId="{2FEED808-F789-4573-B9F6-714DD928E8A2}"/>
+          </ac:spMkLst>
+        </pc:spChg>
+        <pc:spChg chg="add del mod">
+          <ac:chgData name="Emma Hobbs" userId="a4555268070b5a5b" providerId="LiveId" clId="{03FE5483-4A79-467E-80AE-91AF3373B2B0}" dt="2020-04-01T10:49:46.243" v="900" actId="478"/>
+          <ac:spMkLst>
+            <pc:docMk/>
+            <pc:sldMk cId="399537007" sldId="258"/>
+            <ac:spMk id="22" creationId="{3AA60C4B-6AF0-42FB-8426-5B21B12BB8D0}"/>
+          </ac:spMkLst>
+        </pc:spChg>
+        <pc:spChg chg="add del mod">
+          <ac:chgData name="Emma Hobbs" userId="a4555268070b5a5b" providerId="LiveId" clId="{03FE5483-4A79-467E-80AE-91AF3373B2B0}" dt="2020-04-01T10:49:45.162" v="898" actId="478"/>
+          <ac:spMkLst>
+            <pc:docMk/>
+            <pc:sldMk cId="399537007" sldId="258"/>
+            <ac:spMk id="23" creationId="{3E73F994-AF6D-40E2-AE81-A3D050B1F912}"/>
+          </ac:spMkLst>
+        </pc:spChg>
+        <pc:spChg chg="add mod">
+          <ac:chgData name="Emma Hobbs" userId="a4555268070b5a5b" providerId="LiveId" clId="{03FE5483-4A79-467E-80AE-91AF3373B2B0}" dt="2020-04-01T10:59:35.794" v="1237" actId="14100"/>
+          <ac:spMkLst>
+            <pc:docMk/>
+            <pc:sldMk cId="399537007" sldId="258"/>
+            <ac:spMk id="25" creationId="{A3F92C34-B939-4605-B5C0-37D076A5FBDD}"/>
+          </ac:spMkLst>
+        </pc:spChg>
+        <pc:spChg chg="add mod">
+          <ac:chgData name="Emma Hobbs" userId="a4555268070b5a5b" providerId="LiveId" clId="{03FE5483-4A79-467E-80AE-91AF3373B2B0}" dt="2020-04-01T10:56:10.662" v="1178" actId="14100"/>
+          <ac:spMkLst>
+            <pc:docMk/>
+            <pc:sldMk cId="399537007" sldId="258"/>
+            <ac:spMk id="27" creationId="{40AEA691-DE6C-49A7-87BF-9C1A028FC868}"/>
+          </ac:spMkLst>
+        </pc:spChg>
+        <pc:spChg chg="add mod">
+          <ac:chgData name="Emma Hobbs" userId="a4555268070b5a5b" providerId="LiveId" clId="{03FE5483-4A79-467E-80AE-91AF3373B2B0}" dt="2020-04-01T10:59:33.686" v="1236" actId="14100"/>
+          <ac:spMkLst>
+            <pc:docMk/>
+            <pc:sldMk cId="399537007" sldId="258"/>
+            <ac:spMk id="28" creationId="{46A0913D-BD36-4552-8C76-95F80F74A624}"/>
+          </ac:spMkLst>
+        </pc:spChg>
+        <pc:spChg chg="add mod">
+          <ac:chgData name="Emma Hobbs" userId="a4555268070b5a5b" providerId="LiveId" clId="{03FE5483-4A79-467E-80AE-91AF3373B2B0}" dt="2020-04-01T10:59:00.539" v="1224" actId="1076"/>
+          <ac:spMkLst>
+            <pc:docMk/>
+            <pc:sldMk cId="399537007" sldId="258"/>
+            <ac:spMk id="29" creationId="{46D195BD-D479-4AA9-8E52-F67B7F196EC3}"/>
+          </ac:spMkLst>
+        </pc:spChg>
+        <pc:spChg chg="add mod">
+          <ac:chgData name="Emma Hobbs" userId="a4555268070b5a5b" providerId="LiveId" clId="{03FE5483-4A79-467E-80AE-91AF3373B2B0}" dt="2020-04-01T10:59:27.944" v="1234" actId="14100"/>
+          <ac:spMkLst>
+            <pc:docMk/>
+            <pc:sldMk cId="399537007" sldId="258"/>
+            <ac:spMk id="31" creationId="{5A248AA9-C618-418F-9B99-4654446EF063}"/>
+          </ac:spMkLst>
+        </pc:spChg>
+        <pc:spChg chg="add mod">
+          <ac:chgData name="Emma Hobbs" userId="a4555268070b5a5b" providerId="LiveId" clId="{03FE5483-4A79-467E-80AE-91AF3373B2B0}" dt="2020-04-01T10:59:30.289" v="1235" actId="14100"/>
+          <ac:spMkLst>
+            <pc:docMk/>
+            <pc:sldMk cId="399537007" sldId="258"/>
+            <ac:spMk id="32" creationId="{940AA303-9454-4155-BE62-0ACC0DBA6FCE}"/>
+          </ac:spMkLst>
+        </pc:spChg>
+        <pc:spChg chg="add del mod">
+          <ac:chgData name="Emma Hobbs" userId="a4555268070b5a5b" providerId="LiveId" clId="{03FE5483-4A79-467E-80AE-91AF3373B2B0}" dt="2020-04-01T11:03:11.618" v="1319" actId="1076"/>
+          <ac:spMkLst>
+            <pc:docMk/>
+            <pc:sldMk cId="399537007" sldId="258"/>
+            <ac:spMk id="33" creationId="{7A49FC93-654C-4671-B171-6001E5353A3E}"/>
+          </ac:spMkLst>
+        </pc:spChg>
+        <pc:spChg chg="add del mod">
+          <ac:chgData name="Emma Hobbs" userId="a4555268070b5a5b" providerId="LiveId" clId="{03FE5483-4A79-467E-80AE-91AF3373B2B0}" dt="2020-04-01T11:06:58.340" v="1741" actId="1076"/>
+          <ac:spMkLst>
+            <pc:docMk/>
+            <pc:sldMk cId="399537007" sldId="258"/>
+            <ac:spMk id="34" creationId="{7DC8FECD-AA1D-47F2-8B53-7273DAA480A6}"/>
+          </ac:spMkLst>
+        </pc:spChg>
+        <pc:spChg chg="add mod ord">
+          <ac:chgData name="Emma Hobbs" userId="a4555268070b5a5b" providerId="LiveId" clId="{03FE5483-4A79-467E-80AE-91AF3373B2B0}" dt="2020-04-01T11:13:18.881" v="1997" actId="1036"/>
+          <ac:spMkLst>
+            <pc:docMk/>
+            <pc:sldMk cId="399537007" sldId="258"/>
+            <ac:spMk id="37" creationId="{2F2DFBFD-6310-43C4-8DEC-7078BEE9905C}"/>
+          </ac:spMkLst>
+        </pc:spChg>
+        <pc:spChg chg="add mod ord">
+          <ac:chgData name="Emma Hobbs" userId="a4555268070b5a5b" providerId="LiveId" clId="{03FE5483-4A79-467E-80AE-91AF3373B2B0}" dt="2020-04-01T11:13:18.881" v="1997" actId="1036"/>
+          <ac:spMkLst>
+            <pc:docMk/>
+            <pc:sldMk cId="399537007" sldId="258"/>
+            <ac:spMk id="38" creationId="{3DDD2DA2-F74E-41AE-A880-1161D0F722F3}"/>
+          </ac:spMkLst>
+        </pc:spChg>
+        <pc:spChg chg="add del mod ord">
+          <ac:chgData name="Emma Hobbs" userId="a4555268070b5a5b" providerId="LiveId" clId="{03FE5483-4A79-467E-80AE-91AF3373B2B0}" dt="2020-04-01T11:11:36.564" v="1922" actId="688"/>
+          <ac:spMkLst>
+            <pc:docMk/>
+            <pc:sldMk cId="399537007" sldId="258"/>
+            <ac:spMk id="39" creationId="{7B9B4019-554A-4E1B-A5DF-AAD2E00AE062}"/>
+          </ac:spMkLst>
+        </pc:spChg>
+        <pc:spChg chg="add mod">
+          <ac:chgData name="Emma Hobbs" userId="a4555268070b5a5b" providerId="LiveId" clId="{03FE5483-4A79-467E-80AE-91AF3373B2B0}" dt="2020-04-01T11:11:43.860" v="1924" actId="1076"/>
+          <ac:spMkLst>
+            <pc:docMk/>
+            <pc:sldMk cId="399537007" sldId="258"/>
+            <ac:spMk id="40" creationId="{BCEACA22-5B47-4DBF-A77C-BC7B8D577727}"/>
+          </ac:spMkLst>
+        </pc:spChg>
+        <pc:spChg chg="mod">
+          <ac:chgData name="Emma Hobbs" userId="a4555268070b5a5b" providerId="LiveId" clId="{03FE5483-4A79-467E-80AE-91AF3373B2B0}" dt="2020-04-01T10:57:27.873" v="1196" actId="164"/>
+          <ac:spMkLst>
+            <pc:docMk/>
+            <pc:sldMk cId="399537007" sldId="258"/>
+            <ac:spMk id="63" creationId="{BA7E861F-343E-4653-95E1-F5C9EA4F049C}"/>
+          </ac:spMkLst>
+        </pc:spChg>
+        <pc:spChg chg="mod">
+          <ac:chgData name="Emma Hobbs" userId="a4555268070b5a5b" providerId="LiveId" clId="{03FE5483-4A79-467E-80AE-91AF3373B2B0}" dt="2020-04-01T10:51:49.058" v="938" actId="1076"/>
+          <ac:spMkLst>
+            <pc:docMk/>
+            <pc:sldMk cId="399537007" sldId="258"/>
+            <ac:spMk id="65" creationId="{41E4EE14-D544-4D99-A200-48D6E5C61EB5}"/>
+          </ac:spMkLst>
+        </pc:spChg>
+        <pc:spChg chg="del">
+          <ac:chgData name="Emma Hobbs" userId="a4555268070b5a5b" providerId="LiveId" clId="{03FE5483-4A79-467E-80AE-91AF3373B2B0}" dt="2020-04-01T11:00:41.313" v="1254" actId="478"/>
+          <ac:spMkLst>
+            <pc:docMk/>
+            <pc:sldMk cId="399537007" sldId="258"/>
+            <ac:spMk id="73" creationId="{0F452F18-2287-481B-B108-A598005A59E7}"/>
+          </ac:spMkLst>
+        </pc:spChg>
+        <pc:spChg chg="mod">
+          <ac:chgData name="Emma Hobbs" userId="a4555268070b5a5b" providerId="LiveId" clId="{03FE5483-4A79-467E-80AE-91AF3373B2B0}" dt="2020-04-01T11:05:46.360" v="1587" actId="20577"/>
+          <ac:spMkLst>
+            <pc:docMk/>
+            <pc:sldMk cId="399537007" sldId="258"/>
+            <ac:spMk id="91" creationId="{55663CD6-1F2E-426B-8993-DA46C23C51F1}"/>
+          </ac:spMkLst>
+        </pc:spChg>
+        <pc:spChg chg="mod">
+          <ac:chgData name="Emma Hobbs" userId="a4555268070b5a5b" providerId="LiveId" clId="{03FE5483-4A79-467E-80AE-91AF3373B2B0}" dt="2020-04-01T11:05:47.037" v="1588" actId="20577"/>
+          <ac:spMkLst>
+            <pc:docMk/>
+            <pc:sldMk cId="399537007" sldId="258"/>
+            <ac:spMk id="93" creationId="{2ACC4E54-B722-4808-BEA0-2A523D5B5FE1}"/>
+          </ac:spMkLst>
+        </pc:spChg>
+        <pc:spChg chg="del">
+          <ac:chgData name="Emma Hobbs" userId="a4555268070b5a5b" providerId="LiveId" clId="{03FE5483-4A79-467E-80AE-91AF3373B2B0}" dt="2020-04-01T10:53:02.503" v="975" actId="478"/>
+          <ac:spMkLst>
+            <pc:docMk/>
+            <pc:sldMk cId="399537007" sldId="258"/>
+            <ac:spMk id="104" creationId="{33D8A7F9-DBF4-4039-BB28-48C362C7D1F1}"/>
+          </ac:spMkLst>
+        </pc:spChg>
+        <pc:spChg chg="del">
+          <ac:chgData name="Emma Hobbs" userId="a4555268070b5a5b" providerId="LiveId" clId="{03FE5483-4A79-467E-80AE-91AF3373B2B0}" dt="2020-04-01T10:53:04.310" v="976" actId="478"/>
+          <ac:spMkLst>
+            <pc:docMk/>
+            <pc:sldMk cId="399537007" sldId="258"/>
+            <ac:spMk id="107" creationId="{D13C0B69-22EF-4785-A414-F914149F2080}"/>
+          </ac:spMkLst>
+        </pc:spChg>
+        <pc:spChg chg="mod">
+          <ac:chgData name="Emma Hobbs" userId="a4555268070b5a5b" providerId="LiveId" clId="{03FE5483-4A79-467E-80AE-91AF3373B2B0}" dt="2020-04-01T11:12:28.313" v="1941" actId="14100"/>
+          <ac:spMkLst>
+            <pc:docMk/>
+            <pc:sldMk cId="399537007" sldId="258"/>
+            <ac:spMk id="127" creationId="{18CF1821-2B26-47E5-94AB-3CE3B87FE648}"/>
+          </ac:spMkLst>
+        </pc:spChg>
+        <pc:spChg chg="mod">
+          <ac:chgData name="Emma Hobbs" userId="a4555268070b5a5b" providerId="LiveId" clId="{03FE5483-4A79-467E-80AE-91AF3373B2B0}" dt="2020-04-01T11:03:48.141" v="1365" actId="20577"/>
+          <ac:spMkLst>
+            <pc:docMk/>
+            <pc:sldMk cId="399537007" sldId="258"/>
+            <ac:spMk id="129" creationId="{DCD639B9-E542-48BE-A52A-EC5FA40443B7}"/>
+          </ac:spMkLst>
+        </pc:spChg>
+        <pc:spChg chg="mod">
+          <ac:chgData name="Emma Hobbs" userId="a4555268070b5a5b" providerId="LiveId" clId="{03FE5483-4A79-467E-80AE-91AF3373B2B0}" dt="2020-04-01T11:13:09.119" v="1986" actId="20577"/>
+          <ac:spMkLst>
+            <pc:docMk/>
+            <pc:sldMk cId="399537007" sldId="258"/>
+            <ac:spMk id="130" creationId="{538C4999-C1E1-487C-ADA1-B5DFCAA9AB06}"/>
+          </ac:spMkLst>
+        </pc:spChg>
+        <pc:spChg chg="mod">
+          <ac:chgData name="Emma Hobbs" userId="a4555268070b5a5b" providerId="LiveId" clId="{03FE5483-4A79-467E-80AE-91AF3373B2B0}" dt="2020-04-01T10:54:46.656" v="1096" actId="164"/>
+          <ac:spMkLst>
+            <pc:docMk/>
+            <pc:sldMk cId="399537007" sldId="258"/>
+            <ac:spMk id="134" creationId="{F11ED9AD-7F5C-4A61-85F1-6566197B709B}"/>
+          </ac:spMkLst>
+        </pc:spChg>
+        <pc:spChg chg="del mod ord">
+          <ac:chgData name="Emma Hobbs" userId="a4555268070b5a5b" providerId="LiveId" clId="{03FE5483-4A79-467E-80AE-91AF3373B2B0}" dt="2020-04-01T11:00:39.641" v="1253" actId="478"/>
+          <ac:spMkLst>
+            <pc:docMk/>
+            <pc:sldMk cId="399537007" sldId="258"/>
+            <ac:spMk id="138" creationId="{0EC0B7F4-295D-45CF-AFA9-2AAA6CBDA7CC}"/>
+          </ac:spMkLst>
+        </pc:spChg>
+        <pc:spChg chg="del mod">
+          <ac:chgData name="Emma Hobbs" userId="a4555268070b5a5b" providerId="LiveId" clId="{03FE5483-4A79-467E-80AE-91AF3373B2B0}" dt="2020-04-01T10:59:11.261" v="1228" actId="478"/>
+          <ac:spMkLst>
+            <pc:docMk/>
+            <pc:sldMk cId="399537007" sldId="258"/>
+            <ac:spMk id="140" creationId="{35E1EB23-7E39-4014-A65D-C8B0A0AB9861}"/>
+          </ac:spMkLst>
+        </pc:spChg>
+        <pc:spChg chg="del mod">
+          <ac:chgData name="Emma Hobbs" userId="a4555268070b5a5b" providerId="LiveId" clId="{03FE5483-4A79-467E-80AE-91AF3373B2B0}" dt="2020-04-01T10:59:49.950" v="1239" actId="478"/>
+          <ac:spMkLst>
+            <pc:docMk/>
+            <pc:sldMk cId="399537007" sldId="258"/>
+            <ac:spMk id="142" creationId="{274A9B10-BF82-4769-8FF0-728F50B11588}"/>
+          </ac:spMkLst>
+        </pc:spChg>
+        <pc:spChg chg="del mod">
+          <ac:chgData name="Emma Hobbs" userId="a4555268070b5a5b" providerId="LiveId" clId="{03FE5483-4A79-467E-80AE-91AF3373B2B0}" dt="2020-04-01T10:59:49.950" v="1239" actId="478"/>
+          <ac:spMkLst>
+            <pc:docMk/>
+            <pc:sldMk cId="399537007" sldId="258"/>
+            <ac:spMk id="144" creationId="{D56EDA88-4FA9-4654-AD9E-2C62F66DDC93}"/>
+          </ac:spMkLst>
+        </pc:spChg>
+        <pc:spChg chg="del mod">
+          <ac:chgData name="Emma Hobbs" userId="a4555268070b5a5b" providerId="LiveId" clId="{03FE5483-4A79-467E-80AE-91AF3373B2B0}" dt="2020-04-01T10:59:49.950" v="1239" actId="478"/>
+          <ac:spMkLst>
+            <pc:docMk/>
+            <pc:sldMk cId="399537007" sldId="258"/>
+            <ac:spMk id="146" creationId="{72B30297-4FFA-4339-8216-B2290D01FE85}"/>
+          </ac:spMkLst>
+        </pc:spChg>
+        <pc:spChg chg="del mod">
+          <ac:chgData name="Emma Hobbs" userId="a4555268070b5a5b" providerId="LiveId" clId="{03FE5483-4A79-467E-80AE-91AF3373B2B0}" dt="2020-04-01T10:59:49.950" v="1239" actId="478"/>
+          <ac:spMkLst>
+            <pc:docMk/>
+            <pc:sldMk cId="399537007" sldId="258"/>
+            <ac:spMk id="148" creationId="{8ED1CB7E-FDBE-42B6-9630-F438D20306E9}"/>
+          </ac:spMkLst>
+        </pc:spChg>
+        <pc:spChg chg="mod">
+          <ac:chgData name="Emma Hobbs" userId="a4555268070b5a5b" providerId="LiveId" clId="{03FE5483-4A79-467E-80AE-91AF3373B2B0}" dt="2020-04-01T10:59:43.938" v="1238" actId="1076"/>
+          <ac:spMkLst>
+            <pc:docMk/>
+            <pc:sldMk cId="399537007" sldId="258"/>
+            <ac:spMk id="150" creationId="{79C0777A-675D-4183-9CCA-54E6D7A3AB66}"/>
+          </ac:spMkLst>
+        </pc:spChg>
+        <pc:spChg chg="del mod">
+          <ac:chgData name="Emma Hobbs" userId="a4555268070b5a5b" providerId="LiveId" clId="{03FE5483-4A79-467E-80AE-91AF3373B2B0}" dt="2020-04-01T10:48:15.540" v="752" actId="478"/>
+          <ac:spMkLst>
+            <pc:docMk/>
+            <pc:sldMk cId="399537007" sldId="258"/>
+            <ac:spMk id="152" creationId="{FEF725D8-C76A-4192-B5B9-9152474A5D0E}"/>
+          </ac:spMkLst>
+        </pc:spChg>
+        <pc:spChg chg="mod">
+          <ac:chgData name="Emma Hobbs" userId="a4555268070b5a5b" providerId="LiveId" clId="{03FE5483-4A79-467E-80AE-91AF3373B2B0}" dt="2020-04-01T10:35:55.809" v="350" actId="164"/>
+          <ac:spMkLst>
+            <pc:docMk/>
+            <pc:sldMk cId="399537007" sldId="258"/>
+            <ac:spMk id="154" creationId="{EA8AF5B8-B182-4BD5-9C33-55AA2C9A198A}"/>
+          </ac:spMkLst>
+        </pc:spChg>
+        <pc:spChg chg="mod">
+          <ac:chgData name="Emma Hobbs" userId="a4555268070b5a5b" providerId="LiveId" clId="{03FE5483-4A79-467E-80AE-91AF3373B2B0}" dt="2020-04-01T10:35:55.809" v="350" actId="164"/>
+          <ac:spMkLst>
+            <pc:docMk/>
+            <pc:sldMk cId="399537007" sldId="258"/>
+            <ac:spMk id="156" creationId="{F92744CE-CFF2-47CE-A16F-3C1ECD5CAD1A}"/>
+          </ac:spMkLst>
+        </pc:spChg>
+        <pc:spChg chg="mod">
+          <ac:chgData name="Emma Hobbs" userId="a4555268070b5a5b" providerId="LiveId" clId="{03FE5483-4A79-467E-80AE-91AF3373B2B0}" dt="2020-04-01T10:35:55.809" v="350" actId="164"/>
+          <ac:spMkLst>
+            <pc:docMk/>
+            <pc:sldMk cId="399537007" sldId="258"/>
+            <ac:spMk id="158" creationId="{E7D0ABFE-F5CF-4D47-970A-410D61C829EA}"/>
+          </ac:spMkLst>
+        </pc:spChg>
+        <pc:spChg chg="del mod">
+          <ac:chgData name="Emma Hobbs" userId="a4555268070b5a5b" providerId="LiveId" clId="{03FE5483-4A79-467E-80AE-91AF3373B2B0}" dt="2020-04-01T10:47:28.634" v="701" actId="478"/>
+          <ac:spMkLst>
+            <pc:docMk/>
+            <pc:sldMk cId="399537007" sldId="258"/>
+            <ac:spMk id="187" creationId="{F1237048-D59C-45C1-8A93-7DD87FEB574A}"/>
+          </ac:spMkLst>
+        </pc:spChg>
+        <pc:spChg chg="del mod">
+          <ac:chgData name="Emma Hobbs" userId="a4555268070b5a5b" providerId="LiveId" clId="{03FE5483-4A79-467E-80AE-91AF3373B2B0}" dt="2020-04-01T10:47:27.650" v="700" actId="478"/>
+          <ac:spMkLst>
+            <pc:docMk/>
+            <pc:sldMk cId="399537007" sldId="258"/>
+            <ac:spMk id="189" creationId="{A72DD7D7-21F5-4F83-9382-A297378A0229}"/>
+          </ac:spMkLst>
+        </pc:spChg>
+        <pc:spChg chg="del mod">
+          <ac:chgData name="Emma Hobbs" userId="a4555268070b5a5b" providerId="LiveId" clId="{03FE5483-4A79-467E-80AE-91AF3373B2B0}" dt="2020-04-01T10:47:27.650" v="700" actId="478"/>
+          <ac:spMkLst>
+            <pc:docMk/>
+            <pc:sldMk cId="399537007" sldId="258"/>
+            <ac:spMk id="191" creationId="{521B9D17-F7CE-408D-9657-6E60EFBB8230}"/>
+          </ac:spMkLst>
+        </pc:spChg>
+        <pc:spChg chg="del mod">
+          <ac:chgData name="Emma Hobbs" userId="a4555268070b5a5b" providerId="LiveId" clId="{03FE5483-4A79-467E-80AE-91AF3373B2B0}" dt="2020-04-01T11:02:42.161" v="1310" actId="478"/>
+          <ac:spMkLst>
+            <pc:docMk/>
+            <pc:sldMk cId="399537007" sldId="258"/>
+            <ac:spMk id="193" creationId="{C8807F3D-1620-4873-998C-734D4D0047FB}"/>
+          </ac:spMkLst>
+        </pc:spChg>
+        <pc:spChg chg="del mod">
+          <ac:chgData name="Emma Hobbs" userId="a4555268070b5a5b" providerId="LiveId" clId="{03FE5483-4A79-467E-80AE-91AF3373B2B0}" dt="2020-04-01T11:06:29.904" v="1735" actId="478"/>
+          <ac:spMkLst>
+            <pc:docMk/>
+            <pc:sldMk cId="399537007" sldId="258"/>
+            <ac:spMk id="203" creationId="{D10F66B1-543A-4134-A029-FC22A3673929}"/>
+          </ac:spMkLst>
+        </pc:spChg>
+        <pc:spChg chg="del mod">
+          <ac:chgData name="Emma Hobbs" userId="a4555268070b5a5b" providerId="LiveId" clId="{03FE5483-4A79-467E-80AE-91AF3373B2B0}" dt="2020-04-01T11:06:33.253" v="1737" actId="478"/>
+          <ac:spMkLst>
+            <pc:docMk/>
+            <pc:sldMk cId="399537007" sldId="258"/>
+            <ac:spMk id="205" creationId="{DEA36D77-612D-42F9-A4A3-BDF72BCF7F2B}"/>
+          </ac:spMkLst>
+        </pc:spChg>
+        <pc:spChg chg="del mod">
+          <ac:chgData name="Emma Hobbs" userId="a4555268070b5a5b" providerId="LiveId" clId="{03FE5483-4A79-467E-80AE-91AF3373B2B0}" dt="2020-04-01T11:06:31.346" v="1736" actId="478"/>
+          <ac:spMkLst>
+            <pc:docMk/>
+            <pc:sldMk cId="399537007" sldId="258"/>
+            <ac:spMk id="207" creationId="{716FED03-92C5-4764-AB88-535582A6DD6A}"/>
+          </ac:spMkLst>
+        </pc:spChg>
+        <pc:spChg chg="mod">
+          <ac:chgData name="Emma Hobbs" userId="a4555268070b5a5b" providerId="LiveId" clId="{03FE5483-4A79-467E-80AE-91AF3373B2B0}" dt="2020-04-01T11:07:32.206" v="1749" actId="164"/>
+          <ac:spMkLst>
+            <pc:docMk/>
+            <pc:sldMk cId="399537007" sldId="258"/>
+            <ac:spMk id="209" creationId="{5A5116A8-C4E0-4CA8-BA79-910ECCF67F5C}"/>
+          </ac:spMkLst>
+        </pc:spChg>
+        <pc:spChg chg="mod">
+          <ac:chgData name="Emma Hobbs" userId="a4555268070b5a5b" providerId="LiveId" clId="{03FE5483-4A79-467E-80AE-91AF3373B2B0}" dt="2020-04-01T11:08:54.064" v="1788" actId="20577"/>
+          <ac:spMkLst>
+            <pc:docMk/>
+            <pc:sldMk cId="399537007" sldId="258"/>
+            <ac:spMk id="211" creationId="{41194890-05E1-40A9-AB9F-6A23A535331A}"/>
+          </ac:spMkLst>
+        </pc:spChg>
+        <pc:spChg chg="mod">
+          <ac:chgData name="Emma Hobbs" userId="a4555268070b5a5b" providerId="LiveId" clId="{03FE5483-4A79-467E-80AE-91AF3373B2B0}" dt="2020-04-01T10:54:46.656" v="1096" actId="164"/>
+          <ac:spMkLst>
+            <pc:docMk/>
+            <pc:sldMk cId="399537007" sldId="258"/>
+            <ac:spMk id="221" creationId="{7578AA4B-B6E4-4A13-84C6-972A453A9CBB}"/>
+          </ac:spMkLst>
+        </pc:spChg>
+        <pc:spChg chg="mod">
+          <ac:chgData name="Emma Hobbs" userId="a4555268070b5a5b" providerId="LiveId" clId="{03FE5483-4A79-467E-80AE-91AF3373B2B0}" dt="2020-04-01T10:57:27.873" v="1196" actId="164"/>
+          <ac:spMkLst>
+            <pc:docMk/>
+            <pc:sldMk cId="399537007" sldId="258"/>
+            <ac:spMk id="223" creationId="{417A31ED-1269-4020-8A10-8E6126768FBF}"/>
+          </ac:spMkLst>
+        </pc:spChg>
+        <pc:spChg chg="mod">
+          <ac:chgData name="Emma Hobbs" userId="a4555268070b5a5b" providerId="LiveId" clId="{03FE5483-4A79-467E-80AE-91AF3373B2B0}" dt="2020-04-01T11:08:56.538" v="1789" actId="14100"/>
+          <ac:spMkLst>
+            <pc:docMk/>
+            <pc:sldMk cId="399537007" sldId="258"/>
+            <ac:spMk id="225" creationId="{90B6B653-2459-4F0A-93D4-6E4F1ED85AFC}"/>
+          </ac:spMkLst>
+        </pc:spChg>
+        <pc:grpChg chg="add del mod">
+          <ac:chgData name="Emma Hobbs" userId="a4555268070b5a5b" providerId="LiveId" clId="{03FE5483-4A79-467E-80AE-91AF3373B2B0}" dt="2020-04-01T10:38:03.257" v="375" actId="165"/>
+          <ac:grpSpMkLst>
+            <pc:docMk/>
+            <pc:sldMk cId="399537007" sldId="258"/>
+            <ac:grpSpMk id="2" creationId="{732FDE95-BAB5-498C-9DA3-9E0BB5E0138B}"/>
+          </ac:grpSpMkLst>
+        </pc:grpChg>
+        <pc:grpChg chg="add del mod">
+          <ac:chgData name="Emma Hobbs" userId="a4555268070b5a5b" providerId="LiveId" clId="{03FE5483-4A79-467E-80AE-91AF3373B2B0}" dt="2020-04-01T10:45:45.252" v="676" actId="478"/>
+          <ac:grpSpMkLst>
+            <pc:docMk/>
+            <pc:sldMk cId="399537007" sldId="258"/>
+            <ac:grpSpMk id="7" creationId="{FCE6128D-8396-4FE9-AF3D-C82321D8BB6B}"/>
+          </ac:grpSpMkLst>
+        </pc:grpChg>
+        <pc:grpChg chg="add del">
+          <ac:chgData name="Emma Hobbs" userId="a4555268070b5a5b" providerId="LiveId" clId="{03FE5483-4A79-467E-80AE-91AF3373B2B0}" dt="2020-04-01T10:36:01.418" v="352" actId="22"/>
+          <ac:grpSpMkLst>
+            <pc:docMk/>
+            <pc:sldMk cId="399537007" sldId="258"/>
+            <ac:grpSpMk id="11" creationId="{77B532B1-A68E-4A69-AB41-E607B1891F28}"/>
+          </ac:grpSpMkLst>
+        </pc:grpChg>
+        <pc:grpChg chg="add del mod">
+          <ac:chgData name="Emma Hobbs" userId="a4555268070b5a5b" providerId="LiveId" clId="{03FE5483-4A79-467E-80AE-91AF3373B2B0}" dt="2020-04-01T10:36:55.331" v="370" actId="478"/>
+          <ac:grpSpMkLst>
+            <pc:docMk/>
+            <pc:sldMk cId="399537007" sldId="258"/>
+            <ac:grpSpMk id="13" creationId="{366B6DF4-4EEB-4D4B-B6C9-655BF298A9F9}"/>
+          </ac:grpSpMkLst>
+        </pc:grpChg>
+        <pc:grpChg chg="add mod">
+          <ac:chgData name="Emma Hobbs" userId="a4555268070b5a5b" providerId="LiveId" clId="{03FE5483-4A79-467E-80AE-91AF3373B2B0}" dt="2020-04-01T10:40:30.902" v="635" actId="164"/>
+          <ac:grpSpMkLst>
+            <pc:docMk/>
+            <pc:sldMk cId="399537007" sldId="258"/>
+            <ac:grpSpMk id="19" creationId="{00CD1EC6-98F1-4A48-8F69-D1B2636B1CF6}"/>
+          </ac:grpSpMkLst>
+        </pc:grpChg>
+        <pc:grpChg chg="add mod ord">
+          <ac:chgData name="Emma Hobbs" userId="a4555268070b5a5b" providerId="LiveId" clId="{03FE5483-4A79-467E-80AE-91AF3373B2B0}" dt="2020-04-01T10:57:40.967" v="1201" actId="1076"/>
+          <ac:grpSpMkLst>
+            <pc:docMk/>
+            <pc:sldMk cId="399537007" sldId="258"/>
+            <ac:grpSpMk id="20" creationId="{EB058C4E-7516-4BF1-8D83-E7CCE67B107B}"/>
+          </ac:grpSpMkLst>
+        </pc:grpChg>
+        <pc:grpChg chg="add mod">
+          <ac:chgData name="Emma Hobbs" userId="a4555268070b5a5b" providerId="LiveId" clId="{03FE5483-4A79-467E-80AE-91AF3373B2B0}" dt="2020-04-01T10:43:34.358" v="664" actId="1076"/>
+          <ac:grpSpMkLst>
+            <pc:docMk/>
+            <pc:sldMk cId="399537007" sldId="258"/>
+            <ac:grpSpMk id="21" creationId="{EFF6AAA3-86BD-4CD9-8556-643D88C5C75D}"/>
+          </ac:grpSpMkLst>
+        </pc:grpChg>
+        <pc:grpChg chg="add del mod">
+          <ac:chgData name="Emma Hobbs" userId="a4555268070b5a5b" providerId="LiveId" clId="{03FE5483-4A79-467E-80AE-91AF3373B2B0}" dt="2020-04-01T10:53:10.791" v="978" actId="478"/>
+          <ac:grpSpMkLst>
+            <pc:docMk/>
+            <pc:sldMk cId="399537007" sldId="258"/>
+            <ac:grpSpMk id="24" creationId="{555E6CA0-4103-4EFF-A960-AAF2C55B375C}"/>
+          </ac:grpSpMkLst>
+        </pc:grpChg>
+        <pc:grpChg chg="add mod">
+          <ac:chgData name="Emma Hobbs" userId="a4555268070b5a5b" providerId="LiveId" clId="{03FE5483-4A79-467E-80AE-91AF3373B2B0}" dt="2020-04-01T10:58:22.947" v="1213" actId="1076"/>
+          <ac:grpSpMkLst>
+            <pc:docMk/>
+            <pc:sldMk cId="399537007" sldId="258"/>
+            <ac:grpSpMk id="26" creationId="{AE007212-860C-4E5B-8D6A-F081F9C0460A}"/>
+          </ac:grpSpMkLst>
+        </pc:grpChg>
+        <pc:grpChg chg="add mod">
+          <ac:chgData name="Emma Hobbs" userId="a4555268070b5a5b" providerId="LiveId" clId="{03FE5483-4A79-467E-80AE-91AF3373B2B0}" dt="2020-04-01T10:58:14.809" v="1212" actId="1076"/>
+          <ac:grpSpMkLst>
+            <pc:docMk/>
+            <pc:sldMk cId="399537007" sldId="258"/>
+            <ac:grpSpMk id="30" creationId="{B8DA8E5C-752D-4C3E-B8E7-1F8BB37E8C81}"/>
+          </ac:grpSpMkLst>
+        </pc:grpChg>
+        <pc:grpChg chg="add mod ord">
+          <ac:chgData name="Emma Hobbs" userId="a4555268070b5a5b" providerId="LiveId" clId="{03FE5483-4A79-467E-80AE-91AF3373B2B0}" dt="2020-04-01T11:11:47.413" v="1931" actId="1036"/>
+          <ac:grpSpMkLst>
+            <pc:docMk/>
+            <pc:sldMk cId="399537007" sldId="258"/>
+            <ac:grpSpMk id="35" creationId="{5A191E4E-52F3-4456-89AC-E7E2FD09E6FE}"/>
+          </ac:grpSpMkLst>
+        </pc:grpChg>
+        <pc:grpChg chg="add mod">
+          <ac:chgData name="Emma Hobbs" userId="a4555268070b5a5b" providerId="LiveId" clId="{03FE5483-4A79-467E-80AE-91AF3373B2B0}" dt="2020-04-01T11:12:52.868" v="1947" actId="1076"/>
+          <ac:grpSpMkLst>
+            <pc:docMk/>
+            <pc:sldMk cId="399537007" sldId="258"/>
+            <ac:grpSpMk id="36" creationId="{DEE37FAE-FAFE-4095-BA44-ED7B06EAC61B}"/>
+          </ac:grpSpMkLst>
+        </pc:grpChg>
+        <pc:grpChg chg="del mod ord">
+          <ac:chgData name="Emma Hobbs" userId="a4555268070b5a5b" providerId="LiveId" clId="{03FE5483-4A79-467E-80AE-91AF3373B2B0}" dt="2020-04-01T11:00:43.498" v="1255" actId="478"/>
+          <ac:grpSpMkLst>
+            <pc:docMk/>
+            <pc:sldMk cId="399537007" sldId="258"/>
+            <ac:grpSpMk id="80" creationId="{668D2F41-0F0B-426D-AF61-463B03D38CAA}"/>
+          </ac:grpSpMkLst>
+        </pc:grpChg>
+        <pc:grpChg chg="del mod">
+          <ac:chgData name="Emma Hobbs" userId="a4555268070b5a5b" providerId="LiveId" clId="{03FE5483-4A79-467E-80AE-91AF3373B2B0}" dt="2020-04-01T10:57:01.021" v="1189" actId="478"/>
+          <ac:grpSpMkLst>
+            <pc:docMk/>
+            <pc:sldMk cId="399537007" sldId="258"/>
+            <ac:grpSpMk id="89" creationId="{8199B7B4-D01A-4B67-AEEA-F1F63FA9BB52}"/>
+          </ac:grpSpMkLst>
+        </pc:grpChg>
+        <pc:grpChg chg="del mod">
+          <ac:chgData name="Emma Hobbs" userId="a4555268070b5a5b" providerId="LiveId" clId="{03FE5483-4A79-467E-80AE-91AF3373B2B0}" dt="2020-04-01T11:00:39.280" v="1252" actId="478"/>
+          <ac:grpSpMkLst>
+            <pc:docMk/>
+            <pc:sldMk cId="399537007" sldId="258"/>
+            <ac:grpSpMk id="167" creationId="{6E307346-88AA-4AE6-9519-A034F59D05DB}"/>
+          </ac:grpSpMkLst>
+        </pc:grpChg>
+        <pc:grpChg chg="del mod">
+          <ac:chgData name="Emma Hobbs" userId="a4555268070b5a5b" providerId="LiveId" clId="{03FE5483-4A79-467E-80AE-91AF3373B2B0}" dt="2020-04-01T10:54:30.164" v="1094" actId="478"/>
+          <ac:grpSpMkLst>
+            <pc:docMk/>
+            <pc:sldMk cId="399537007" sldId="258"/>
+            <ac:grpSpMk id="183" creationId="{F17893AA-D7B4-4EBB-BC4D-62DDE6790067}"/>
+          </ac:grpSpMkLst>
+        </pc:grpChg>
+        <pc:grpChg chg="del mod">
+          <ac:chgData name="Emma Hobbs" userId="a4555268070b5a5b" providerId="LiveId" clId="{03FE5483-4A79-467E-80AE-91AF3373B2B0}" dt="2020-04-01T11:06:35.603" v="1738" actId="478"/>
+          <ac:grpSpMkLst>
+            <pc:docMk/>
+            <pc:sldMk cId="399537007" sldId="258"/>
+            <ac:grpSpMk id="218" creationId="{CA2CB996-05C8-4E05-8425-2C978F659319}"/>
+          </ac:grpSpMkLst>
+        </pc:grpChg>
+        <pc:graphicFrameChg chg="mod">
+          <ac:chgData name="Emma Hobbs" userId="a4555268070b5a5b" providerId="LiveId" clId="{03FE5483-4A79-467E-80AE-91AF3373B2B0}" dt="2020-04-01T11:07:05.977" v="1743" actId="1076"/>
+          <ac:graphicFrameMkLst>
+            <pc:docMk/>
+            <pc:sldMk cId="399537007" sldId="258"/>
+            <ac:graphicFrameMk id="201" creationId="{DA6CC48B-C8C1-46D0-A586-97D58A43BC1B}"/>
+          </ac:graphicFrameMkLst>
+        </pc:graphicFrameChg>
+        <pc:graphicFrameChg chg="mod">
+          <ac:chgData name="Emma Hobbs" userId="a4555268070b5a5b" providerId="LiveId" clId="{03FE5483-4A79-467E-80AE-91AF3373B2B0}" dt="2020-04-01T11:07:05.977" v="1743" actId="1076"/>
+          <ac:graphicFrameMkLst>
+            <pc:docMk/>
+            <pc:sldMk cId="399537007" sldId="258"/>
+            <ac:graphicFrameMk id="220" creationId="{A030AAC9-8240-4BAC-A645-3962A028E8DF}"/>
+          </ac:graphicFrameMkLst>
+        </pc:graphicFrameChg>
+        <pc:picChg chg="add del">
+          <ac:chgData name="Emma Hobbs" userId="a4555268070b5a5b" providerId="LiveId" clId="{03FE5483-4A79-467E-80AE-91AF3373B2B0}" dt="2020-04-01T10:36:03.633" v="354" actId="478"/>
+          <ac:picMkLst>
+            <pc:docMk/>
+            <pc:sldMk cId="399537007" sldId="258"/>
+            <ac:picMk id="12" creationId="{1756A2BD-59FA-4C67-8E4F-2F0D55804D98}"/>
+          </ac:picMkLst>
+        </pc:picChg>
+        <pc:cxnChg chg="del mod">
+          <ac:chgData name="Emma Hobbs" userId="a4555268070b5a5b" providerId="LiveId" clId="{03FE5483-4A79-467E-80AE-91AF3373B2B0}" dt="2020-04-01T10:42:06.902" v="658" actId="478"/>
+          <ac:cxnSpMkLst>
+            <pc:docMk/>
+            <pc:sldMk cId="399537007" sldId="258"/>
+            <ac:cxnSpMk id="42" creationId="{4DB16D58-4053-4FB5-8049-60704698B65F}"/>
+          </ac:cxnSpMkLst>
+        </pc:cxnChg>
+        <pc:cxnChg chg="add mod">
+          <ac:chgData name="Emma Hobbs" userId="a4555268070b5a5b" providerId="LiveId" clId="{03FE5483-4A79-467E-80AE-91AF3373B2B0}" dt="2020-04-01T11:14:06.212" v="2001" actId="693"/>
+          <ac:cxnSpMkLst>
+            <pc:docMk/>
+            <pc:sldMk cId="399537007" sldId="258"/>
+            <ac:cxnSpMk id="43" creationId="{4EB16082-D611-4E2D-8B50-62CC9132D693}"/>
+          </ac:cxnSpMkLst>
+        </pc:cxnChg>
+        <pc:cxnChg chg="del mod">
+          <ac:chgData name="Emma Hobbs" userId="a4555268070b5a5b" providerId="LiveId" clId="{03FE5483-4A79-467E-80AE-91AF3373B2B0}" dt="2020-04-01T10:57:14.342" v="1193" actId="478"/>
+          <ac:cxnSpMkLst>
+            <pc:docMk/>
+            <pc:sldMk cId="399537007" sldId="258"/>
+            <ac:cxnSpMk id="58" creationId="{21A6E700-2226-4C64-9049-BE049E0E172F}"/>
+          </ac:cxnSpMkLst>
+        </pc:cxnChg>
       </pc:sldChg>
     </pc:docChg>
   </pc:docChgLst>
@@ -187,15 +842,15 @@
         </p:nvSpPr>
         <p:spPr>
           <a:xfrm>
-            <a:off x="514350" y="2356703"/>
-            <a:ext cx="5829300" cy="5013407"/>
+            <a:off x="674966" y="2356703"/>
+            <a:ext cx="7649607" cy="5013407"/>
           </a:xfrm>
         </p:spPr>
         <p:txBody>
           <a:bodyPr anchor="b"/>
           <a:lstStyle>
             <a:lvl1pPr algn="ctr">
-              <a:defRPr sz="4500"/>
+              <a:defRPr sz="5905"/>
             </a:lvl1pPr>
           </a:lstStyle>
           <a:p>
@@ -219,8 +874,8 @@
         </p:nvSpPr>
         <p:spPr>
           <a:xfrm>
-            <a:off x="857250" y="7563446"/>
-            <a:ext cx="5143500" cy="3476717"/>
+            <a:off x="1124942" y="7563446"/>
+            <a:ext cx="6749654" cy="3476717"/>
           </a:xfrm>
         </p:spPr>
         <p:txBody>
@@ -228,39 +883,39 @@
           <a:lstStyle>
             <a:lvl1pPr marL="0" indent="0" algn="ctr">
               <a:buNone/>
-              <a:defRPr sz="1800"/>
+              <a:defRPr sz="2362"/>
             </a:lvl1pPr>
-            <a:lvl2pPr marL="342900" indent="0" algn="ctr">
+            <a:lvl2pPr marL="449976" indent="0" algn="ctr">
               <a:buNone/>
-              <a:defRPr sz="1500"/>
+              <a:defRPr sz="1968"/>
             </a:lvl2pPr>
-            <a:lvl3pPr marL="685800" indent="0" algn="ctr">
+            <a:lvl3pPr marL="899952" indent="0" algn="ctr">
               <a:buNone/>
-              <a:defRPr sz="1350"/>
+              <a:defRPr sz="1772"/>
             </a:lvl3pPr>
-            <a:lvl4pPr marL="1028700" indent="0" algn="ctr">
+            <a:lvl4pPr marL="1349929" indent="0" algn="ctr">
               <a:buNone/>
-              <a:defRPr sz="1200"/>
+              <a:defRPr sz="1575"/>
             </a:lvl4pPr>
-            <a:lvl5pPr marL="1371600" indent="0" algn="ctr">
+            <a:lvl5pPr marL="1799905" indent="0" algn="ctr">
               <a:buNone/>
-              <a:defRPr sz="1200"/>
+              <a:defRPr sz="1575"/>
             </a:lvl5pPr>
-            <a:lvl6pPr marL="1714500" indent="0" algn="ctr">
+            <a:lvl6pPr marL="2249881" indent="0" algn="ctr">
               <a:buNone/>
-              <a:defRPr sz="1200"/>
+              <a:defRPr sz="1575"/>
             </a:lvl6pPr>
-            <a:lvl7pPr marL="2057400" indent="0" algn="ctr">
+            <a:lvl7pPr marL="2699857" indent="0" algn="ctr">
               <a:buNone/>
-              <a:defRPr sz="1200"/>
+              <a:defRPr sz="1575"/>
             </a:lvl7pPr>
-            <a:lvl8pPr marL="2400300" indent="0" algn="ctr">
+            <a:lvl8pPr marL="3149834" indent="0" algn="ctr">
               <a:buNone/>
-              <a:defRPr sz="1200"/>
+              <a:defRPr sz="1575"/>
             </a:lvl8pPr>
-            <a:lvl9pPr marL="2743200" indent="0" algn="ctr">
+            <a:lvl9pPr marL="3599810" indent="0" algn="ctr">
               <a:buNone/>
-              <a:defRPr sz="1200"/>
+              <a:defRPr sz="1575"/>
             </a:lvl9pPr>
           </a:lstStyle>
           <a:p>
@@ -289,7 +944,7 @@
           <a:p>
             <a:fld id="{D682CE29-8FAE-449E-A441-7A8BCDBC043E}" type="datetimeFigureOut">
               <a:rPr lang="en-GB" smtClean="0"/>
-              <a:t>23/03/2020</a:t>
+              <a:t>01/04/2020</a:t>
             </a:fld>
             <a:endParaRPr lang="en-GB"/>
           </a:p>
@@ -340,7 +995,7 @@
     </p:spTree>
     <p:extLst>
       <p:ext uri="{BB962C8B-B14F-4D97-AF65-F5344CB8AC3E}">
-        <p14:creationId xmlns:p14="http://schemas.microsoft.com/office/powerpoint/2010/main" val="722313880"/>
+        <p14:creationId xmlns:p14="http://schemas.microsoft.com/office/powerpoint/2010/main" val="199376863"/>
       </p:ext>
     </p:extLst>
   </p:cSld>
@@ -459,7 +1114,7 @@
           <a:p>
             <a:fld id="{D682CE29-8FAE-449E-A441-7A8BCDBC043E}" type="datetimeFigureOut">
               <a:rPr lang="en-GB" smtClean="0"/>
-              <a:t>23/03/2020</a:t>
+              <a:t>01/04/2020</a:t>
             </a:fld>
             <a:endParaRPr lang="en-GB"/>
           </a:p>
@@ -510,7 +1165,7 @@
     </p:spTree>
     <p:extLst>
       <p:ext uri="{BB962C8B-B14F-4D97-AF65-F5344CB8AC3E}">
-        <p14:creationId xmlns:p14="http://schemas.microsoft.com/office/powerpoint/2010/main" val="1910382384"/>
+        <p14:creationId xmlns:p14="http://schemas.microsoft.com/office/powerpoint/2010/main" val="151151588"/>
       </p:ext>
     </p:extLst>
   </p:cSld>
@@ -549,8 +1204,8 @@
         </p:nvSpPr>
         <p:spPr>
           <a:xfrm>
-            <a:off x="4907757" y="766678"/>
-            <a:ext cx="1478756" cy="12203515"/>
+            <a:off x="6440295" y="766678"/>
+            <a:ext cx="1940525" cy="12203515"/>
           </a:xfrm>
         </p:spPr>
         <p:txBody>
@@ -577,8 +1232,8 @@
         </p:nvSpPr>
         <p:spPr>
           <a:xfrm>
-            <a:off x="471488" y="766678"/>
-            <a:ext cx="4350544" cy="12203515"/>
+            <a:off x="618719" y="766678"/>
+            <a:ext cx="5709082" cy="12203515"/>
           </a:xfrm>
         </p:spPr>
         <p:txBody>
@@ -639,7 +1294,7 @@
           <a:p>
             <a:fld id="{D682CE29-8FAE-449E-A441-7A8BCDBC043E}" type="datetimeFigureOut">
               <a:rPr lang="en-GB" smtClean="0"/>
-              <a:t>23/03/2020</a:t>
+              <a:t>01/04/2020</a:t>
             </a:fld>
             <a:endParaRPr lang="en-GB"/>
           </a:p>
@@ -690,7 +1345,7 @@
     </p:spTree>
     <p:extLst>
       <p:ext uri="{BB962C8B-B14F-4D97-AF65-F5344CB8AC3E}">
-        <p14:creationId xmlns:p14="http://schemas.microsoft.com/office/powerpoint/2010/main" val="1134365632"/>
+        <p14:creationId xmlns:p14="http://schemas.microsoft.com/office/powerpoint/2010/main" val="348049426"/>
       </p:ext>
     </p:extLst>
   </p:cSld>
@@ -809,7 +1464,7 @@
           <a:p>
             <a:fld id="{D682CE29-8FAE-449E-A441-7A8BCDBC043E}" type="datetimeFigureOut">
               <a:rPr lang="en-GB" smtClean="0"/>
-              <a:t>23/03/2020</a:t>
+              <a:t>01/04/2020</a:t>
             </a:fld>
             <a:endParaRPr lang="en-GB"/>
           </a:p>
@@ -860,7 +1515,7 @@
     </p:spTree>
     <p:extLst>
       <p:ext uri="{BB962C8B-B14F-4D97-AF65-F5344CB8AC3E}">
-        <p14:creationId xmlns:p14="http://schemas.microsoft.com/office/powerpoint/2010/main" val="2813406321"/>
+        <p14:creationId xmlns:p14="http://schemas.microsoft.com/office/powerpoint/2010/main" val="3302922228"/>
       </p:ext>
     </p:extLst>
   </p:cSld>
@@ -899,15 +1554,15 @@
         </p:nvSpPr>
         <p:spPr>
           <a:xfrm>
-            <a:off x="467916" y="3590057"/>
-            <a:ext cx="5915025" cy="5990088"/>
+            <a:off x="614031" y="3590057"/>
+            <a:ext cx="7762102" cy="5990088"/>
           </a:xfrm>
         </p:spPr>
         <p:txBody>
           <a:bodyPr anchor="b"/>
           <a:lstStyle>
             <a:lvl1pPr>
-              <a:defRPr sz="4500"/>
+              <a:defRPr sz="5905"/>
             </a:lvl1pPr>
           </a:lstStyle>
           <a:p>
@@ -931,8 +1586,8 @@
         </p:nvSpPr>
         <p:spPr>
           <a:xfrm>
-            <a:off x="467916" y="9636813"/>
-            <a:ext cx="5915025" cy="3150046"/>
+            <a:off x="614031" y="9636813"/>
+            <a:ext cx="7762102" cy="3150046"/>
           </a:xfrm>
         </p:spPr>
         <p:txBody>
@@ -940,15 +1595,15 @@
           <a:lstStyle>
             <a:lvl1pPr marL="0" indent="0">
               <a:buNone/>
-              <a:defRPr sz="1800">
+              <a:defRPr sz="2362">
                 <a:solidFill>
                   <a:schemeClr val="tx1"/>
                 </a:solidFill>
               </a:defRPr>
             </a:lvl1pPr>
-            <a:lvl2pPr marL="342900" indent="0">
+            <a:lvl2pPr marL="449976" indent="0">
               <a:buNone/>
-              <a:defRPr sz="1500">
+              <a:defRPr sz="1968">
                 <a:solidFill>
                   <a:schemeClr val="tx1">
                     <a:tint val="75000"/>
@@ -956,9 +1611,9 @@
                 </a:solidFill>
               </a:defRPr>
             </a:lvl2pPr>
-            <a:lvl3pPr marL="685800" indent="0">
+            <a:lvl3pPr marL="899952" indent="0">
               <a:buNone/>
-              <a:defRPr sz="1350">
+              <a:defRPr sz="1772">
                 <a:solidFill>
                   <a:schemeClr val="tx1">
                     <a:tint val="75000"/>
@@ -966,9 +1621,9 @@
                 </a:solidFill>
               </a:defRPr>
             </a:lvl3pPr>
-            <a:lvl4pPr marL="1028700" indent="0">
+            <a:lvl4pPr marL="1349929" indent="0">
               <a:buNone/>
-              <a:defRPr sz="1200">
+              <a:defRPr sz="1575">
                 <a:solidFill>
                   <a:schemeClr val="tx1">
                     <a:tint val="75000"/>
@@ -976,9 +1631,9 @@
                 </a:solidFill>
               </a:defRPr>
             </a:lvl4pPr>
-            <a:lvl5pPr marL="1371600" indent="0">
+            <a:lvl5pPr marL="1799905" indent="0">
               <a:buNone/>
-              <a:defRPr sz="1200">
+              <a:defRPr sz="1575">
                 <a:solidFill>
                   <a:schemeClr val="tx1">
                     <a:tint val="75000"/>
@@ -986,9 +1641,9 @@
                 </a:solidFill>
               </a:defRPr>
             </a:lvl5pPr>
-            <a:lvl6pPr marL="1714500" indent="0">
+            <a:lvl6pPr marL="2249881" indent="0">
               <a:buNone/>
-              <a:defRPr sz="1200">
+              <a:defRPr sz="1575">
                 <a:solidFill>
                   <a:schemeClr val="tx1">
                     <a:tint val="75000"/>
@@ -996,9 +1651,9 @@
                 </a:solidFill>
               </a:defRPr>
             </a:lvl6pPr>
-            <a:lvl7pPr marL="2057400" indent="0">
+            <a:lvl7pPr marL="2699857" indent="0">
               <a:buNone/>
-              <a:defRPr sz="1200">
+              <a:defRPr sz="1575">
                 <a:solidFill>
                   <a:schemeClr val="tx1">
                     <a:tint val="75000"/>
@@ -1006,9 +1661,9 @@
                 </a:solidFill>
               </a:defRPr>
             </a:lvl7pPr>
-            <a:lvl8pPr marL="2400300" indent="0">
+            <a:lvl8pPr marL="3149834" indent="0">
               <a:buNone/>
-              <a:defRPr sz="1200">
+              <a:defRPr sz="1575">
                 <a:solidFill>
                   <a:schemeClr val="tx1">
                     <a:tint val="75000"/>
@@ -1016,9 +1671,9 @@
                 </a:solidFill>
               </a:defRPr>
             </a:lvl8pPr>
-            <a:lvl9pPr marL="2743200" indent="0">
+            <a:lvl9pPr marL="3599810" indent="0">
               <a:buNone/>
-              <a:defRPr sz="1200">
+              <a:defRPr sz="1575">
                 <a:solidFill>
                   <a:schemeClr val="tx1">
                     <a:tint val="75000"/>
@@ -1053,7 +1708,7 @@
           <a:p>
             <a:fld id="{D682CE29-8FAE-449E-A441-7A8BCDBC043E}" type="datetimeFigureOut">
               <a:rPr lang="en-GB" smtClean="0"/>
-              <a:t>23/03/2020</a:t>
+              <a:t>01/04/2020</a:t>
             </a:fld>
             <a:endParaRPr lang="en-GB"/>
           </a:p>
@@ -1104,7 +1759,7 @@
     </p:spTree>
     <p:extLst>
       <p:ext uri="{BB962C8B-B14F-4D97-AF65-F5344CB8AC3E}">
-        <p14:creationId xmlns:p14="http://schemas.microsoft.com/office/powerpoint/2010/main" val="1794830483"/>
+        <p14:creationId xmlns:p14="http://schemas.microsoft.com/office/powerpoint/2010/main" val="3358933387"/>
       </p:ext>
     </p:extLst>
   </p:cSld>
@@ -1166,8 +1821,8 @@
         </p:nvSpPr>
         <p:spPr>
           <a:xfrm>
-            <a:off x="471488" y="3833390"/>
-            <a:ext cx="2914650" cy="9136803"/>
+            <a:off x="618718" y="3833390"/>
+            <a:ext cx="3824804" cy="9136803"/>
           </a:xfrm>
         </p:spPr>
         <p:txBody>
@@ -1223,8 +1878,8 @@
         </p:nvSpPr>
         <p:spPr>
           <a:xfrm>
-            <a:off x="3471863" y="3833390"/>
-            <a:ext cx="2914650" cy="9136803"/>
+            <a:off x="4556016" y="3833390"/>
+            <a:ext cx="3824804" cy="9136803"/>
           </a:xfrm>
         </p:spPr>
         <p:txBody>
@@ -1285,7 +1940,7 @@
           <a:p>
             <a:fld id="{D682CE29-8FAE-449E-A441-7A8BCDBC043E}" type="datetimeFigureOut">
               <a:rPr lang="en-GB" smtClean="0"/>
-              <a:t>23/03/2020</a:t>
+              <a:t>01/04/2020</a:t>
             </a:fld>
             <a:endParaRPr lang="en-GB"/>
           </a:p>
@@ -1336,7 +1991,7 @@
     </p:spTree>
     <p:extLst>
       <p:ext uri="{BB962C8B-B14F-4D97-AF65-F5344CB8AC3E}">
-        <p14:creationId xmlns:p14="http://schemas.microsoft.com/office/powerpoint/2010/main" val="3379300244"/>
+        <p14:creationId xmlns:p14="http://schemas.microsoft.com/office/powerpoint/2010/main" val="1401309692"/>
       </p:ext>
     </p:extLst>
   </p:cSld>
@@ -1375,8 +2030,8 @@
         </p:nvSpPr>
         <p:spPr>
           <a:xfrm>
-            <a:off x="472381" y="766681"/>
-            <a:ext cx="5915025" cy="2783376"/>
+            <a:off x="619890" y="766681"/>
+            <a:ext cx="7762102" cy="2783376"/>
           </a:xfrm>
         </p:spPr>
         <p:txBody>
@@ -1403,8 +2058,8 @@
         </p:nvSpPr>
         <p:spPr>
           <a:xfrm>
-            <a:off x="472381" y="3530053"/>
-            <a:ext cx="2901255" cy="1730025"/>
+            <a:off x="619891" y="3530053"/>
+            <a:ext cx="3807226" cy="1730025"/>
           </a:xfrm>
         </p:spPr>
         <p:txBody>
@@ -1412,39 +2067,39 @@
           <a:lstStyle>
             <a:lvl1pPr marL="0" indent="0">
               <a:buNone/>
-              <a:defRPr sz="1800" b="1"/>
+              <a:defRPr sz="2362" b="1"/>
             </a:lvl1pPr>
-            <a:lvl2pPr marL="342900" indent="0">
+            <a:lvl2pPr marL="449976" indent="0">
               <a:buNone/>
-              <a:defRPr sz="1500" b="1"/>
+              <a:defRPr sz="1968" b="1"/>
             </a:lvl2pPr>
-            <a:lvl3pPr marL="685800" indent="0">
+            <a:lvl3pPr marL="899952" indent="0">
               <a:buNone/>
-              <a:defRPr sz="1350" b="1"/>
+              <a:defRPr sz="1772" b="1"/>
             </a:lvl3pPr>
-            <a:lvl4pPr marL="1028700" indent="0">
+            <a:lvl4pPr marL="1349929" indent="0">
               <a:buNone/>
-              <a:defRPr sz="1200" b="1"/>
+              <a:defRPr sz="1575" b="1"/>
             </a:lvl4pPr>
-            <a:lvl5pPr marL="1371600" indent="0">
+            <a:lvl5pPr marL="1799905" indent="0">
               <a:buNone/>
-              <a:defRPr sz="1200" b="1"/>
+              <a:defRPr sz="1575" b="1"/>
             </a:lvl5pPr>
-            <a:lvl6pPr marL="1714500" indent="0">
+            <a:lvl6pPr marL="2249881" indent="0">
               <a:buNone/>
-              <a:defRPr sz="1200" b="1"/>
+              <a:defRPr sz="1575" b="1"/>
             </a:lvl6pPr>
-            <a:lvl7pPr marL="2057400" indent="0">
+            <a:lvl7pPr marL="2699857" indent="0">
               <a:buNone/>
-              <a:defRPr sz="1200" b="1"/>
+              <a:defRPr sz="1575" b="1"/>
             </a:lvl7pPr>
-            <a:lvl8pPr marL="2400300" indent="0">
+            <a:lvl8pPr marL="3149834" indent="0">
               <a:buNone/>
-              <a:defRPr sz="1200" b="1"/>
+              <a:defRPr sz="1575" b="1"/>
             </a:lvl8pPr>
-            <a:lvl9pPr marL="2743200" indent="0">
+            <a:lvl9pPr marL="3599810" indent="0">
               <a:buNone/>
-              <a:defRPr sz="1200" b="1"/>
+              <a:defRPr sz="1575" b="1"/>
             </a:lvl9pPr>
           </a:lstStyle>
           <a:p>
@@ -1468,8 +2123,8 @@
         </p:nvSpPr>
         <p:spPr>
           <a:xfrm>
-            <a:off x="472381" y="5260078"/>
-            <a:ext cx="2901255" cy="7736782"/>
+            <a:off x="619891" y="5260078"/>
+            <a:ext cx="3807226" cy="7736782"/>
           </a:xfrm>
         </p:spPr>
         <p:txBody>
@@ -1525,8 +2180,8 @@
         </p:nvSpPr>
         <p:spPr>
           <a:xfrm>
-            <a:off x="3471863" y="3530053"/>
-            <a:ext cx="2915543" cy="1730025"/>
+            <a:off x="4556017" y="3530053"/>
+            <a:ext cx="3825976" cy="1730025"/>
           </a:xfrm>
         </p:spPr>
         <p:txBody>
@@ -1534,39 +2189,39 @@
           <a:lstStyle>
             <a:lvl1pPr marL="0" indent="0">
               <a:buNone/>
-              <a:defRPr sz="1800" b="1"/>
+              <a:defRPr sz="2362" b="1"/>
             </a:lvl1pPr>
-            <a:lvl2pPr marL="342900" indent="0">
+            <a:lvl2pPr marL="449976" indent="0">
               <a:buNone/>
-              <a:defRPr sz="1500" b="1"/>
+              <a:defRPr sz="1968" b="1"/>
             </a:lvl2pPr>
-            <a:lvl3pPr marL="685800" indent="0">
+            <a:lvl3pPr marL="899952" indent="0">
               <a:buNone/>
-              <a:defRPr sz="1350" b="1"/>
+              <a:defRPr sz="1772" b="1"/>
             </a:lvl3pPr>
-            <a:lvl4pPr marL="1028700" indent="0">
+            <a:lvl4pPr marL="1349929" indent="0">
               <a:buNone/>
-              <a:defRPr sz="1200" b="1"/>
+              <a:defRPr sz="1575" b="1"/>
             </a:lvl4pPr>
-            <a:lvl5pPr marL="1371600" indent="0">
+            <a:lvl5pPr marL="1799905" indent="0">
               <a:buNone/>
-              <a:defRPr sz="1200" b="1"/>
+              <a:defRPr sz="1575" b="1"/>
             </a:lvl5pPr>
-            <a:lvl6pPr marL="1714500" indent="0">
+            <a:lvl6pPr marL="2249881" indent="0">
               <a:buNone/>
-              <a:defRPr sz="1200" b="1"/>
+              <a:defRPr sz="1575" b="1"/>
             </a:lvl6pPr>
-            <a:lvl7pPr marL="2057400" indent="0">
+            <a:lvl7pPr marL="2699857" indent="0">
               <a:buNone/>
-              <a:defRPr sz="1200" b="1"/>
+              <a:defRPr sz="1575" b="1"/>
             </a:lvl7pPr>
-            <a:lvl8pPr marL="2400300" indent="0">
+            <a:lvl8pPr marL="3149834" indent="0">
               <a:buNone/>
-              <a:defRPr sz="1200" b="1"/>
+              <a:defRPr sz="1575" b="1"/>
             </a:lvl8pPr>
-            <a:lvl9pPr marL="2743200" indent="0">
+            <a:lvl9pPr marL="3599810" indent="0">
               <a:buNone/>
-              <a:defRPr sz="1200" b="1"/>
+              <a:defRPr sz="1575" b="1"/>
             </a:lvl9pPr>
           </a:lstStyle>
           <a:p>
@@ -1590,8 +2245,8 @@
         </p:nvSpPr>
         <p:spPr>
           <a:xfrm>
-            <a:off x="3471863" y="5260078"/>
-            <a:ext cx="2915543" cy="7736782"/>
+            <a:off x="4556017" y="5260078"/>
+            <a:ext cx="3825976" cy="7736782"/>
           </a:xfrm>
         </p:spPr>
         <p:txBody>
@@ -1652,7 +2307,7 @@
           <a:p>
             <a:fld id="{D682CE29-8FAE-449E-A441-7A8BCDBC043E}" type="datetimeFigureOut">
               <a:rPr lang="en-GB" smtClean="0"/>
-              <a:t>23/03/2020</a:t>
+              <a:t>01/04/2020</a:t>
             </a:fld>
             <a:endParaRPr lang="en-GB"/>
           </a:p>
@@ -1703,7 +2358,7 @@
     </p:spTree>
     <p:extLst>
       <p:ext uri="{BB962C8B-B14F-4D97-AF65-F5344CB8AC3E}">
-        <p14:creationId xmlns:p14="http://schemas.microsoft.com/office/powerpoint/2010/main" val="1395746144"/>
+        <p14:creationId xmlns:p14="http://schemas.microsoft.com/office/powerpoint/2010/main" val="944755563"/>
       </p:ext>
     </p:extLst>
   </p:cSld>
@@ -1770,7 +2425,7 @@
           <a:p>
             <a:fld id="{D682CE29-8FAE-449E-A441-7A8BCDBC043E}" type="datetimeFigureOut">
               <a:rPr lang="en-GB" smtClean="0"/>
-              <a:t>23/03/2020</a:t>
+              <a:t>01/04/2020</a:t>
             </a:fld>
             <a:endParaRPr lang="en-GB"/>
           </a:p>
@@ -1821,7 +2476,7 @@
     </p:spTree>
     <p:extLst>
       <p:ext uri="{BB962C8B-B14F-4D97-AF65-F5344CB8AC3E}">
-        <p14:creationId xmlns:p14="http://schemas.microsoft.com/office/powerpoint/2010/main" val="270931727"/>
+        <p14:creationId xmlns:p14="http://schemas.microsoft.com/office/powerpoint/2010/main" val="798287337"/>
       </p:ext>
     </p:extLst>
   </p:cSld>
@@ -1865,7 +2520,7 @@
           <a:p>
             <a:fld id="{D682CE29-8FAE-449E-A441-7A8BCDBC043E}" type="datetimeFigureOut">
               <a:rPr lang="en-GB" smtClean="0"/>
-              <a:t>23/03/2020</a:t>
+              <a:t>01/04/2020</a:t>
             </a:fld>
             <a:endParaRPr lang="en-GB"/>
           </a:p>
@@ -1916,7 +2571,7 @@
     </p:spTree>
     <p:extLst>
       <p:ext uri="{BB962C8B-B14F-4D97-AF65-F5344CB8AC3E}">
-        <p14:creationId xmlns:p14="http://schemas.microsoft.com/office/powerpoint/2010/main" val="786784876"/>
+        <p14:creationId xmlns:p14="http://schemas.microsoft.com/office/powerpoint/2010/main" val="3999455679"/>
       </p:ext>
     </p:extLst>
   </p:cSld>
@@ -1955,15 +2610,15 @@
         </p:nvSpPr>
         <p:spPr>
           <a:xfrm>
-            <a:off x="472381" y="960014"/>
-            <a:ext cx="2211884" cy="3360050"/>
+            <a:off x="619891" y="960014"/>
+            <a:ext cx="2902585" cy="3360050"/>
           </a:xfrm>
         </p:spPr>
         <p:txBody>
           <a:bodyPr anchor="b"/>
           <a:lstStyle>
             <a:lvl1pPr>
-              <a:defRPr sz="2400"/>
+              <a:defRPr sz="3149"/>
             </a:lvl1pPr>
           </a:lstStyle>
           <a:p>
@@ -1987,39 +2642,39 @@
         </p:nvSpPr>
         <p:spPr>
           <a:xfrm>
-            <a:off x="2915543" y="2073367"/>
-            <a:ext cx="3471863" cy="10233485"/>
+            <a:off x="3825976" y="2073367"/>
+            <a:ext cx="4556016" cy="10233485"/>
           </a:xfrm>
         </p:spPr>
         <p:txBody>
           <a:bodyPr/>
           <a:lstStyle>
             <a:lvl1pPr>
-              <a:defRPr sz="2400"/>
+              <a:defRPr sz="3149"/>
             </a:lvl1pPr>
             <a:lvl2pPr>
-              <a:defRPr sz="2100"/>
+              <a:defRPr sz="2756"/>
             </a:lvl2pPr>
             <a:lvl3pPr>
-              <a:defRPr sz="1800"/>
+              <a:defRPr sz="2362"/>
             </a:lvl3pPr>
             <a:lvl4pPr>
-              <a:defRPr sz="1500"/>
+              <a:defRPr sz="1968"/>
             </a:lvl4pPr>
             <a:lvl5pPr>
-              <a:defRPr sz="1500"/>
+              <a:defRPr sz="1968"/>
             </a:lvl5pPr>
             <a:lvl6pPr>
-              <a:defRPr sz="1500"/>
+              <a:defRPr sz="1968"/>
             </a:lvl6pPr>
             <a:lvl7pPr>
-              <a:defRPr sz="1500"/>
+              <a:defRPr sz="1968"/>
             </a:lvl7pPr>
             <a:lvl8pPr>
-              <a:defRPr sz="1500"/>
+              <a:defRPr sz="1968"/>
             </a:lvl8pPr>
             <a:lvl9pPr>
-              <a:defRPr sz="1500"/>
+              <a:defRPr sz="1968"/>
             </a:lvl9pPr>
           </a:lstStyle>
           <a:p>
@@ -2072,8 +2727,8 @@
         </p:nvSpPr>
         <p:spPr>
           <a:xfrm>
-            <a:off x="472381" y="4320064"/>
-            <a:ext cx="2211884" cy="8003453"/>
+            <a:off x="619891" y="4320064"/>
+            <a:ext cx="2902585" cy="8003453"/>
           </a:xfrm>
         </p:spPr>
         <p:txBody>
@@ -2081,39 +2736,39 @@
           <a:lstStyle>
             <a:lvl1pPr marL="0" indent="0">
               <a:buNone/>
-              <a:defRPr sz="1200"/>
+              <a:defRPr sz="1575"/>
             </a:lvl1pPr>
-            <a:lvl2pPr marL="342900" indent="0">
+            <a:lvl2pPr marL="449976" indent="0">
               <a:buNone/>
-              <a:defRPr sz="1050"/>
+              <a:defRPr sz="1378"/>
             </a:lvl2pPr>
-            <a:lvl3pPr marL="685800" indent="0">
+            <a:lvl3pPr marL="899952" indent="0">
               <a:buNone/>
-              <a:defRPr sz="900"/>
+              <a:defRPr sz="1181"/>
             </a:lvl3pPr>
-            <a:lvl4pPr marL="1028700" indent="0">
+            <a:lvl4pPr marL="1349929" indent="0">
               <a:buNone/>
-              <a:defRPr sz="750"/>
+              <a:defRPr sz="984"/>
             </a:lvl4pPr>
-            <a:lvl5pPr marL="1371600" indent="0">
+            <a:lvl5pPr marL="1799905" indent="0">
               <a:buNone/>
-              <a:defRPr sz="750"/>
+              <a:defRPr sz="984"/>
             </a:lvl5pPr>
-            <a:lvl6pPr marL="1714500" indent="0">
+            <a:lvl6pPr marL="2249881" indent="0">
               <a:buNone/>
-              <a:defRPr sz="750"/>
+              <a:defRPr sz="984"/>
             </a:lvl6pPr>
-            <a:lvl7pPr marL="2057400" indent="0">
+            <a:lvl7pPr marL="2699857" indent="0">
               <a:buNone/>
-              <a:defRPr sz="750"/>
+              <a:defRPr sz="984"/>
             </a:lvl7pPr>
-            <a:lvl8pPr marL="2400300" indent="0">
+            <a:lvl8pPr marL="3149834" indent="0">
               <a:buNone/>
-              <a:defRPr sz="750"/>
+              <a:defRPr sz="984"/>
             </a:lvl8pPr>
-            <a:lvl9pPr marL="2743200" indent="0">
+            <a:lvl9pPr marL="3599810" indent="0">
               <a:buNone/>
-              <a:defRPr sz="750"/>
+              <a:defRPr sz="984"/>
             </a:lvl9pPr>
           </a:lstStyle>
           <a:p>
@@ -2142,7 +2797,7 @@
           <a:p>
             <a:fld id="{D682CE29-8FAE-449E-A441-7A8BCDBC043E}" type="datetimeFigureOut">
               <a:rPr lang="en-GB" smtClean="0"/>
-              <a:t>23/03/2020</a:t>
+              <a:t>01/04/2020</a:t>
             </a:fld>
             <a:endParaRPr lang="en-GB"/>
           </a:p>
@@ -2193,7 +2848,7 @@
     </p:spTree>
     <p:extLst>
       <p:ext uri="{BB962C8B-B14F-4D97-AF65-F5344CB8AC3E}">
-        <p14:creationId xmlns:p14="http://schemas.microsoft.com/office/powerpoint/2010/main" val="1768486593"/>
+        <p14:creationId xmlns:p14="http://schemas.microsoft.com/office/powerpoint/2010/main" val="1248798207"/>
       </p:ext>
     </p:extLst>
   </p:cSld>
@@ -2232,15 +2887,15 @@
         </p:nvSpPr>
         <p:spPr>
           <a:xfrm>
-            <a:off x="472381" y="960014"/>
-            <a:ext cx="2211884" cy="3360050"/>
+            <a:off x="619891" y="960014"/>
+            <a:ext cx="2902585" cy="3360050"/>
           </a:xfrm>
         </p:spPr>
         <p:txBody>
           <a:bodyPr anchor="b"/>
           <a:lstStyle>
             <a:lvl1pPr>
-              <a:defRPr sz="2400"/>
+              <a:defRPr sz="3149"/>
             </a:lvl1pPr>
           </a:lstStyle>
           <a:p>
@@ -2264,8 +2919,8 @@
         </p:nvSpPr>
         <p:spPr>
           <a:xfrm>
-            <a:off x="2915543" y="2073367"/>
-            <a:ext cx="3471863" cy="10233485"/>
+            <a:off x="3825976" y="2073367"/>
+            <a:ext cx="4556016" cy="10233485"/>
           </a:xfrm>
         </p:spPr>
         <p:txBody>
@@ -2273,39 +2928,39 @@
           <a:lstStyle>
             <a:lvl1pPr marL="0" indent="0">
               <a:buNone/>
-              <a:defRPr sz="2400"/>
+              <a:defRPr sz="3149"/>
             </a:lvl1pPr>
-            <a:lvl2pPr marL="342900" indent="0">
+            <a:lvl2pPr marL="449976" indent="0">
               <a:buNone/>
-              <a:defRPr sz="2100"/>
+              <a:defRPr sz="2756"/>
             </a:lvl2pPr>
-            <a:lvl3pPr marL="685800" indent="0">
+            <a:lvl3pPr marL="899952" indent="0">
               <a:buNone/>
-              <a:defRPr sz="1800"/>
+              <a:defRPr sz="2362"/>
             </a:lvl3pPr>
-            <a:lvl4pPr marL="1028700" indent="0">
+            <a:lvl4pPr marL="1349929" indent="0">
               <a:buNone/>
-              <a:defRPr sz="1500"/>
+              <a:defRPr sz="1968"/>
             </a:lvl4pPr>
-            <a:lvl5pPr marL="1371600" indent="0">
+            <a:lvl5pPr marL="1799905" indent="0">
               <a:buNone/>
-              <a:defRPr sz="1500"/>
+              <a:defRPr sz="1968"/>
             </a:lvl5pPr>
-            <a:lvl6pPr marL="1714500" indent="0">
+            <a:lvl6pPr marL="2249881" indent="0">
               <a:buNone/>
-              <a:defRPr sz="1500"/>
+              <a:defRPr sz="1968"/>
             </a:lvl6pPr>
-            <a:lvl7pPr marL="2057400" indent="0">
+            <a:lvl7pPr marL="2699857" indent="0">
               <a:buNone/>
-              <a:defRPr sz="1500"/>
+              <a:defRPr sz="1968"/>
             </a:lvl7pPr>
-            <a:lvl8pPr marL="2400300" indent="0">
+            <a:lvl8pPr marL="3149834" indent="0">
               <a:buNone/>
-              <a:defRPr sz="1500"/>
+              <a:defRPr sz="1968"/>
             </a:lvl8pPr>
-            <a:lvl9pPr marL="2743200" indent="0">
+            <a:lvl9pPr marL="3599810" indent="0">
               <a:buNone/>
-              <a:defRPr sz="1500"/>
+              <a:defRPr sz="1968"/>
             </a:lvl9pPr>
           </a:lstStyle>
           <a:p>
@@ -2329,8 +2984,8 @@
         </p:nvSpPr>
         <p:spPr>
           <a:xfrm>
-            <a:off x="472381" y="4320064"/>
-            <a:ext cx="2211884" cy="8003453"/>
+            <a:off x="619891" y="4320064"/>
+            <a:ext cx="2902585" cy="8003453"/>
           </a:xfrm>
         </p:spPr>
         <p:txBody>
@@ -2338,39 +2993,39 @@
           <a:lstStyle>
             <a:lvl1pPr marL="0" indent="0">
               <a:buNone/>
-              <a:defRPr sz="1200"/>
+              <a:defRPr sz="1575"/>
             </a:lvl1pPr>
-            <a:lvl2pPr marL="342900" indent="0">
+            <a:lvl2pPr marL="449976" indent="0">
               <a:buNone/>
-              <a:defRPr sz="1050"/>
+              <a:defRPr sz="1378"/>
             </a:lvl2pPr>
-            <a:lvl3pPr marL="685800" indent="0">
+            <a:lvl3pPr marL="899952" indent="0">
               <a:buNone/>
-              <a:defRPr sz="900"/>
+              <a:defRPr sz="1181"/>
             </a:lvl3pPr>
-            <a:lvl4pPr marL="1028700" indent="0">
+            <a:lvl4pPr marL="1349929" indent="0">
               <a:buNone/>
-              <a:defRPr sz="750"/>
+              <a:defRPr sz="984"/>
             </a:lvl4pPr>
-            <a:lvl5pPr marL="1371600" indent="0">
+            <a:lvl5pPr marL="1799905" indent="0">
               <a:buNone/>
-              <a:defRPr sz="750"/>
+              <a:defRPr sz="984"/>
             </a:lvl5pPr>
-            <a:lvl6pPr marL="1714500" indent="0">
+            <a:lvl6pPr marL="2249881" indent="0">
               <a:buNone/>
-              <a:defRPr sz="750"/>
+              <a:defRPr sz="984"/>
             </a:lvl6pPr>
-            <a:lvl7pPr marL="2057400" indent="0">
+            <a:lvl7pPr marL="2699857" indent="0">
               <a:buNone/>
-              <a:defRPr sz="750"/>
+              <a:defRPr sz="984"/>
             </a:lvl7pPr>
-            <a:lvl8pPr marL="2400300" indent="0">
+            <a:lvl8pPr marL="3149834" indent="0">
               <a:buNone/>
-              <a:defRPr sz="750"/>
+              <a:defRPr sz="984"/>
             </a:lvl8pPr>
-            <a:lvl9pPr marL="2743200" indent="0">
+            <a:lvl9pPr marL="3599810" indent="0">
               <a:buNone/>
-              <a:defRPr sz="750"/>
+              <a:defRPr sz="984"/>
             </a:lvl9pPr>
           </a:lstStyle>
           <a:p>
@@ -2399,7 +3054,7 @@
           <a:p>
             <a:fld id="{D682CE29-8FAE-449E-A441-7A8BCDBC043E}" type="datetimeFigureOut">
               <a:rPr lang="en-GB" smtClean="0"/>
-              <a:t>23/03/2020</a:t>
+              <a:t>01/04/2020</a:t>
             </a:fld>
             <a:endParaRPr lang="en-GB"/>
           </a:p>
@@ -2450,7 +3105,7 @@
     </p:spTree>
     <p:extLst>
       <p:ext uri="{BB962C8B-B14F-4D97-AF65-F5344CB8AC3E}">
-        <p14:creationId xmlns:p14="http://schemas.microsoft.com/office/powerpoint/2010/main" val="2255482088"/>
+        <p14:creationId xmlns:p14="http://schemas.microsoft.com/office/powerpoint/2010/main" val="756213196"/>
       </p:ext>
     </p:extLst>
   </p:cSld>
@@ -2494,8 +3149,8 @@
         </p:nvSpPr>
         <p:spPr>
           <a:xfrm>
-            <a:off x="471488" y="766681"/>
-            <a:ext cx="5915025" cy="2783376"/>
+            <a:off x="618718" y="766681"/>
+            <a:ext cx="7762102" cy="2783376"/>
           </a:xfrm>
           <a:prstGeom prst="rect">
             <a:avLst/>
@@ -2527,8 +3182,8 @@
         </p:nvSpPr>
         <p:spPr>
           <a:xfrm>
-            <a:off x="471488" y="3833390"/>
-            <a:ext cx="5915025" cy="9136803"/>
+            <a:off x="618718" y="3833390"/>
+            <a:ext cx="7762102" cy="9136803"/>
           </a:xfrm>
           <a:prstGeom prst="rect">
             <a:avLst/>
@@ -2589,8 +3244,8 @@
         </p:nvSpPr>
         <p:spPr>
           <a:xfrm>
-            <a:off x="471488" y="13346867"/>
-            <a:ext cx="1543050" cy="766678"/>
+            <a:off x="618718" y="13346867"/>
+            <a:ext cx="2024896" cy="766678"/>
           </a:xfrm>
           <a:prstGeom prst="rect">
             <a:avLst/>
@@ -2600,7 +3255,7 @@
           <a:bodyPr vert="horz" lIns="91440" tIns="45720" rIns="91440" bIns="45720" rtlCol="0" anchor="ctr"/>
           <a:lstStyle>
             <a:lvl1pPr algn="l">
-              <a:defRPr sz="900">
+              <a:defRPr sz="1181">
                 <a:solidFill>
                   <a:schemeClr val="tx1">
                     <a:tint val="75000"/>
@@ -2612,7 +3267,7 @@
           <a:p>
             <a:fld id="{D682CE29-8FAE-449E-A441-7A8BCDBC043E}" type="datetimeFigureOut">
               <a:rPr lang="en-GB" smtClean="0"/>
-              <a:t>23/03/2020</a:t>
+              <a:t>01/04/2020</a:t>
             </a:fld>
             <a:endParaRPr lang="en-GB"/>
           </a:p>
@@ -2630,8 +3285,8 @@
         </p:nvSpPr>
         <p:spPr>
           <a:xfrm>
-            <a:off x="2271713" y="13346867"/>
-            <a:ext cx="2314575" cy="766678"/>
+            <a:off x="2981097" y="13346867"/>
+            <a:ext cx="3037344" cy="766678"/>
           </a:xfrm>
           <a:prstGeom prst="rect">
             <a:avLst/>
@@ -2641,7 +3296,7 @@
           <a:bodyPr vert="horz" lIns="91440" tIns="45720" rIns="91440" bIns="45720" rtlCol="0" anchor="ctr"/>
           <a:lstStyle>
             <a:lvl1pPr algn="ctr">
-              <a:defRPr sz="900">
+              <a:defRPr sz="1181">
                 <a:solidFill>
                   <a:schemeClr val="tx1">
                     <a:tint val="75000"/>
@@ -2667,8 +3322,8 @@
         </p:nvSpPr>
         <p:spPr>
           <a:xfrm>
-            <a:off x="4843463" y="13346867"/>
-            <a:ext cx="1543050" cy="766678"/>
+            <a:off x="6355924" y="13346867"/>
+            <a:ext cx="2024896" cy="766678"/>
           </a:xfrm>
           <a:prstGeom prst="rect">
             <a:avLst/>
@@ -2678,7 +3333,7 @@
           <a:bodyPr vert="horz" lIns="91440" tIns="45720" rIns="91440" bIns="45720" rtlCol="0" anchor="ctr"/>
           <a:lstStyle>
             <a:lvl1pPr algn="r">
-              <a:defRPr sz="900">
+              <a:defRPr sz="1181">
                 <a:solidFill>
                   <a:schemeClr val="tx1">
                     <a:tint val="75000"/>
@@ -2699,27 +3354,27 @@
     </p:spTree>
     <p:extLst>
       <p:ext uri="{BB962C8B-B14F-4D97-AF65-F5344CB8AC3E}">
-        <p14:creationId xmlns:p14="http://schemas.microsoft.com/office/powerpoint/2010/main" val="1053255031"/>
+        <p14:creationId xmlns:p14="http://schemas.microsoft.com/office/powerpoint/2010/main" val="1668012225"/>
       </p:ext>
     </p:extLst>
   </p:cSld>
   <p:clrMap bg1="lt1" tx1="dk1" bg2="lt2" tx2="dk2" accent1="accent1" accent2="accent2" accent3="accent3" accent4="accent4" accent5="accent5" accent6="accent6" hlink="hlink" folHlink="folHlink"/>
   <p:sldLayoutIdLst>
-    <p:sldLayoutId id="2147483685" r:id="rId1"/>
-    <p:sldLayoutId id="2147483686" r:id="rId2"/>
-    <p:sldLayoutId id="2147483687" r:id="rId3"/>
-    <p:sldLayoutId id="2147483688" r:id="rId4"/>
-    <p:sldLayoutId id="2147483689" r:id="rId5"/>
-    <p:sldLayoutId id="2147483690" r:id="rId6"/>
-    <p:sldLayoutId id="2147483691" r:id="rId7"/>
-    <p:sldLayoutId id="2147483692" r:id="rId8"/>
-    <p:sldLayoutId id="2147483693" r:id="rId9"/>
-    <p:sldLayoutId id="2147483694" r:id="rId10"/>
-    <p:sldLayoutId id="2147483695" r:id="rId11"/>
+    <p:sldLayoutId id="2147483697" r:id="rId1"/>
+    <p:sldLayoutId id="2147483698" r:id="rId2"/>
+    <p:sldLayoutId id="2147483699" r:id="rId3"/>
+    <p:sldLayoutId id="2147483700" r:id="rId4"/>
+    <p:sldLayoutId id="2147483701" r:id="rId5"/>
+    <p:sldLayoutId id="2147483702" r:id="rId6"/>
+    <p:sldLayoutId id="2147483703" r:id="rId7"/>
+    <p:sldLayoutId id="2147483704" r:id="rId8"/>
+    <p:sldLayoutId id="2147483705" r:id="rId9"/>
+    <p:sldLayoutId id="2147483706" r:id="rId10"/>
+    <p:sldLayoutId id="2147483707" r:id="rId11"/>
   </p:sldLayoutIdLst>
   <p:txStyles>
     <p:titleStyle>
-      <a:lvl1pPr algn="l" defTabSz="685800" rtl="0" eaLnBrk="1" latinLnBrk="0" hangingPunct="1">
+      <a:lvl1pPr algn="l" defTabSz="899952" rtl="0" eaLnBrk="1" latinLnBrk="0" hangingPunct="1">
         <a:lnSpc>
           <a:spcPct val="90000"/>
         </a:lnSpc>
@@ -2727,7 +3382,7 @@
           <a:spcPct val="0"/>
         </a:spcBef>
         <a:buNone/>
-        <a:defRPr sz="3300" kern="1200">
+        <a:defRPr sz="4330" kern="1200">
           <a:solidFill>
             <a:schemeClr val="tx1"/>
           </a:solidFill>
@@ -2738,16 +3393,16 @@
       </a:lvl1pPr>
     </p:titleStyle>
     <p:bodyStyle>
-      <a:lvl1pPr marL="171450" indent="-171450" algn="l" defTabSz="685800" rtl="0" eaLnBrk="1" latinLnBrk="0" hangingPunct="1">
+      <a:lvl1pPr marL="224988" indent="-224988" algn="l" defTabSz="899952" rtl="0" eaLnBrk="1" latinLnBrk="0" hangingPunct="1">
         <a:lnSpc>
           <a:spcPct val="90000"/>
         </a:lnSpc>
         <a:spcBef>
-          <a:spcPts val="750"/>
+          <a:spcPts val="984"/>
         </a:spcBef>
         <a:buFont typeface="Arial" panose="020B0604020202020204" pitchFamily="34" charset="0"/>
         <a:buChar char="•"/>
-        <a:defRPr sz="2100" kern="1200">
+        <a:defRPr sz="2756" kern="1200">
           <a:solidFill>
             <a:schemeClr val="tx1"/>
           </a:solidFill>
@@ -2756,16 +3411,16 @@
           <a:cs typeface="+mn-cs"/>
         </a:defRPr>
       </a:lvl1pPr>
-      <a:lvl2pPr marL="514350" indent="-171450" algn="l" defTabSz="685800" rtl="0" eaLnBrk="1" latinLnBrk="0" hangingPunct="1">
+      <a:lvl2pPr marL="674964" indent="-224988" algn="l" defTabSz="899952" rtl="0" eaLnBrk="1" latinLnBrk="0" hangingPunct="1">
         <a:lnSpc>
           <a:spcPct val="90000"/>
         </a:lnSpc>
         <a:spcBef>
-          <a:spcPts val="375"/>
+          <a:spcPts val="492"/>
         </a:spcBef>
         <a:buFont typeface="Arial" panose="020B0604020202020204" pitchFamily="34" charset="0"/>
         <a:buChar char="•"/>
-        <a:defRPr sz="1800" kern="1200">
+        <a:defRPr sz="2362" kern="1200">
           <a:solidFill>
             <a:schemeClr val="tx1"/>
           </a:solidFill>
@@ -2774,16 +3429,16 @@
           <a:cs typeface="+mn-cs"/>
         </a:defRPr>
       </a:lvl2pPr>
-      <a:lvl3pPr marL="857250" indent="-171450" algn="l" defTabSz="685800" rtl="0" eaLnBrk="1" latinLnBrk="0" hangingPunct="1">
+      <a:lvl3pPr marL="1124941" indent="-224988" algn="l" defTabSz="899952" rtl="0" eaLnBrk="1" latinLnBrk="0" hangingPunct="1">
         <a:lnSpc>
           <a:spcPct val="90000"/>
         </a:lnSpc>
         <a:spcBef>
-          <a:spcPts val="375"/>
+          <a:spcPts val="492"/>
         </a:spcBef>
         <a:buFont typeface="Arial" panose="020B0604020202020204" pitchFamily="34" charset="0"/>
         <a:buChar char="•"/>
-        <a:defRPr sz="1500" kern="1200">
+        <a:defRPr sz="1968" kern="1200">
           <a:solidFill>
             <a:schemeClr val="tx1"/>
           </a:solidFill>
@@ -2792,16 +3447,16 @@
           <a:cs typeface="+mn-cs"/>
         </a:defRPr>
       </a:lvl3pPr>
-      <a:lvl4pPr marL="1200150" indent="-171450" algn="l" defTabSz="685800" rtl="0" eaLnBrk="1" latinLnBrk="0" hangingPunct="1">
+      <a:lvl4pPr marL="1574917" indent="-224988" algn="l" defTabSz="899952" rtl="0" eaLnBrk="1" latinLnBrk="0" hangingPunct="1">
         <a:lnSpc>
           <a:spcPct val="90000"/>
         </a:lnSpc>
         <a:spcBef>
-          <a:spcPts val="375"/>
+          <a:spcPts val="492"/>
         </a:spcBef>
         <a:buFont typeface="Arial" panose="020B0604020202020204" pitchFamily="34" charset="0"/>
         <a:buChar char="•"/>
-        <a:defRPr sz="1350" kern="1200">
+        <a:defRPr sz="1772" kern="1200">
           <a:solidFill>
             <a:schemeClr val="tx1"/>
           </a:solidFill>
@@ -2810,16 +3465,16 @@
           <a:cs typeface="+mn-cs"/>
         </a:defRPr>
       </a:lvl4pPr>
-      <a:lvl5pPr marL="1543050" indent="-171450" algn="l" defTabSz="685800" rtl="0" eaLnBrk="1" latinLnBrk="0" hangingPunct="1">
+      <a:lvl5pPr marL="2024893" indent="-224988" algn="l" defTabSz="899952" rtl="0" eaLnBrk="1" latinLnBrk="0" hangingPunct="1">
         <a:lnSpc>
           <a:spcPct val="90000"/>
         </a:lnSpc>
         <a:spcBef>
-          <a:spcPts val="375"/>
+          <a:spcPts val="492"/>
         </a:spcBef>
         <a:buFont typeface="Arial" panose="020B0604020202020204" pitchFamily="34" charset="0"/>
         <a:buChar char="•"/>
-        <a:defRPr sz="1350" kern="1200">
+        <a:defRPr sz="1772" kern="1200">
           <a:solidFill>
             <a:schemeClr val="tx1"/>
           </a:solidFill>
@@ -2828,16 +3483,16 @@
           <a:cs typeface="+mn-cs"/>
         </a:defRPr>
       </a:lvl5pPr>
-      <a:lvl6pPr marL="1885950" indent="-171450" algn="l" defTabSz="685800" rtl="0" eaLnBrk="1" latinLnBrk="0" hangingPunct="1">
+      <a:lvl6pPr marL="2474869" indent="-224988" algn="l" defTabSz="899952" rtl="0" eaLnBrk="1" latinLnBrk="0" hangingPunct="1">
         <a:lnSpc>
           <a:spcPct val="90000"/>
         </a:lnSpc>
         <a:spcBef>
-          <a:spcPts val="375"/>
+          <a:spcPts val="492"/>
         </a:spcBef>
         <a:buFont typeface="Arial" panose="020B0604020202020204" pitchFamily="34" charset="0"/>
         <a:buChar char="•"/>
-        <a:defRPr sz="1350" kern="1200">
+        <a:defRPr sz="1772" kern="1200">
           <a:solidFill>
             <a:schemeClr val="tx1"/>
           </a:solidFill>
@@ -2846,16 +3501,16 @@
           <a:cs typeface="+mn-cs"/>
         </a:defRPr>
       </a:lvl6pPr>
-      <a:lvl7pPr marL="2228850" indent="-171450" algn="l" defTabSz="685800" rtl="0" eaLnBrk="1" latinLnBrk="0" hangingPunct="1">
+      <a:lvl7pPr marL="2924846" indent="-224988" algn="l" defTabSz="899952" rtl="0" eaLnBrk="1" latinLnBrk="0" hangingPunct="1">
         <a:lnSpc>
           <a:spcPct val="90000"/>
         </a:lnSpc>
         <a:spcBef>
-          <a:spcPts val="375"/>
+          <a:spcPts val="492"/>
         </a:spcBef>
         <a:buFont typeface="Arial" panose="020B0604020202020204" pitchFamily="34" charset="0"/>
         <a:buChar char="•"/>
-        <a:defRPr sz="1350" kern="1200">
+        <a:defRPr sz="1772" kern="1200">
           <a:solidFill>
             <a:schemeClr val="tx1"/>
           </a:solidFill>
@@ -2864,16 +3519,16 @@
           <a:cs typeface="+mn-cs"/>
         </a:defRPr>
       </a:lvl7pPr>
-      <a:lvl8pPr marL="2571750" indent="-171450" algn="l" defTabSz="685800" rtl="0" eaLnBrk="1" latinLnBrk="0" hangingPunct="1">
+      <a:lvl8pPr marL="3374822" indent="-224988" algn="l" defTabSz="899952" rtl="0" eaLnBrk="1" latinLnBrk="0" hangingPunct="1">
         <a:lnSpc>
           <a:spcPct val="90000"/>
         </a:lnSpc>
         <a:spcBef>
-          <a:spcPts val="375"/>
+          <a:spcPts val="492"/>
         </a:spcBef>
         <a:buFont typeface="Arial" panose="020B0604020202020204" pitchFamily="34" charset="0"/>
         <a:buChar char="•"/>
-        <a:defRPr sz="1350" kern="1200">
+        <a:defRPr sz="1772" kern="1200">
           <a:solidFill>
             <a:schemeClr val="tx1"/>
           </a:solidFill>
@@ -2882,16 +3537,16 @@
           <a:cs typeface="+mn-cs"/>
         </a:defRPr>
       </a:lvl8pPr>
-      <a:lvl9pPr marL="2914650" indent="-171450" algn="l" defTabSz="685800" rtl="0" eaLnBrk="1" latinLnBrk="0" hangingPunct="1">
+      <a:lvl9pPr marL="3824798" indent="-224988" algn="l" defTabSz="899952" rtl="0" eaLnBrk="1" latinLnBrk="0" hangingPunct="1">
         <a:lnSpc>
           <a:spcPct val="90000"/>
         </a:lnSpc>
         <a:spcBef>
-          <a:spcPts val="375"/>
+          <a:spcPts val="492"/>
         </a:spcBef>
         <a:buFont typeface="Arial" panose="020B0604020202020204" pitchFamily="34" charset="0"/>
         <a:buChar char="•"/>
-        <a:defRPr sz="1350" kern="1200">
+        <a:defRPr sz="1772" kern="1200">
           <a:solidFill>
             <a:schemeClr val="tx1"/>
           </a:solidFill>
@@ -2905,8 +3560,8 @@
       <a:defPPr>
         <a:defRPr lang="en-US"/>
       </a:defPPr>
-      <a:lvl1pPr marL="0" algn="l" defTabSz="685800" rtl="0" eaLnBrk="1" latinLnBrk="0" hangingPunct="1">
-        <a:defRPr sz="1350" kern="1200">
+      <a:lvl1pPr marL="0" algn="l" defTabSz="899952" rtl="0" eaLnBrk="1" latinLnBrk="0" hangingPunct="1">
+        <a:defRPr sz="1772" kern="1200">
           <a:solidFill>
             <a:schemeClr val="tx1"/>
           </a:solidFill>
@@ -2915,8 +3570,8 @@
           <a:cs typeface="+mn-cs"/>
         </a:defRPr>
       </a:lvl1pPr>
-      <a:lvl2pPr marL="342900" algn="l" defTabSz="685800" rtl="0" eaLnBrk="1" latinLnBrk="0" hangingPunct="1">
-        <a:defRPr sz="1350" kern="1200">
+      <a:lvl2pPr marL="449976" algn="l" defTabSz="899952" rtl="0" eaLnBrk="1" latinLnBrk="0" hangingPunct="1">
+        <a:defRPr sz="1772" kern="1200">
           <a:solidFill>
             <a:schemeClr val="tx1"/>
           </a:solidFill>
@@ -2925,8 +3580,8 @@
           <a:cs typeface="+mn-cs"/>
         </a:defRPr>
       </a:lvl2pPr>
-      <a:lvl3pPr marL="685800" algn="l" defTabSz="685800" rtl="0" eaLnBrk="1" latinLnBrk="0" hangingPunct="1">
-        <a:defRPr sz="1350" kern="1200">
+      <a:lvl3pPr marL="899952" algn="l" defTabSz="899952" rtl="0" eaLnBrk="1" latinLnBrk="0" hangingPunct="1">
+        <a:defRPr sz="1772" kern="1200">
           <a:solidFill>
             <a:schemeClr val="tx1"/>
           </a:solidFill>
@@ -2935,8 +3590,8 @@
           <a:cs typeface="+mn-cs"/>
         </a:defRPr>
       </a:lvl3pPr>
-      <a:lvl4pPr marL="1028700" algn="l" defTabSz="685800" rtl="0" eaLnBrk="1" latinLnBrk="0" hangingPunct="1">
-        <a:defRPr sz="1350" kern="1200">
+      <a:lvl4pPr marL="1349929" algn="l" defTabSz="899952" rtl="0" eaLnBrk="1" latinLnBrk="0" hangingPunct="1">
+        <a:defRPr sz="1772" kern="1200">
           <a:solidFill>
             <a:schemeClr val="tx1"/>
           </a:solidFill>
@@ -2945,8 +3600,8 @@
           <a:cs typeface="+mn-cs"/>
         </a:defRPr>
       </a:lvl4pPr>
-      <a:lvl5pPr marL="1371600" algn="l" defTabSz="685800" rtl="0" eaLnBrk="1" latinLnBrk="0" hangingPunct="1">
-        <a:defRPr sz="1350" kern="1200">
+      <a:lvl5pPr marL="1799905" algn="l" defTabSz="899952" rtl="0" eaLnBrk="1" latinLnBrk="0" hangingPunct="1">
+        <a:defRPr sz="1772" kern="1200">
           <a:solidFill>
             <a:schemeClr val="tx1"/>
           </a:solidFill>
@@ -2955,8 +3610,8 @@
           <a:cs typeface="+mn-cs"/>
         </a:defRPr>
       </a:lvl5pPr>
-      <a:lvl6pPr marL="1714500" algn="l" defTabSz="685800" rtl="0" eaLnBrk="1" latinLnBrk="0" hangingPunct="1">
-        <a:defRPr sz="1350" kern="1200">
+      <a:lvl6pPr marL="2249881" algn="l" defTabSz="899952" rtl="0" eaLnBrk="1" latinLnBrk="0" hangingPunct="1">
+        <a:defRPr sz="1772" kern="1200">
           <a:solidFill>
             <a:schemeClr val="tx1"/>
           </a:solidFill>
@@ -2965,8 +3620,8 @@
           <a:cs typeface="+mn-cs"/>
         </a:defRPr>
       </a:lvl6pPr>
-      <a:lvl7pPr marL="2057400" algn="l" defTabSz="685800" rtl="0" eaLnBrk="1" latinLnBrk="0" hangingPunct="1">
-        <a:defRPr sz="1350" kern="1200">
+      <a:lvl7pPr marL="2699857" algn="l" defTabSz="899952" rtl="0" eaLnBrk="1" latinLnBrk="0" hangingPunct="1">
+        <a:defRPr sz="1772" kern="1200">
           <a:solidFill>
             <a:schemeClr val="tx1"/>
           </a:solidFill>
@@ -2975,8 +3630,8 @@
           <a:cs typeface="+mn-cs"/>
         </a:defRPr>
       </a:lvl7pPr>
-      <a:lvl8pPr marL="2400300" algn="l" defTabSz="685800" rtl="0" eaLnBrk="1" latinLnBrk="0" hangingPunct="1">
-        <a:defRPr sz="1350" kern="1200">
+      <a:lvl8pPr marL="3149834" algn="l" defTabSz="899952" rtl="0" eaLnBrk="1" latinLnBrk="0" hangingPunct="1">
+        <a:defRPr sz="1772" kern="1200">
           <a:solidFill>
             <a:schemeClr val="tx1"/>
           </a:solidFill>
@@ -2985,8 +3640,8 @@
           <a:cs typeface="+mn-cs"/>
         </a:defRPr>
       </a:lvl8pPr>
-      <a:lvl9pPr marL="2743200" algn="l" defTabSz="685800" rtl="0" eaLnBrk="1" latinLnBrk="0" hangingPunct="1">
-        <a:defRPr sz="1350" kern="1200">
+      <a:lvl9pPr marL="3599810" algn="l" defTabSz="899952" rtl="0" eaLnBrk="1" latinLnBrk="0" hangingPunct="1">
+        <a:defRPr sz="1772" kern="1200">
           <a:solidFill>
             <a:schemeClr val="tx1"/>
           </a:solidFill>
@@ -3031,7 +3686,7 @@
         </p:nvSpPr>
         <p:spPr>
           <a:xfrm>
-            <a:off x="4878129" y="3568829"/>
+            <a:off x="5948898" y="3568830"/>
             <a:ext cx="1665008" cy="307777"/>
           </a:xfrm>
           <a:prstGeom prst="rect">
@@ -3080,7 +3735,7 @@
         </p:nvSpPr>
         <p:spPr>
           <a:xfrm>
-            <a:off x="609350" y="3550398"/>
+            <a:off x="1680119" y="3550399"/>
             <a:ext cx="1857368" cy="307777"/>
           </a:xfrm>
           <a:prstGeom prst="rect">
@@ -3131,7 +3786,7 @@
         </p:nvCxnSpPr>
         <p:spPr>
           <a:xfrm flipH="1">
-            <a:off x="1958339" y="2905382"/>
+            <a:off x="3029109" y="2905383"/>
             <a:ext cx="1488181" cy="735217"/>
           </a:xfrm>
           <a:prstGeom prst="straightConnector1">
@@ -3177,7 +3832,7 @@
         </p:nvCxnSpPr>
         <p:spPr>
           <a:xfrm>
-            <a:off x="3898327" y="2905382"/>
+            <a:off x="4969096" y="2905382"/>
             <a:ext cx="1268032" cy="735216"/>
           </a:xfrm>
           <a:prstGeom prst="straightConnector1">
@@ -3221,7 +3876,7 @@
         </p:nvSpPr>
         <p:spPr>
           <a:xfrm>
-            <a:off x="479733" y="4116279"/>
+            <a:off x="1550503" y="4116280"/>
             <a:ext cx="2116605" cy="307777"/>
           </a:xfrm>
           <a:prstGeom prst="rect">
@@ -3272,7 +3927,7 @@
         </p:nvCxnSpPr>
         <p:spPr>
           <a:xfrm>
-            <a:off x="1538034" y="3841761"/>
+            <a:off x="2608803" y="3841762"/>
             <a:ext cx="0" cy="289759"/>
           </a:xfrm>
           <a:prstGeom prst="straightConnector1">
@@ -3316,7 +3971,7 @@
         </p:nvSpPr>
         <p:spPr>
           <a:xfrm>
-            <a:off x="2959673" y="4673009"/>
+            <a:off x="4030443" y="4673010"/>
             <a:ext cx="938655" cy="307777"/>
           </a:xfrm>
           <a:prstGeom prst="rect">
@@ -3369,7 +4024,7 @@
         </p:nvCxnSpPr>
         <p:spPr>
           <a:xfrm>
-            <a:off x="1538036" y="4424055"/>
+            <a:off x="2608806" y="4424055"/>
             <a:ext cx="1421637" cy="402842"/>
           </a:xfrm>
           <a:prstGeom prst="straightConnector1">
@@ -3417,7 +4072,7 @@
         </p:nvCxnSpPr>
         <p:spPr>
           <a:xfrm flipH="1">
-            <a:off x="3898327" y="3876605"/>
+            <a:off x="4969096" y="3876605"/>
             <a:ext cx="1812306" cy="950292"/>
           </a:xfrm>
           <a:prstGeom prst="straightConnector1">
@@ -3461,7 +4116,7 @@
         </p:nvSpPr>
         <p:spPr>
           <a:xfrm>
-            <a:off x="5427130" y="4619664"/>
+            <a:off x="6497899" y="4619664"/>
             <a:ext cx="744436" cy="738664"/>
           </a:xfrm>
           <a:prstGeom prst="rect">
@@ -3552,7 +4207,7 @@
         </p:nvCxnSpPr>
         <p:spPr>
           <a:xfrm>
-            <a:off x="3429962" y="4930651"/>
+            <a:off x="4500731" y="4930651"/>
             <a:ext cx="0" cy="905596"/>
           </a:xfrm>
           <a:prstGeom prst="straightConnector1">
@@ -3598,7 +4253,7 @@
         </p:nvCxnSpPr>
         <p:spPr>
           <a:xfrm flipH="1">
-            <a:off x="3429001" y="4988996"/>
+            <a:off x="4499771" y="4988996"/>
             <a:ext cx="1998131" cy="457048"/>
           </a:xfrm>
           <a:prstGeom prst="straightConnector1">
@@ -3642,7 +4297,7 @@
         </p:nvSpPr>
         <p:spPr>
           <a:xfrm>
-            <a:off x="1731262" y="5076423"/>
+            <a:off x="2802032" y="5076424"/>
             <a:ext cx="1729383" cy="461665"/>
           </a:xfrm>
           <a:prstGeom prst="rect">
@@ -3691,7 +4346,7 @@
         </p:nvSpPr>
         <p:spPr>
           <a:xfrm>
-            <a:off x="2072986" y="5781646"/>
+            <a:off x="3143755" y="5781647"/>
             <a:ext cx="2712024" cy="307777"/>
           </a:xfrm>
           <a:prstGeom prst="rect">
@@ -3740,7 +4395,7 @@
         </p:nvSpPr>
         <p:spPr>
           <a:xfrm>
-            <a:off x="4732878" y="6176730"/>
+            <a:off x="5803648" y="6176730"/>
             <a:ext cx="1135247" cy="1046440"/>
           </a:xfrm>
           <a:prstGeom prst="rect">
@@ -3862,7 +4517,7 @@
         </p:nvSpPr>
         <p:spPr>
           <a:xfrm>
-            <a:off x="2221306" y="6986458"/>
+            <a:off x="3292075" y="6986458"/>
             <a:ext cx="2468768" cy="523220"/>
           </a:xfrm>
           <a:prstGeom prst="rect">
@@ -3913,7 +4568,7 @@
         </p:nvCxnSpPr>
         <p:spPr>
           <a:xfrm>
-            <a:off x="3573782" y="6015152"/>
+            <a:off x="4644551" y="6015152"/>
             <a:ext cx="1211228" cy="303998"/>
           </a:xfrm>
           <a:prstGeom prst="straightConnector1">
@@ -3957,7 +4612,7 @@
         </p:nvSpPr>
         <p:spPr>
           <a:xfrm>
-            <a:off x="5768539" y="6422952"/>
+            <a:off x="6839309" y="6422953"/>
             <a:ext cx="1042427" cy="461665"/>
           </a:xfrm>
           <a:prstGeom prst="rect">
@@ -4026,7 +4681,7 @@
         </p:nvSpPr>
         <p:spPr>
           <a:xfrm>
-            <a:off x="5125731" y="6528813"/>
+            <a:off x="6196501" y="6528813"/>
             <a:ext cx="742393" cy="204178"/>
           </a:xfrm>
           <a:prstGeom prst="arc">
@@ -4089,7 +4744,7 @@
         </p:nvCxnSpPr>
         <p:spPr>
           <a:xfrm flipH="1">
-            <a:off x="4500357" y="6843261"/>
+            <a:off x="5571127" y="6843261"/>
             <a:ext cx="302517" cy="220806"/>
           </a:xfrm>
           <a:prstGeom prst="straightConnector1">
@@ -4133,7 +4788,7 @@
         </p:nvSpPr>
         <p:spPr>
           <a:xfrm>
-            <a:off x="4922177" y="6422951"/>
+            <a:off x="5992947" y="6422951"/>
             <a:ext cx="113445" cy="800220"/>
           </a:xfrm>
           <a:prstGeom prst="leftBrace">
@@ -4189,7 +4844,7 @@
         </p:nvSpPr>
         <p:spPr>
           <a:xfrm>
-            <a:off x="1424215" y="7744332"/>
+            <a:off x="2494985" y="7744333"/>
             <a:ext cx="1367573" cy="307777"/>
           </a:xfrm>
           <a:prstGeom prst="rect">
@@ -4238,7 +4893,7 @@
         </p:nvSpPr>
         <p:spPr>
           <a:xfrm>
-            <a:off x="2811779" y="7749865"/>
+            <a:off x="3882548" y="7749866"/>
             <a:ext cx="2109932" cy="307777"/>
           </a:xfrm>
           <a:prstGeom prst="rect">
@@ -4287,7 +4942,7 @@
         </p:nvSpPr>
         <p:spPr>
           <a:xfrm>
-            <a:off x="1067309" y="7960308"/>
+            <a:off x="2138078" y="7960309"/>
             <a:ext cx="2109932" cy="830997"/>
           </a:xfrm>
           <a:prstGeom prst="rect">
@@ -4368,7 +5023,7 @@
         </p:nvSpPr>
         <p:spPr>
           <a:xfrm>
-            <a:off x="-158108" y="8052109"/>
+            <a:off x="912662" y="8052110"/>
             <a:ext cx="1562331" cy="646331"/>
           </a:xfrm>
           <a:prstGeom prst="rect">
@@ -4433,7 +5088,7 @@
         </p:nvSpPr>
         <p:spPr>
           <a:xfrm>
-            <a:off x="1653529" y="8246962"/>
+            <a:off x="2724299" y="8246963"/>
             <a:ext cx="45719" cy="307777"/>
           </a:xfrm>
           <a:prstGeom prst="leftBrace">
@@ -4491,7 +5146,7 @@
         </p:nvCxnSpPr>
         <p:spPr>
           <a:xfrm>
-            <a:off x="963498" y="8395127"/>
+            <a:off x="2034267" y="8395128"/>
             <a:ext cx="566588" cy="5723"/>
           </a:xfrm>
           <a:prstGeom prst="straightConnector1">
@@ -4537,7 +5192,7 @@
         </p:nvCxnSpPr>
         <p:spPr>
           <a:xfrm>
-            <a:off x="3428998" y="6040998"/>
+            <a:off x="4499767" y="6040998"/>
             <a:ext cx="0" cy="1008000"/>
           </a:xfrm>
           <a:prstGeom prst="straightConnector1">
@@ -4581,7 +5236,7 @@
         </p:nvSpPr>
         <p:spPr>
           <a:xfrm>
-            <a:off x="4046221" y="9144509"/>
+            <a:off x="5116990" y="9144509"/>
             <a:ext cx="2902922" cy="1231106"/>
           </a:xfrm>
           <a:prstGeom prst="rect">
@@ -4688,7 +5343,7 @@
         </p:nvSpPr>
         <p:spPr>
           <a:xfrm>
-            <a:off x="1190658" y="9163793"/>
+            <a:off x="2261428" y="9163793"/>
             <a:ext cx="2580199" cy="738664"/>
           </a:xfrm>
           <a:prstGeom prst="rect">
@@ -4756,7 +5411,7 @@
         </p:nvSpPr>
         <p:spPr>
           <a:xfrm>
-            <a:off x="1149350" y="10438071"/>
+            <a:off x="2220120" y="10438072"/>
             <a:ext cx="2580199" cy="307777"/>
           </a:xfrm>
           <a:prstGeom prst="rect">
@@ -4798,7 +5453,7 @@
         </p:nvSpPr>
         <p:spPr>
           <a:xfrm>
-            <a:off x="1560756" y="12327804"/>
+            <a:off x="2631526" y="12327804"/>
             <a:ext cx="4026051" cy="1600438"/>
           </a:xfrm>
           <a:prstGeom prst="rect">
@@ -4940,7 +5595,7 @@
         </p:nvCxnSpPr>
         <p:spPr>
           <a:xfrm>
-            <a:off x="1991830" y="8772066"/>
+            <a:off x="3062599" y="8772067"/>
             <a:ext cx="229476" cy="392521"/>
           </a:xfrm>
           <a:prstGeom prst="straightConnector1">
@@ -4986,7 +5641,7 @@
         </p:nvCxnSpPr>
         <p:spPr>
           <a:xfrm flipH="1">
-            <a:off x="2959673" y="8015136"/>
+            <a:off x="4030443" y="8015137"/>
             <a:ext cx="807769" cy="1149451"/>
           </a:xfrm>
           <a:prstGeom prst="straightConnector1">
@@ -5032,7 +5687,7 @@
         </p:nvCxnSpPr>
         <p:spPr>
           <a:xfrm flipH="1">
-            <a:off x="2408824" y="9857861"/>
+            <a:off x="3479594" y="9857861"/>
             <a:ext cx="1" cy="612262"/>
           </a:xfrm>
           <a:prstGeom prst="straightConnector1">
@@ -5078,7 +5733,7 @@
         </p:nvCxnSpPr>
         <p:spPr>
           <a:xfrm>
-            <a:off x="3428998" y="7465251"/>
+            <a:off x="4499767" y="7465251"/>
             <a:ext cx="274322" cy="350964"/>
           </a:xfrm>
           <a:prstGeom prst="straightConnector1">
@@ -5124,7 +5779,7 @@
         </p:nvCxnSpPr>
         <p:spPr>
           <a:xfrm flipH="1">
-            <a:off x="2466718" y="7458183"/>
+            <a:off x="3537487" y="7458184"/>
             <a:ext cx="962280" cy="364391"/>
           </a:xfrm>
           <a:prstGeom prst="straightConnector1">
@@ -5171,7 +5826,7 @@
         </p:nvCxnSpPr>
         <p:spPr>
           <a:xfrm>
-            <a:off x="4402658" y="7279666"/>
+            <a:off x="5473427" y="7279667"/>
             <a:ext cx="1095024" cy="1864843"/>
           </a:xfrm>
           <a:prstGeom prst="straightConnector1">
@@ -5218,7 +5873,7 @@
         </p:nvCxnSpPr>
         <p:spPr>
           <a:xfrm>
-            <a:off x="4708867" y="6948590"/>
+            <a:off x="5779637" y="6948591"/>
             <a:ext cx="788815" cy="2195919"/>
           </a:xfrm>
           <a:prstGeom prst="straightConnector1">
@@ -5264,7 +5919,7 @@
         </p:nvCxnSpPr>
         <p:spPr>
           <a:xfrm>
-            <a:off x="2439450" y="10745848"/>
+            <a:off x="3510220" y="10745848"/>
             <a:ext cx="1080323" cy="955482"/>
           </a:xfrm>
           <a:prstGeom prst="line">
@@ -5310,7 +5965,7 @@
         </p:nvCxnSpPr>
         <p:spPr>
           <a:xfrm flipH="1">
-            <a:off x="3519773" y="10375615"/>
+            <a:off x="4590543" y="10375616"/>
             <a:ext cx="1977909" cy="1324857"/>
           </a:xfrm>
           <a:prstGeom prst="line">
@@ -5355,7 +6010,7 @@
         </p:nvCxnSpPr>
         <p:spPr>
           <a:xfrm flipH="1">
-            <a:off x="3519772" y="11700472"/>
+            <a:off x="4590542" y="11700472"/>
             <a:ext cx="1" cy="612262"/>
           </a:xfrm>
           <a:prstGeom prst="straightConnector1">
@@ -5399,7 +6054,7 @@
         </p:nvSpPr>
         <p:spPr>
           <a:xfrm>
-            <a:off x="6350" y="12326493"/>
+            <a:off x="1077119" y="12326493"/>
             <a:ext cx="1149350" cy="431800"/>
           </a:xfrm>
           <a:prstGeom prst="roundRect">
@@ -5461,7 +6116,7 @@
         </p:nvSpPr>
         <p:spPr>
           <a:xfrm>
-            <a:off x="312296" y="6498916"/>
+            <a:off x="1383065" y="6498917"/>
             <a:ext cx="2069798" cy="307777"/>
           </a:xfrm>
           <a:prstGeom prst="rect">
@@ -5512,7 +6167,7 @@
         </p:nvCxnSpPr>
         <p:spPr>
           <a:xfrm flipV="1">
-            <a:off x="1885948" y="6040998"/>
+            <a:off x="2956717" y="6040999"/>
             <a:ext cx="580770" cy="519069"/>
           </a:xfrm>
           <a:prstGeom prst="straightConnector1">
@@ -5558,7 +6213,7 @@
         </p:nvCxnSpPr>
         <p:spPr>
           <a:xfrm>
-            <a:off x="1873716" y="6759304"/>
+            <a:off x="2944486" y="6759304"/>
             <a:ext cx="472167" cy="355166"/>
           </a:xfrm>
           <a:prstGeom prst="straightConnector1">
@@ -5602,7 +6257,7 @@
         </p:nvSpPr>
         <p:spPr>
           <a:xfrm>
-            <a:off x="5058242" y="-27147"/>
+            <a:off x="6129012" y="-27147"/>
             <a:ext cx="1890901" cy="1384995"/>
           </a:xfrm>
           <a:prstGeom prst="rect">
@@ -5653,7 +6308,7 @@
         </p:nvGrpSpPr>
         <p:grpSpPr>
           <a:xfrm>
-            <a:off x="101117" y="-6115"/>
+            <a:off x="1171886" y="-6115"/>
             <a:ext cx="5609516" cy="3463797"/>
             <a:chOff x="101117" y="-6115"/>
             <a:chExt cx="5609516" cy="3463797"/>
@@ -6480,183 +7135,486 @@
           <a:chExt cx="0" cy="0"/>
         </a:xfrm>
       </p:grpSpPr>
-      <p:sp>
-        <p:nvSpPr>
-          <p:cNvPr id="225" name="Rectangle: Rounded Corners 224">
+      <p:grpSp>
+        <p:nvGrpSpPr>
+          <p:cNvPr id="20" name="Group 19">
             <a:extLst>
               <a:ext uri="{FF2B5EF4-FFF2-40B4-BE49-F238E27FC236}">
-                <a16:creationId xmlns:a16="http://schemas.microsoft.com/office/drawing/2014/main" id="{90B6B653-2459-4F0A-93D4-6E4F1ED85AFC}"/>
+                <a16:creationId xmlns:a16="http://schemas.microsoft.com/office/drawing/2014/main" id="{EB058C4E-7516-4BF1-8D83-E7CCE67B107B}"/>
               </a:ext>
             </a:extLst>
           </p:cNvPr>
-          <p:cNvSpPr/>
+          <p:cNvGrpSpPr/>
+          <p:nvPr/>
+        </p:nvGrpSpPr>
+        <p:grpSpPr>
+          <a:xfrm>
+            <a:off x="3660434" y="1373544"/>
+            <a:ext cx="3770477" cy="3340823"/>
+            <a:chOff x="5190808" y="1979448"/>
+            <a:chExt cx="2726961" cy="3400807"/>
+          </a:xfrm>
+        </p:grpSpPr>
+        <p:sp>
+          <p:nvSpPr>
+            <p:cNvPr id="18" name="Rectangle: Rounded Corners 17">
+              <a:extLst>
+                <a:ext uri="{FF2B5EF4-FFF2-40B4-BE49-F238E27FC236}">
+                  <a16:creationId xmlns:a16="http://schemas.microsoft.com/office/drawing/2014/main" id="{2FEED808-F789-4573-B9F6-714DD928E8A2}"/>
+                </a:ext>
+              </a:extLst>
+            </p:cNvPr>
+            <p:cNvSpPr/>
+            <p:nvPr/>
+          </p:nvSpPr>
+          <p:spPr>
+            <a:xfrm>
+              <a:off x="5190808" y="1984854"/>
+              <a:ext cx="2684400" cy="3395401"/>
+            </a:xfrm>
+            <a:prstGeom prst="roundRect">
+              <a:avLst>
+                <a:gd name="adj" fmla="val 6164"/>
+              </a:avLst>
+            </a:prstGeom>
+            <a:solidFill>
+              <a:schemeClr val="accent2">
+                <a:lumMod val="20000"/>
+                <a:lumOff val="80000"/>
+              </a:schemeClr>
+            </a:solidFill>
+            <a:ln>
+              <a:solidFill>
+                <a:schemeClr val="accent2">
+                  <a:lumMod val="60000"/>
+                  <a:lumOff val="40000"/>
+                </a:schemeClr>
+              </a:solidFill>
+            </a:ln>
+          </p:spPr>
+          <p:style>
+            <a:lnRef idx="2">
+              <a:schemeClr val="accent1">
+                <a:shade val="50000"/>
+              </a:schemeClr>
+            </a:lnRef>
+            <a:fillRef idx="1">
+              <a:schemeClr val="accent1"/>
+            </a:fillRef>
+            <a:effectRef idx="0">
+              <a:schemeClr val="accent1"/>
+            </a:effectRef>
+            <a:fontRef idx="minor">
+              <a:schemeClr val="lt1"/>
+            </a:fontRef>
+          </p:style>
+          <p:txBody>
+            <a:bodyPr rtlCol="0" anchor="ctr"/>
+            <a:lstStyle/>
+            <a:p>
+              <a:pPr algn="ctr"/>
+              <a:endParaRPr lang="en-GB"/>
+            </a:p>
+          </p:txBody>
+        </p:sp>
+        <p:grpSp>
+          <p:nvGrpSpPr>
+            <p:cNvPr id="19" name="Group 18">
+              <a:extLst>
+                <a:ext uri="{FF2B5EF4-FFF2-40B4-BE49-F238E27FC236}">
+                  <a16:creationId xmlns:a16="http://schemas.microsoft.com/office/drawing/2014/main" id="{00CD1EC6-98F1-4A48-8F69-D1B2636B1CF6}"/>
+                </a:ext>
+              </a:extLst>
+            </p:cNvPr>
+            <p:cNvGrpSpPr/>
+            <p:nvPr/>
+          </p:nvGrpSpPr>
+          <p:grpSpPr>
+            <a:xfrm>
+              <a:off x="5190808" y="1979448"/>
+              <a:ext cx="2726961" cy="623017"/>
+              <a:chOff x="4384284" y="3144771"/>
+              <a:chExt cx="2726961" cy="623017"/>
+            </a:xfrm>
+          </p:grpSpPr>
+          <p:sp>
+            <p:nvSpPr>
+              <p:cNvPr id="15" name="TextBox 14">
+                <a:extLst>
+                  <a:ext uri="{FF2B5EF4-FFF2-40B4-BE49-F238E27FC236}">
+                    <a16:creationId xmlns:a16="http://schemas.microsoft.com/office/drawing/2014/main" id="{8B5207DE-45F1-41A4-8CFB-796DA5687397}"/>
+                  </a:ext>
+                </a:extLst>
+              </p:cNvPr>
+              <p:cNvSpPr txBox="1"/>
+              <p:nvPr/>
+            </p:nvSpPr>
+            <p:spPr>
+              <a:xfrm>
+                <a:off x="4426845" y="3144771"/>
+                <a:ext cx="2684400" cy="461665"/>
+              </a:xfrm>
+              <a:prstGeom prst="rect">
+                <a:avLst/>
+              </a:prstGeom>
+              <a:noFill/>
+            </p:spPr>
+            <p:txBody>
+              <a:bodyPr wrap="square" rtlCol="0">
+                <a:spAutoFit/>
+              </a:bodyPr>
+              <a:lstStyle/>
+              <a:p>
+                <a:pPr algn="ctr"/>
+                <a:r>
+                  <a:rPr lang="en-GB" sz="1200" b="1" dirty="0" err="1">
+                    <a:solidFill>
+                      <a:schemeClr val="accent2">
+                        <a:lumMod val="50000"/>
+                      </a:schemeClr>
+                    </a:solidFill>
+                  </a:rPr>
+                  <a:t>parse_input_file</a:t>
+                </a:r>
+                <a:r>
+                  <a:rPr lang="en-GB" sz="1200" b="1" dirty="0">
+                    <a:solidFill>
+                      <a:schemeClr val="accent2">
+                        <a:lumMod val="50000"/>
+                      </a:schemeClr>
+                    </a:solidFill>
+                  </a:rPr>
+                  <a:t>(</a:t>
+                </a:r>
+                <a:r>
+                  <a:rPr lang="en-GB" sz="1200" dirty="0" err="1">
+                    <a:solidFill>
+                      <a:schemeClr val="accent2">
+                        <a:lumMod val="50000"/>
+                      </a:schemeClr>
+                    </a:solidFill>
+                  </a:rPr>
+                  <a:t>input_file</a:t>
+                </a:r>
+                <a:r>
+                  <a:rPr lang="en-GB" sz="1200" b="1" dirty="0">
+                    <a:solidFill>
+                      <a:schemeClr val="accent2">
+                        <a:lumMod val="50000"/>
+                      </a:schemeClr>
+                    </a:solidFill>
+                  </a:rPr>
+                  <a:t>)</a:t>
+                </a:r>
+              </a:p>
+              <a:p>
+                <a:pPr algn="ctr"/>
+                <a:endParaRPr lang="en-GB" sz="1200" b="1" dirty="0">
+                  <a:solidFill>
+                    <a:schemeClr val="accent2">
+                      <a:lumMod val="50000"/>
+                    </a:schemeClr>
+                  </a:solidFill>
+                </a:endParaRPr>
+              </a:p>
+            </p:txBody>
+          </p:sp>
+          <p:sp>
+            <p:nvSpPr>
+              <p:cNvPr id="16" name="TextBox 15">
+                <a:extLst>
+                  <a:ext uri="{FF2B5EF4-FFF2-40B4-BE49-F238E27FC236}">
+                    <a16:creationId xmlns:a16="http://schemas.microsoft.com/office/drawing/2014/main" id="{837D1B75-422A-435B-867F-1CD7462A9DCF}"/>
+                  </a:ext>
+                </a:extLst>
+              </p:cNvPr>
+              <p:cNvSpPr txBox="1"/>
+              <p:nvPr/>
+            </p:nvSpPr>
+            <p:spPr>
+              <a:xfrm>
+                <a:off x="4384284" y="3336901"/>
+                <a:ext cx="2684400" cy="430887"/>
+              </a:xfrm>
+              <a:prstGeom prst="rect">
+                <a:avLst/>
+              </a:prstGeom>
+              <a:noFill/>
+              <a:ln>
+                <a:noFill/>
+              </a:ln>
+            </p:spPr>
+            <p:txBody>
+              <a:bodyPr wrap="square" rtlCol="0">
+                <a:spAutoFit/>
+              </a:bodyPr>
+              <a:lstStyle/>
+              <a:p>
+                <a:pPr algn="ctr"/>
+                <a:r>
+                  <a:rPr lang="en-GB" sz="1100" i="1" dirty="0">
+                    <a:solidFill>
+                      <a:schemeClr val="bg1">
+                        <a:lumMod val="50000"/>
+                      </a:schemeClr>
+                    </a:solidFill>
+                  </a:rPr>
+                  <a:t>Read input file, calls appropriate function to acquire genus-species name or taxonomy ID</a:t>
+                </a:r>
+                <a:endParaRPr lang="en-GB" sz="1050" i="1" dirty="0">
+                  <a:solidFill>
+                    <a:schemeClr val="bg1">
+                      <a:lumMod val="50000"/>
+                    </a:schemeClr>
+                  </a:solidFill>
+                </a:endParaRPr>
+              </a:p>
+            </p:txBody>
+          </p:sp>
+        </p:grpSp>
+      </p:grpSp>
+      <p:sp>
+        <p:nvSpPr>
+          <p:cNvPr id="9" name="TextBox 8">
+            <a:extLst>
+              <a:ext uri="{FF2B5EF4-FFF2-40B4-BE49-F238E27FC236}">
+                <a16:creationId xmlns:a16="http://schemas.microsoft.com/office/drawing/2014/main" id="{40BDC933-FD3F-4D16-9353-A241A67A8FE5}"/>
+              </a:ext>
+            </a:extLst>
+          </p:cNvPr>
+          <p:cNvSpPr txBox="1"/>
           <p:nvPr/>
         </p:nvSpPr>
         <p:spPr>
           <a:xfrm>
-            <a:off x="1633711" y="6760533"/>
-            <a:ext cx="3151895" cy="830593"/>
+            <a:off x="4874774" y="1974914"/>
+            <a:ext cx="1318187" cy="1184940"/>
           </a:xfrm>
-          <a:prstGeom prst="roundRect">
+          <a:prstGeom prst="rect">
             <a:avLst/>
           </a:prstGeom>
           <a:solidFill>
-            <a:schemeClr val="accent2">
-              <a:lumMod val="20000"/>
-              <a:lumOff val="80000"/>
-            </a:schemeClr>
+            <a:schemeClr val="bg1"/>
           </a:solidFill>
           <a:ln>
             <a:solidFill>
-              <a:schemeClr val="accent2">
-                <a:lumMod val="60000"/>
-                <a:lumOff val="40000"/>
-              </a:schemeClr>
+              <a:srgbClr val="969696"/>
             </a:solidFill>
           </a:ln>
         </p:spPr>
-        <p:style>
-          <a:lnRef idx="2">
-            <a:schemeClr val="accent1">
-              <a:shade val="50000"/>
-            </a:schemeClr>
-          </a:lnRef>
-          <a:fillRef idx="1">
-            <a:schemeClr val="accent1"/>
-          </a:fillRef>
-          <a:effectRef idx="0">
-            <a:schemeClr val="accent1"/>
-          </a:effectRef>
-          <a:fontRef idx="minor">
-            <a:schemeClr val="lt1"/>
-          </a:fontRef>
-        </p:style>
         <p:txBody>
-          <a:bodyPr rtlCol="0" anchor="ctr"/>
+          <a:bodyPr wrap="square" rtlCol="0">
+            <a:spAutoFit/>
+          </a:bodyPr>
           <a:lstStyle/>
           <a:p>
             <a:pPr algn="ctr"/>
-            <a:endParaRPr lang="en-GB"/>
-          </a:p>
-        </p:txBody>
-      </p:sp>
-      <p:sp>
-        <p:nvSpPr>
-          <p:cNvPr id="223" name="Rectangle: Rounded Corners 222">
-            <a:extLst>
-              <a:ext uri="{FF2B5EF4-FFF2-40B4-BE49-F238E27FC236}">
-                <a16:creationId xmlns:a16="http://schemas.microsoft.com/office/drawing/2014/main" id="{417A31ED-1269-4020-8A10-8E6126768FBF}"/>
-              </a:ext>
-            </a:extLst>
-          </p:cNvPr>
-          <p:cNvSpPr/>
-          <p:nvPr/>
-        </p:nvSpPr>
-        <p:spPr>
-          <a:xfrm>
-            <a:off x="4169427" y="2783353"/>
-            <a:ext cx="2684400" cy="830593"/>
-          </a:xfrm>
-          <a:prstGeom prst="roundRect">
-            <a:avLst/>
-          </a:prstGeom>
-          <a:solidFill>
-            <a:schemeClr val="accent2">
-              <a:lumMod val="20000"/>
-              <a:lumOff val="80000"/>
-            </a:schemeClr>
-          </a:solidFill>
-          <a:ln>
-            <a:solidFill>
-              <a:schemeClr val="accent2">
-                <a:lumMod val="60000"/>
-                <a:lumOff val="40000"/>
-              </a:schemeClr>
-            </a:solidFill>
-          </a:ln>
-        </p:spPr>
-        <p:style>
-          <a:lnRef idx="2">
-            <a:schemeClr val="accent1">
-              <a:shade val="50000"/>
-            </a:schemeClr>
-          </a:lnRef>
-          <a:fillRef idx="1">
-            <a:schemeClr val="accent1"/>
-          </a:fillRef>
-          <a:effectRef idx="0">
-            <a:schemeClr val="accent1"/>
-          </a:effectRef>
-          <a:fontRef idx="minor">
-            <a:schemeClr val="lt1"/>
-          </a:fontRef>
-        </p:style>
-        <p:txBody>
-          <a:bodyPr rtlCol="0" anchor="ctr"/>
-          <a:lstStyle/>
+            <a:r>
+              <a:rPr lang="en-GB" sz="1200" dirty="0">
+                <a:solidFill>
+                  <a:schemeClr val="bg1">
+                    <a:lumMod val="50000"/>
+                  </a:schemeClr>
+                </a:solidFill>
+              </a:rPr>
+              <a:t># Comments</a:t>
+            </a:r>
+          </a:p>
           <a:p>
             <a:pPr algn="ctr"/>
-            <a:endParaRPr lang="en-GB"/>
-          </a:p>
-        </p:txBody>
-      </p:sp>
-      <p:sp>
-        <p:nvSpPr>
-          <p:cNvPr id="221" name="Rectangle: Rounded Corners 220">
-            <a:extLst>
-              <a:ext uri="{FF2B5EF4-FFF2-40B4-BE49-F238E27FC236}">
-                <a16:creationId xmlns:a16="http://schemas.microsoft.com/office/drawing/2014/main" id="{7578AA4B-B6E4-4A13-84C6-972A453A9CBB}"/>
-              </a:ext>
-            </a:extLst>
-          </p:cNvPr>
-          <p:cNvSpPr/>
-          <p:nvPr/>
-        </p:nvSpPr>
-        <p:spPr>
-          <a:xfrm>
-            <a:off x="4173" y="2764962"/>
-            <a:ext cx="2684400" cy="830593"/>
-          </a:xfrm>
-          <a:prstGeom prst="roundRect">
-            <a:avLst/>
-          </a:prstGeom>
-          <a:solidFill>
-            <a:schemeClr val="accent2">
-              <a:lumMod val="20000"/>
-              <a:lumOff val="80000"/>
-            </a:schemeClr>
-          </a:solidFill>
-          <a:ln>
-            <a:solidFill>
-              <a:schemeClr val="accent2">
-                <a:lumMod val="60000"/>
-                <a:lumOff val="40000"/>
-              </a:schemeClr>
-            </a:solidFill>
-          </a:ln>
-        </p:spPr>
-        <p:style>
-          <a:lnRef idx="2">
-            <a:schemeClr val="accent1">
-              <a:shade val="50000"/>
-            </a:schemeClr>
-          </a:lnRef>
-          <a:fillRef idx="1">
-            <a:schemeClr val="accent1"/>
-          </a:fillRef>
-          <a:effectRef idx="0">
-            <a:schemeClr val="accent1"/>
-          </a:effectRef>
-          <a:fontRef idx="minor">
-            <a:schemeClr val="lt1"/>
-          </a:fontRef>
-        </p:style>
-        <p:txBody>
-          <a:bodyPr rtlCol="0" anchor="ctr"/>
-          <a:lstStyle/>
+            <a:r>
+              <a:rPr lang="en-GB" sz="1200" dirty="0">
+                <a:solidFill>
+                  <a:schemeClr val="bg1">
+                    <a:lumMod val="50000"/>
+                  </a:schemeClr>
+                </a:solidFill>
+              </a:rPr>
+              <a:t>G</a:t>
+            </a:r>
+            <a:r>
+              <a:rPr lang="en-GB" sz="1200" baseline="-25000" dirty="0">
+                <a:solidFill>
+                  <a:schemeClr val="bg1">
+                    <a:lumMod val="50000"/>
+                  </a:schemeClr>
+                </a:solidFill>
+              </a:rPr>
+              <a:t>1</a:t>
+            </a:r>
+            <a:r>
+              <a:rPr lang="en-GB" sz="1200" dirty="0">
+                <a:solidFill>
+                  <a:schemeClr val="bg1">
+                    <a:lumMod val="50000"/>
+                  </a:schemeClr>
+                </a:solidFill>
+              </a:rPr>
+              <a:t> S</a:t>
+            </a:r>
+            <a:r>
+              <a:rPr lang="en-GB" sz="1200" baseline="-25000" dirty="0">
+                <a:solidFill>
+                  <a:schemeClr val="bg1">
+                    <a:lumMod val="50000"/>
+                  </a:schemeClr>
+                </a:solidFill>
+              </a:rPr>
+              <a:t>1</a:t>
+            </a:r>
+            <a:endParaRPr lang="en-GB" sz="1200" dirty="0">
+              <a:solidFill>
+                <a:schemeClr val="bg1">
+                  <a:lumMod val="50000"/>
+                </a:schemeClr>
+              </a:solidFill>
+            </a:endParaRPr>
+          </a:p>
           <a:p>
             <a:pPr algn="ctr"/>
-            <a:endParaRPr lang="en-GB"/>
+            <a:r>
+              <a:rPr lang="en-GB" sz="1200" dirty="0">
+                <a:solidFill>
+                  <a:schemeClr val="bg1">
+                    <a:lumMod val="50000"/>
+                  </a:schemeClr>
+                </a:solidFill>
+              </a:rPr>
+              <a:t>G</a:t>
+            </a:r>
+            <a:r>
+              <a:rPr lang="en-GB" sz="1200" baseline="-25000" dirty="0">
+                <a:solidFill>
+                  <a:schemeClr val="bg1">
+                    <a:lumMod val="50000"/>
+                  </a:schemeClr>
+                </a:solidFill>
+              </a:rPr>
+              <a:t>2</a:t>
+            </a:r>
+            <a:r>
+              <a:rPr lang="en-GB" sz="1200" dirty="0">
+                <a:solidFill>
+                  <a:schemeClr val="bg1">
+                    <a:lumMod val="50000"/>
+                  </a:schemeClr>
+                </a:solidFill>
+              </a:rPr>
+              <a:t> S</a:t>
+            </a:r>
+            <a:r>
+              <a:rPr lang="en-GB" sz="1200" baseline="-25000" dirty="0">
+                <a:solidFill>
+                  <a:schemeClr val="bg1">
+                    <a:lumMod val="50000"/>
+                  </a:schemeClr>
+                </a:solidFill>
+              </a:rPr>
+              <a:t>1</a:t>
+            </a:r>
+          </a:p>
+          <a:p>
+            <a:pPr algn="ctr"/>
+            <a:r>
+              <a:rPr lang="en-GB" sz="1200" dirty="0">
+                <a:solidFill>
+                  <a:schemeClr val="bg1">
+                    <a:lumMod val="50000"/>
+                  </a:schemeClr>
+                </a:solidFill>
+              </a:rPr>
+              <a:t>Taxonomy ID</a:t>
+            </a:r>
+            <a:r>
+              <a:rPr lang="en-GB" sz="1200" baseline="-25000" dirty="0">
+                <a:solidFill>
+                  <a:schemeClr val="bg1">
+                    <a:lumMod val="50000"/>
+                  </a:schemeClr>
+                </a:solidFill>
+              </a:rPr>
+              <a:t>1</a:t>
+            </a:r>
+            <a:endParaRPr lang="en-GB" sz="1200" dirty="0">
+              <a:solidFill>
+                <a:schemeClr val="bg1">
+                  <a:lumMod val="50000"/>
+                </a:schemeClr>
+              </a:solidFill>
+            </a:endParaRPr>
+          </a:p>
+          <a:p>
+            <a:pPr algn="ctr"/>
+            <a:r>
+              <a:rPr lang="en-GB" sz="1200" dirty="0">
+                <a:solidFill>
+                  <a:schemeClr val="bg1">
+                    <a:lumMod val="50000"/>
+                  </a:schemeClr>
+                </a:solidFill>
+              </a:rPr>
+              <a:t>G</a:t>
+            </a:r>
+            <a:r>
+              <a:rPr lang="en-GB" sz="1200" baseline="-25000" dirty="0">
+                <a:solidFill>
+                  <a:schemeClr val="bg1">
+                    <a:lumMod val="50000"/>
+                  </a:schemeClr>
+                </a:solidFill>
+              </a:rPr>
+              <a:t>2 </a:t>
+            </a:r>
+            <a:r>
+              <a:rPr lang="en-GB" sz="1200" dirty="0">
+                <a:solidFill>
+                  <a:schemeClr val="bg1">
+                    <a:lumMod val="50000"/>
+                  </a:schemeClr>
+                </a:solidFill>
+              </a:rPr>
+              <a:t>S</a:t>
+            </a:r>
+            <a:r>
+              <a:rPr lang="en-GB" sz="1200" baseline="-25000" dirty="0">
+                <a:solidFill>
+                  <a:schemeClr val="bg1">
+                    <a:lumMod val="50000"/>
+                  </a:schemeClr>
+                </a:solidFill>
+              </a:rPr>
+              <a:t>2</a:t>
+            </a:r>
+            <a:endParaRPr lang="en-GB" sz="1100" baseline="-25000" dirty="0">
+              <a:solidFill>
+                <a:schemeClr val="bg1">
+                  <a:lumMod val="50000"/>
+                </a:schemeClr>
+              </a:solidFill>
+            </a:endParaRPr>
+          </a:p>
+          <a:p>
+            <a:pPr algn="ctr"/>
+            <a:r>
+              <a:rPr lang="en-GB" sz="1100" dirty="0">
+                <a:solidFill>
+                  <a:schemeClr val="bg1">
+                    <a:lumMod val="50000"/>
+                  </a:schemeClr>
+                </a:solidFill>
+              </a:rPr>
+              <a:t>Taxonomy ID</a:t>
+            </a:r>
+            <a:r>
+              <a:rPr lang="en-GB" sz="1100" baseline="-25000" dirty="0">
+                <a:solidFill>
+                  <a:schemeClr val="bg1">
+                    <a:lumMod val="50000"/>
+                  </a:schemeClr>
+                </a:solidFill>
+              </a:rPr>
+              <a:t>2</a:t>
+            </a:r>
           </a:p>
         </p:txBody>
       </p:sp>
@@ -6674,7 +7632,7 @@
         </p:nvSpPr>
         <p:spPr>
           <a:xfrm>
-            <a:off x="2068724" y="348902"/>
+            <a:off x="3139494" y="348902"/>
             <a:ext cx="2724151" cy="431800"/>
           </a:xfrm>
           <a:prstGeom prst="roundRect">
@@ -6729,7 +7687,7 @@
         </p:nvSpPr>
         <p:spPr>
           <a:xfrm>
-            <a:off x="2788186" y="-528"/>
+            <a:off x="3858955" y="-528"/>
             <a:ext cx="1285228" cy="338532"/>
           </a:xfrm>
           <a:prstGeom prst="roundRect">
@@ -6772,289 +7730,6 @@
       </p:sp>
       <p:sp>
         <p:nvSpPr>
-          <p:cNvPr id="5" name="TextBox 4">
-            <a:extLst>
-              <a:ext uri="{FF2B5EF4-FFF2-40B4-BE49-F238E27FC236}">
-                <a16:creationId xmlns:a16="http://schemas.microsoft.com/office/drawing/2014/main" id="{6E0F67F3-BB23-480C-A7D9-D85A7BA87E62}"/>
-              </a:ext>
-            </a:extLst>
-          </p:cNvPr>
-          <p:cNvSpPr txBox="1"/>
-          <p:nvPr/>
-        </p:nvSpPr>
-        <p:spPr>
-          <a:xfrm>
-            <a:off x="2104993" y="1201186"/>
-            <a:ext cx="2635902" cy="307777"/>
-          </a:xfrm>
-          <a:prstGeom prst="rect">
-            <a:avLst/>
-          </a:prstGeom>
-          <a:noFill/>
-        </p:spPr>
-        <p:txBody>
-          <a:bodyPr wrap="square" rtlCol="0">
-            <a:spAutoFit/>
-          </a:bodyPr>
-          <a:lstStyle/>
-          <a:p>
-            <a:pPr algn="ctr"/>
-            <a:r>
-              <a:rPr lang="en-GB" sz="1400" dirty="0">
-                <a:solidFill>
-                  <a:schemeClr val="accent2"/>
-                </a:solidFill>
-              </a:rPr>
-              <a:t>Input file: ‘Species_list.txt’</a:t>
-            </a:r>
-          </a:p>
-        </p:txBody>
-      </p:sp>
-      <p:sp>
-        <p:nvSpPr>
-          <p:cNvPr id="9" name="TextBox 8">
-            <a:extLst>
-              <a:ext uri="{FF2B5EF4-FFF2-40B4-BE49-F238E27FC236}">
-                <a16:creationId xmlns:a16="http://schemas.microsoft.com/office/drawing/2014/main" id="{40BDC933-FD3F-4D16-9353-A241A67A8FE5}"/>
-              </a:ext>
-            </a:extLst>
-          </p:cNvPr>
-          <p:cNvSpPr txBox="1"/>
-          <p:nvPr/>
-        </p:nvSpPr>
-        <p:spPr>
-          <a:xfrm>
-            <a:off x="2770515" y="1487823"/>
-            <a:ext cx="1318187" cy="1184940"/>
-          </a:xfrm>
-          <a:prstGeom prst="rect">
-            <a:avLst/>
-          </a:prstGeom>
-          <a:noFill/>
-          <a:ln>
-            <a:solidFill>
-              <a:srgbClr val="969696"/>
-            </a:solidFill>
-          </a:ln>
-        </p:spPr>
-        <p:txBody>
-          <a:bodyPr wrap="square" rtlCol="0">
-            <a:spAutoFit/>
-          </a:bodyPr>
-          <a:lstStyle/>
-          <a:p>
-            <a:pPr algn="ctr"/>
-            <a:r>
-              <a:rPr lang="en-GB" sz="1200" dirty="0">
-                <a:solidFill>
-                  <a:schemeClr val="bg1">
-                    <a:lumMod val="50000"/>
-                  </a:schemeClr>
-                </a:solidFill>
-              </a:rPr>
-              <a:t># Comments</a:t>
-            </a:r>
-          </a:p>
-          <a:p>
-            <a:pPr algn="ctr"/>
-            <a:r>
-              <a:rPr lang="en-GB" sz="1200" dirty="0">
-                <a:solidFill>
-                  <a:schemeClr val="bg1">
-                    <a:lumMod val="50000"/>
-                  </a:schemeClr>
-                </a:solidFill>
-              </a:rPr>
-              <a:t>G</a:t>
-            </a:r>
-            <a:r>
-              <a:rPr lang="en-GB" sz="1200" baseline="-25000" dirty="0">
-                <a:solidFill>
-                  <a:schemeClr val="bg1">
-                    <a:lumMod val="50000"/>
-                  </a:schemeClr>
-                </a:solidFill>
-              </a:rPr>
-              <a:t>1</a:t>
-            </a:r>
-            <a:r>
-              <a:rPr lang="en-GB" sz="1200" dirty="0">
-                <a:solidFill>
-                  <a:schemeClr val="bg1">
-                    <a:lumMod val="50000"/>
-                  </a:schemeClr>
-                </a:solidFill>
-              </a:rPr>
-              <a:t> S</a:t>
-            </a:r>
-            <a:r>
-              <a:rPr lang="en-GB" sz="1200" baseline="-25000" dirty="0">
-                <a:solidFill>
-                  <a:schemeClr val="bg1">
-                    <a:lumMod val="50000"/>
-                  </a:schemeClr>
-                </a:solidFill>
-              </a:rPr>
-              <a:t>1</a:t>
-            </a:r>
-            <a:endParaRPr lang="en-GB" sz="1200" dirty="0">
-              <a:solidFill>
-                <a:schemeClr val="bg1">
-                  <a:lumMod val="50000"/>
-                </a:schemeClr>
-              </a:solidFill>
-            </a:endParaRPr>
-          </a:p>
-          <a:p>
-            <a:pPr algn="ctr"/>
-            <a:r>
-              <a:rPr lang="en-GB" sz="1200" dirty="0">
-                <a:solidFill>
-                  <a:schemeClr val="bg1">
-                    <a:lumMod val="50000"/>
-                  </a:schemeClr>
-                </a:solidFill>
-              </a:rPr>
-              <a:t>G</a:t>
-            </a:r>
-            <a:r>
-              <a:rPr lang="en-GB" sz="1200" baseline="-25000" dirty="0">
-                <a:solidFill>
-                  <a:schemeClr val="bg1">
-                    <a:lumMod val="50000"/>
-                  </a:schemeClr>
-                </a:solidFill>
-              </a:rPr>
-              <a:t>2</a:t>
-            </a:r>
-            <a:r>
-              <a:rPr lang="en-GB" sz="1200" dirty="0">
-                <a:solidFill>
-                  <a:schemeClr val="bg1">
-                    <a:lumMod val="50000"/>
-                  </a:schemeClr>
-                </a:solidFill>
-              </a:rPr>
-              <a:t> S</a:t>
-            </a:r>
-            <a:r>
-              <a:rPr lang="en-GB" sz="1200" baseline="-25000" dirty="0">
-                <a:solidFill>
-                  <a:schemeClr val="bg1">
-                    <a:lumMod val="50000"/>
-                  </a:schemeClr>
-                </a:solidFill>
-              </a:rPr>
-              <a:t>1</a:t>
-            </a:r>
-          </a:p>
-          <a:p>
-            <a:pPr algn="ctr"/>
-            <a:r>
-              <a:rPr lang="en-GB" sz="1200" dirty="0">
-                <a:solidFill>
-                  <a:schemeClr val="bg1">
-                    <a:lumMod val="50000"/>
-                  </a:schemeClr>
-                </a:solidFill>
-              </a:rPr>
-              <a:t>Taxonomy ID</a:t>
-            </a:r>
-            <a:r>
-              <a:rPr lang="en-GB" sz="1200" baseline="-25000" dirty="0">
-                <a:solidFill>
-                  <a:schemeClr val="bg1">
-                    <a:lumMod val="50000"/>
-                  </a:schemeClr>
-                </a:solidFill>
-              </a:rPr>
-              <a:t>1</a:t>
-            </a:r>
-            <a:endParaRPr lang="en-GB" sz="1200" dirty="0">
-              <a:solidFill>
-                <a:schemeClr val="bg1">
-                  <a:lumMod val="50000"/>
-                </a:schemeClr>
-              </a:solidFill>
-            </a:endParaRPr>
-          </a:p>
-          <a:p>
-            <a:pPr algn="ctr"/>
-            <a:r>
-              <a:rPr lang="en-GB" sz="1200" dirty="0">
-                <a:solidFill>
-                  <a:schemeClr val="bg1">
-                    <a:lumMod val="50000"/>
-                  </a:schemeClr>
-                </a:solidFill>
-              </a:rPr>
-              <a:t>G</a:t>
-            </a:r>
-            <a:r>
-              <a:rPr lang="en-GB" sz="1200" baseline="-25000" dirty="0">
-                <a:solidFill>
-                  <a:schemeClr val="bg1">
-                    <a:lumMod val="50000"/>
-                  </a:schemeClr>
-                </a:solidFill>
-              </a:rPr>
-              <a:t>2 </a:t>
-            </a:r>
-            <a:r>
-              <a:rPr lang="en-GB" sz="1200" dirty="0">
-                <a:solidFill>
-                  <a:schemeClr val="bg1">
-                    <a:lumMod val="50000"/>
-                  </a:schemeClr>
-                </a:solidFill>
-              </a:rPr>
-              <a:t>S</a:t>
-            </a:r>
-            <a:r>
-              <a:rPr lang="en-GB" sz="1200" baseline="-25000" dirty="0">
-                <a:solidFill>
-                  <a:schemeClr val="bg1">
-                    <a:lumMod val="50000"/>
-                  </a:schemeClr>
-                </a:solidFill>
-              </a:rPr>
-              <a:t>2</a:t>
-            </a:r>
-            <a:endParaRPr lang="en-GB" sz="1100" baseline="-25000" dirty="0">
-              <a:solidFill>
-                <a:schemeClr val="bg1">
-                  <a:lumMod val="50000"/>
-                </a:schemeClr>
-              </a:solidFill>
-            </a:endParaRPr>
-          </a:p>
-          <a:p>
-            <a:pPr algn="ctr"/>
-            <a:r>
-              <a:rPr lang="en-GB" sz="1100" dirty="0">
-                <a:solidFill>
-                  <a:schemeClr val="bg1">
-                    <a:lumMod val="50000"/>
-                  </a:schemeClr>
-                </a:solidFill>
-              </a:rPr>
-              <a:t>Taxonomy ID</a:t>
-            </a:r>
-            <a:r>
-              <a:rPr lang="en-GB" sz="1100" baseline="-25000" dirty="0">
-                <a:solidFill>
-                  <a:schemeClr val="bg1">
-                    <a:lumMod val="50000"/>
-                  </a:schemeClr>
-                </a:solidFill>
-              </a:rPr>
-              <a:t>2</a:t>
-            </a:r>
-          </a:p>
-        </p:txBody>
-      </p:sp>
-      <p:sp>
-        <p:nvSpPr>
           <p:cNvPr id="10" name="TextBox 9">
             <a:extLst>
               <a:ext uri="{FF2B5EF4-FFF2-40B4-BE49-F238E27FC236}">
@@ -7067,8 +7742,8 @@
         </p:nvSpPr>
         <p:spPr>
           <a:xfrm>
-            <a:off x="4390775" y="833299"/>
-            <a:ext cx="2496322" cy="1277273"/>
+            <a:off x="1222960" y="1926585"/>
+            <a:ext cx="2496322" cy="938719"/>
           </a:xfrm>
           <a:prstGeom prst="rect">
             <a:avLst/>
@@ -7084,6 +7759,7 @@
           </a:bodyPr>
           <a:lstStyle/>
           <a:p>
+            <a:pPr algn="r"/>
             <a:r>
               <a:rPr lang="en-GB" sz="1100" b="1" i="1" dirty="0">
                 <a:solidFill>
@@ -7096,6 +7772,7 @@
             </a:r>
           </a:p>
           <a:p>
+            <a:pPr algn="r"/>
             <a:r>
               <a:rPr lang="en-GB" sz="1100" i="1" dirty="0">
                 <a:solidFill>
@@ -7104,10 +7781,11 @@
                   </a:schemeClr>
                 </a:solidFill>
               </a:rPr>
-              <a:t>Plain text file containing no blank lines</a:t>
-            </a:r>
-          </a:p>
-          <a:p>
+              <a:t>Plain text file, contains no blank lines</a:t>
+            </a:r>
+          </a:p>
+          <a:p>
+            <a:pPr algn="r"/>
             <a:r>
               <a:rPr lang="en-GB" sz="1100" i="1" dirty="0">
                 <a:solidFill>
@@ -7116,10 +7794,11 @@
                   </a:schemeClr>
                 </a:solidFill>
               </a:rPr>
-              <a:t>Each line contains a genus-species names or taxonomy ID of unique selected species</a:t>
-            </a:r>
-          </a:p>
-          <a:p>
+              <a:t>Each line contains a unique genus-species names or taxonomy ID</a:t>
+            </a:r>
+          </a:p>
+          <a:p>
+            <a:pPr algn="r"/>
             <a:r>
               <a:rPr lang="en-GB" sz="1100" i="1" dirty="0">
                 <a:solidFill>
@@ -7128,178 +7807,112 @@
                   </a:schemeClr>
                 </a:solidFill>
               </a:rPr>
-              <a:t>Comments are indicated by with the first line character ‘#’</a:t>
-            </a:r>
-            <a:endParaRPr lang="en-GB" sz="1050" i="1" dirty="0">
-              <a:solidFill>
-                <a:schemeClr val="bg1">
-                  <a:lumMod val="50000"/>
-                </a:schemeClr>
-              </a:solidFill>
-            </a:endParaRPr>
+              <a:t>‘#’ indicates comment</a:t>
+            </a:r>
           </a:p>
         </p:txBody>
       </p:sp>
-      <p:sp>
-        <p:nvSpPr>
-          <p:cNvPr id="8" name="TextBox 7">
+      <p:grpSp>
+        <p:nvGrpSpPr>
+          <p:cNvPr id="21" name="Group 20">
             <a:extLst>
               <a:ext uri="{FF2B5EF4-FFF2-40B4-BE49-F238E27FC236}">
-                <a16:creationId xmlns:a16="http://schemas.microsoft.com/office/drawing/2014/main" id="{62591C02-2E02-4608-8909-D3F003DE4743}"/>
+                <a16:creationId xmlns:a16="http://schemas.microsoft.com/office/drawing/2014/main" id="{EFF6AAA3-86BD-4CD9-8556-643D88C5C75D}"/>
               </a:ext>
             </a:extLst>
           </p:cNvPr>
-          <p:cNvSpPr txBox="1"/>
+          <p:cNvGrpSpPr/>
           <p:nvPr/>
-        </p:nvSpPr>
-        <p:spPr>
+        </p:nvGrpSpPr>
+        <p:grpSpPr>
           <a:xfrm>
-            <a:off x="2770515" y="862584"/>
-            <a:ext cx="1320567" cy="307777"/>
+            <a:off x="-115989" y="1111517"/>
+            <a:ext cx="2635902" cy="563003"/>
+            <a:chOff x="762556" y="1053308"/>
+            <a:chExt cx="2635902" cy="563003"/>
           </a:xfrm>
-          <a:prstGeom prst="rect">
-            <a:avLst/>
-          </a:prstGeom>
-          <a:noFill/>
-        </p:spPr>
-        <p:txBody>
-          <a:bodyPr wrap="square" rtlCol="0">
-            <a:spAutoFit/>
-          </a:bodyPr>
-          <a:lstStyle/>
-          <a:p>
-            <a:pPr algn="ctr"/>
-            <a:r>
-              <a:rPr lang="en-GB" sz="1400" b="1" dirty="0">
-                <a:solidFill>
-                  <a:schemeClr val="accent2"/>
-                </a:solidFill>
-              </a:rPr>
-              <a:t>Main()</a:t>
-            </a:r>
-          </a:p>
-        </p:txBody>
-      </p:sp>
-      <p:cxnSp>
-        <p:nvCxnSpPr>
-          <p:cNvPr id="58" name="Straight Connector 57">
-            <a:extLst>
-              <a:ext uri="{FF2B5EF4-FFF2-40B4-BE49-F238E27FC236}">
-                <a16:creationId xmlns:a16="http://schemas.microsoft.com/office/drawing/2014/main" id="{21A6E700-2226-4C64-9049-BE049E0E172F}"/>
-              </a:ext>
-            </a:extLst>
-          </p:cNvPr>
-          <p:cNvCxnSpPr>
-            <a:cxnSpLocks/>
-          </p:cNvCxnSpPr>
-          <p:nvPr/>
-        </p:nvCxnSpPr>
-        <p:spPr>
-          <a:xfrm flipH="1">
-            <a:off x="3594100" y="2362200"/>
-            <a:ext cx="1537444" cy="0"/>
-          </a:xfrm>
-          <a:prstGeom prst="line">
-            <a:avLst/>
-          </a:prstGeom>
-        </p:spPr>
-        <p:style>
-          <a:lnRef idx="1">
-            <a:schemeClr val="accent1"/>
-          </a:lnRef>
-          <a:fillRef idx="0">
-            <a:schemeClr val="accent1"/>
-          </a:fillRef>
-          <a:effectRef idx="0">
-            <a:schemeClr val="accent1"/>
-          </a:effectRef>
-          <a:fontRef idx="minor">
-            <a:schemeClr val="tx1"/>
-          </a:fontRef>
-        </p:style>
-      </p:cxnSp>
-      <p:sp>
-        <p:nvSpPr>
-          <p:cNvPr id="63" name="TextBox 62">
-            <a:extLst>
-              <a:ext uri="{FF2B5EF4-FFF2-40B4-BE49-F238E27FC236}">
-                <a16:creationId xmlns:a16="http://schemas.microsoft.com/office/drawing/2014/main" id="{BA7E861F-343E-4653-95E1-F5C9EA4F049C}"/>
-              </a:ext>
-            </a:extLst>
-          </p:cNvPr>
-          <p:cNvSpPr txBox="1"/>
-          <p:nvPr/>
-        </p:nvSpPr>
-        <p:spPr>
-          <a:xfrm>
-            <a:off x="4169427" y="2791731"/>
-            <a:ext cx="2684400" cy="461665"/>
-          </a:xfrm>
-          <a:prstGeom prst="rect">
-            <a:avLst/>
-          </a:prstGeom>
-          <a:noFill/>
-        </p:spPr>
-        <p:txBody>
-          <a:bodyPr wrap="square" rtlCol="0">
-            <a:spAutoFit/>
-          </a:bodyPr>
-          <a:lstStyle/>
-          <a:p>
-            <a:pPr algn="ctr"/>
-            <a:r>
-              <a:rPr lang="en-GB" sz="1200" b="1" dirty="0" err="1">
-                <a:solidFill>
-                  <a:schemeClr val="accent2">
-                    <a:lumMod val="50000"/>
-                  </a:schemeClr>
-                </a:solidFill>
-              </a:rPr>
-              <a:t>get_tax_ID</a:t>
-            </a:r>
-            <a:r>
-              <a:rPr lang="en-GB" sz="1200" b="1" dirty="0">
-                <a:solidFill>
-                  <a:schemeClr val="accent2">
-                    <a:lumMod val="50000"/>
-                  </a:schemeClr>
-                </a:solidFill>
-              </a:rPr>
-              <a:t>(</a:t>
-            </a:r>
-            <a:r>
-              <a:rPr lang="en-GB" sz="1200" dirty="0" err="1">
-                <a:solidFill>
-                  <a:schemeClr val="accent2">
-                    <a:lumMod val="50000"/>
-                  </a:schemeClr>
-                </a:solidFill>
-              </a:rPr>
-              <a:t>genus_species</a:t>
-            </a:r>
-            <a:r>
-              <a:rPr lang="en-GB" sz="1200" b="1" dirty="0">
-                <a:solidFill>
-                  <a:schemeClr val="accent2">
-                    <a:lumMod val="50000"/>
-                  </a:schemeClr>
-                </a:solidFill>
-              </a:rPr>
-              <a:t>)</a:t>
-            </a:r>
-          </a:p>
-          <a:p>
-            <a:pPr algn="ctr"/>
-            <a:endParaRPr lang="en-GB" sz="1200" b="1" dirty="0">
-              <a:solidFill>
-                <a:schemeClr val="accent2">
-                  <a:lumMod val="50000"/>
-                </a:schemeClr>
-              </a:solidFill>
-            </a:endParaRPr>
-          </a:p>
-        </p:txBody>
-      </p:sp>
+        </p:grpSpPr>
+        <p:sp>
+          <p:nvSpPr>
+            <p:cNvPr id="5" name="TextBox 4">
+              <a:extLst>
+                <a:ext uri="{FF2B5EF4-FFF2-40B4-BE49-F238E27FC236}">
+                  <a16:creationId xmlns:a16="http://schemas.microsoft.com/office/drawing/2014/main" id="{6E0F67F3-BB23-480C-A7D9-D85A7BA87E62}"/>
+                </a:ext>
+              </a:extLst>
+            </p:cNvPr>
+            <p:cNvSpPr txBox="1"/>
+            <p:nvPr/>
+          </p:nvSpPr>
+          <p:spPr>
+            <a:xfrm>
+              <a:off x="762556" y="1308534"/>
+              <a:ext cx="2635902" cy="307777"/>
+            </a:xfrm>
+            <a:prstGeom prst="rect">
+              <a:avLst/>
+            </a:prstGeom>
+            <a:noFill/>
+          </p:spPr>
+          <p:txBody>
+            <a:bodyPr wrap="square" rtlCol="0">
+              <a:spAutoFit/>
+            </a:bodyPr>
+            <a:lstStyle/>
+            <a:p>
+              <a:pPr algn="ctr"/>
+              <a:r>
+                <a:rPr lang="en-GB" sz="1400" dirty="0">
+                  <a:solidFill>
+                    <a:schemeClr val="accent2"/>
+                  </a:solidFill>
+                </a:rPr>
+                <a:t>Input file: ‘Species_list.txt’</a:t>
+              </a:r>
+            </a:p>
+          </p:txBody>
+        </p:sp>
+        <p:sp>
+          <p:nvSpPr>
+            <p:cNvPr id="8" name="TextBox 7">
+              <a:extLst>
+                <a:ext uri="{FF2B5EF4-FFF2-40B4-BE49-F238E27FC236}">
+                  <a16:creationId xmlns:a16="http://schemas.microsoft.com/office/drawing/2014/main" id="{62591C02-2E02-4608-8909-D3F003DE4743}"/>
+                </a:ext>
+              </a:extLst>
+            </p:cNvPr>
+            <p:cNvSpPr txBox="1"/>
+            <p:nvPr/>
+          </p:nvSpPr>
+          <p:spPr>
+            <a:xfrm>
+              <a:off x="1383914" y="1053308"/>
+              <a:ext cx="1320567" cy="307777"/>
+            </a:xfrm>
+            <a:prstGeom prst="rect">
+              <a:avLst/>
+            </a:prstGeom>
+            <a:noFill/>
+          </p:spPr>
+          <p:txBody>
+            <a:bodyPr wrap="square" rtlCol="0">
+              <a:spAutoFit/>
+            </a:bodyPr>
+            <a:lstStyle/>
+            <a:p>
+              <a:pPr algn="ctr"/>
+              <a:r>
+                <a:rPr lang="en-GB" sz="1400" b="1" dirty="0">
+                  <a:solidFill>
+                    <a:schemeClr val="accent2"/>
+                  </a:solidFill>
+                </a:rPr>
+                <a:t>Main()</a:t>
+              </a:r>
+            </a:p>
+          </p:txBody>
+        </p:sp>
+      </p:grpSp>
       <p:sp>
         <p:nvSpPr>
           <p:cNvPr id="65" name="TextBox 64">
@@ -7314,7 +7927,7 @@
         </p:nvSpPr>
         <p:spPr>
           <a:xfrm>
-            <a:off x="86429" y="2795764"/>
+            <a:off x="2202956" y="3296499"/>
             <a:ext cx="3261543" cy="276999"/>
           </a:xfrm>
           <a:prstGeom prst="rect">
@@ -7341,10 +7954,10 @@
       </p:sp>
       <p:grpSp>
         <p:nvGrpSpPr>
-          <p:cNvPr id="80" name="Group 79">
+          <p:cNvPr id="30" name="Group 29">
             <a:extLst>
               <a:ext uri="{FF2B5EF4-FFF2-40B4-BE49-F238E27FC236}">
-                <a16:creationId xmlns:a16="http://schemas.microsoft.com/office/drawing/2014/main" id="{668D2F41-0F0B-426D-AF61-463B03D38CAA}"/>
+                <a16:creationId xmlns:a16="http://schemas.microsoft.com/office/drawing/2014/main" id="{B8DA8E5C-752D-4C3E-B8E7-1F8BB37E8C81}"/>
               </a:ext>
             </a:extLst>
           </p:cNvPr>
@@ -7353,99 +7966,18 @@
         </p:nvGrpSpPr>
         <p:grpSpPr>
           <a:xfrm>
-            <a:off x="1667193" y="2163807"/>
-            <a:ext cx="1319554" cy="640021"/>
-            <a:chOff x="1667193" y="2163807"/>
-            <a:chExt cx="1319554" cy="640021"/>
+            <a:off x="6229900" y="3011160"/>
+            <a:ext cx="2723589" cy="811249"/>
+            <a:chOff x="6267411" y="3261284"/>
+            <a:chExt cx="2723589" cy="811249"/>
           </a:xfrm>
         </p:grpSpPr>
-        <p:cxnSp>
-          <p:nvCxnSpPr>
-            <p:cNvPr id="17" name="Straight Connector 16">
+        <p:sp>
+          <p:nvSpPr>
+            <p:cNvPr id="223" name="Rectangle: Rounded Corners 222">
               <a:extLst>
                 <a:ext uri="{FF2B5EF4-FFF2-40B4-BE49-F238E27FC236}">
-                  <a16:creationId xmlns:a16="http://schemas.microsoft.com/office/drawing/2014/main" id="{A06CB5EA-6871-432A-8D58-436F21C0EBC4}"/>
-                </a:ext>
-              </a:extLst>
-            </p:cNvPr>
-            <p:cNvCxnSpPr>
-              <a:cxnSpLocks/>
-            </p:cNvCxnSpPr>
-            <p:nvPr/>
-          </p:nvCxnSpPr>
-          <p:spPr>
-            <a:xfrm flipH="1" flipV="1">
-              <a:off x="1715400" y="2178050"/>
-              <a:ext cx="1271347" cy="0"/>
-            </a:xfrm>
-            <a:prstGeom prst="line">
-              <a:avLst/>
-            </a:prstGeom>
-          </p:spPr>
-          <p:style>
-            <a:lnRef idx="1">
-              <a:schemeClr val="accent1"/>
-            </a:lnRef>
-            <a:fillRef idx="0">
-              <a:schemeClr val="accent1"/>
-            </a:fillRef>
-            <a:effectRef idx="0">
-              <a:schemeClr val="accent1"/>
-            </a:effectRef>
-            <a:fontRef idx="minor">
-              <a:schemeClr val="tx1"/>
-            </a:fontRef>
-          </p:style>
-        </p:cxnSp>
-        <p:cxnSp>
-          <p:nvCxnSpPr>
-            <p:cNvPr id="42" name="Straight Connector 41">
-              <a:extLst>
-                <a:ext uri="{FF2B5EF4-FFF2-40B4-BE49-F238E27FC236}">
-                  <a16:creationId xmlns:a16="http://schemas.microsoft.com/office/drawing/2014/main" id="{4DB16D58-4053-4FB5-8049-60704698B65F}"/>
-                </a:ext>
-              </a:extLst>
-            </p:cNvPr>
-            <p:cNvCxnSpPr>
-              <a:cxnSpLocks/>
-              <a:stCxn id="65" idx="0"/>
-            </p:cNvCxnSpPr>
-            <p:nvPr/>
-          </p:nvCxnSpPr>
-          <p:spPr>
-            <a:xfrm flipV="1">
-              <a:off x="1717201" y="2178049"/>
-              <a:ext cx="0" cy="617715"/>
-            </a:xfrm>
-            <a:prstGeom prst="line">
-              <a:avLst/>
-            </a:prstGeom>
-            <a:ln>
-              <a:headEnd type="triangle" w="med" len="med"/>
-              <a:tailEnd type="none" w="med" len="med"/>
-            </a:ln>
-          </p:spPr>
-          <p:style>
-            <a:lnRef idx="1">
-              <a:schemeClr val="accent1"/>
-            </a:lnRef>
-            <a:fillRef idx="0">
-              <a:schemeClr val="accent1"/>
-            </a:fillRef>
-            <a:effectRef idx="0">
-              <a:schemeClr val="accent1"/>
-            </a:effectRef>
-            <a:fontRef idx="minor">
-              <a:schemeClr val="tx1"/>
-            </a:fontRef>
-          </p:style>
-        </p:cxnSp>
-        <p:sp>
-          <p:nvSpPr>
-            <p:cNvPr id="73" name="Rectangle 72">
-              <a:extLst>
-                <a:ext uri="{FF2B5EF4-FFF2-40B4-BE49-F238E27FC236}">
-                  <a16:creationId xmlns:a16="http://schemas.microsoft.com/office/drawing/2014/main" id="{0F452F18-2287-481B-B108-A598005A59E7}"/>
+                  <a16:creationId xmlns:a16="http://schemas.microsoft.com/office/drawing/2014/main" id="{417A31ED-1269-4020-8A10-8E6126768FBF}"/>
                 </a:ext>
               </a:extLst>
             </p:cNvPr>
@@ -7454,49 +7986,24 @@
           </p:nvSpPr>
           <p:spPr>
             <a:xfrm>
-              <a:off x="1717200" y="2164366"/>
-              <a:ext cx="1269547" cy="45719"/>
+              <a:off x="6285953" y="3284089"/>
+              <a:ext cx="2684400" cy="788444"/>
             </a:xfrm>
-            <a:prstGeom prst="rect">
+            <a:prstGeom prst="roundRect">
               <a:avLst/>
             </a:prstGeom>
-            <a:gradFill flip="none" rotWithShape="1">
-              <a:gsLst>
-                <a:gs pos="0">
-                  <a:schemeClr val="accent2">
-                    <a:lumMod val="50000"/>
-                    <a:shade val="30000"/>
-                    <a:satMod val="115000"/>
-                  </a:schemeClr>
-                </a:gs>
-                <a:gs pos="63000">
-                  <a:schemeClr val="accent2">
-                    <a:lumMod val="50000"/>
-                    <a:shade val="30000"/>
-                    <a:satMod val="115000"/>
-                  </a:schemeClr>
-                </a:gs>
-                <a:gs pos="81000">
-                  <a:schemeClr val="accent2">
-                    <a:lumMod val="50000"/>
-                    <a:shade val="67500"/>
-                    <a:satMod val="115000"/>
-                  </a:schemeClr>
-                </a:gs>
-                <a:gs pos="100000">
-                  <a:schemeClr val="accent2">
-                    <a:lumMod val="50000"/>
-                    <a:shade val="100000"/>
-                    <a:satMod val="115000"/>
-                  </a:schemeClr>
-                </a:gs>
-              </a:gsLst>
-              <a:lin ang="10800000" scaled="1"/>
-              <a:tileRect/>
-            </a:gradFill>
+            <a:solidFill>
+              <a:schemeClr val="accent2">
+                <a:lumMod val="20000"/>
+                <a:lumOff val="80000"/>
+              </a:schemeClr>
+            </a:solidFill>
             <a:ln>
               <a:solidFill>
-                <a:srgbClr val="501E00"/>
+                <a:schemeClr val="accent2">
+                  <a:lumMod val="60000"/>
+                  <a:lumOff val="40000"/>
+                </a:schemeClr>
               </a:solidFill>
             </a:ln>
           </p:spPr>
@@ -7527,10 +8034,218 @@
         </p:sp>
         <p:sp>
           <p:nvSpPr>
-            <p:cNvPr id="75" name="Rectangle 74">
+            <p:cNvPr id="63" name="TextBox 62">
               <a:extLst>
                 <a:ext uri="{FF2B5EF4-FFF2-40B4-BE49-F238E27FC236}">
-                  <a16:creationId xmlns:a16="http://schemas.microsoft.com/office/drawing/2014/main" id="{6CAC2E29-393D-422C-A857-879920604875}"/>
+                  <a16:creationId xmlns:a16="http://schemas.microsoft.com/office/drawing/2014/main" id="{BA7E861F-343E-4653-95E1-F5C9EA4F049C}"/>
+                </a:ext>
+              </a:extLst>
+            </p:cNvPr>
+            <p:cNvSpPr txBox="1"/>
+            <p:nvPr/>
+          </p:nvSpPr>
+          <p:spPr>
+            <a:xfrm>
+              <a:off x="6306600" y="3261284"/>
+              <a:ext cx="2684400" cy="461665"/>
+            </a:xfrm>
+            <a:prstGeom prst="rect">
+              <a:avLst/>
+            </a:prstGeom>
+            <a:noFill/>
+          </p:spPr>
+          <p:txBody>
+            <a:bodyPr wrap="square" rtlCol="0">
+              <a:spAutoFit/>
+            </a:bodyPr>
+            <a:lstStyle/>
+            <a:p>
+              <a:pPr algn="ctr"/>
+              <a:r>
+                <a:rPr lang="en-GB" sz="1200" b="1" dirty="0" err="1">
+                  <a:solidFill>
+                    <a:schemeClr val="accent2">
+                      <a:lumMod val="50000"/>
+                    </a:schemeClr>
+                  </a:solidFill>
+                </a:rPr>
+                <a:t>get_tax_ID</a:t>
+              </a:r>
+              <a:r>
+                <a:rPr lang="en-GB" sz="1200" b="1" dirty="0">
+                  <a:solidFill>
+                    <a:schemeClr val="accent2">
+                      <a:lumMod val="50000"/>
+                    </a:schemeClr>
+                  </a:solidFill>
+                </a:rPr>
+                <a:t>(</a:t>
+              </a:r>
+              <a:r>
+                <a:rPr lang="en-GB" sz="1200" dirty="0" err="1">
+                  <a:solidFill>
+                    <a:schemeClr val="accent2">
+                      <a:lumMod val="50000"/>
+                    </a:schemeClr>
+                  </a:solidFill>
+                </a:rPr>
+                <a:t>genus_species</a:t>
+              </a:r>
+              <a:r>
+                <a:rPr lang="en-GB" sz="1200" b="1" dirty="0">
+                  <a:solidFill>
+                    <a:schemeClr val="accent2">
+                      <a:lumMod val="50000"/>
+                    </a:schemeClr>
+                  </a:solidFill>
+                </a:rPr>
+                <a:t>)</a:t>
+              </a:r>
+            </a:p>
+            <a:p>
+              <a:pPr algn="ctr"/>
+              <a:endParaRPr lang="en-GB" sz="1200" b="1" dirty="0">
+                <a:solidFill>
+                  <a:schemeClr val="accent2">
+                    <a:lumMod val="50000"/>
+                  </a:schemeClr>
+                </a:solidFill>
+              </a:endParaRPr>
+            </a:p>
+          </p:txBody>
+        </p:sp>
+        <p:sp>
+          <p:nvSpPr>
+            <p:cNvPr id="93" name="TextBox 92">
+              <a:extLst>
+                <a:ext uri="{FF2B5EF4-FFF2-40B4-BE49-F238E27FC236}">
+                  <a16:creationId xmlns:a16="http://schemas.microsoft.com/office/drawing/2014/main" id="{2ACC4E54-B722-4808-BEA0-2A523D5B5FE1}"/>
+                </a:ext>
+              </a:extLst>
+            </p:cNvPr>
+            <p:cNvSpPr txBox="1"/>
+            <p:nvPr/>
+          </p:nvSpPr>
+          <p:spPr>
+            <a:xfrm>
+              <a:off x="6267411" y="3432194"/>
+              <a:ext cx="2684400" cy="600164"/>
+            </a:xfrm>
+            <a:prstGeom prst="rect">
+              <a:avLst/>
+            </a:prstGeom>
+            <a:noFill/>
+            <a:ln>
+              <a:noFill/>
+            </a:ln>
+          </p:spPr>
+          <p:txBody>
+            <a:bodyPr wrap="square" rtlCol="0">
+              <a:spAutoFit/>
+            </a:bodyPr>
+            <a:lstStyle/>
+            <a:p>
+              <a:pPr algn="ctr"/>
+              <a:r>
+                <a:rPr lang="en-GB" sz="1100" i="1" dirty="0">
+                  <a:solidFill>
+                    <a:schemeClr val="bg1">
+                      <a:lumMod val="50000"/>
+                    </a:schemeClr>
+                  </a:solidFill>
+                </a:rPr>
+                <a:t>Pass genus/species name</a:t>
+              </a:r>
+            </a:p>
+            <a:p>
+              <a:pPr algn="ctr"/>
+              <a:r>
+                <a:rPr lang="en-GB" sz="1100" i="1" dirty="0">
+                  <a:solidFill>
+                    <a:schemeClr val="bg1">
+                      <a:lumMod val="50000"/>
+                    </a:schemeClr>
+                  </a:solidFill>
+                </a:rPr>
+                <a:t>Use Entrez </a:t>
+              </a:r>
+              <a:r>
+                <a:rPr lang="en-GB" sz="1100" i="1" dirty="0" err="1">
+                  <a:solidFill>
+                    <a:schemeClr val="bg1">
+                      <a:lumMod val="50000"/>
+                    </a:schemeClr>
+                  </a:solidFill>
+                </a:rPr>
+                <a:t>esearch</a:t>
+              </a:r>
+              <a:r>
+                <a:rPr lang="en-GB" sz="1100" i="1" dirty="0">
+                  <a:solidFill>
+                    <a:schemeClr val="bg1">
+                      <a:lumMod val="50000"/>
+                    </a:schemeClr>
+                  </a:solidFill>
+                </a:rPr>
+                <a:t> to pull down NCBI taxonomy ID, adding ‘</a:t>
+              </a:r>
+              <a:r>
+                <a:rPr lang="en-GB" sz="1100" i="1" dirty="0" err="1">
+                  <a:solidFill>
+                    <a:schemeClr val="bg1">
+                      <a:lumMod val="50000"/>
+                    </a:schemeClr>
+                  </a:solidFill>
+                </a:rPr>
+                <a:t>NCBI:txid</a:t>
+              </a:r>
+              <a:r>
+                <a:rPr lang="en-GB" sz="1100" i="1" dirty="0">
+                  <a:solidFill>
+                    <a:schemeClr val="bg1">
+                      <a:lumMod val="50000"/>
+                    </a:schemeClr>
+                  </a:solidFill>
+                </a:rPr>
+                <a:t>’ prefix</a:t>
+              </a:r>
+              <a:endParaRPr lang="en-GB" sz="1050" i="1" dirty="0">
+                <a:solidFill>
+                  <a:schemeClr val="bg1">
+                    <a:lumMod val="50000"/>
+                  </a:schemeClr>
+                </a:solidFill>
+              </a:endParaRPr>
+            </a:p>
+          </p:txBody>
+        </p:sp>
+      </p:grpSp>
+      <p:grpSp>
+        <p:nvGrpSpPr>
+          <p:cNvPr id="26" name="Group 25">
+            <a:extLst>
+              <a:ext uri="{FF2B5EF4-FFF2-40B4-BE49-F238E27FC236}">
+                <a16:creationId xmlns:a16="http://schemas.microsoft.com/office/drawing/2014/main" id="{AE007212-860C-4E5B-8D6A-F081F9C0460A}"/>
+              </a:ext>
+            </a:extLst>
+          </p:cNvPr>
+          <p:cNvGrpSpPr/>
+          <p:nvPr/>
+        </p:nvGrpSpPr>
+        <p:grpSpPr>
+          <a:xfrm>
+            <a:off x="1897736" y="3029405"/>
+            <a:ext cx="3261543" cy="774760"/>
+            <a:chOff x="1882640" y="3263272"/>
+            <a:chExt cx="3261543" cy="774760"/>
+          </a:xfrm>
+        </p:grpSpPr>
+        <p:sp>
+          <p:nvSpPr>
+            <p:cNvPr id="221" name="Rectangle: Rounded Corners 220">
+              <a:extLst>
+                <a:ext uri="{FF2B5EF4-FFF2-40B4-BE49-F238E27FC236}">
+                  <a16:creationId xmlns:a16="http://schemas.microsoft.com/office/drawing/2014/main" id="{7578AA4B-B6E4-4A13-84C6-972A453A9CBB}"/>
                 </a:ext>
               </a:extLst>
             </p:cNvPr>
@@ -7538,21 +8253,25 @@
             <p:nvPr/>
           </p:nvSpPr>
           <p:spPr>
-            <a:xfrm rot="16200000">
-              <a:off x="1434254" y="2422093"/>
-              <a:ext cx="562291" cy="45720"/>
+            <a:xfrm>
+              <a:off x="2120699" y="3265698"/>
+              <a:ext cx="2684400" cy="772334"/>
             </a:xfrm>
-            <a:prstGeom prst="rect">
+            <a:prstGeom prst="roundRect">
               <a:avLst/>
             </a:prstGeom>
             <a:solidFill>
               <a:schemeClr val="accent2">
-                <a:lumMod val="50000"/>
+                <a:lumMod val="20000"/>
+                <a:lumOff val="80000"/>
               </a:schemeClr>
             </a:solidFill>
             <a:ln>
               <a:solidFill>
-                <a:srgbClr val="501E00"/>
+                <a:schemeClr val="accent2">
+                  <a:lumMod val="60000"/>
+                  <a:lumOff val="40000"/>
+                </a:schemeClr>
               </a:solidFill>
             </a:ln>
           </p:spPr>
@@ -7583,539 +8302,168 @@
         </p:sp>
         <p:sp>
           <p:nvSpPr>
-            <p:cNvPr id="76" name="Isosceles Triangle 75">
+            <p:cNvPr id="91" name="TextBox 90">
               <a:extLst>
                 <a:ext uri="{FF2B5EF4-FFF2-40B4-BE49-F238E27FC236}">
-                  <a16:creationId xmlns:a16="http://schemas.microsoft.com/office/drawing/2014/main" id="{F32D5BA1-6B68-45BC-ADCB-CEFE7C17BE46}"/>
+                  <a16:creationId xmlns:a16="http://schemas.microsoft.com/office/drawing/2014/main" id="{55663CD6-1F2E-426B-8993-DA46C23C51F1}"/>
                 </a:ext>
               </a:extLst>
             </p:cNvPr>
-            <p:cNvSpPr/>
+            <p:cNvSpPr txBox="1"/>
             <p:nvPr/>
           </p:nvSpPr>
           <p:spPr>
-            <a:xfrm rot="10800000">
-              <a:off x="1667193" y="2726097"/>
-              <a:ext cx="99694" cy="77731"/>
+            <a:xfrm>
+              <a:off x="2115735" y="3437867"/>
+              <a:ext cx="2701393" cy="600164"/>
             </a:xfrm>
-            <a:prstGeom prst="triangle">
+            <a:prstGeom prst="rect">
               <a:avLst/>
             </a:prstGeom>
-            <a:solidFill>
-              <a:schemeClr val="accent2">
-                <a:lumMod val="50000"/>
-              </a:schemeClr>
-            </a:solidFill>
+            <a:noFill/>
             <a:ln>
-              <a:solidFill>
-                <a:srgbClr val="501E00"/>
-              </a:solidFill>
+              <a:noFill/>
             </a:ln>
           </p:spPr>
-          <p:style>
-            <a:lnRef idx="2">
-              <a:schemeClr val="accent1">
-                <a:shade val="50000"/>
-              </a:schemeClr>
-            </a:lnRef>
-            <a:fillRef idx="1">
-              <a:schemeClr val="accent1"/>
-            </a:fillRef>
-            <a:effectRef idx="0">
-              <a:schemeClr val="accent1"/>
-            </a:effectRef>
-            <a:fontRef idx="minor">
-              <a:schemeClr val="lt1"/>
-            </a:fontRef>
-          </p:style>
           <p:txBody>
-            <a:bodyPr rtlCol="0" anchor="ctr"/>
+            <a:bodyPr wrap="square" rtlCol="0">
+              <a:spAutoFit/>
+            </a:bodyPr>
             <a:lstStyle/>
             <a:p>
               <a:pPr algn="ctr"/>
-              <a:endParaRPr lang="en-GB"/>
+              <a:r>
+                <a:rPr lang="en-GB" sz="1100" i="1" dirty="0">
+                  <a:solidFill>
+                    <a:schemeClr val="bg1">
+                      <a:lumMod val="50000"/>
+                    </a:schemeClr>
+                  </a:solidFill>
+                </a:rPr>
+                <a:t>Pass NCBI taxonomy ID</a:t>
+              </a:r>
+            </a:p>
+            <a:p>
+              <a:pPr algn="ctr"/>
+              <a:r>
+                <a:rPr lang="en-GB" sz="1100" i="1" dirty="0">
+                  <a:solidFill>
+                    <a:schemeClr val="bg1">
+                      <a:lumMod val="50000"/>
+                    </a:schemeClr>
+                  </a:solidFill>
+                </a:rPr>
+                <a:t>Use Entrez </a:t>
+              </a:r>
+              <a:r>
+                <a:rPr lang="en-GB" sz="1100" i="1" dirty="0" err="1">
+                  <a:solidFill>
+                    <a:schemeClr val="bg1">
+                      <a:lumMod val="50000"/>
+                    </a:schemeClr>
+                  </a:solidFill>
+                </a:rPr>
+                <a:t>efetch</a:t>
+              </a:r>
+              <a:r>
+                <a:rPr lang="en-GB" sz="1100" i="1" dirty="0">
+                  <a:solidFill>
+                    <a:schemeClr val="bg1">
+                      <a:lumMod val="50000"/>
+                    </a:schemeClr>
+                  </a:solidFill>
+                </a:rPr>
+                <a:t> to pull down genus/species name</a:t>
+              </a:r>
+              <a:endParaRPr lang="en-GB" sz="1050" i="1" dirty="0">
+                <a:solidFill>
+                  <a:schemeClr val="bg1">
+                    <a:lumMod val="50000"/>
+                  </a:schemeClr>
+                </a:solidFill>
+              </a:endParaRPr>
             </a:p>
           </p:txBody>
         </p:sp>
         <p:sp>
           <p:nvSpPr>
-            <p:cNvPr id="77" name="Rectangle 76">
+            <p:cNvPr id="134" name="TextBox 133">
               <a:extLst>
                 <a:ext uri="{FF2B5EF4-FFF2-40B4-BE49-F238E27FC236}">
-                  <a16:creationId xmlns:a16="http://schemas.microsoft.com/office/drawing/2014/main" id="{2E9999A9-6956-40A4-A860-9F2E3B89A70E}"/>
+                  <a16:creationId xmlns:a16="http://schemas.microsoft.com/office/drawing/2014/main" id="{F11ED9AD-7F5C-4A61-85F1-6566197B709B}"/>
                 </a:ext>
               </a:extLst>
             </p:cNvPr>
-            <p:cNvSpPr/>
+            <p:cNvSpPr txBox="1"/>
             <p:nvPr/>
           </p:nvSpPr>
           <p:spPr>
             <a:xfrm>
-              <a:off x="1727102" y="2172695"/>
-              <a:ext cx="32400" cy="32400"/>
+              <a:off x="1882640" y="3263272"/>
+              <a:ext cx="3261543" cy="276999"/>
             </a:xfrm>
             <a:prstGeom prst="rect">
               <a:avLst/>
             </a:prstGeom>
-            <a:solidFill>
-              <a:schemeClr val="accent2">
-                <a:lumMod val="50000"/>
-              </a:schemeClr>
-            </a:solidFill>
-            <a:ln>
-              <a:noFill/>
-            </a:ln>
+            <a:noFill/>
           </p:spPr>
-          <p:style>
-            <a:lnRef idx="2">
-              <a:schemeClr val="accent1">
-                <a:shade val="50000"/>
-              </a:schemeClr>
-            </a:lnRef>
-            <a:fillRef idx="1">
-              <a:schemeClr val="accent1"/>
-            </a:fillRef>
-            <a:effectRef idx="0">
-              <a:schemeClr val="accent1"/>
-            </a:effectRef>
-            <a:fontRef idx="minor">
-              <a:schemeClr val="lt1"/>
-            </a:fontRef>
-          </p:style>
           <p:txBody>
-            <a:bodyPr rtlCol="0" anchor="ctr"/>
+            <a:bodyPr wrap="square" rtlCol="0">
+              <a:spAutoFit/>
+            </a:bodyPr>
             <a:lstStyle/>
             <a:p>
               <a:pPr algn="ctr"/>
-              <a:endParaRPr lang="en-GB"/>
-            </a:p>
-          </p:txBody>
-        </p:sp>
-        <p:sp>
-          <p:nvSpPr>
-            <p:cNvPr id="79" name="Rectangle 78">
-              <a:extLst>
-                <a:ext uri="{FF2B5EF4-FFF2-40B4-BE49-F238E27FC236}">
-                  <a16:creationId xmlns:a16="http://schemas.microsoft.com/office/drawing/2014/main" id="{0FFBF8A8-F8FB-428F-90B0-F773EBCD0F34}"/>
-                </a:ext>
-              </a:extLst>
-            </p:cNvPr>
-            <p:cNvSpPr/>
-            <p:nvPr/>
-          </p:nvSpPr>
-          <p:spPr>
-            <a:xfrm>
-              <a:off x="1701001" y="2709716"/>
-              <a:ext cx="32400" cy="32400"/>
-            </a:xfrm>
-            <a:prstGeom prst="rect">
-              <a:avLst/>
-            </a:prstGeom>
-            <a:solidFill>
-              <a:schemeClr val="accent2">
-                <a:lumMod val="50000"/>
-              </a:schemeClr>
-            </a:solidFill>
-            <a:ln>
-              <a:noFill/>
-            </a:ln>
-          </p:spPr>
-          <p:style>
-            <a:lnRef idx="2">
-              <a:schemeClr val="accent1">
-                <a:shade val="50000"/>
-              </a:schemeClr>
-            </a:lnRef>
-            <a:fillRef idx="1">
-              <a:schemeClr val="accent1"/>
-            </a:fillRef>
-            <a:effectRef idx="0">
-              <a:schemeClr val="accent1"/>
-            </a:effectRef>
-            <a:fontRef idx="minor">
-              <a:schemeClr val="lt1"/>
-            </a:fontRef>
-          </p:style>
-          <p:txBody>
-            <a:bodyPr rtlCol="0" anchor="ctr"/>
-            <a:lstStyle/>
-            <a:p>
-              <a:pPr algn="ctr"/>
-              <a:endParaRPr lang="en-GB"/>
-            </a:p>
-          </p:txBody>
-        </p:sp>
-      </p:grpSp>
-      <p:grpSp>
-        <p:nvGrpSpPr>
-          <p:cNvPr id="89" name="Group 88">
-            <a:extLst>
-              <a:ext uri="{FF2B5EF4-FFF2-40B4-BE49-F238E27FC236}">
-                <a16:creationId xmlns:a16="http://schemas.microsoft.com/office/drawing/2014/main" id="{8199B7B4-D01A-4B67-AEEA-F1F63FA9BB52}"/>
-              </a:ext>
-            </a:extLst>
-          </p:cNvPr>
-          <p:cNvGrpSpPr/>
-          <p:nvPr/>
-        </p:nvGrpSpPr>
-        <p:grpSpPr>
-          <a:xfrm flipH="1">
-            <a:off x="3603292" y="2339760"/>
-            <a:ext cx="1587516" cy="460167"/>
-            <a:chOff x="1667193" y="2163806"/>
-            <a:chExt cx="1585538" cy="460167"/>
-          </a:xfrm>
-        </p:grpSpPr>
-        <p:cxnSp>
-          <p:nvCxnSpPr>
-            <p:cNvPr id="82" name="Straight Connector 81">
-              <a:extLst>
-                <a:ext uri="{FF2B5EF4-FFF2-40B4-BE49-F238E27FC236}">
-                  <a16:creationId xmlns:a16="http://schemas.microsoft.com/office/drawing/2014/main" id="{735B2541-FA69-45E9-9841-AF491FB0F8D2}"/>
-                </a:ext>
-              </a:extLst>
-            </p:cNvPr>
-            <p:cNvCxnSpPr>
-              <a:cxnSpLocks/>
-            </p:cNvCxnSpPr>
-            <p:nvPr/>
-          </p:nvCxnSpPr>
-          <p:spPr>
-            <a:xfrm flipH="1" flipV="1">
-              <a:off x="1715400" y="2178050"/>
-              <a:ext cx="1271347" cy="0"/>
-            </a:xfrm>
-            <a:prstGeom prst="line">
-              <a:avLst/>
-            </a:prstGeom>
-          </p:spPr>
-          <p:style>
-            <a:lnRef idx="1">
-              <a:schemeClr val="accent1"/>
-            </a:lnRef>
-            <a:fillRef idx="0">
-              <a:schemeClr val="accent1"/>
-            </a:fillRef>
-            <a:effectRef idx="0">
-              <a:schemeClr val="accent1"/>
-            </a:effectRef>
-            <a:fontRef idx="minor">
-              <a:schemeClr val="tx1"/>
-            </a:fontRef>
-          </p:style>
-        </p:cxnSp>
-        <p:sp>
-          <p:nvSpPr>
-            <p:cNvPr id="84" name="Rectangle 83">
-              <a:extLst>
-                <a:ext uri="{FF2B5EF4-FFF2-40B4-BE49-F238E27FC236}">
-                  <a16:creationId xmlns:a16="http://schemas.microsoft.com/office/drawing/2014/main" id="{1B2D9763-CF74-40AE-A378-376102FA2B04}"/>
-                </a:ext>
-              </a:extLst>
-            </p:cNvPr>
-            <p:cNvSpPr/>
-            <p:nvPr/>
-          </p:nvSpPr>
-          <p:spPr>
-            <a:xfrm>
-              <a:off x="1717201" y="2164366"/>
-              <a:ext cx="1535530" cy="45719"/>
-            </a:xfrm>
-            <a:prstGeom prst="rect">
-              <a:avLst/>
-            </a:prstGeom>
-            <a:gradFill flip="none" rotWithShape="1">
-              <a:gsLst>
-                <a:gs pos="0">
-                  <a:schemeClr val="accent2">
-                    <a:lumMod val="50000"/>
-                    <a:shade val="30000"/>
-                    <a:satMod val="115000"/>
-                  </a:schemeClr>
-                </a:gs>
-                <a:gs pos="63000">
-                  <a:schemeClr val="accent2">
-                    <a:lumMod val="50000"/>
-                    <a:shade val="30000"/>
-                    <a:satMod val="115000"/>
-                  </a:schemeClr>
-                </a:gs>
-                <a:gs pos="81000">
-                  <a:schemeClr val="accent2">
-                    <a:lumMod val="50000"/>
-                    <a:shade val="67500"/>
-                    <a:satMod val="115000"/>
-                  </a:schemeClr>
-                </a:gs>
-                <a:gs pos="100000">
-                  <a:schemeClr val="accent2">
-                    <a:lumMod val="50000"/>
-                    <a:shade val="100000"/>
-                    <a:satMod val="115000"/>
-                  </a:schemeClr>
-                </a:gs>
-              </a:gsLst>
-              <a:lin ang="10800000" scaled="1"/>
-              <a:tileRect/>
-            </a:gradFill>
-            <a:ln>
-              <a:solidFill>
-                <a:srgbClr val="501E00"/>
-              </a:solidFill>
-            </a:ln>
-          </p:spPr>
-          <p:style>
-            <a:lnRef idx="2">
-              <a:schemeClr val="accent1">
-                <a:shade val="50000"/>
-              </a:schemeClr>
-            </a:lnRef>
-            <a:fillRef idx="1">
-              <a:schemeClr val="accent1"/>
-            </a:fillRef>
-            <a:effectRef idx="0">
-              <a:schemeClr val="accent1"/>
-            </a:effectRef>
-            <a:fontRef idx="minor">
-              <a:schemeClr val="lt1"/>
-            </a:fontRef>
-          </p:style>
-          <p:txBody>
-            <a:bodyPr rtlCol="0" anchor="ctr"/>
-            <a:lstStyle/>
-            <a:p>
-              <a:pPr algn="ctr"/>
-              <a:endParaRPr lang="en-GB"/>
-            </a:p>
-          </p:txBody>
-        </p:sp>
-        <p:sp>
-          <p:nvSpPr>
-            <p:cNvPr id="85" name="Rectangle 84">
-              <a:extLst>
-                <a:ext uri="{FF2B5EF4-FFF2-40B4-BE49-F238E27FC236}">
-                  <a16:creationId xmlns:a16="http://schemas.microsoft.com/office/drawing/2014/main" id="{7E81EB9B-ED5B-4794-9FE1-31CAA33EAB17}"/>
-                </a:ext>
-              </a:extLst>
-            </p:cNvPr>
-            <p:cNvSpPr/>
-            <p:nvPr/>
-          </p:nvSpPr>
-          <p:spPr>
-            <a:xfrm rot="16200000">
-              <a:off x="1522261" y="2334143"/>
-              <a:ext cx="386336" cy="45662"/>
-            </a:xfrm>
-            <a:prstGeom prst="rect">
-              <a:avLst/>
-            </a:prstGeom>
-            <a:solidFill>
-              <a:schemeClr val="accent2">
-                <a:lumMod val="50000"/>
-              </a:schemeClr>
-            </a:solidFill>
-            <a:ln>
-              <a:solidFill>
-                <a:srgbClr val="501E00"/>
-              </a:solidFill>
-            </a:ln>
-          </p:spPr>
-          <p:style>
-            <a:lnRef idx="2">
-              <a:schemeClr val="accent1">
-                <a:shade val="50000"/>
-              </a:schemeClr>
-            </a:lnRef>
-            <a:fillRef idx="1">
-              <a:schemeClr val="accent1"/>
-            </a:fillRef>
-            <a:effectRef idx="0">
-              <a:schemeClr val="accent1"/>
-            </a:effectRef>
-            <a:fontRef idx="minor">
-              <a:schemeClr val="lt1"/>
-            </a:fontRef>
-          </p:style>
-          <p:txBody>
-            <a:bodyPr rtlCol="0" anchor="ctr"/>
-            <a:lstStyle/>
-            <a:p>
-              <a:pPr algn="ctr"/>
-              <a:endParaRPr lang="en-GB"/>
-            </a:p>
-          </p:txBody>
-        </p:sp>
-        <p:sp>
-          <p:nvSpPr>
-            <p:cNvPr id="86" name="Isosceles Triangle 85">
-              <a:extLst>
-                <a:ext uri="{FF2B5EF4-FFF2-40B4-BE49-F238E27FC236}">
-                  <a16:creationId xmlns:a16="http://schemas.microsoft.com/office/drawing/2014/main" id="{995525E6-611C-40DC-8859-C1238BE997C4}"/>
-                </a:ext>
-              </a:extLst>
-            </p:cNvPr>
-            <p:cNvSpPr/>
-            <p:nvPr/>
-          </p:nvSpPr>
-          <p:spPr>
-            <a:xfrm rot="10800000">
-              <a:off x="1667193" y="2546242"/>
-              <a:ext cx="99694" cy="77731"/>
-            </a:xfrm>
-            <a:prstGeom prst="triangle">
-              <a:avLst/>
-            </a:prstGeom>
-            <a:solidFill>
-              <a:schemeClr val="accent2">
-                <a:lumMod val="50000"/>
-              </a:schemeClr>
-            </a:solidFill>
-            <a:ln>
-              <a:solidFill>
-                <a:srgbClr val="501E00"/>
-              </a:solidFill>
-            </a:ln>
-          </p:spPr>
-          <p:style>
-            <a:lnRef idx="2">
-              <a:schemeClr val="accent1">
-                <a:shade val="50000"/>
-              </a:schemeClr>
-            </a:lnRef>
-            <a:fillRef idx="1">
-              <a:schemeClr val="accent1"/>
-            </a:fillRef>
-            <a:effectRef idx="0">
-              <a:schemeClr val="accent1"/>
-            </a:effectRef>
-            <a:fontRef idx="minor">
-              <a:schemeClr val="lt1"/>
-            </a:fontRef>
-          </p:style>
-          <p:txBody>
-            <a:bodyPr rtlCol="0" anchor="ctr"/>
-            <a:lstStyle/>
-            <a:p>
-              <a:pPr algn="ctr"/>
-              <a:endParaRPr lang="en-GB"/>
-            </a:p>
-          </p:txBody>
-        </p:sp>
-        <p:sp>
-          <p:nvSpPr>
-            <p:cNvPr id="87" name="Rectangle 86">
-              <a:extLst>
-                <a:ext uri="{FF2B5EF4-FFF2-40B4-BE49-F238E27FC236}">
-                  <a16:creationId xmlns:a16="http://schemas.microsoft.com/office/drawing/2014/main" id="{9932E401-4B20-4A13-B3C2-930625E614CF}"/>
-                </a:ext>
-              </a:extLst>
-            </p:cNvPr>
-            <p:cNvSpPr/>
-            <p:nvPr/>
-          </p:nvSpPr>
-          <p:spPr>
-            <a:xfrm>
-              <a:off x="1727102" y="2172695"/>
-              <a:ext cx="32400" cy="32400"/>
-            </a:xfrm>
-            <a:prstGeom prst="rect">
-              <a:avLst/>
-            </a:prstGeom>
-            <a:solidFill>
-              <a:schemeClr val="accent2">
-                <a:lumMod val="50000"/>
-              </a:schemeClr>
-            </a:solidFill>
-            <a:ln>
-              <a:noFill/>
-            </a:ln>
-          </p:spPr>
-          <p:style>
-            <a:lnRef idx="2">
-              <a:schemeClr val="accent1">
-                <a:shade val="50000"/>
-              </a:schemeClr>
-            </a:lnRef>
-            <a:fillRef idx="1">
-              <a:schemeClr val="accent1"/>
-            </a:fillRef>
-            <a:effectRef idx="0">
-              <a:schemeClr val="accent1"/>
-            </a:effectRef>
-            <a:fontRef idx="minor">
-              <a:schemeClr val="lt1"/>
-            </a:fontRef>
-          </p:style>
-          <p:txBody>
-            <a:bodyPr rtlCol="0" anchor="ctr"/>
-            <a:lstStyle/>
-            <a:p>
-              <a:pPr algn="ctr"/>
-              <a:endParaRPr lang="en-GB"/>
-            </a:p>
-          </p:txBody>
-        </p:sp>
-        <p:sp>
-          <p:nvSpPr>
-            <p:cNvPr id="88" name="Rectangle 87">
-              <a:extLst>
-                <a:ext uri="{FF2B5EF4-FFF2-40B4-BE49-F238E27FC236}">
-                  <a16:creationId xmlns:a16="http://schemas.microsoft.com/office/drawing/2014/main" id="{FE6F2F8A-5771-4F77-A2C9-10D37D7FD8EE}"/>
-                </a:ext>
-              </a:extLst>
-            </p:cNvPr>
-            <p:cNvSpPr/>
-            <p:nvPr/>
-          </p:nvSpPr>
-          <p:spPr>
-            <a:xfrm>
-              <a:off x="1698625" y="2529861"/>
-              <a:ext cx="32400" cy="32400"/>
-            </a:xfrm>
-            <a:prstGeom prst="rect">
-              <a:avLst/>
-            </a:prstGeom>
-            <a:solidFill>
-              <a:schemeClr val="accent2">
-                <a:lumMod val="50000"/>
-              </a:schemeClr>
-            </a:solidFill>
-            <a:ln>
-              <a:noFill/>
-            </a:ln>
-          </p:spPr>
-          <p:style>
-            <a:lnRef idx="2">
-              <a:schemeClr val="accent1">
-                <a:shade val="50000"/>
-              </a:schemeClr>
-            </a:lnRef>
-            <a:fillRef idx="1">
-              <a:schemeClr val="accent1"/>
-            </a:fillRef>
-            <a:effectRef idx="0">
-              <a:schemeClr val="accent1"/>
-            </a:effectRef>
-            <a:fontRef idx="minor">
-              <a:schemeClr val="lt1"/>
-            </a:fontRef>
-          </p:style>
-          <p:txBody>
-            <a:bodyPr rtlCol="0" anchor="ctr"/>
-            <a:lstStyle/>
-            <a:p>
-              <a:pPr algn="ctr"/>
-              <a:endParaRPr lang="en-GB"/>
+              <a:r>
+                <a:rPr lang="en-GB" sz="1200" b="1" dirty="0" err="1">
+                  <a:solidFill>
+                    <a:schemeClr val="accent2">
+                      <a:lumMod val="50000"/>
+                    </a:schemeClr>
+                  </a:solidFill>
+                </a:rPr>
+                <a:t>get_genus_species_name</a:t>
+              </a:r>
+              <a:r>
+                <a:rPr lang="en-GB" sz="1200" b="1" dirty="0">
+                  <a:solidFill>
+                    <a:schemeClr val="accent2">
+                      <a:lumMod val="50000"/>
+                    </a:schemeClr>
+                  </a:solidFill>
+                </a:rPr>
+                <a:t>(</a:t>
+              </a:r>
+              <a:r>
+                <a:rPr lang="en-GB" sz="1200" dirty="0" err="1">
+                  <a:solidFill>
+                    <a:schemeClr val="accent2">
+                      <a:lumMod val="50000"/>
+                    </a:schemeClr>
+                  </a:solidFill>
+                </a:rPr>
+                <a:t>taxonomy_id</a:t>
+              </a:r>
+              <a:r>
+                <a:rPr lang="en-GB" sz="1200" dirty="0">
+                  <a:solidFill>
+                    <a:schemeClr val="accent2">
+                      <a:lumMod val="50000"/>
+                    </a:schemeClr>
+                  </a:solidFill>
+                </a:rPr>
+                <a:t>)</a:t>
+              </a:r>
             </a:p>
           </p:txBody>
         </p:sp>
       </p:grpSp>
       <p:sp>
         <p:nvSpPr>
-          <p:cNvPr id="91" name="TextBox 90">
+          <p:cNvPr id="150" name="TextBox 149">
             <a:extLst>
               <a:ext uri="{FF2B5EF4-FFF2-40B4-BE49-F238E27FC236}">
-                <a16:creationId xmlns:a16="http://schemas.microsoft.com/office/drawing/2014/main" id="{55663CD6-1F2E-426B-8993-DA46C23C51F1}"/>
+                <a16:creationId xmlns:a16="http://schemas.microsoft.com/office/drawing/2014/main" id="{79C0777A-675D-4183-9CCA-54E6D7A3AB66}"/>
               </a:ext>
             </a:extLst>
           </p:cNvPr>
@@ -8124,8 +8472,8 @@
         </p:nvSpPr>
         <p:spPr>
           <a:xfrm>
-            <a:off x="0" y="2975364"/>
-            <a:ext cx="2701393" cy="600164"/>
+            <a:off x="3660435" y="3944926"/>
+            <a:ext cx="3711628" cy="769441"/>
           </a:xfrm>
           <a:prstGeom prst="rect">
             <a:avLst/>
@@ -8150,1820 +8498,7 @@
                   </a:schemeClr>
                 </a:solidFill>
               </a:rPr>
-              <a:t>Pass NCBI taxonomy ID</a:t>
-            </a:r>
-          </a:p>
-          <a:p>
-            <a:pPr algn="ctr"/>
-            <a:r>
-              <a:rPr lang="en-GB" sz="1100" i="1" dirty="0">
-                <a:solidFill>
-                  <a:schemeClr val="bg1">
-                    <a:lumMod val="50000"/>
-                  </a:schemeClr>
-                </a:solidFill>
-              </a:rPr>
-              <a:t>Use Entrez </a:t>
-            </a:r>
-            <a:r>
-              <a:rPr lang="en-GB" sz="1100" i="1" dirty="0" err="1">
-                <a:solidFill>
-                  <a:schemeClr val="bg1">
-                    <a:lumMod val="50000"/>
-                  </a:schemeClr>
-                </a:solidFill>
-              </a:rPr>
-              <a:t>e.fetch</a:t>
-            </a:r>
-            <a:r>
-              <a:rPr lang="en-GB" sz="1100" i="1" dirty="0">
-                <a:solidFill>
-                  <a:schemeClr val="bg1">
-                    <a:lumMod val="50000"/>
-                  </a:schemeClr>
-                </a:solidFill>
-              </a:rPr>
-              <a:t> to pull down genus/species name</a:t>
-            </a:r>
-            <a:endParaRPr lang="en-GB" sz="1050" i="1" dirty="0">
-              <a:solidFill>
-                <a:schemeClr val="bg1">
-                  <a:lumMod val="50000"/>
-                </a:schemeClr>
-              </a:solidFill>
-            </a:endParaRPr>
-          </a:p>
-        </p:txBody>
-      </p:sp>
-      <p:sp>
-        <p:nvSpPr>
-          <p:cNvPr id="93" name="TextBox 92">
-            <a:extLst>
-              <a:ext uri="{FF2B5EF4-FFF2-40B4-BE49-F238E27FC236}">
-                <a16:creationId xmlns:a16="http://schemas.microsoft.com/office/drawing/2014/main" id="{2ACC4E54-B722-4808-BEA0-2A523D5B5FE1}"/>
-              </a:ext>
-            </a:extLst>
-          </p:cNvPr>
-          <p:cNvSpPr txBox="1"/>
-          <p:nvPr/>
-        </p:nvSpPr>
-        <p:spPr>
-          <a:xfrm>
-            <a:off x="4169427" y="2968685"/>
-            <a:ext cx="2684400" cy="600164"/>
-          </a:xfrm>
-          <a:prstGeom prst="rect">
-            <a:avLst/>
-          </a:prstGeom>
-          <a:noFill/>
-          <a:ln>
-            <a:noFill/>
-          </a:ln>
-        </p:spPr>
-        <p:txBody>
-          <a:bodyPr wrap="square" rtlCol="0">
-            <a:spAutoFit/>
-          </a:bodyPr>
-          <a:lstStyle/>
-          <a:p>
-            <a:pPr algn="ctr"/>
-            <a:r>
-              <a:rPr lang="en-GB" sz="1100" i="1" dirty="0">
-                <a:solidFill>
-                  <a:schemeClr val="bg1">
-                    <a:lumMod val="50000"/>
-                  </a:schemeClr>
-                </a:solidFill>
-              </a:rPr>
-              <a:t>Pass genus/species name</a:t>
-            </a:r>
-          </a:p>
-          <a:p>
-            <a:pPr algn="ctr"/>
-            <a:r>
-              <a:rPr lang="en-GB" sz="1100" i="1" dirty="0">
-                <a:solidFill>
-                  <a:schemeClr val="bg1">
-                    <a:lumMod val="50000"/>
-                  </a:schemeClr>
-                </a:solidFill>
-              </a:rPr>
-              <a:t>Use Entrez </a:t>
-            </a:r>
-            <a:r>
-              <a:rPr lang="en-GB" sz="1100" i="1" dirty="0" err="1">
-                <a:solidFill>
-                  <a:schemeClr val="bg1">
-                    <a:lumMod val="50000"/>
-                  </a:schemeClr>
-                </a:solidFill>
-              </a:rPr>
-              <a:t>e.search</a:t>
-            </a:r>
-            <a:r>
-              <a:rPr lang="en-GB" sz="1100" i="1" dirty="0">
-                <a:solidFill>
-                  <a:schemeClr val="bg1">
-                    <a:lumMod val="50000"/>
-                  </a:schemeClr>
-                </a:solidFill>
-              </a:rPr>
-              <a:t> to pull down NCBI taxonomy ID, adding ‘</a:t>
-            </a:r>
-            <a:r>
-              <a:rPr lang="en-GB" sz="1100" i="1" dirty="0" err="1">
-                <a:solidFill>
-                  <a:schemeClr val="bg1">
-                    <a:lumMod val="50000"/>
-                  </a:schemeClr>
-                </a:solidFill>
-              </a:rPr>
-              <a:t>NCBI:txid</a:t>
-            </a:r>
-            <a:r>
-              <a:rPr lang="en-GB" sz="1100" i="1" dirty="0">
-                <a:solidFill>
-                  <a:schemeClr val="bg1">
-                    <a:lumMod val="50000"/>
-                  </a:schemeClr>
-                </a:solidFill>
-              </a:rPr>
-              <a:t>’ prefix</a:t>
-            </a:r>
-            <a:endParaRPr lang="en-GB" sz="1050" i="1" dirty="0">
-              <a:solidFill>
-                <a:schemeClr val="bg1">
-                  <a:lumMod val="50000"/>
-                </a:schemeClr>
-              </a:solidFill>
-            </a:endParaRPr>
-          </a:p>
-        </p:txBody>
-      </p:sp>
-      <p:sp>
-        <p:nvSpPr>
-          <p:cNvPr id="134" name="TextBox 133">
-            <a:extLst>
-              <a:ext uri="{FF2B5EF4-FFF2-40B4-BE49-F238E27FC236}">
-                <a16:creationId xmlns:a16="http://schemas.microsoft.com/office/drawing/2014/main" id="{F11ED9AD-7F5C-4A61-85F1-6566197B709B}"/>
-              </a:ext>
-            </a:extLst>
-          </p:cNvPr>
-          <p:cNvSpPr txBox="1"/>
-          <p:nvPr/>
-        </p:nvSpPr>
-        <p:spPr>
-          <a:xfrm>
-            <a:off x="-284399" y="2788329"/>
-            <a:ext cx="3261543" cy="276999"/>
-          </a:xfrm>
-          <a:prstGeom prst="rect">
-            <a:avLst/>
-          </a:prstGeom>
-          <a:noFill/>
-        </p:spPr>
-        <p:txBody>
-          <a:bodyPr wrap="square" rtlCol="0">
-            <a:spAutoFit/>
-          </a:bodyPr>
-          <a:lstStyle/>
-          <a:p>
-            <a:pPr algn="ctr"/>
-            <a:r>
-              <a:rPr lang="en-GB" sz="1200" b="1" dirty="0" err="1">
-                <a:solidFill>
-                  <a:schemeClr val="accent2">
-                    <a:lumMod val="50000"/>
-                  </a:schemeClr>
-                </a:solidFill>
-              </a:rPr>
-              <a:t>get_genus_species_name</a:t>
-            </a:r>
-            <a:r>
-              <a:rPr lang="en-GB" sz="1200" b="1" dirty="0">
-                <a:solidFill>
-                  <a:schemeClr val="accent2">
-                    <a:lumMod val="50000"/>
-                  </a:schemeClr>
-                </a:solidFill>
-              </a:rPr>
-              <a:t>(</a:t>
-            </a:r>
-            <a:r>
-              <a:rPr lang="en-GB" sz="1200" dirty="0" err="1">
-                <a:solidFill>
-                  <a:schemeClr val="accent2">
-                    <a:lumMod val="50000"/>
-                  </a:schemeClr>
-                </a:solidFill>
-              </a:rPr>
-              <a:t>taxonomy_id</a:t>
-            </a:r>
-            <a:r>
-              <a:rPr lang="en-GB" sz="1200" dirty="0">
-                <a:solidFill>
-                  <a:schemeClr val="accent2">
-                    <a:lumMod val="50000"/>
-                  </a:schemeClr>
-                </a:solidFill>
-              </a:rPr>
-              <a:t>)</a:t>
-            </a:r>
-          </a:p>
-        </p:txBody>
-      </p:sp>
-      <p:sp>
-        <p:nvSpPr>
-          <p:cNvPr id="138" name="Rectangle 137">
-            <a:extLst>
-              <a:ext uri="{FF2B5EF4-FFF2-40B4-BE49-F238E27FC236}">
-                <a16:creationId xmlns:a16="http://schemas.microsoft.com/office/drawing/2014/main" id="{0EC0B7F4-295D-45CF-AFA9-2AAA6CBDA7CC}"/>
-              </a:ext>
-            </a:extLst>
-          </p:cNvPr>
-          <p:cNvSpPr/>
-          <p:nvPr/>
-        </p:nvSpPr>
-        <p:spPr>
-          <a:xfrm rot="16200000">
-            <a:off x="2062711" y="2936437"/>
-            <a:ext cx="1588655" cy="45719"/>
-          </a:xfrm>
-          <a:prstGeom prst="rect">
-            <a:avLst/>
-          </a:prstGeom>
-          <a:gradFill flip="none" rotWithShape="1">
-            <a:gsLst>
-              <a:gs pos="0">
-                <a:schemeClr val="accent2">
-                  <a:lumMod val="50000"/>
-                  <a:shade val="30000"/>
-                  <a:satMod val="115000"/>
-                </a:schemeClr>
-              </a:gs>
-              <a:gs pos="26000">
-                <a:schemeClr val="accent2">
-                  <a:lumMod val="50000"/>
-                  <a:shade val="30000"/>
-                  <a:satMod val="115000"/>
-                </a:schemeClr>
-              </a:gs>
-              <a:gs pos="49000">
-                <a:schemeClr val="accent2">
-                  <a:lumMod val="50000"/>
-                  <a:shade val="67500"/>
-                  <a:satMod val="115000"/>
-                </a:schemeClr>
-              </a:gs>
-              <a:gs pos="99115">
-                <a:schemeClr val="accent2">
-                  <a:lumMod val="75000"/>
-                </a:schemeClr>
-              </a:gs>
-              <a:gs pos="76000">
-                <a:schemeClr val="accent2">
-                  <a:lumMod val="50000"/>
-                  <a:shade val="100000"/>
-                  <a:satMod val="115000"/>
-                </a:schemeClr>
-              </a:gs>
-            </a:gsLst>
-            <a:lin ang="10800000" scaled="1"/>
-            <a:tileRect/>
-          </a:gradFill>
-          <a:ln>
-            <a:solidFill>
-              <a:srgbClr val="501E00"/>
-            </a:solidFill>
-          </a:ln>
-        </p:spPr>
-        <p:style>
-          <a:lnRef idx="2">
-            <a:schemeClr val="accent1">
-              <a:shade val="50000"/>
-            </a:schemeClr>
-          </a:lnRef>
-          <a:fillRef idx="1">
-            <a:schemeClr val="accent1"/>
-          </a:fillRef>
-          <a:effectRef idx="0">
-            <a:schemeClr val="accent1"/>
-          </a:effectRef>
-          <a:fontRef idx="minor">
-            <a:schemeClr val="lt1"/>
-          </a:fontRef>
-        </p:style>
-        <p:txBody>
-          <a:bodyPr rtlCol="0" anchor="ctr"/>
-          <a:lstStyle/>
-          <a:p>
-            <a:pPr algn="ctr"/>
-            <a:endParaRPr lang="en-GB"/>
-          </a:p>
-        </p:txBody>
-      </p:sp>
-      <p:sp>
-        <p:nvSpPr>
-          <p:cNvPr id="140" name="Rectangle 139">
-            <a:extLst>
-              <a:ext uri="{FF2B5EF4-FFF2-40B4-BE49-F238E27FC236}">
-                <a16:creationId xmlns:a16="http://schemas.microsoft.com/office/drawing/2014/main" id="{35E1EB23-7E39-4014-A65D-C8B0A0AB9861}"/>
-              </a:ext>
-            </a:extLst>
-          </p:cNvPr>
-          <p:cNvSpPr/>
-          <p:nvPr/>
-        </p:nvSpPr>
-        <p:spPr>
-          <a:xfrm rot="16200000">
-            <a:off x="3241041" y="3022246"/>
-            <a:ext cx="1410693" cy="45719"/>
-          </a:xfrm>
-          <a:prstGeom prst="rect">
-            <a:avLst/>
-          </a:prstGeom>
-          <a:gradFill flip="none" rotWithShape="1">
-            <a:gsLst>
-              <a:gs pos="0">
-                <a:schemeClr val="accent2">
-                  <a:lumMod val="50000"/>
-                  <a:shade val="30000"/>
-                  <a:satMod val="115000"/>
-                </a:schemeClr>
-              </a:gs>
-              <a:gs pos="25000">
-                <a:schemeClr val="accent2">
-                  <a:lumMod val="50000"/>
-                  <a:shade val="30000"/>
-                  <a:satMod val="115000"/>
-                </a:schemeClr>
-              </a:gs>
-              <a:gs pos="50000">
-                <a:schemeClr val="accent2">
-                  <a:lumMod val="50000"/>
-                  <a:shade val="67500"/>
-                  <a:satMod val="115000"/>
-                </a:schemeClr>
-              </a:gs>
-              <a:gs pos="100000">
-                <a:schemeClr val="accent2">
-                  <a:lumMod val="75000"/>
-                </a:schemeClr>
-              </a:gs>
-              <a:gs pos="65000">
-                <a:schemeClr val="accent2">
-                  <a:lumMod val="50000"/>
-                  <a:shade val="100000"/>
-                  <a:satMod val="115000"/>
-                </a:schemeClr>
-              </a:gs>
-            </a:gsLst>
-            <a:lin ang="10800000" scaled="1"/>
-            <a:tileRect/>
-          </a:gradFill>
-          <a:ln>
-            <a:solidFill>
-              <a:srgbClr val="501E00"/>
-            </a:solidFill>
-          </a:ln>
-        </p:spPr>
-        <p:style>
-          <a:lnRef idx="2">
-            <a:schemeClr val="accent1">
-              <a:shade val="50000"/>
-            </a:schemeClr>
-          </a:lnRef>
-          <a:fillRef idx="1">
-            <a:schemeClr val="accent1"/>
-          </a:fillRef>
-          <a:effectRef idx="0">
-            <a:schemeClr val="accent1"/>
-          </a:effectRef>
-          <a:fontRef idx="minor">
-            <a:schemeClr val="lt1"/>
-          </a:fontRef>
-        </p:style>
-        <p:txBody>
-          <a:bodyPr rtlCol="0" anchor="ctr"/>
-          <a:lstStyle/>
-          <a:p>
-            <a:pPr algn="ctr"/>
-            <a:endParaRPr lang="en-GB"/>
-          </a:p>
-        </p:txBody>
-      </p:sp>
-      <p:sp>
-        <p:nvSpPr>
-          <p:cNvPr id="142" name="Isosceles Triangle 141">
-            <a:extLst>
-              <a:ext uri="{FF2B5EF4-FFF2-40B4-BE49-F238E27FC236}">
-                <a16:creationId xmlns:a16="http://schemas.microsoft.com/office/drawing/2014/main" id="{274A9B10-BF82-4769-8FF0-728F50B11588}"/>
-              </a:ext>
-            </a:extLst>
-          </p:cNvPr>
-          <p:cNvSpPr/>
-          <p:nvPr/>
-        </p:nvSpPr>
-        <p:spPr>
-          <a:xfrm rot="10800000" flipH="1">
-            <a:off x="3895064" y="3763176"/>
-            <a:ext cx="99818" cy="77731"/>
-          </a:xfrm>
-          <a:prstGeom prst="triangle">
-            <a:avLst/>
-          </a:prstGeom>
-          <a:solidFill>
-            <a:schemeClr val="accent2">
-              <a:lumMod val="75000"/>
-            </a:schemeClr>
-          </a:solidFill>
-          <a:ln>
-            <a:solidFill>
-              <a:srgbClr val="501E00"/>
-            </a:solidFill>
-          </a:ln>
-        </p:spPr>
-        <p:style>
-          <a:lnRef idx="2">
-            <a:schemeClr val="accent1">
-              <a:shade val="50000"/>
-            </a:schemeClr>
-          </a:lnRef>
-          <a:fillRef idx="1">
-            <a:schemeClr val="accent1"/>
-          </a:fillRef>
-          <a:effectRef idx="0">
-            <a:schemeClr val="accent1"/>
-          </a:effectRef>
-          <a:fontRef idx="minor">
-            <a:schemeClr val="lt1"/>
-          </a:fontRef>
-        </p:style>
-        <p:txBody>
-          <a:bodyPr rtlCol="0" anchor="ctr"/>
-          <a:lstStyle/>
-          <a:p>
-            <a:pPr algn="ctr"/>
-            <a:endParaRPr lang="en-GB"/>
-          </a:p>
-        </p:txBody>
-      </p:sp>
-      <p:sp>
-        <p:nvSpPr>
-          <p:cNvPr id="144" name="Rectangle 143">
-            <a:extLst>
-              <a:ext uri="{FF2B5EF4-FFF2-40B4-BE49-F238E27FC236}">
-                <a16:creationId xmlns:a16="http://schemas.microsoft.com/office/drawing/2014/main" id="{D56EDA88-4FA9-4654-AD9E-2C62F66DDC93}"/>
-              </a:ext>
-            </a:extLst>
-          </p:cNvPr>
-          <p:cNvSpPr/>
-          <p:nvPr/>
-        </p:nvSpPr>
-        <p:spPr>
-          <a:xfrm flipH="1">
-            <a:off x="3930970" y="3743620"/>
-            <a:ext cx="32440" cy="32400"/>
-          </a:xfrm>
-          <a:prstGeom prst="rect">
-            <a:avLst/>
-          </a:prstGeom>
-          <a:solidFill>
-            <a:schemeClr val="accent2">
-              <a:lumMod val="75000"/>
-            </a:schemeClr>
-          </a:solidFill>
-          <a:ln>
-            <a:noFill/>
-          </a:ln>
-        </p:spPr>
-        <p:style>
-          <a:lnRef idx="2">
-            <a:schemeClr val="accent1">
-              <a:shade val="50000"/>
-            </a:schemeClr>
-          </a:lnRef>
-          <a:fillRef idx="1">
-            <a:schemeClr val="accent1"/>
-          </a:fillRef>
-          <a:effectRef idx="0">
-            <a:schemeClr val="accent1"/>
-          </a:effectRef>
-          <a:fontRef idx="minor">
-            <a:schemeClr val="lt1"/>
-          </a:fontRef>
-        </p:style>
-        <p:txBody>
-          <a:bodyPr rtlCol="0" anchor="ctr"/>
-          <a:lstStyle/>
-          <a:p>
-            <a:pPr algn="ctr"/>
-            <a:endParaRPr lang="en-GB"/>
-          </a:p>
-        </p:txBody>
-      </p:sp>
-      <p:sp>
-        <p:nvSpPr>
-          <p:cNvPr id="146" name="Isosceles Triangle 145">
-            <a:extLst>
-              <a:ext uri="{FF2B5EF4-FFF2-40B4-BE49-F238E27FC236}">
-                <a16:creationId xmlns:a16="http://schemas.microsoft.com/office/drawing/2014/main" id="{72B30297-4FFA-4339-8216-B2290D01FE85}"/>
-              </a:ext>
-            </a:extLst>
-          </p:cNvPr>
-          <p:cNvSpPr/>
-          <p:nvPr/>
-        </p:nvSpPr>
-        <p:spPr>
-          <a:xfrm rot="10800000" flipH="1">
-            <a:off x="2804167" y="3758971"/>
-            <a:ext cx="99818" cy="77731"/>
-          </a:xfrm>
-          <a:prstGeom prst="triangle">
-            <a:avLst/>
-          </a:prstGeom>
-          <a:solidFill>
-            <a:schemeClr val="accent2">
-              <a:lumMod val="75000"/>
-            </a:schemeClr>
-          </a:solidFill>
-          <a:ln>
-            <a:solidFill>
-              <a:srgbClr val="501E00"/>
-            </a:solidFill>
-          </a:ln>
-        </p:spPr>
-        <p:style>
-          <a:lnRef idx="2">
-            <a:schemeClr val="accent1">
-              <a:shade val="50000"/>
-            </a:schemeClr>
-          </a:lnRef>
-          <a:fillRef idx="1">
-            <a:schemeClr val="accent1"/>
-          </a:fillRef>
-          <a:effectRef idx="0">
-            <a:schemeClr val="accent1"/>
-          </a:effectRef>
-          <a:fontRef idx="minor">
-            <a:schemeClr val="lt1"/>
-          </a:fontRef>
-        </p:style>
-        <p:txBody>
-          <a:bodyPr rtlCol="0" anchor="ctr"/>
-          <a:lstStyle/>
-          <a:p>
-            <a:pPr algn="ctr"/>
-            <a:endParaRPr lang="en-GB"/>
-          </a:p>
-        </p:txBody>
-      </p:sp>
-      <p:sp>
-        <p:nvSpPr>
-          <p:cNvPr id="148" name="Rectangle 147">
-            <a:extLst>
-              <a:ext uri="{FF2B5EF4-FFF2-40B4-BE49-F238E27FC236}">
-                <a16:creationId xmlns:a16="http://schemas.microsoft.com/office/drawing/2014/main" id="{8ED1CB7E-FDBE-42B6-9630-F438D20306E9}"/>
-              </a:ext>
-            </a:extLst>
-          </p:cNvPr>
-          <p:cNvSpPr/>
-          <p:nvPr/>
-        </p:nvSpPr>
-        <p:spPr>
-          <a:xfrm flipH="1">
-            <a:off x="2840073" y="3742590"/>
-            <a:ext cx="32440" cy="32400"/>
-          </a:xfrm>
-          <a:prstGeom prst="rect">
-            <a:avLst/>
-          </a:prstGeom>
-          <a:solidFill>
-            <a:schemeClr val="accent2">
-              <a:lumMod val="75000"/>
-            </a:schemeClr>
-          </a:solidFill>
-          <a:ln>
-            <a:noFill/>
-          </a:ln>
-        </p:spPr>
-        <p:style>
-          <a:lnRef idx="2">
-            <a:schemeClr val="accent1">
-              <a:shade val="50000"/>
-            </a:schemeClr>
-          </a:lnRef>
-          <a:fillRef idx="1">
-            <a:schemeClr val="accent1"/>
-          </a:fillRef>
-          <a:effectRef idx="0">
-            <a:schemeClr val="accent1"/>
-          </a:effectRef>
-          <a:fontRef idx="minor">
-            <a:schemeClr val="lt1"/>
-          </a:fontRef>
-        </p:style>
-        <p:txBody>
-          <a:bodyPr rtlCol="0" anchor="ctr"/>
-          <a:lstStyle/>
-          <a:p>
-            <a:pPr algn="ctr"/>
-            <a:endParaRPr lang="en-GB"/>
-          </a:p>
-        </p:txBody>
-      </p:sp>
-      <p:sp>
-        <p:nvSpPr>
-          <p:cNvPr id="150" name="TextBox 149">
-            <a:extLst>
-              <a:ext uri="{FF2B5EF4-FFF2-40B4-BE49-F238E27FC236}">
-                <a16:creationId xmlns:a16="http://schemas.microsoft.com/office/drawing/2014/main" id="{79C0777A-675D-4183-9CCA-54E6D7A3AB66}"/>
-              </a:ext>
-            </a:extLst>
-          </p:cNvPr>
-          <p:cNvSpPr txBox="1"/>
-          <p:nvPr/>
-        </p:nvSpPr>
-        <p:spPr>
-          <a:xfrm>
-            <a:off x="1928866" y="3789923"/>
-            <a:ext cx="2984817" cy="600164"/>
-          </a:xfrm>
-          <a:prstGeom prst="rect">
-            <a:avLst/>
-          </a:prstGeom>
-          <a:noFill/>
-          <a:ln>
-            <a:noFill/>
-          </a:ln>
-        </p:spPr>
-        <p:txBody>
-          <a:bodyPr wrap="square" rtlCol="0">
-            <a:spAutoFit/>
-          </a:bodyPr>
-          <a:lstStyle/>
-          <a:p>
-            <a:pPr algn="ctr"/>
-            <a:r>
-              <a:rPr lang="en-GB" sz="1100" i="1" dirty="0">
-                <a:solidFill>
-                  <a:schemeClr val="bg1">
-                    <a:lumMod val="50000"/>
-                  </a:schemeClr>
-                </a:solidFill>
-              </a:rPr>
-              <a:t>Pass associated genus name, species name and taxonomy into a new list per unique species </a:t>
-            </a:r>
-          </a:p>
-          <a:p>
-            <a:pPr algn="ctr"/>
-            <a:r>
-              <a:rPr lang="en-GB" sz="1100" dirty="0">
-                <a:solidFill>
-                  <a:schemeClr val="accent2">
-                    <a:lumMod val="75000"/>
-                  </a:schemeClr>
-                </a:solidFill>
-              </a:rPr>
-              <a:t>[‘Genus’, ‘Species’, ‘Taxonomy ID’]</a:t>
-            </a:r>
-            <a:endParaRPr lang="en-GB" sz="1050" dirty="0">
-              <a:solidFill>
-                <a:schemeClr val="accent2">
-                  <a:lumMod val="75000"/>
-                </a:schemeClr>
-              </a:solidFill>
-            </a:endParaRPr>
-          </a:p>
-        </p:txBody>
-      </p:sp>
-      <p:sp>
-        <p:nvSpPr>
-          <p:cNvPr id="152" name="TextBox 151">
-            <a:extLst>
-              <a:ext uri="{FF2B5EF4-FFF2-40B4-BE49-F238E27FC236}">
-                <a16:creationId xmlns:a16="http://schemas.microsoft.com/office/drawing/2014/main" id="{FEF725D8-C76A-4192-B5B9-9152474A5D0E}"/>
-              </a:ext>
-            </a:extLst>
-          </p:cNvPr>
-          <p:cNvSpPr txBox="1"/>
-          <p:nvPr/>
-        </p:nvSpPr>
-        <p:spPr>
-          <a:xfrm>
-            <a:off x="1921338" y="4651495"/>
-            <a:ext cx="2984817" cy="430887"/>
-          </a:xfrm>
-          <a:prstGeom prst="rect">
-            <a:avLst/>
-          </a:prstGeom>
-          <a:noFill/>
-          <a:ln>
-            <a:noFill/>
-          </a:ln>
-        </p:spPr>
-        <p:txBody>
-          <a:bodyPr wrap="square" rtlCol="0">
-            <a:spAutoFit/>
-          </a:bodyPr>
-          <a:lstStyle/>
-          <a:p>
-            <a:pPr algn="ctr"/>
-            <a:r>
-              <a:rPr lang="en-GB" sz="1100" i="1" dirty="0">
-                <a:solidFill>
-                  <a:schemeClr val="bg1">
-                    <a:lumMod val="50000"/>
-                  </a:schemeClr>
-                </a:solidFill>
-              </a:rPr>
-              <a:t>Pass genus/species/taxonomy ID list into </a:t>
-            </a:r>
-            <a:r>
-              <a:rPr lang="en-GB" sz="1100" dirty="0">
-                <a:solidFill>
-                  <a:schemeClr val="accent2">
-                    <a:lumMod val="75000"/>
-                  </a:schemeClr>
-                </a:solidFill>
-              </a:rPr>
-              <a:t>‘</a:t>
-            </a:r>
-            <a:r>
-              <a:rPr lang="en-GB" sz="1100" dirty="0" err="1">
-                <a:solidFill>
-                  <a:schemeClr val="accent2">
-                    <a:lumMod val="75000"/>
-                  </a:schemeClr>
-                </a:solidFill>
-              </a:rPr>
-              <a:t>all_species_data</a:t>
-            </a:r>
-            <a:r>
-              <a:rPr lang="en-GB" sz="1100" dirty="0">
-                <a:solidFill>
-                  <a:schemeClr val="accent2">
-                    <a:lumMod val="75000"/>
-                  </a:schemeClr>
-                </a:solidFill>
-              </a:rPr>
-              <a:t>’ tuple</a:t>
-            </a:r>
-            <a:endParaRPr lang="en-GB" sz="1050" dirty="0">
-              <a:solidFill>
-                <a:schemeClr val="accent2">
-                  <a:lumMod val="75000"/>
-                </a:schemeClr>
-              </a:solidFill>
-            </a:endParaRPr>
-          </a:p>
-        </p:txBody>
-      </p:sp>
-      <p:sp>
-        <p:nvSpPr>
-          <p:cNvPr id="154" name="Rectangle 153">
-            <a:extLst>
-              <a:ext uri="{FF2B5EF4-FFF2-40B4-BE49-F238E27FC236}">
-                <a16:creationId xmlns:a16="http://schemas.microsoft.com/office/drawing/2014/main" id="{EA8AF5B8-B182-4BD5-9C33-55AA2C9A198A}"/>
-              </a:ext>
-            </a:extLst>
-          </p:cNvPr>
-          <p:cNvSpPr/>
-          <p:nvPr/>
-        </p:nvSpPr>
-        <p:spPr>
-          <a:xfrm rot="16200000">
-            <a:off x="3288599" y="4474886"/>
-            <a:ext cx="251669" cy="45719"/>
-          </a:xfrm>
-          <a:prstGeom prst="rect">
-            <a:avLst/>
-          </a:prstGeom>
-          <a:solidFill>
-            <a:schemeClr val="accent2">
-              <a:lumMod val="75000"/>
-            </a:schemeClr>
-          </a:solidFill>
-          <a:ln>
-            <a:solidFill>
-              <a:srgbClr val="501E00"/>
-            </a:solidFill>
-          </a:ln>
-        </p:spPr>
-        <p:style>
-          <a:lnRef idx="2">
-            <a:schemeClr val="accent1">
-              <a:shade val="50000"/>
-            </a:schemeClr>
-          </a:lnRef>
-          <a:fillRef idx="1">
-            <a:schemeClr val="accent1"/>
-          </a:fillRef>
-          <a:effectRef idx="0">
-            <a:schemeClr val="accent1"/>
-          </a:effectRef>
-          <a:fontRef idx="minor">
-            <a:schemeClr val="lt1"/>
-          </a:fontRef>
-        </p:style>
-        <p:txBody>
-          <a:bodyPr rtlCol="0" anchor="ctr"/>
-          <a:lstStyle/>
-          <a:p>
-            <a:pPr algn="ctr"/>
-            <a:endParaRPr lang="en-GB"/>
-          </a:p>
-        </p:txBody>
-      </p:sp>
-      <p:sp>
-        <p:nvSpPr>
-          <p:cNvPr id="156" name="Isosceles Triangle 155">
-            <a:extLst>
-              <a:ext uri="{FF2B5EF4-FFF2-40B4-BE49-F238E27FC236}">
-                <a16:creationId xmlns:a16="http://schemas.microsoft.com/office/drawing/2014/main" id="{F92744CE-CFF2-47CE-A16F-3C1ECD5CAD1A}"/>
-              </a:ext>
-            </a:extLst>
-          </p:cNvPr>
-          <p:cNvSpPr/>
-          <p:nvPr/>
-        </p:nvSpPr>
-        <p:spPr>
-          <a:xfrm rot="10800000" flipH="1">
-            <a:off x="3364223" y="4607561"/>
-            <a:ext cx="99818" cy="77731"/>
-          </a:xfrm>
-          <a:prstGeom prst="triangle">
-            <a:avLst/>
-          </a:prstGeom>
-          <a:solidFill>
-            <a:schemeClr val="accent2">
-              <a:lumMod val="75000"/>
-            </a:schemeClr>
-          </a:solidFill>
-          <a:ln>
-            <a:solidFill>
-              <a:srgbClr val="501E00"/>
-            </a:solidFill>
-          </a:ln>
-        </p:spPr>
-        <p:style>
-          <a:lnRef idx="2">
-            <a:schemeClr val="accent1">
-              <a:shade val="50000"/>
-            </a:schemeClr>
-          </a:lnRef>
-          <a:fillRef idx="1">
-            <a:schemeClr val="accent1"/>
-          </a:fillRef>
-          <a:effectRef idx="0">
-            <a:schemeClr val="accent1"/>
-          </a:effectRef>
-          <a:fontRef idx="minor">
-            <a:schemeClr val="lt1"/>
-          </a:fontRef>
-        </p:style>
-        <p:txBody>
-          <a:bodyPr rtlCol="0" anchor="ctr"/>
-          <a:lstStyle/>
-          <a:p>
-            <a:pPr algn="ctr"/>
-            <a:endParaRPr lang="en-GB"/>
-          </a:p>
-        </p:txBody>
-      </p:sp>
-      <p:sp>
-        <p:nvSpPr>
-          <p:cNvPr id="158" name="Rectangle 157">
-            <a:extLst>
-              <a:ext uri="{FF2B5EF4-FFF2-40B4-BE49-F238E27FC236}">
-                <a16:creationId xmlns:a16="http://schemas.microsoft.com/office/drawing/2014/main" id="{E7D0ABFE-F5CF-4D47-970A-410D61C829EA}"/>
-              </a:ext>
-            </a:extLst>
-          </p:cNvPr>
-          <p:cNvSpPr/>
-          <p:nvPr/>
-        </p:nvSpPr>
-        <p:spPr>
-          <a:xfrm flipH="1">
-            <a:off x="3400129" y="4591180"/>
-            <a:ext cx="32440" cy="32400"/>
-          </a:xfrm>
-          <a:prstGeom prst="rect">
-            <a:avLst/>
-          </a:prstGeom>
-          <a:solidFill>
-            <a:schemeClr val="accent2">
-              <a:lumMod val="75000"/>
-            </a:schemeClr>
-          </a:solidFill>
-          <a:ln>
-            <a:noFill/>
-          </a:ln>
-        </p:spPr>
-        <p:style>
-          <a:lnRef idx="2">
-            <a:schemeClr val="accent1">
-              <a:shade val="50000"/>
-            </a:schemeClr>
-          </a:lnRef>
-          <a:fillRef idx="1">
-            <a:schemeClr val="accent1"/>
-          </a:fillRef>
-          <a:effectRef idx="0">
-            <a:schemeClr val="accent1"/>
-          </a:effectRef>
-          <a:fontRef idx="minor">
-            <a:schemeClr val="lt1"/>
-          </a:fontRef>
-        </p:style>
-        <p:txBody>
-          <a:bodyPr rtlCol="0" anchor="ctr"/>
-          <a:lstStyle/>
-          <a:p>
-            <a:pPr algn="ctr"/>
-            <a:endParaRPr lang="en-GB"/>
-          </a:p>
-        </p:txBody>
-      </p:sp>
-      <p:grpSp>
-        <p:nvGrpSpPr>
-          <p:cNvPr id="167" name="Group 166">
-            <a:extLst>
-              <a:ext uri="{FF2B5EF4-FFF2-40B4-BE49-F238E27FC236}">
-                <a16:creationId xmlns:a16="http://schemas.microsoft.com/office/drawing/2014/main" id="{6E307346-88AA-4AE6-9519-A034F59D05DB}"/>
-              </a:ext>
-            </a:extLst>
-          </p:cNvPr>
-          <p:cNvGrpSpPr/>
-          <p:nvPr/>
-        </p:nvGrpSpPr>
-        <p:grpSpPr>
-          <a:xfrm rot="16200000">
-            <a:off x="1655049" y="3572742"/>
-            <a:ext cx="442075" cy="369171"/>
-            <a:chOff x="1700286" y="2162662"/>
-            <a:chExt cx="442075" cy="369171"/>
-          </a:xfrm>
-        </p:grpSpPr>
-        <p:sp>
-          <p:nvSpPr>
-            <p:cNvPr id="162" name="Rectangle 161">
-              <a:extLst>
-                <a:ext uri="{FF2B5EF4-FFF2-40B4-BE49-F238E27FC236}">
-                  <a16:creationId xmlns:a16="http://schemas.microsoft.com/office/drawing/2014/main" id="{9F3A179E-2C35-40B8-8DED-9AC9BA4DBFC1}"/>
-                </a:ext>
-              </a:extLst>
-            </p:cNvPr>
-            <p:cNvSpPr/>
-            <p:nvPr/>
-          </p:nvSpPr>
-          <p:spPr>
-            <a:xfrm>
-              <a:off x="1733220" y="2162662"/>
-              <a:ext cx="409141" cy="45719"/>
-            </a:xfrm>
-            <a:prstGeom prst="rect">
-              <a:avLst/>
-            </a:prstGeom>
-            <a:gradFill flip="none" rotWithShape="1">
-              <a:gsLst>
-                <a:gs pos="0">
-                  <a:schemeClr val="accent2">
-                    <a:lumMod val="50000"/>
-                    <a:shade val="30000"/>
-                    <a:satMod val="115000"/>
-                  </a:schemeClr>
-                </a:gs>
-                <a:gs pos="63000">
-                  <a:schemeClr val="accent2">
-                    <a:lumMod val="50000"/>
-                    <a:shade val="30000"/>
-                    <a:satMod val="115000"/>
-                  </a:schemeClr>
-                </a:gs>
-                <a:gs pos="81000">
-                  <a:schemeClr val="accent2">
-                    <a:lumMod val="50000"/>
-                    <a:shade val="67500"/>
-                    <a:satMod val="115000"/>
-                  </a:schemeClr>
-                </a:gs>
-                <a:gs pos="100000">
-                  <a:schemeClr val="accent2">
-                    <a:lumMod val="50000"/>
-                    <a:shade val="100000"/>
-                    <a:satMod val="115000"/>
-                  </a:schemeClr>
-                </a:gs>
-              </a:gsLst>
-              <a:lin ang="10800000" scaled="1"/>
-              <a:tileRect/>
-            </a:gradFill>
-            <a:ln>
-              <a:solidFill>
-                <a:srgbClr val="501E00"/>
-              </a:solidFill>
-            </a:ln>
-          </p:spPr>
-          <p:style>
-            <a:lnRef idx="2">
-              <a:schemeClr val="accent1">
-                <a:shade val="50000"/>
-              </a:schemeClr>
-            </a:lnRef>
-            <a:fillRef idx="1">
-              <a:schemeClr val="accent1"/>
-            </a:fillRef>
-            <a:effectRef idx="0">
-              <a:schemeClr val="accent1"/>
-            </a:effectRef>
-            <a:fontRef idx="minor">
-              <a:schemeClr val="lt1"/>
-            </a:fontRef>
-          </p:style>
-          <p:txBody>
-            <a:bodyPr rtlCol="0" anchor="ctr"/>
-            <a:lstStyle/>
-            <a:p>
-              <a:pPr algn="ctr"/>
-              <a:endParaRPr lang="en-GB"/>
-            </a:p>
-          </p:txBody>
-        </p:sp>
-        <p:sp>
-          <p:nvSpPr>
-            <p:cNvPr id="163" name="Rectangle 162">
-              <a:extLst>
-                <a:ext uri="{FF2B5EF4-FFF2-40B4-BE49-F238E27FC236}">
-                  <a16:creationId xmlns:a16="http://schemas.microsoft.com/office/drawing/2014/main" id="{1126DA7D-93B8-486D-BAE1-6B991C36E6D3}"/>
-                </a:ext>
-              </a:extLst>
-            </p:cNvPr>
-            <p:cNvSpPr/>
-            <p:nvPr/>
-          </p:nvSpPr>
-          <p:spPr>
-            <a:xfrm rot="16200000">
-              <a:off x="1589923" y="2302161"/>
-              <a:ext cx="324718" cy="45719"/>
-            </a:xfrm>
-            <a:prstGeom prst="rect">
-              <a:avLst/>
-            </a:prstGeom>
-            <a:solidFill>
-              <a:schemeClr val="accent2">
-                <a:lumMod val="50000"/>
-              </a:schemeClr>
-            </a:solidFill>
-            <a:ln>
-              <a:solidFill>
-                <a:srgbClr val="501E00"/>
-              </a:solidFill>
-            </a:ln>
-          </p:spPr>
-          <p:style>
-            <a:lnRef idx="2">
-              <a:schemeClr val="accent1">
-                <a:shade val="50000"/>
-              </a:schemeClr>
-            </a:lnRef>
-            <a:fillRef idx="1">
-              <a:schemeClr val="accent1"/>
-            </a:fillRef>
-            <a:effectRef idx="0">
-              <a:schemeClr val="accent1"/>
-            </a:effectRef>
-            <a:fontRef idx="minor">
-              <a:schemeClr val="lt1"/>
-            </a:fontRef>
-          </p:style>
-          <p:txBody>
-            <a:bodyPr rtlCol="0" anchor="ctr"/>
-            <a:lstStyle/>
-            <a:p>
-              <a:pPr algn="ctr"/>
-              <a:endParaRPr lang="en-GB"/>
-            </a:p>
-          </p:txBody>
-        </p:sp>
-        <p:sp>
-          <p:nvSpPr>
-            <p:cNvPr id="164" name="Isosceles Triangle 163">
-              <a:extLst>
-                <a:ext uri="{FF2B5EF4-FFF2-40B4-BE49-F238E27FC236}">
-                  <a16:creationId xmlns:a16="http://schemas.microsoft.com/office/drawing/2014/main" id="{D35C39C4-B140-4304-B427-F09F3D96FF48}"/>
-                </a:ext>
-              </a:extLst>
-            </p:cNvPr>
-            <p:cNvSpPr/>
-            <p:nvPr/>
-          </p:nvSpPr>
-          <p:spPr>
-            <a:xfrm rot="10800000">
-              <a:off x="1700286" y="2454102"/>
-              <a:ext cx="99694" cy="77731"/>
-            </a:xfrm>
-            <a:prstGeom prst="triangle">
-              <a:avLst/>
-            </a:prstGeom>
-            <a:solidFill>
-              <a:schemeClr val="accent2">
-                <a:lumMod val="50000"/>
-              </a:schemeClr>
-            </a:solidFill>
-            <a:ln>
-              <a:solidFill>
-                <a:srgbClr val="501E00"/>
-              </a:solidFill>
-            </a:ln>
-          </p:spPr>
-          <p:style>
-            <a:lnRef idx="2">
-              <a:schemeClr val="accent1">
-                <a:shade val="50000"/>
-              </a:schemeClr>
-            </a:lnRef>
-            <a:fillRef idx="1">
-              <a:schemeClr val="accent1"/>
-            </a:fillRef>
-            <a:effectRef idx="0">
-              <a:schemeClr val="accent1"/>
-            </a:effectRef>
-            <a:fontRef idx="minor">
-              <a:schemeClr val="lt1"/>
-            </a:fontRef>
-          </p:style>
-          <p:txBody>
-            <a:bodyPr rtlCol="0" anchor="ctr"/>
-            <a:lstStyle/>
-            <a:p>
-              <a:pPr algn="ctr"/>
-              <a:endParaRPr lang="en-GB"/>
-            </a:p>
-          </p:txBody>
-        </p:sp>
-        <p:sp>
-          <p:nvSpPr>
-            <p:cNvPr id="165" name="Rectangle 164">
-              <a:extLst>
-                <a:ext uri="{FF2B5EF4-FFF2-40B4-BE49-F238E27FC236}">
-                  <a16:creationId xmlns:a16="http://schemas.microsoft.com/office/drawing/2014/main" id="{59F01303-F6AD-4E34-A7C9-F285E8FC8839}"/>
-                </a:ext>
-              </a:extLst>
-            </p:cNvPr>
-            <p:cNvSpPr/>
-            <p:nvPr/>
-          </p:nvSpPr>
-          <p:spPr>
-            <a:xfrm>
-              <a:off x="1755676" y="2167933"/>
-              <a:ext cx="36000" cy="36000"/>
-            </a:xfrm>
-            <a:prstGeom prst="rect">
-              <a:avLst/>
-            </a:prstGeom>
-            <a:solidFill>
-              <a:schemeClr val="accent2">
-                <a:lumMod val="50000"/>
-              </a:schemeClr>
-            </a:solidFill>
-            <a:ln>
-              <a:noFill/>
-            </a:ln>
-          </p:spPr>
-          <p:style>
-            <a:lnRef idx="2">
-              <a:schemeClr val="accent1">
-                <a:shade val="50000"/>
-              </a:schemeClr>
-            </a:lnRef>
-            <a:fillRef idx="1">
-              <a:schemeClr val="accent1"/>
-            </a:fillRef>
-            <a:effectRef idx="0">
-              <a:schemeClr val="accent1"/>
-            </a:effectRef>
-            <a:fontRef idx="minor">
-              <a:schemeClr val="lt1"/>
-            </a:fontRef>
-          </p:style>
-          <p:txBody>
-            <a:bodyPr rtlCol="0" anchor="ctr"/>
-            <a:lstStyle/>
-            <a:p>
-              <a:pPr algn="ctr"/>
-              <a:endParaRPr lang="en-GB"/>
-            </a:p>
-          </p:txBody>
-        </p:sp>
-        <p:sp>
-          <p:nvSpPr>
-            <p:cNvPr id="166" name="Rectangle 165">
-              <a:extLst>
-                <a:ext uri="{FF2B5EF4-FFF2-40B4-BE49-F238E27FC236}">
-                  <a16:creationId xmlns:a16="http://schemas.microsoft.com/office/drawing/2014/main" id="{70FAD6D9-F0F2-40A8-A55C-69C946F5C83F}"/>
-                </a:ext>
-              </a:extLst>
-            </p:cNvPr>
-            <p:cNvSpPr/>
-            <p:nvPr/>
-          </p:nvSpPr>
-          <p:spPr>
-            <a:xfrm>
-              <a:off x="1734760" y="2442141"/>
-              <a:ext cx="32400" cy="32400"/>
-            </a:xfrm>
-            <a:prstGeom prst="rect">
-              <a:avLst/>
-            </a:prstGeom>
-            <a:solidFill>
-              <a:schemeClr val="accent2">
-                <a:lumMod val="50000"/>
-              </a:schemeClr>
-            </a:solidFill>
-            <a:ln>
-              <a:noFill/>
-            </a:ln>
-          </p:spPr>
-          <p:style>
-            <a:lnRef idx="2">
-              <a:schemeClr val="accent1">
-                <a:shade val="50000"/>
-              </a:schemeClr>
-            </a:lnRef>
-            <a:fillRef idx="1">
-              <a:schemeClr val="accent1"/>
-            </a:fillRef>
-            <a:effectRef idx="0">
-              <a:schemeClr val="accent1"/>
-            </a:effectRef>
-            <a:fontRef idx="minor">
-              <a:schemeClr val="lt1"/>
-            </a:fontRef>
-          </p:style>
-          <p:txBody>
-            <a:bodyPr rtlCol="0" anchor="ctr"/>
-            <a:lstStyle/>
-            <a:p>
-              <a:pPr algn="ctr"/>
-              <a:endParaRPr lang="en-GB"/>
-            </a:p>
-          </p:txBody>
-        </p:sp>
-      </p:grpSp>
-      <p:grpSp>
-        <p:nvGrpSpPr>
-          <p:cNvPr id="183" name="Group 182">
-            <a:extLst>
-              <a:ext uri="{FF2B5EF4-FFF2-40B4-BE49-F238E27FC236}">
-                <a16:creationId xmlns:a16="http://schemas.microsoft.com/office/drawing/2014/main" id="{F17893AA-D7B4-4EBB-BC4D-62DDE6790067}"/>
-              </a:ext>
-            </a:extLst>
-          </p:cNvPr>
-          <p:cNvGrpSpPr/>
-          <p:nvPr/>
-        </p:nvGrpSpPr>
-        <p:grpSpPr>
-          <a:xfrm rot="16200000" flipV="1">
-            <a:off x="4749969" y="3566160"/>
-            <a:ext cx="442075" cy="370800"/>
-            <a:chOff x="1700286" y="2162662"/>
-            <a:chExt cx="442075" cy="369171"/>
-          </a:xfrm>
-        </p:grpSpPr>
-        <p:sp>
-          <p:nvSpPr>
-            <p:cNvPr id="178" name="Rectangle 177">
-              <a:extLst>
-                <a:ext uri="{FF2B5EF4-FFF2-40B4-BE49-F238E27FC236}">
-                  <a16:creationId xmlns:a16="http://schemas.microsoft.com/office/drawing/2014/main" id="{EECFF204-905B-4E81-9E37-B46C93415DB3}"/>
-                </a:ext>
-              </a:extLst>
-            </p:cNvPr>
-            <p:cNvSpPr/>
-            <p:nvPr/>
-          </p:nvSpPr>
-          <p:spPr>
-            <a:xfrm>
-              <a:off x="1733220" y="2162662"/>
-              <a:ext cx="409141" cy="45719"/>
-            </a:xfrm>
-            <a:prstGeom prst="rect">
-              <a:avLst/>
-            </a:prstGeom>
-            <a:gradFill flip="none" rotWithShape="1">
-              <a:gsLst>
-                <a:gs pos="0">
-                  <a:schemeClr val="accent2">
-                    <a:lumMod val="50000"/>
-                    <a:shade val="30000"/>
-                    <a:satMod val="115000"/>
-                  </a:schemeClr>
-                </a:gs>
-                <a:gs pos="63000">
-                  <a:schemeClr val="accent2">
-                    <a:lumMod val="50000"/>
-                    <a:shade val="30000"/>
-                    <a:satMod val="115000"/>
-                  </a:schemeClr>
-                </a:gs>
-                <a:gs pos="81000">
-                  <a:schemeClr val="accent2">
-                    <a:lumMod val="50000"/>
-                    <a:shade val="67500"/>
-                    <a:satMod val="115000"/>
-                  </a:schemeClr>
-                </a:gs>
-                <a:gs pos="100000">
-                  <a:schemeClr val="accent2">
-                    <a:lumMod val="50000"/>
-                    <a:shade val="100000"/>
-                    <a:satMod val="115000"/>
-                  </a:schemeClr>
-                </a:gs>
-              </a:gsLst>
-              <a:lin ang="10800000" scaled="1"/>
-              <a:tileRect/>
-            </a:gradFill>
-            <a:ln>
-              <a:solidFill>
-                <a:srgbClr val="501E00"/>
-              </a:solidFill>
-            </a:ln>
-          </p:spPr>
-          <p:style>
-            <a:lnRef idx="2">
-              <a:schemeClr val="accent1">
-                <a:shade val="50000"/>
-              </a:schemeClr>
-            </a:lnRef>
-            <a:fillRef idx="1">
-              <a:schemeClr val="accent1"/>
-            </a:fillRef>
-            <a:effectRef idx="0">
-              <a:schemeClr val="accent1"/>
-            </a:effectRef>
-            <a:fontRef idx="minor">
-              <a:schemeClr val="lt1"/>
-            </a:fontRef>
-          </p:style>
-          <p:txBody>
-            <a:bodyPr rtlCol="0" anchor="ctr"/>
-            <a:lstStyle/>
-            <a:p>
-              <a:pPr algn="ctr"/>
-              <a:endParaRPr lang="en-GB"/>
-            </a:p>
-          </p:txBody>
-        </p:sp>
-        <p:sp>
-          <p:nvSpPr>
-            <p:cNvPr id="179" name="Rectangle 178">
-              <a:extLst>
-                <a:ext uri="{FF2B5EF4-FFF2-40B4-BE49-F238E27FC236}">
-                  <a16:creationId xmlns:a16="http://schemas.microsoft.com/office/drawing/2014/main" id="{AE8FEE93-3C80-41A5-9864-F32252B6EF02}"/>
-                </a:ext>
-              </a:extLst>
-            </p:cNvPr>
-            <p:cNvSpPr/>
-            <p:nvPr/>
-          </p:nvSpPr>
-          <p:spPr>
-            <a:xfrm rot="16200000">
-              <a:off x="1589923" y="2302161"/>
-              <a:ext cx="324718" cy="45719"/>
-            </a:xfrm>
-            <a:prstGeom prst="rect">
-              <a:avLst/>
-            </a:prstGeom>
-            <a:solidFill>
-              <a:schemeClr val="accent2">
-                <a:lumMod val="50000"/>
-              </a:schemeClr>
-            </a:solidFill>
-            <a:ln>
-              <a:solidFill>
-                <a:srgbClr val="501E00"/>
-              </a:solidFill>
-            </a:ln>
-          </p:spPr>
-          <p:style>
-            <a:lnRef idx="2">
-              <a:schemeClr val="accent1">
-                <a:shade val="50000"/>
-              </a:schemeClr>
-            </a:lnRef>
-            <a:fillRef idx="1">
-              <a:schemeClr val="accent1"/>
-            </a:fillRef>
-            <a:effectRef idx="0">
-              <a:schemeClr val="accent1"/>
-            </a:effectRef>
-            <a:fontRef idx="minor">
-              <a:schemeClr val="lt1"/>
-            </a:fontRef>
-          </p:style>
-          <p:txBody>
-            <a:bodyPr rtlCol="0" anchor="ctr"/>
-            <a:lstStyle/>
-            <a:p>
-              <a:pPr algn="ctr"/>
-              <a:endParaRPr lang="en-GB"/>
-            </a:p>
-          </p:txBody>
-        </p:sp>
-        <p:sp>
-          <p:nvSpPr>
-            <p:cNvPr id="180" name="Isosceles Triangle 179">
-              <a:extLst>
-                <a:ext uri="{FF2B5EF4-FFF2-40B4-BE49-F238E27FC236}">
-                  <a16:creationId xmlns:a16="http://schemas.microsoft.com/office/drawing/2014/main" id="{16B766E1-D280-448D-A2F4-F7B403DCD950}"/>
-                </a:ext>
-              </a:extLst>
-            </p:cNvPr>
-            <p:cNvSpPr/>
-            <p:nvPr/>
-          </p:nvSpPr>
-          <p:spPr>
-            <a:xfrm rot="10800000">
-              <a:off x="1700286" y="2454102"/>
-              <a:ext cx="99694" cy="77731"/>
-            </a:xfrm>
-            <a:prstGeom prst="triangle">
-              <a:avLst/>
-            </a:prstGeom>
-            <a:solidFill>
-              <a:schemeClr val="accent2">
-                <a:lumMod val="50000"/>
-              </a:schemeClr>
-            </a:solidFill>
-            <a:ln>
-              <a:solidFill>
-                <a:srgbClr val="501E00"/>
-              </a:solidFill>
-            </a:ln>
-          </p:spPr>
-          <p:style>
-            <a:lnRef idx="2">
-              <a:schemeClr val="accent1">
-                <a:shade val="50000"/>
-              </a:schemeClr>
-            </a:lnRef>
-            <a:fillRef idx="1">
-              <a:schemeClr val="accent1"/>
-            </a:fillRef>
-            <a:effectRef idx="0">
-              <a:schemeClr val="accent1"/>
-            </a:effectRef>
-            <a:fontRef idx="minor">
-              <a:schemeClr val="lt1"/>
-            </a:fontRef>
-          </p:style>
-          <p:txBody>
-            <a:bodyPr rtlCol="0" anchor="ctr"/>
-            <a:lstStyle/>
-            <a:p>
-              <a:pPr algn="ctr"/>
-              <a:endParaRPr lang="en-GB"/>
-            </a:p>
-          </p:txBody>
-        </p:sp>
-        <p:sp>
-          <p:nvSpPr>
-            <p:cNvPr id="181" name="Rectangle 180">
-              <a:extLst>
-                <a:ext uri="{FF2B5EF4-FFF2-40B4-BE49-F238E27FC236}">
-                  <a16:creationId xmlns:a16="http://schemas.microsoft.com/office/drawing/2014/main" id="{D4D225AA-33B8-4749-B21C-CE60EB282C59}"/>
-                </a:ext>
-              </a:extLst>
-            </p:cNvPr>
-            <p:cNvSpPr/>
-            <p:nvPr/>
-          </p:nvSpPr>
-          <p:spPr>
-            <a:xfrm>
-              <a:off x="1755676" y="2167933"/>
-              <a:ext cx="36000" cy="36000"/>
-            </a:xfrm>
-            <a:prstGeom prst="rect">
-              <a:avLst/>
-            </a:prstGeom>
-            <a:solidFill>
-              <a:schemeClr val="accent2">
-                <a:lumMod val="50000"/>
-              </a:schemeClr>
-            </a:solidFill>
-            <a:ln>
-              <a:noFill/>
-            </a:ln>
-          </p:spPr>
-          <p:style>
-            <a:lnRef idx="2">
-              <a:schemeClr val="accent1">
-                <a:shade val="50000"/>
-              </a:schemeClr>
-            </a:lnRef>
-            <a:fillRef idx="1">
-              <a:schemeClr val="accent1"/>
-            </a:fillRef>
-            <a:effectRef idx="0">
-              <a:schemeClr val="accent1"/>
-            </a:effectRef>
-            <a:fontRef idx="minor">
-              <a:schemeClr val="lt1"/>
-            </a:fontRef>
-          </p:style>
-          <p:txBody>
-            <a:bodyPr rtlCol="0" anchor="ctr"/>
-            <a:lstStyle/>
-            <a:p>
-              <a:pPr algn="ctr"/>
-              <a:endParaRPr lang="en-GB"/>
-            </a:p>
-          </p:txBody>
-        </p:sp>
-        <p:sp>
-          <p:nvSpPr>
-            <p:cNvPr id="182" name="Rectangle 181">
-              <a:extLst>
-                <a:ext uri="{FF2B5EF4-FFF2-40B4-BE49-F238E27FC236}">
-                  <a16:creationId xmlns:a16="http://schemas.microsoft.com/office/drawing/2014/main" id="{CACB6AAD-C064-4B52-83B7-D334C888BF09}"/>
-                </a:ext>
-              </a:extLst>
-            </p:cNvPr>
-            <p:cNvSpPr/>
-            <p:nvPr/>
-          </p:nvSpPr>
-          <p:spPr>
-            <a:xfrm>
-              <a:off x="1734760" y="2442141"/>
-              <a:ext cx="32400" cy="32400"/>
-            </a:xfrm>
-            <a:prstGeom prst="rect">
-              <a:avLst/>
-            </a:prstGeom>
-            <a:solidFill>
-              <a:schemeClr val="accent2">
-                <a:lumMod val="50000"/>
-              </a:schemeClr>
-            </a:solidFill>
-            <a:ln>
-              <a:noFill/>
-            </a:ln>
-          </p:spPr>
-          <p:style>
-            <a:lnRef idx="2">
-              <a:schemeClr val="accent1">
-                <a:shade val="50000"/>
-              </a:schemeClr>
-            </a:lnRef>
-            <a:fillRef idx="1">
-              <a:schemeClr val="accent1"/>
-            </a:fillRef>
-            <a:effectRef idx="0">
-              <a:schemeClr val="accent1"/>
-            </a:effectRef>
-            <a:fontRef idx="minor">
-              <a:schemeClr val="lt1"/>
-            </a:fontRef>
-          </p:style>
-          <p:txBody>
-            <a:bodyPr rtlCol="0" anchor="ctr"/>
-            <a:lstStyle/>
-            <a:p>
-              <a:pPr algn="ctr"/>
-              <a:endParaRPr lang="en-GB"/>
-            </a:p>
-          </p:txBody>
-        </p:sp>
-      </p:grpSp>
-      <p:sp>
-        <p:nvSpPr>
-          <p:cNvPr id="187" name="Rectangle 186">
-            <a:extLst>
-              <a:ext uri="{FF2B5EF4-FFF2-40B4-BE49-F238E27FC236}">
-                <a16:creationId xmlns:a16="http://schemas.microsoft.com/office/drawing/2014/main" id="{F1237048-D59C-45C1-8A93-7DD87FEB574A}"/>
-              </a:ext>
-            </a:extLst>
-          </p:cNvPr>
-          <p:cNvSpPr/>
-          <p:nvPr/>
-        </p:nvSpPr>
-        <p:spPr>
-          <a:xfrm rot="16200000">
-            <a:off x="3288599" y="5156966"/>
-            <a:ext cx="251669" cy="45719"/>
-          </a:xfrm>
-          <a:prstGeom prst="rect">
-            <a:avLst/>
-          </a:prstGeom>
-          <a:solidFill>
-            <a:schemeClr val="accent2">
-              <a:lumMod val="75000"/>
-            </a:schemeClr>
-          </a:solidFill>
-          <a:ln>
-            <a:solidFill>
-              <a:srgbClr val="501E00"/>
-            </a:solidFill>
-          </a:ln>
-        </p:spPr>
-        <p:style>
-          <a:lnRef idx="2">
-            <a:schemeClr val="accent1">
-              <a:shade val="50000"/>
-            </a:schemeClr>
-          </a:lnRef>
-          <a:fillRef idx="1">
-            <a:schemeClr val="accent1"/>
-          </a:fillRef>
-          <a:effectRef idx="0">
-            <a:schemeClr val="accent1"/>
-          </a:effectRef>
-          <a:fontRef idx="minor">
-            <a:schemeClr val="lt1"/>
-          </a:fontRef>
-        </p:style>
-        <p:txBody>
-          <a:bodyPr rtlCol="0" anchor="ctr"/>
-          <a:lstStyle/>
-          <a:p>
-            <a:pPr algn="ctr"/>
-            <a:endParaRPr lang="en-GB"/>
-          </a:p>
-        </p:txBody>
-      </p:sp>
-      <p:sp>
-        <p:nvSpPr>
-          <p:cNvPr id="189" name="Isosceles Triangle 188">
-            <a:extLst>
-              <a:ext uri="{FF2B5EF4-FFF2-40B4-BE49-F238E27FC236}">
-                <a16:creationId xmlns:a16="http://schemas.microsoft.com/office/drawing/2014/main" id="{A72DD7D7-21F5-4F83-9382-A297378A0229}"/>
-              </a:ext>
-            </a:extLst>
-          </p:cNvPr>
-          <p:cNvSpPr/>
-          <p:nvPr/>
-        </p:nvSpPr>
-        <p:spPr>
-          <a:xfrm rot="10800000" flipH="1">
-            <a:off x="3364223" y="5289641"/>
-            <a:ext cx="99818" cy="77731"/>
-          </a:xfrm>
-          <a:prstGeom prst="triangle">
-            <a:avLst/>
-          </a:prstGeom>
-          <a:solidFill>
-            <a:schemeClr val="accent2">
-              <a:lumMod val="75000"/>
-            </a:schemeClr>
-          </a:solidFill>
-          <a:ln>
-            <a:solidFill>
-              <a:srgbClr val="501E00"/>
-            </a:solidFill>
-          </a:ln>
-        </p:spPr>
-        <p:style>
-          <a:lnRef idx="2">
-            <a:schemeClr val="accent1">
-              <a:shade val="50000"/>
-            </a:schemeClr>
-          </a:lnRef>
-          <a:fillRef idx="1">
-            <a:schemeClr val="accent1"/>
-          </a:fillRef>
-          <a:effectRef idx="0">
-            <a:schemeClr val="accent1"/>
-          </a:effectRef>
-          <a:fontRef idx="minor">
-            <a:schemeClr val="lt1"/>
-          </a:fontRef>
-        </p:style>
-        <p:txBody>
-          <a:bodyPr rtlCol="0" anchor="ctr"/>
-          <a:lstStyle/>
-          <a:p>
-            <a:pPr algn="ctr"/>
-            <a:endParaRPr lang="en-GB"/>
-          </a:p>
-        </p:txBody>
-      </p:sp>
-      <p:sp>
-        <p:nvSpPr>
-          <p:cNvPr id="191" name="Rectangle 190">
-            <a:extLst>
-              <a:ext uri="{FF2B5EF4-FFF2-40B4-BE49-F238E27FC236}">
-                <a16:creationId xmlns:a16="http://schemas.microsoft.com/office/drawing/2014/main" id="{521B9D17-F7CE-408D-9657-6E60EFBB8230}"/>
-              </a:ext>
-            </a:extLst>
-          </p:cNvPr>
-          <p:cNvSpPr/>
-          <p:nvPr/>
-        </p:nvSpPr>
-        <p:spPr>
-          <a:xfrm flipH="1">
-            <a:off x="3400129" y="5273260"/>
-            <a:ext cx="32440" cy="32400"/>
-          </a:xfrm>
-          <a:prstGeom prst="rect">
-            <a:avLst/>
-          </a:prstGeom>
-          <a:solidFill>
-            <a:schemeClr val="accent2">
-              <a:lumMod val="75000"/>
-            </a:schemeClr>
-          </a:solidFill>
-          <a:ln>
-            <a:noFill/>
-          </a:ln>
-        </p:spPr>
-        <p:style>
-          <a:lnRef idx="2">
-            <a:schemeClr val="accent1">
-              <a:shade val="50000"/>
-            </a:schemeClr>
-          </a:lnRef>
-          <a:fillRef idx="1">
-            <a:schemeClr val="accent1"/>
-          </a:fillRef>
-          <a:effectRef idx="0">
-            <a:schemeClr val="accent1"/>
-          </a:effectRef>
-          <a:fontRef idx="minor">
-            <a:schemeClr val="lt1"/>
-          </a:fontRef>
-        </p:style>
-        <p:txBody>
-          <a:bodyPr rtlCol="0" anchor="ctr"/>
-          <a:lstStyle/>
-          <a:p>
-            <a:pPr algn="ctr"/>
-            <a:endParaRPr lang="en-GB"/>
-          </a:p>
-        </p:txBody>
-      </p:sp>
-      <p:sp>
-        <p:nvSpPr>
-          <p:cNvPr id="193" name="TextBox 192">
-            <a:extLst>
-              <a:ext uri="{FF2B5EF4-FFF2-40B4-BE49-F238E27FC236}">
-                <a16:creationId xmlns:a16="http://schemas.microsoft.com/office/drawing/2014/main" id="{C8807F3D-1620-4873-998C-734D4D0047FB}"/>
-              </a:ext>
-            </a:extLst>
-          </p:cNvPr>
-          <p:cNvSpPr txBox="1"/>
-          <p:nvPr/>
-        </p:nvSpPr>
-        <p:spPr>
-          <a:xfrm>
-            <a:off x="1909731" y="5334080"/>
-            <a:ext cx="2984817" cy="261610"/>
-          </a:xfrm>
-          <a:prstGeom prst="rect">
-            <a:avLst/>
-          </a:prstGeom>
-          <a:noFill/>
-          <a:ln>
-            <a:noFill/>
-          </a:ln>
-        </p:spPr>
-        <p:txBody>
-          <a:bodyPr wrap="square" rtlCol="0">
-            <a:spAutoFit/>
-          </a:bodyPr>
-          <a:lstStyle/>
-          <a:p>
-            <a:pPr algn="ctr"/>
-            <a:r>
-              <a:rPr lang="en-GB" sz="1100" i="1" dirty="0">
-                <a:solidFill>
-                  <a:schemeClr val="bg1">
-                    <a:lumMod val="50000"/>
-                  </a:schemeClr>
-                </a:solidFill>
-              </a:rPr>
-              <a:t>Pandas </a:t>
-            </a:r>
-            <a:r>
-              <a:rPr lang="en-GB" sz="1100" i="1" dirty="0" err="1">
-                <a:solidFill>
-                  <a:schemeClr val="bg1">
-                    <a:lumMod val="50000"/>
-                  </a:schemeClr>
-                </a:solidFill>
-              </a:rPr>
-              <a:t>DataFrame</a:t>
-            </a:r>
-            <a:r>
-              <a:rPr lang="en-GB" sz="1100" i="1" dirty="0">
-                <a:solidFill>
-                  <a:schemeClr val="bg1">
-                    <a:lumMod val="50000"/>
-                  </a:schemeClr>
-                </a:solidFill>
-              </a:rPr>
-              <a:t>: </a:t>
+              <a:t>Pass associated genus name, species name and taxonomy into a new list per unique species, and lists stored in </a:t>
             </a:r>
             <a:r>
               <a:rPr lang="en-GB" sz="1100" i="1" dirty="0">
@@ -9983,7 +8518,7 @@
                   </a:schemeClr>
                 </a:solidFill>
               </a:rPr>
-              <a:t>species_table</a:t>
+              <a:t>all_species_data</a:t>
             </a:r>
             <a:r>
               <a:rPr lang="en-GB" sz="1100" i="1" dirty="0">
@@ -9993,15 +8528,78 @@
                   </a:schemeClr>
                 </a:solidFill>
               </a:rPr>
-              <a:t>’</a:t>
-            </a:r>
-            <a:endParaRPr lang="en-GB" sz="1050" dirty="0">
-              <a:solidFill>
-                <a:schemeClr val="accent2">
-                  <a:lumMod val="75000"/>
-                </a:schemeClr>
-              </a:solidFill>
-            </a:endParaRPr>
+              <a:t>’ </a:t>
+            </a:r>
+            <a:r>
+              <a:rPr lang="en-GB" sz="1100" i="1" dirty="0">
+                <a:solidFill>
+                  <a:schemeClr val="bg1">
+                    <a:lumMod val="50000"/>
+                  </a:schemeClr>
+                </a:solidFill>
+              </a:rPr>
+              <a:t>which is used as the data input to create the </a:t>
+            </a:r>
+            <a:r>
+              <a:rPr lang="en-GB" sz="1100" i="1" dirty="0" err="1">
+                <a:solidFill>
+                  <a:schemeClr val="bg1">
+                    <a:lumMod val="50000"/>
+                  </a:schemeClr>
+                </a:solidFill>
+              </a:rPr>
+              <a:t>dataframe</a:t>
+            </a:r>
+            <a:r>
+              <a:rPr lang="en-GB" sz="1100" i="1" dirty="0">
+                <a:solidFill>
+                  <a:schemeClr val="bg1">
+                    <a:lumMod val="50000"/>
+                  </a:schemeClr>
+                </a:solidFill>
+              </a:rPr>
+              <a:t> </a:t>
+            </a:r>
+            <a:r>
+              <a:rPr lang="en-GB" sz="1100" i="1" dirty="0">
+                <a:solidFill>
+                  <a:schemeClr val="accent2">
+                    <a:lumMod val="75000"/>
+                  </a:schemeClr>
+                </a:solidFill>
+              </a:rPr>
+              <a:t>‘</a:t>
+            </a:r>
+            <a:r>
+              <a:rPr lang="en-GB" sz="1100" i="1" dirty="0" err="1">
+                <a:solidFill>
+                  <a:schemeClr val="accent2">
+                    <a:lumMod val="75000"/>
+                  </a:schemeClr>
+                </a:solidFill>
+              </a:rPr>
+              <a:t>species_table</a:t>
+            </a:r>
+            <a:r>
+              <a:rPr lang="en-GB" sz="1100" i="1" dirty="0">
+                <a:solidFill>
+                  <a:schemeClr val="accent2">
+                    <a:lumMod val="75000"/>
+                  </a:schemeClr>
+                </a:solidFill>
+              </a:rPr>
+              <a:t>’ </a:t>
+            </a:r>
+            <a:r>
+              <a:rPr lang="en-GB" sz="1100" i="1" dirty="0">
+                <a:solidFill>
+                  <a:schemeClr val="bg1">
+                    <a:lumMod val="50000"/>
+                  </a:schemeClr>
+                </a:solidFill>
+              </a:rPr>
+              <a:t>using the Pandas tool</a:t>
+            </a:r>
           </a:p>
         </p:txBody>
       </p:sp>
@@ -10020,13 +8618,13 @@
           <p:nvPr>
             <p:extLst>
               <p:ext uri="{D42A27DB-BD31-4B8C-83A1-F6EECF244321}">
-                <p14:modId xmlns:p14="http://schemas.microsoft.com/office/powerpoint/2010/main" val="3533919527"/>
+                <p14:modId xmlns:p14="http://schemas.microsoft.com/office/powerpoint/2010/main" val="2373234074"/>
               </p:ext>
             </p:extLst>
           </p:nvPr>
         </p:nvGraphicFramePr>
         <p:xfrm>
-          <a:off x="1633711" y="5547597"/>
+          <a:off x="125160" y="4808813"/>
           <a:ext cx="3519486" cy="975360"/>
         </p:xfrm>
         <a:graphic>
@@ -10925,392 +9523,12 @@
           </a:graphicData>
         </a:graphic>
       </p:graphicFrame>
-      <p:sp>
-        <p:nvSpPr>
-          <p:cNvPr id="203" name="Rectangle 202">
+      <p:grpSp>
+        <p:nvGrpSpPr>
+          <p:cNvPr id="36" name="Group 35">
             <a:extLst>
               <a:ext uri="{FF2B5EF4-FFF2-40B4-BE49-F238E27FC236}">
-                <a16:creationId xmlns:a16="http://schemas.microsoft.com/office/drawing/2014/main" id="{D10F66B1-543A-4134-A029-FC22A3673929}"/>
-              </a:ext>
-            </a:extLst>
-          </p:cNvPr>
-          <p:cNvSpPr/>
-          <p:nvPr/>
-        </p:nvSpPr>
-        <p:spPr>
-          <a:xfrm rot="5400000">
-            <a:off x="4435663" y="6558766"/>
-            <a:ext cx="312818" cy="45719"/>
-          </a:xfrm>
-          <a:prstGeom prst="rect">
-            <a:avLst/>
-          </a:prstGeom>
-          <a:gradFill flip="none" rotWithShape="1">
-            <a:gsLst>
-              <a:gs pos="0">
-                <a:schemeClr val="accent2">
-                  <a:lumMod val="50000"/>
-                  <a:shade val="30000"/>
-                  <a:satMod val="115000"/>
-                </a:schemeClr>
-              </a:gs>
-              <a:gs pos="25000">
-                <a:schemeClr val="accent2">
-                  <a:lumMod val="50000"/>
-                  <a:shade val="30000"/>
-                  <a:satMod val="115000"/>
-                </a:schemeClr>
-              </a:gs>
-              <a:gs pos="50000">
-                <a:schemeClr val="accent2">
-                  <a:lumMod val="50000"/>
-                  <a:shade val="67500"/>
-                  <a:satMod val="115000"/>
-                </a:schemeClr>
-              </a:gs>
-              <a:gs pos="100000">
-                <a:schemeClr val="accent2">
-                  <a:lumMod val="75000"/>
-                </a:schemeClr>
-              </a:gs>
-              <a:gs pos="65000">
-                <a:schemeClr val="accent2">
-                  <a:lumMod val="50000"/>
-                  <a:shade val="100000"/>
-                  <a:satMod val="115000"/>
-                </a:schemeClr>
-              </a:gs>
-            </a:gsLst>
-            <a:lin ang="10800000" scaled="1"/>
-            <a:tileRect/>
-          </a:gradFill>
-          <a:ln>
-            <a:solidFill>
-              <a:srgbClr val="501E00"/>
-            </a:solidFill>
-          </a:ln>
-        </p:spPr>
-        <p:style>
-          <a:lnRef idx="2">
-            <a:schemeClr val="accent1">
-              <a:shade val="50000"/>
-            </a:schemeClr>
-          </a:lnRef>
-          <a:fillRef idx="1">
-            <a:schemeClr val="accent1"/>
-          </a:fillRef>
-          <a:effectRef idx="0">
-            <a:schemeClr val="accent1"/>
-          </a:effectRef>
-          <a:fontRef idx="minor">
-            <a:schemeClr val="lt1"/>
-          </a:fontRef>
-        </p:style>
-        <p:txBody>
-          <a:bodyPr rtlCol="0" anchor="ctr"/>
-          <a:lstStyle/>
-          <a:p>
-            <a:pPr algn="ctr"/>
-            <a:endParaRPr lang="en-GB"/>
-          </a:p>
-        </p:txBody>
-      </p:sp>
-      <p:sp>
-        <p:nvSpPr>
-          <p:cNvPr id="205" name="Isosceles Triangle 204">
-            <a:extLst>
-              <a:ext uri="{FF2B5EF4-FFF2-40B4-BE49-F238E27FC236}">
-                <a16:creationId xmlns:a16="http://schemas.microsoft.com/office/drawing/2014/main" id="{DEA36D77-612D-42F9-A4A3-BDF72BCF7F2B}"/>
-              </a:ext>
-            </a:extLst>
-          </p:cNvPr>
-          <p:cNvSpPr/>
-          <p:nvPr/>
-        </p:nvSpPr>
-        <p:spPr>
-          <a:xfrm rot="10800000" flipH="1">
-            <a:off x="4539946" y="6738282"/>
-            <a:ext cx="99818" cy="77731"/>
-          </a:xfrm>
-          <a:prstGeom prst="triangle">
-            <a:avLst/>
-          </a:prstGeom>
-          <a:solidFill>
-            <a:srgbClr val="4F1E00"/>
-          </a:solidFill>
-          <a:ln>
-            <a:solidFill>
-              <a:srgbClr val="501E00"/>
-            </a:solidFill>
-          </a:ln>
-        </p:spPr>
-        <p:style>
-          <a:lnRef idx="2">
-            <a:schemeClr val="accent1">
-              <a:shade val="50000"/>
-            </a:schemeClr>
-          </a:lnRef>
-          <a:fillRef idx="1">
-            <a:schemeClr val="accent1"/>
-          </a:fillRef>
-          <a:effectRef idx="0">
-            <a:schemeClr val="accent1"/>
-          </a:effectRef>
-          <a:fontRef idx="minor">
-            <a:schemeClr val="lt1"/>
-          </a:fontRef>
-        </p:style>
-        <p:txBody>
-          <a:bodyPr rtlCol="0" anchor="ctr"/>
-          <a:lstStyle/>
-          <a:p>
-            <a:pPr algn="ctr"/>
-            <a:endParaRPr lang="en-GB"/>
-          </a:p>
-        </p:txBody>
-      </p:sp>
-      <p:sp>
-        <p:nvSpPr>
-          <p:cNvPr id="207" name="Rectangle 206">
-            <a:extLst>
-              <a:ext uri="{FF2B5EF4-FFF2-40B4-BE49-F238E27FC236}">
-                <a16:creationId xmlns:a16="http://schemas.microsoft.com/office/drawing/2014/main" id="{716FED03-92C5-4764-AB88-535582A6DD6A}"/>
-              </a:ext>
-            </a:extLst>
-          </p:cNvPr>
-          <p:cNvSpPr/>
-          <p:nvPr/>
-        </p:nvSpPr>
-        <p:spPr>
-          <a:xfrm flipH="1">
-            <a:off x="4575852" y="6718726"/>
-            <a:ext cx="32440" cy="32400"/>
-          </a:xfrm>
-          <a:prstGeom prst="rect">
-            <a:avLst/>
-          </a:prstGeom>
-          <a:solidFill>
-            <a:srgbClr val="4F1E00"/>
-          </a:solidFill>
-          <a:ln>
-            <a:noFill/>
-          </a:ln>
-        </p:spPr>
-        <p:style>
-          <a:lnRef idx="2">
-            <a:schemeClr val="accent1">
-              <a:shade val="50000"/>
-            </a:schemeClr>
-          </a:lnRef>
-          <a:fillRef idx="1">
-            <a:schemeClr val="accent1"/>
-          </a:fillRef>
-          <a:effectRef idx="0">
-            <a:schemeClr val="accent1"/>
-          </a:effectRef>
-          <a:fontRef idx="minor">
-            <a:schemeClr val="lt1"/>
-          </a:fontRef>
-        </p:style>
-        <p:txBody>
-          <a:bodyPr rtlCol="0" anchor="ctr"/>
-          <a:lstStyle/>
-          <a:p>
-            <a:pPr algn="ctr"/>
-            <a:endParaRPr lang="en-GB"/>
-          </a:p>
-        </p:txBody>
-      </p:sp>
-      <p:sp>
-        <p:nvSpPr>
-          <p:cNvPr id="209" name="TextBox 208">
-            <a:extLst>
-              <a:ext uri="{FF2B5EF4-FFF2-40B4-BE49-F238E27FC236}">
-                <a16:creationId xmlns:a16="http://schemas.microsoft.com/office/drawing/2014/main" id="{5A5116A8-C4E0-4CA8-BA79-910ECCF67F5C}"/>
-              </a:ext>
-            </a:extLst>
-          </p:cNvPr>
-          <p:cNvSpPr txBox="1"/>
-          <p:nvPr/>
-        </p:nvSpPr>
-        <p:spPr>
-          <a:xfrm>
-            <a:off x="1627206" y="6767684"/>
-            <a:ext cx="3168935" cy="461665"/>
-          </a:xfrm>
-          <a:prstGeom prst="rect">
-            <a:avLst/>
-          </a:prstGeom>
-          <a:noFill/>
-        </p:spPr>
-        <p:txBody>
-          <a:bodyPr wrap="square" rtlCol="0">
-            <a:spAutoFit/>
-          </a:bodyPr>
-          <a:lstStyle/>
-          <a:p>
-            <a:pPr algn="ctr"/>
-            <a:r>
-              <a:rPr lang="en-GB" sz="1200" b="1" dirty="0" err="1">
-                <a:solidFill>
-                  <a:schemeClr val="accent2">
-                    <a:lumMod val="50000"/>
-                  </a:schemeClr>
-                </a:solidFill>
-              </a:rPr>
-              <a:t>get_accession_numbers</a:t>
-            </a:r>
-            <a:r>
-              <a:rPr lang="en-GB" sz="1200" b="1" dirty="0">
-                <a:solidFill>
-                  <a:schemeClr val="accent2">
-                    <a:lumMod val="50000"/>
-                  </a:schemeClr>
-                </a:solidFill>
-              </a:rPr>
-              <a:t>(</a:t>
-            </a:r>
-            <a:r>
-              <a:rPr lang="en-GB" sz="1200" dirty="0" err="1">
-                <a:solidFill>
-                  <a:schemeClr val="accent2">
-                    <a:lumMod val="50000"/>
-                  </a:schemeClr>
-                </a:solidFill>
-              </a:rPr>
-              <a:t>taxonomy_id_column</a:t>
-            </a:r>
-            <a:r>
-              <a:rPr lang="en-GB" sz="1200" b="1" dirty="0">
-                <a:solidFill>
-                  <a:schemeClr val="accent2">
-                    <a:lumMod val="50000"/>
-                  </a:schemeClr>
-                </a:solidFill>
-              </a:rPr>
-              <a:t>)</a:t>
-            </a:r>
-          </a:p>
-          <a:p>
-            <a:pPr algn="ctr"/>
-            <a:endParaRPr lang="en-GB" sz="1200" b="1" dirty="0">
-              <a:solidFill>
-                <a:schemeClr val="accent2">
-                  <a:lumMod val="50000"/>
-                </a:schemeClr>
-              </a:solidFill>
-            </a:endParaRPr>
-          </a:p>
-        </p:txBody>
-      </p:sp>
-      <p:sp>
-        <p:nvSpPr>
-          <p:cNvPr id="211" name="TextBox 210">
-            <a:extLst>
-              <a:ext uri="{FF2B5EF4-FFF2-40B4-BE49-F238E27FC236}">
-                <a16:creationId xmlns:a16="http://schemas.microsoft.com/office/drawing/2014/main" id="{41194890-05E1-40A9-AB9F-6A23A535331A}"/>
-              </a:ext>
-            </a:extLst>
-          </p:cNvPr>
-          <p:cNvSpPr txBox="1"/>
-          <p:nvPr/>
-        </p:nvSpPr>
-        <p:spPr>
-          <a:xfrm>
-            <a:off x="1627206" y="6971508"/>
-            <a:ext cx="3158400" cy="600164"/>
-          </a:xfrm>
-          <a:prstGeom prst="rect">
-            <a:avLst/>
-          </a:prstGeom>
-          <a:noFill/>
-          <a:ln>
-            <a:noFill/>
-          </a:ln>
-        </p:spPr>
-        <p:txBody>
-          <a:bodyPr wrap="square" rtlCol="0">
-            <a:spAutoFit/>
-          </a:bodyPr>
-          <a:lstStyle/>
-          <a:p>
-            <a:pPr algn="ctr"/>
-            <a:r>
-              <a:rPr lang="en-GB" sz="1100" i="1" dirty="0">
-                <a:solidFill>
-                  <a:schemeClr val="bg1">
-                    <a:lumMod val="50000"/>
-                  </a:schemeClr>
-                </a:solidFill>
-              </a:rPr>
-              <a:t>Pass over using </a:t>
-            </a:r>
-            <a:r>
-              <a:rPr lang="en-GB" sz="1100" i="1" dirty="0" err="1">
-                <a:solidFill>
-                  <a:schemeClr val="bg1">
-                    <a:lumMod val="50000"/>
-                  </a:schemeClr>
-                </a:solidFill>
-              </a:rPr>
-              <a:t>entrez.assign</a:t>
-            </a:r>
-            <a:r>
-              <a:rPr lang="en-GB" sz="1100" i="1" dirty="0">
-                <a:solidFill>
-                  <a:schemeClr val="bg1">
-                    <a:lumMod val="50000"/>
-                  </a:schemeClr>
-                </a:solidFill>
-              </a:rPr>
-              <a:t>, calling </a:t>
-            </a:r>
-            <a:r>
-              <a:rPr lang="en-GB" sz="1100" i="1" dirty="0" err="1">
-                <a:solidFill>
-                  <a:schemeClr val="bg1">
-                    <a:lumMod val="50000"/>
-                  </a:schemeClr>
-                </a:solidFill>
-              </a:rPr>
-              <a:t>get_accession_numbers</a:t>
-            </a:r>
-            <a:r>
-              <a:rPr lang="en-GB" sz="1100" i="1" dirty="0">
-                <a:solidFill>
-                  <a:schemeClr val="bg1">
-                    <a:lumMod val="50000"/>
-                  </a:schemeClr>
-                </a:solidFill>
-              </a:rPr>
-              <a:t> for each taxonomy ID, to call its Assembly database ID via </a:t>
-            </a:r>
-            <a:r>
-              <a:rPr lang="en-GB" sz="1100" i="1" dirty="0" err="1">
-                <a:solidFill>
-                  <a:schemeClr val="bg1">
-                    <a:lumMod val="50000"/>
-                  </a:schemeClr>
-                </a:solidFill>
-              </a:rPr>
-              <a:t>Entrez.eLink</a:t>
-            </a:r>
-            <a:endParaRPr lang="en-GB" sz="1050" i="1" dirty="0">
-              <a:solidFill>
-                <a:schemeClr val="bg1">
-                  <a:lumMod val="50000"/>
-                </a:schemeClr>
-              </a:solidFill>
-            </a:endParaRPr>
-          </a:p>
-        </p:txBody>
-      </p:sp>
-      <p:grpSp>
-        <p:nvGrpSpPr>
-          <p:cNvPr id="218" name="Group 217">
-            <a:extLst>
-              <a:ext uri="{FF2B5EF4-FFF2-40B4-BE49-F238E27FC236}">
-                <a16:creationId xmlns:a16="http://schemas.microsoft.com/office/drawing/2014/main" id="{CA2CB996-05C8-4E05-8425-2C978F659319}"/>
+                <a16:creationId xmlns:a16="http://schemas.microsoft.com/office/drawing/2014/main" id="{DEE37FAE-FAFE-4095-BA44-ED7B06EAC61B}"/>
               </a:ext>
             </a:extLst>
           </p:cNvPr>
@@ -11318,19 +9536,19 @@
           <p:nvPr/>
         </p:nvGrpSpPr>
         <p:grpSpPr>
-          <a:xfrm rot="10800000">
-            <a:off x="4664869" y="6427648"/>
-            <a:ext cx="923758" cy="774838"/>
-            <a:chOff x="1700286" y="1756995"/>
-            <a:chExt cx="923758" cy="774838"/>
+          <a:xfrm>
+            <a:off x="5700766" y="5894093"/>
+            <a:ext cx="3168935" cy="1120790"/>
+            <a:chOff x="3621301" y="7300103"/>
+            <a:chExt cx="3168935" cy="1120790"/>
           </a:xfrm>
         </p:grpSpPr>
         <p:sp>
           <p:nvSpPr>
-            <p:cNvPr id="213" name="Rectangle 212">
+            <p:cNvPr id="225" name="Rectangle: Rounded Corners 224">
               <a:extLst>
                 <a:ext uri="{FF2B5EF4-FFF2-40B4-BE49-F238E27FC236}">
-                  <a16:creationId xmlns:a16="http://schemas.microsoft.com/office/drawing/2014/main" id="{EDC74EEE-2E09-482E-BAF8-A79D2AF71DBE}"/>
+                  <a16:creationId xmlns:a16="http://schemas.microsoft.com/office/drawing/2014/main" id="{90B6B653-2459-4F0A-93D4-6E4F1ED85AFC}"/>
                 </a:ext>
               </a:extLst>
             </p:cNvPr>
@@ -11339,45 +9557,24 @@
           </p:nvSpPr>
           <p:spPr>
             <a:xfrm>
-              <a:off x="1729730" y="1756995"/>
-              <a:ext cx="894314" cy="45719"/>
+              <a:off x="3892922" y="7300103"/>
+              <a:ext cx="2600325" cy="1120790"/>
             </a:xfrm>
-            <a:prstGeom prst="rect">
+            <a:prstGeom prst="roundRect">
               <a:avLst/>
             </a:prstGeom>
-            <a:gradFill flip="none" rotWithShape="1">
-              <a:gsLst>
-                <a:gs pos="0">
-                  <a:schemeClr val="accent2">
-                    <a:lumMod val="50000"/>
-                    <a:shade val="30000"/>
-                    <a:satMod val="115000"/>
-                  </a:schemeClr>
-                </a:gs>
-                <a:gs pos="63000">
-                  <a:schemeClr val="accent2">
-                    <a:lumMod val="50000"/>
-                    <a:shade val="30000"/>
-                    <a:satMod val="115000"/>
-                  </a:schemeClr>
-                </a:gs>
-                <a:gs pos="81000">
-                  <a:schemeClr val="accent2">
-                    <a:lumMod val="50000"/>
-                    <a:shade val="67500"/>
-                    <a:satMod val="115000"/>
-                  </a:schemeClr>
-                </a:gs>
-                <a:gs pos="100000">
-                  <a:srgbClr val="642800"/>
-                </a:gs>
-              </a:gsLst>
-              <a:lin ang="10800000" scaled="1"/>
-              <a:tileRect/>
-            </a:gradFill>
+            <a:solidFill>
+              <a:schemeClr val="accent2">
+                <a:lumMod val="20000"/>
+                <a:lumOff val="80000"/>
+              </a:schemeClr>
+            </a:solidFill>
             <a:ln>
               <a:solidFill>
-                <a:srgbClr val="501E00"/>
+                <a:schemeClr val="accent2">
+                  <a:lumMod val="60000"/>
+                  <a:lumOff val="40000"/>
+                </a:schemeClr>
               </a:solidFill>
             </a:ln>
           </p:spPr>
@@ -11408,234 +9605,208 @@
         </p:sp>
         <p:sp>
           <p:nvSpPr>
-            <p:cNvPr id="214" name="Rectangle 213">
+            <p:cNvPr id="209" name="TextBox 208">
               <a:extLst>
                 <a:ext uri="{FF2B5EF4-FFF2-40B4-BE49-F238E27FC236}">
-                  <a16:creationId xmlns:a16="http://schemas.microsoft.com/office/drawing/2014/main" id="{A8974582-9E85-4420-9B41-C22C7D1E738C}"/>
+                  <a16:creationId xmlns:a16="http://schemas.microsoft.com/office/drawing/2014/main" id="{5A5116A8-C4E0-4CA8-BA79-910ECCF67F5C}"/>
                 </a:ext>
               </a:extLst>
             </p:cNvPr>
-            <p:cNvSpPr/>
+            <p:cNvSpPr txBox="1"/>
             <p:nvPr/>
           </p:nvSpPr>
           <p:spPr>
-            <a:xfrm rot="16200000">
-              <a:off x="1388279" y="2100517"/>
-              <a:ext cx="728006" cy="45719"/>
+            <a:xfrm>
+              <a:off x="3621301" y="7307253"/>
+              <a:ext cx="3168935" cy="461665"/>
             </a:xfrm>
             <a:prstGeom prst="rect">
               <a:avLst/>
             </a:prstGeom>
-            <a:gradFill>
-              <a:gsLst>
-                <a:gs pos="0">
-                  <a:srgbClr val="622700"/>
-                </a:gs>
-                <a:gs pos="28000">
-                  <a:schemeClr val="accent2">
-                    <a:lumMod val="50000"/>
-                    <a:shade val="67500"/>
-                    <a:satMod val="115000"/>
-                  </a:schemeClr>
-                </a:gs>
-                <a:gs pos="72000">
-                  <a:schemeClr val="accent2">
-                    <a:lumMod val="75000"/>
-                  </a:schemeClr>
-                </a:gs>
-              </a:gsLst>
-              <a:lin ang="10800000" scaled="1"/>
-            </a:gradFill>
-            <a:ln>
-              <a:solidFill>
-                <a:srgbClr val="501E00"/>
-              </a:solidFill>
-            </a:ln>
+            <a:noFill/>
           </p:spPr>
-          <p:style>
-            <a:lnRef idx="2">
-              <a:schemeClr val="accent1">
-                <a:shade val="50000"/>
-              </a:schemeClr>
-            </a:lnRef>
-            <a:fillRef idx="1">
-              <a:schemeClr val="accent1"/>
-            </a:fillRef>
-            <a:effectRef idx="0">
-              <a:schemeClr val="accent1"/>
-            </a:effectRef>
-            <a:fontRef idx="minor">
-              <a:schemeClr val="lt1"/>
-            </a:fontRef>
-          </p:style>
           <p:txBody>
-            <a:bodyPr rtlCol="0" anchor="ctr"/>
+            <a:bodyPr wrap="square" rtlCol="0">
+              <a:spAutoFit/>
+            </a:bodyPr>
             <a:lstStyle/>
             <a:p>
               <a:pPr algn="ctr"/>
-              <a:endParaRPr lang="en-GB"/>
+              <a:r>
+                <a:rPr lang="en-GB" sz="1200" b="1" dirty="0" err="1">
+                  <a:solidFill>
+                    <a:schemeClr val="accent2">
+                      <a:lumMod val="50000"/>
+                    </a:schemeClr>
+                  </a:solidFill>
+                </a:rPr>
+                <a:t>get_accession_numbers</a:t>
+              </a:r>
+              <a:r>
+                <a:rPr lang="en-GB" sz="1200" b="1" dirty="0">
+                  <a:solidFill>
+                    <a:schemeClr val="accent2">
+                      <a:lumMod val="50000"/>
+                    </a:schemeClr>
+                  </a:solidFill>
+                </a:rPr>
+                <a:t>(</a:t>
+              </a:r>
+              <a:r>
+                <a:rPr lang="en-GB" sz="1200" dirty="0" err="1">
+                  <a:solidFill>
+                    <a:schemeClr val="accent2">
+                      <a:lumMod val="50000"/>
+                    </a:schemeClr>
+                  </a:solidFill>
+                </a:rPr>
+                <a:t>taxonomy_id</a:t>
+              </a:r>
+              <a:r>
+                <a:rPr lang="en-GB" sz="1200" b="1" dirty="0">
+                  <a:solidFill>
+                    <a:schemeClr val="accent2">
+                      <a:lumMod val="50000"/>
+                    </a:schemeClr>
+                  </a:solidFill>
+                </a:rPr>
+                <a:t>)</a:t>
+              </a:r>
+            </a:p>
+            <a:p>
+              <a:pPr algn="ctr"/>
+              <a:endParaRPr lang="en-GB" sz="1200" b="1" dirty="0">
+                <a:solidFill>
+                  <a:schemeClr val="accent2">
+                    <a:lumMod val="50000"/>
+                  </a:schemeClr>
+                </a:solidFill>
+              </a:endParaRPr>
             </a:p>
           </p:txBody>
         </p:sp>
         <p:sp>
           <p:nvSpPr>
-            <p:cNvPr id="215" name="Isosceles Triangle 214">
+            <p:cNvPr id="211" name="TextBox 210">
               <a:extLst>
                 <a:ext uri="{FF2B5EF4-FFF2-40B4-BE49-F238E27FC236}">
-                  <a16:creationId xmlns:a16="http://schemas.microsoft.com/office/drawing/2014/main" id="{B7CB7831-21F1-4ECD-9154-99885EEDBE6F}"/>
+                  <a16:creationId xmlns:a16="http://schemas.microsoft.com/office/drawing/2014/main" id="{41194890-05E1-40A9-AB9F-6A23A535331A}"/>
                 </a:ext>
               </a:extLst>
             </p:cNvPr>
-            <p:cNvSpPr/>
-            <p:nvPr/>
-          </p:nvSpPr>
-          <p:spPr>
-            <a:xfrm rot="10800000">
-              <a:off x="1700286" y="2454102"/>
-              <a:ext cx="99694" cy="77731"/>
-            </a:xfrm>
-            <a:prstGeom prst="triangle">
-              <a:avLst/>
-            </a:prstGeom>
-            <a:solidFill>
-              <a:schemeClr val="accent2">
-                <a:lumMod val="75000"/>
-              </a:schemeClr>
-            </a:solidFill>
-            <a:ln>
-              <a:solidFill>
-                <a:srgbClr val="501E00"/>
-              </a:solidFill>
-            </a:ln>
-          </p:spPr>
-          <p:style>
-            <a:lnRef idx="2">
-              <a:schemeClr val="accent1">
-                <a:shade val="50000"/>
-              </a:schemeClr>
-            </a:lnRef>
-            <a:fillRef idx="1">
-              <a:schemeClr val="accent1"/>
-            </a:fillRef>
-            <a:effectRef idx="0">
-              <a:schemeClr val="accent1"/>
-            </a:effectRef>
-            <a:fontRef idx="minor">
-              <a:schemeClr val="lt1"/>
-            </a:fontRef>
-          </p:style>
-          <p:txBody>
-            <a:bodyPr rtlCol="0" anchor="ctr"/>
-            <a:lstStyle/>
-            <a:p>
-              <a:pPr algn="ctr"/>
-              <a:endParaRPr lang="en-GB"/>
-            </a:p>
-          </p:txBody>
-        </p:sp>
-        <p:sp>
-          <p:nvSpPr>
-            <p:cNvPr id="216" name="Rectangle 215">
-              <a:extLst>
-                <a:ext uri="{FF2B5EF4-FFF2-40B4-BE49-F238E27FC236}">
-                  <a16:creationId xmlns:a16="http://schemas.microsoft.com/office/drawing/2014/main" id="{7B70EA06-9841-4D5F-BBDE-776E6F479D75}"/>
-                </a:ext>
-              </a:extLst>
-            </p:cNvPr>
-            <p:cNvSpPr/>
+            <p:cNvSpPr txBox="1"/>
             <p:nvPr/>
           </p:nvSpPr>
           <p:spPr>
             <a:xfrm>
-              <a:off x="1757142" y="1762400"/>
-              <a:ext cx="36000" cy="36000"/>
+              <a:off x="3892921" y="7482173"/>
+              <a:ext cx="2600326" cy="938719"/>
             </a:xfrm>
             <a:prstGeom prst="rect">
               <a:avLst/>
             </a:prstGeom>
-            <a:solidFill>
-              <a:srgbClr val="642800"/>
-            </a:solidFill>
+            <a:noFill/>
             <a:ln>
               <a:noFill/>
             </a:ln>
           </p:spPr>
-          <p:style>
-            <a:lnRef idx="2">
-              <a:schemeClr val="accent1">
-                <a:shade val="50000"/>
-              </a:schemeClr>
-            </a:lnRef>
-            <a:fillRef idx="1">
-              <a:schemeClr val="accent1"/>
-            </a:fillRef>
-            <a:effectRef idx="0">
-              <a:schemeClr val="accent1"/>
-            </a:effectRef>
-            <a:fontRef idx="minor">
-              <a:schemeClr val="lt1"/>
-            </a:fontRef>
-          </p:style>
           <p:txBody>
-            <a:bodyPr rtlCol="0" anchor="ctr"/>
+            <a:bodyPr wrap="square" rtlCol="0">
+              <a:spAutoFit/>
+            </a:bodyPr>
             <a:lstStyle/>
             <a:p>
               <a:pPr algn="ctr"/>
-              <a:endParaRPr lang="en-GB"/>
+              <a:r>
+                <a:rPr lang="en-GB" sz="1100" i="1" dirty="0">
+                  <a:solidFill>
+                    <a:schemeClr val="bg1">
+                      <a:lumMod val="50000"/>
+                    </a:schemeClr>
+                  </a:solidFill>
+                </a:rPr>
+                <a:t>Use Entrez </a:t>
+              </a:r>
+              <a:r>
+                <a:rPr lang="en-GB" sz="1100" i="1" dirty="0" err="1">
+                  <a:solidFill>
+                    <a:schemeClr val="bg1">
+                      <a:lumMod val="50000"/>
+                    </a:schemeClr>
+                  </a:solidFill>
+                </a:rPr>
+                <a:t>elink</a:t>
+              </a:r>
+              <a:r>
+                <a:rPr lang="en-GB" sz="1100" i="1" dirty="0">
+                  <a:solidFill>
+                    <a:schemeClr val="bg1">
+                      <a:lumMod val="50000"/>
+                    </a:schemeClr>
+                  </a:solidFill>
+                </a:rPr>
+                <a:t> to pull down all associated Assembly IDs.</a:t>
+              </a:r>
             </a:p>
-          </p:txBody>
-        </p:sp>
-        <p:sp>
-          <p:nvSpPr>
-            <p:cNvPr id="217" name="Rectangle 216">
-              <a:extLst>
-                <a:ext uri="{FF2B5EF4-FFF2-40B4-BE49-F238E27FC236}">
-                  <a16:creationId xmlns:a16="http://schemas.microsoft.com/office/drawing/2014/main" id="{0EF72700-F7FF-40D9-B5E6-8599BE0BC652}"/>
-                </a:ext>
-              </a:extLst>
-            </p:cNvPr>
-            <p:cNvSpPr/>
-            <p:nvPr/>
-          </p:nvSpPr>
-          <p:spPr>
-            <a:xfrm>
-              <a:off x="1732379" y="2437379"/>
-              <a:ext cx="36000" cy="36000"/>
-            </a:xfrm>
-            <a:prstGeom prst="rect">
-              <a:avLst/>
-            </a:prstGeom>
-            <a:solidFill>
-              <a:schemeClr val="accent2">
-                <a:lumMod val="75000"/>
-              </a:schemeClr>
-            </a:solidFill>
-            <a:ln>
-              <a:noFill/>
-            </a:ln>
-          </p:spPr>
-          <p:style>
-            <a:lnRef idx="2">
-              <a:schemeClr val="accent1">
-                <a:shade val="50000"/>
-              </a:schemeClr>
-            </a:lnRef>
-            <a:fillRef idx="1">
-              <a:schemeClr val="accent1"/>
-            </a:fillRef>
-            <a:effectRef idx="0">
-              <a:schemeClr val="accent1"/>
-            </a:effectRef>
-            <a:fontRef idx="minor">
-              <a:schemeClr val="lt1"/>
-            </a:fontRef>
-          </p:style>
-          <p:txBody>
-            <a:bodyPr rtlCol="0" anchor="ctr"/>
-            <a:lstStyle/>
             <a:p>
               <a:pPr algn="ctr"/>
-              <a:endParaRPr lang="en-GB"/>
+              <a:r>
+                <a:rPr lang="en-GB" sz="1100" i="1" dirty="0">
+                  <a:solidFill>
+                    <a:schemeClr val="bg1">
+                      <a:lumMod val="50000"/>
+                    </a:schemeClr>
+                  </a:solidFill>
+                </a:rPr>
+                <a:t>Use Entrez </a:t>
+              </a:r>
+              <a:r>
+                <a:rPr lang="en-GB" sz="1100" i="1" dirty="0" err="1">
+                  <a:solidFill>
+                    <a:schemeClr val="bg1">
+                      <a:lumMod val="50000"/>
+                    </a:schemeClr>
+                  </a:solidFill>
+                </a:rPr>
+                <a:t>epost</a:t>
+              </a:r>
+              <a:r>
+                <a:rPr lang="en-GB" sz="1100" i="1" dirty="0">
+                  <a:solidFill>
+                    <a:schemeClr val="bg1">
+                      <a:lumMod val="50000"/>
+                    </a:schemeClr>
+                  </a:solidFill>
+                </a:rPr>
+                <a:t> to post all Assembly IDs as single query for subsequent Entrez </a:t>
+              </a:r>
+              <a:r>
+                <a:rPr lang="en-GB" sz="1100" i="1" dirty="0" err="1">
+                  <a:solidFill>
+                    <a:schemeClr val="bg1">
+                      <a:lumMod val="50000"/>
+                    </a:schemeClr>
+                  </a:solidFill>
+                </a:rPr>
+                <a:t>efetch</a:t>
+              </a:r>
+              <a:r>
+                <a:rPr lang="en-GB" sz="1100" i="1" dirty="0">
+                  <a:solidFill>
+                    <a:schemeClr val="bg1">
+                      <a:lumMod val="50000"/>
+                    </a:schemeClr>
+                  </a:solidFill>
+                </a:rPr>
+                <a:t> of associated accession numbers</a:t>
+              </a:r>
+              <a:endParaRPr lang="en-GB" sz="1050" i="1" dirty="0">
+                <a:solidFill>
+                  <a:schemeClr val="bg1">
+                    <a:lumMod val="50000"/>
+                  </a:schemeClr>
+                </a:solidFill>
+              </a:endParaRPr>
             </a:p>
           </p:txBody>
         </p:sp>
@@ -11655,13 +9826,13 @@
           <p:nvPr>
             <p:extLst>
               <p:ext uri="{D42A27DB-BD31-4B8C-83A1-F6EECF244321}">
-                <p14:modId xmlns:p14="http://schemas.microsoft.com/office/powerpoint/2010/main" val="1898376713"/>
+                <p14:modId xmlns:p14="http://schemas.microsoft.com/office/powerpoint/2010/main" val="802593539"/>
               </p:ext>
             </p:extLst>
           </p:nvPr>
         </p:nvGraphicFramePr>
         <p:xfrm>
-          <a:off x="5182464" y="5546743"/>
+          <a:off x="3700652" y="4808813"/>
           <a:ext cx="1173162" cy="975360"/>
         </p:xfrm>
         <a:graphic>
@@ -11956,6 +10127,1172 @@
           </a:graphicData>
         </a:graphic>
       </p:graphicFrame>
+      <p:sp>
+        <p:nvSpPr>
+          <p:cNvPr id="14" name="Arrow: Right 13">
+            <a:extLst>
+              <a:ext uri="{FF2B5EF4-FFF2-40B4-BE49-F238E27FC236}">
+                <a16:creationId xmlns:a16="http://schemas.microsoft.com/office/drawing/2014/main" id="{CEFD1E0E-2299-4BF7-BC82-5BDD8BB829EA}"/>
+              </a:ext>
+            </a:extLst>
+          </p:cNvPr>
+          <p:cNvSpPr/>
+          <p:nvPr/>
+        </p:nvSpPr>
+        <p:spPr>
+          <a:xfrm>
+            <a:off x="2203341" y="1446828"/>
+            <a:ext cx="2449622" cy="147605"/>
+          </a:xfrm>
+          <a:prstGeom prst="rightArrow">
+            <a:avLst>
+              <a:gd name="adj1" fmla="val 50000"/>
+              <a:gd name="adj2" fmla="val 80652"/>
+            </a:avLst>
+          </a:prstGeom>
+          <a:solidFill>
+            <a:srgbClr val="C55A11"/>
+          </a:solidFill>
+          <a:ln>
+            <a:solidFill>
+              <a:srgbClr val="501E00"/>
+            </a:solidFill>
+          </a:ln>
+        </p:spPr>
+        <p:style>
+          <a:lnRef idx="2">
+            <a:schemeClr val="accent1">
+              <a:shade val="50000"/>
+            </a:schemeClr>
+          </a:lnRef>
+          <a:fillRef idx="1">
+            <a:schemeClr val="accent1"/>
+          </a:fillRef>
+          <a:effectRef idx="0">
+            <a:schemeClr val="accent1"/>
+          </a:effectRef>
+          <a:fontRef idx="minor">
+            <a:schemeClr val="lt1"/>
+          </a:fontRef>
+        </p:style>
+        <p:txBody>
+          <a:bodyPr rtlCol="0" anchor="ctr"/>
+          <a:lstStyle/>
+          <a:p>
+            <a:pPr algn="ctr"/>
+            <a:endParaRPr lang="en-GB"/>
+          </a:p>
+        </p:txBody>
+      </p:sp>
+      <p:sp>
+        <p:nvSpPr>
+          <p:cNvPr id="25" name="Arrow: Right 24">
+            <a:extLst>
+              <a:ext uri="{FF2B5EF4-FFF2-40B4-BE49-F238E27FC236}">
+                <a16:creationId xmlns:a16="http://schemas.microsoft.com/office/drawing/2014/main" id="{A3F92C34-B939-4605-B5C0-37D076A5FBDD}"/>
+              </a:ext>
+            </a:extLst>
+          </p:cNvPr>
+          <p:cNvSpPr/>
+          <p:nvPr/>
+        </p:nvSpPr>
+        <p:spPr>
+          <a:xfrm rot="5400000">
+            <a:off x="3878796" y="3817760"/>
+            <a:ext cx="252952" cy="106186"/>
+          </a:xfrm>
+          <a:prstGeom prst="rightArrow">
+            <a:avLst>
+              <a:gd name="adj1" fmla="val 50000"/>
+              <a:gd name="adj2" fmla="val 80652"/>
+            </a:avLst>
+          </a:prstGeom>
+          <a:gradFill flip="none" rotWithShape="1">
+            <a:gsLst>
+              <a:gs pos="37000">
+                <a:srgbClr val="642800"/>
+              </a:gs>
+              <a:gs pos="100000">
+                <a:srgbClr val="C55A11"/>
+              </a:gs>
+            </a:gsLst>
+            <a:lin ang="0" scaled="1"/>
+            <a:tileRect/>
+          </a:gradFill>
+          <a:ln>
+            <a:solidFill>
+              <a:srgbClr val="501E00"/>
+            </a:solidFill>
+          </a:ln>
+        </p:spPr>
+        <p:style>
+          <a:lnRef idx="2">
+            <a:schemeClr val="accent1">
+              <a:shade val="50000"/>
+            </a:schemeClr>
+          </a:lnRef>
+          <a:fillRef idx="1">
+            <a:schemeClr val="accent1"/>
+          </a:fillRef>
+          <a:effectRef idx="0">
+            <a:schemeClr val="accent1"/>
+          </a:effectRef>
+          <a:fontRef idx="minor">
+            <a:schemeClr val="lt1"/>
+          </a:fontRef>
+        </p:style>
+        <p:txBody>
+          <a:bodyPr rtlCol="0" anchor="ctr"/>
+          <a:lstStyle/>
+          <a:p>
+            <a:pPr algn="ctr"/>
+            <a:endParaRPr lang="en-GB"/>
+          </a:p>
+        </p:txBody>
+      </p:sp>
+      <p:sp>
+        <p:nvSpPr>
+          <p:cNvPr id="27" name="Arrow: Bent-Up 26">
+            <a:extLst>
+              <a:ext uri="{FF2B5EF4-FFF2-40B4-BE49-F238E27FC236}">
+                <a16:creationId xmlns:a16="http://schemas.microsoft.com/office/drawing/2014/main" id="{40AEA691-DE6C-49A7-87BF-9C1A028FC868}"/>
+              </a:ext>
+            </a:extLst>
+          </p:cNvPr>
+          <p:cNvSpPr/>
+          <p:nvPr/>
+        </p:nvSpPr>
+        <p:spPr>
+          <a:xfrm rot="10800000">
+            <a:off x="3947624" y="2653138"/>
+            <a:ext cx="1115794" cy="404301"/>
+          </a:xfrm>
+          <a:prstGeom prst="bentUpArrow">
+            <a:avLst>
+              <a:gd name="adj1" fmla="val 12556"/>
+              <a:gd name="adj2" fmla="val 12312"/>
+              <a:gd name="adj3" fmla="val 19361"/>
+            </a:avLst>
+          </a:prstGeom>
+          <a:gradFill>
+            <a:gsLst>
+              <a:gs pos="56000">
+                <a:srgbClr val="642800"/>
+              </a:gs>
+              <a:gs pos="18000">
+                <a:srgbClr val="501E00"/>
+              </a:gs>
+              <a:gs pos="100000">
+                <a:srgbClr val="8A3F0C"/>
+              </a:gs>
+            </a:gsLst>
+            <a:lin ang="0" scaled="1"/>
+          </a:gradFill>
+          <a:ln>
+            <a:solidFill>
+              <a:srgbClr val="501E00"/>
+            </a:solidFill>
+          </a:ln>
+        </p:spPr>
+        <p:style>
+          <a:lnRef idx="2">
+            <a:schemeClr val="accent1">
+              <a:shade val="50000"/>
+            </a:schemeClr>
+          </a:lnRef>
+          <a:fillRef idx="1">
+            <a:schemeClr val="accent1"/>
+          </a:fillRef>
+          <a:effectRef idx="0">
+            <a:schemeClr val="accent1"/>
+          </a:effectRef>
+          <a:fontRef idx="minor">
+            <a:schemeClr val="lt1"/>
+          </a:fontRef>
+        </p:style>
+        <p:txBody>
+          <a:bodyPr rtlCol="0" anchor="ctr"/>
+          <a:lstStyle/>
+          <a:p>
+            <a:pPr algn="ctr"/>
+            <a:endParaRPr lang="en-GB"/>
+          </a:p>
+        </p:txBody>
+      </p:sp>
+      <p:sp>
+        <p:nvSpPr>
+          <p:cNvPr id="28" name="Arrow: Right 27">
+            <a:extLst>
+              <a:ext uri="{FF2B5EF4-FFF2-40B4-BE49-F238E27FC236}">
+                <a16:creationId xmlns:a16="http://schemas.microsoft.com/office/drawing/2014/main" id="{46A0913D-BD36-4552-8C76-95F80F74A624}"/>
+              </a:ext>
+            </a:extLst>
+          </p:cNvPr>
+          <p:cNvSpPr/>
+          <p:nvPr/>
+        </p:nvSpPr>
+        <p:spPr>
+          <a:xfrm rot="5400000">
+            <a:off x="4307092" y="3286316"/>
+            <a:ext cx="1315841" cy="106186"/>
+          </a:xfrm>
+          <a:prstGeom prst="rightArrow">
+            <a:avLst>
+              <a:gd name="adj1" fmla="val 50000"/>
+              <a:gd name="adj2" fmla="val 80652"/>
+            </a:avLst>
+          </a:prstGeom>
+          <a:gradFill flip="none" rotWithShape="1">
+            <a:gsLst>
+              <a:gs pos="0">
+                <a:srgbClr val="501E00"/>
+              </a:gs>
+              <a:gs pos="37000">
+                <a:srgbClr val="642800"/>
+              </a:gs>
+              <a:gs pos="100000">
+                <a:srgbClr val="C55A11"/>
+              </a:gs>
+            </a:gsLst>
+            <a:lin ang="0" scaled="1"/>
+            <a:tileRect/>
+          </a:gradFill>
+          <a:ln>
+            <a:solidFill>
+              <a:srgbClr val="501E00"/>
+            </a:solidFill>
+          </a:ln>
+        </p:spPr>
+        <p:style>
+          <a:lnRef idx="2">
+            <a:schemeClr val="accent1">
+              <a:shade val="50000"/>
+            </a:schemeClr>
+          </a:lnRef>
+          <a:fillRef idx="1">
+            <a:schemeClr val="accent1"/>
+          </a:fillRef>
+          <a:effectRef idx="0">
+            <a:schemeClr val="accent1"/>
+          </a:effectRef>
+          <a:fontRef idx="minor">
+            <a:schemeClr val="lt1"/>
+          </a:fontRef>
+        </p:style>
+        <p:txBody>
+          <a:bodyPr rtlCol="0" anchor="ctr"/>
+          <a:lstStyle/>
+          <a:p>
+            <a:pPr algn="ctr"/>
+            <a:endParaRPr lang="en-GB"/>
+          </a:p>
+        </p:txBody>
+      </p:sp>
+      <p:sp>
+        <p:nvSpPr>
+          <p:cNvPr id="29" name="Arrow: Bent-Up 28">
+            <a:extLst>
+              <a:ext uri="{FF2B5EF4-FFF2-40B4-BE49-F238E27FC236}">
+                <a16:creationId xmlns:a16="http://schemas.microsoft.com/office/drawing/2014/main" id="{46D195BD-D479-4AA9-8E52-F67B7F196EC3}"/>
+              </a:ext>
+            </a:extLst>
+          </p:cNvPr>
+          <p:cNvSpPr/>
+          <p:nvPr/>
+        </p:nvSpPr>
+        <p:spPr>
+          <a:xfrm rot="10800000" flipH="1">
+            <a:off x="5700766" y="2813953"/>
+            <a:ext cx="1116000" cy="277000"/>
+          </a:xfrm>
+          <a:prstGeom prst="bentUpArrow">
+            <a:avLst>
+              <a:gd name="adj1" fmla="val 18784"/>
+              <a:gd name="adj2" fmla="val 19073"/>
+              <a:gd name="adj3" fmla="val 27223"/>
+            </a:avLst>
+          </a:prstGeom>
+          <a:gradFill>
+            <a:gsLst>
+              <a:gs pos="56000">
+                <a:srgbClr val="642800"/>
+              </a:gs>
+              <a:gs pos="18000">
+                <a:srgbClr val="501E00"/>
+              </a:gs>
+              <a:gs pos="100000">
+                <a:srgbClr val="8A3F0C"/>
+              </a:gs>
+            </a:gsLst>
+            <a:lin ang="0" scaled="1"/>
+          </a:gradFill>
+          <a:ln>
+            <a:solidFill>
+              <a:srgbClr val="501E00"/>
+            </a:solidFill>
+          </a:ln>
+        </p:spPr>
+        <p:style>
+          <a:lnRef idx="2">
+            <a:schemeClr val="accent1">
+              <a:shade val="50000"/>
+            </a:schemeClr>
+          </a:lnRef>
+          <a:fillRef idx="1">
+            <a:schemeClr val="accent1"/>
+          </a:fillRef>
+          <a:effectRef idx="0">
+            <a:schemeClr val="accent1"/>
+          </a:effectRef>
+          <a:fontRef idx="minor">
+            <a:schemeClr val="lt1"/>
+          </a:fontRef>
+        </p:style>
+        <p:txBody>
+          <a:bodyPr rtlCol="0" anchor="ctr"/>
+          <a:lstStyle/>
+          <a:p>
+            <a:pPr algn="ctr"/>
+            <a:endParaRPr lang="en-GB"/>
+          </a:p>
+        </p:txBody>
+      </p:sp>
+      <p:sp>
+        <p:nvSpPr>
+          <p:cNvPr id="31" name="Arrow: Right 30">
+            <a:extLst>
+              <a:ext uri="{FF2B5EF4-FFF2-40B4-BE49-F238E27FC236}">
+                <a16:creationId xmlns:a16="http://schemas.microsoft.com/office/drawing/2014/main" id="{5A248AA9-C618-418F-9B99-4654446EF063}"/>
+              </a:ext>
+            </a:extLst>
+          </p:cNvPr>
+          <p:cNvSpPr/>
+          <p:nvPr/>
+        </p:nvSpPr>
+        <p:spPr>
+          <a:xfrm rot="5400000">
+            <a:off x="6626498" y="3808380"/>
+            <a:ext cx="271711" cy="106186"/>
+          </a:xfrm>
+          <a:prstGeom prst="rightArrow">
+            <a:avLst>
+              <a:gd name="adj1" fmla="val 50000"/>
+              <a:gd name="adj2" fmla="val 80652"/>
+            </a:avLst>
+          </a:prstGeom>
+          <a:gradFill flip="none" rotWithShape="1">
+            <a:gsLst>
+              <a:gs pos="37000">
+                <a:srgbClr val="642800"/>
+              </a:gs>
+              <a:gs pos="100000">
+                <a:srgbClr val="C55A11"/>
+              </a:gs>
+            </a:gsLst>
+            <a:lin ang="0" scaled="1"/>
+            <a:tileRect/>
+          </a:gradFill>
+          <a:ln>
+            <a:solidFill>
+              <a:srgbClr val="501E00"/>
+            </a:solidFill>
+          </a:ln>
+        </p:spPr>
+        <p:style>
+          <a:lnRef idx="2">
+            <a:schemeClr val="accent1">
+              <a:shade val="50000"/>
+            </a:schemeClr>
+          </a:lnRef>
+          <a:fillRef idx="1">
+            <a:schemeClr val="accent1"/>
+          </a:fillRef>
+          <a:effectRef idx="0">
+            <a:schemeClr val="accent1"/>
+          </a:effectRef>
+          <a:fontRef idx="minor">
+            <a:schemeClr val="lt1"/>
+          </a:fontRef>
+        </p:style>
+        <p:txBody>
+          <a:bodyPr rtlCol="0" anchor="ctr"/>
+          <a:lstStyle/>
+          <a:p>
+            <a:pPr algn="ctr"/>
+            <a:endParaRPr lang="en-GB"/>
+          </a:p>
+        </p:txBody>
+      </p:sp>
+      <p:sp>
+        <p:nvSpPr>
+          <p:cNvPr id="32" name="Arrow: Right 31">
+            <a:extLst>
+              <a:ext uri="{FF2B5EF4-FFF2-40B4-BE49-F238E27FC236}">
+                <a16:creationId xmlns:a16="http://schemas.microsoft.com/office/drawing/2014/main" id="{940AA303-9454-4155-BE62-0ACC0DBA6FCE}"/>
+              </a:ext>
+            </a:extLst>
+          </p:cNvPr>
+          <p:cNvSpPr/>
+          <p:nvPr/>
+        </p:nvSpPr>
+        <p:spPr>
+          <a:xfrm rot="5400000">
+            <a:off x="5510159" y="3352551"/>
+            <a:ext cx="1183375" cy="106186"/>
+          </a:xfrm>
+          <a:prstGeom prst="rightArrow">
+            <a:avLst>
+              <a:gd name="adj1" fmla="val 50000"/>
+              <a:gd name="adj2" fmla="val 80652"/>
+            </a:avLst>
+          </a:prstGeom>
+          <a:gradFill flip="none" rotWithShape="1">
+            <a:gsLst>
+              <a:gs pos="0">
+                <a:srgbClr val="501E00"/>
+              </a:gs>
+              <a:gs pos="37000">
+                <a:srgbClr val="642800"/>
+              </a:gs>
+              <a:gs pos="100000">
+                <a:srgbClr val="C55A11"/>
+              </a:gs>
+            </a:gsLst>
+            <a:lin ang="0" scaled="1"/>
+            <a:tileRect/>
+          </a:gradFill>
+          <a:ln>
+            <a:solidFill>
+              <a:srgbClr val="501E00"/>
+            </a:solidFill>
+          </a:ln>
+        </p:spPr>
+        <p:style>
+          <a:lnRef idx="2">
+            <a:schemeClr val="accent1">
+              <a:shade val="50000"/>
+            </a:schemeClr>
+          </a:lnRef>
+          <a:fillRef idx="1">
+            <a:schemeClr val="accent1"/>
+          </a:fillRef>
+          <a:effectRef idx="0">
+            <a:schemeClr val="accent1"/>
+          </a:effectRef>
+          <a:fontRef idx="minor">
+            <a:schemeClr val="lt1"/>
+          </a:fontRef>
+        </p:style>
+        <p:txBody>
+          <a:bodyPr rtlCol="0" anchor="ctr"/>
+          <a:lstStyle/>
+          <a:p>
+            <a:pPr algn="ctr"/>
+            <a:endParaRPr lang="en-GB"/>
+          </a:p>
+        </p:txBody>
+      </p:sp>
+      <p:sp>
+        <p:nvSpPr>
+          <p:cNvPr id="33" name="Arrow: Right 32">
+            <a:extLst>
+              <a:ext uri="{FF2B5EF4-FFF2-40B4-BE49-F238E27FC236}">
+                <a16:creationId xmlns:a16="http://schemas.microsoft.com/office/drawing/2014/main" id="{7A49FC93-654C-4671-B171-6001E5353A3E}"/>
+              </a:ext>
+            </a:extLst>
+          </p:cNvPr>
+          <p:cNvSpPr/>
+          <p:nvPr/>
+        </p:nvSpPr>
+        <p:spPr>
+          <a:xfrm rot="10800000">
+            <a:off x="2346823" y="4521679"/>
+            <a:ext cx="1658449" cy="147605"/>
+          </a:xfrm>
+          <a:prstGeom prst="rightArrow">
+            <a:avLst>
+              <a:gd name="adj1" fmla="val 50000"/>
+              <a:gd name="adj2" fmla="val 80652"/>
+            </a:avLst>
+          </a:prstGeom>
+          <a:solidFill>
+            <a:srgbClr val="C55A11"/>
+          </a:solidFill>
+          <a:ln>
+            <a:solidFill>
+              <a:srgbClr val="501E00"/>
+            </a:solidFill>
+          </a:ln>
+        </p:spPr>
+        <p:style>
+          <a:lnRef idx="2">
+            <a:schemeClr val="accent1">
+              <a:shade val="50000"/>
+            </a:schemeClr>
+          </a:lnRef>
+          <a:fillRef idx="1">
+            <a:schemeClr val="accent1"/>
+          </a:fillRef>
+          <a:effectRef idx="0">
+            <a:schemeClr val="accent1"/>
+          </a:effectRef>
+          <a:fontRef idx="minor">
+            <a:schemeClr val="lt1"/>
+          </a:fontRef>
+        </p:style>
+        <p:txBody>
+          <a:bodyPr rtlCol="0" anchor="ctr"/>
+          <a:lstStyle/>
+          <a:p>
+            <a:pPr algn="ctr"/>
+            <a:endParaRPr lang="en-GB"/>
+          </a:p>
+        </p:txBody>
+      </p:sp>
+      <p:sp>
+        <p:nvSpPr>
+          <p:cNvPr id="34" name="TextBox 33">
+            <a:extLst>
+              <a:ext uri="{FF2B5EF4-FFF2-40B4-BE49-F238E27FC236}">
+                <a16:creationId xmlns:a16="http://schemas.microsoft.com/office/drawing/2014/main" id="{7DC8FECD-AA1D-47F2-8B53-7273DAA480A6}"/>
+              </a:ext>
+            </a:extLst>
+          </p:cNvPr>
+          <p:cNvSpPr txBox="1"/>
+          <p:nvPr/>
+        </p:nvSpPr>
+        <p:spPr>
+          <a:xfrm>
+            <a:off x="-115989" y="4460492"/>
+            <a:ext cx="2635902" cy="307777"/>
+          </a:xfrm>
+          <a:prstGeom prst="rect">
+            <a:avLst/>
+          </a:prstGeom>
+          <a:noFill/>
+        </p:spPr>
+        <p:txBody>
+          <a:bodyPr wrap="square" rtlCol="0">
+            <a:spAutoFit/>
+          </a:bodyPr>
+          <a:lstStyle/>
+          <a:p>
+            <a:pPr algn="ctr"/>
+            <a:r>
+              <a:rPr lang="en-GB" sz="1400" dirty="0" err="1">
+                <a:solidFill>
+                  <a:schemeClr val="accent2"/>
+                </a:solidFill>
+              </a:rPr>
+              <a:t>Dataframe</a:t>
+            </a:r>
+            <a:r>
+              <a:rPr lang="en-GB" sz="1400" dirty="0">
+                <a:solidFill>
+                  <a:schemeClr val="accent2"/>
+                </a:solidFill>
+              </a:rPr>
+              <a:t>: ‘</a:t>
+            </a:r>
+            <a:r>
+              <a:rPr lang="en-GB" sz="1400" dirty="0" err="1">
+                <a:solidFill>
+                  <a:schemeClr val="accent2"/>
+                </a:solidFill>
+              </a:rPr>
+              <a:t>species_table</a:t>
+            </a:r>
+            <a:r>
+              <a:rPr lang="en-GB" sz="1400" dirty="0">
+                <a:solidFill>
+                  <a:schemeClr val="accent2"/>
+                </a:solidFill>
+              </a:rPr>
+              <a:t>’</a:t>
+            </a:r>
+          </a:p>
+        </p:txBody>
+      </p:sp>
+      <p:grpSp>
+        <p:nvGrpSpPr>
+          <p:cNvPr id="35" name="Group 34">
+            <a:extLst>
+              <a:ext uri="{FF2B5EF4-FFF2-40B4-BE49-F238E27FC236}">
+                <a16:creationId xmlns:a16="http://schemas.microsoft.com/office/drawing/2014/main" id="{5A191E4E-52F3-4456-89AC-E7E2FD09E6FE}"/>
+              </a:ext>
+            </a:extLst>
+          </p:cNvPr>
+          <p:cNvGrpSpPr/>
+          <p:nvPr/>
+        </p:nvGrpSpPr>
+        <p:grpSpPr>
+          <a:xfrm>
+            <a:off x="2035010" y="5954402"/>
+            <a:ext cx="3770477" cy="980671"/>
+            <a:chOff x="5190808" y="1979448"/>
+            <a:chExt cx="2726961" cy="998279"/>
+          </a:xfrm>
+        </p:grpSpPr>
+        <p:sp>
+          <p:nvSpPr>
+            <p:cNvPr id="127" name="Rectangle: Rounded Corners 126">
+              <a:extLst>
+                <a:ext uri="{FF2B5EF4-FFF2-40B4-BE49-F238E27FC236}">
+                  <a16:creationId xmlns:a16="http://schemas.microsoft.com/office/drawing/2014/main" id="{18CF1821-2B26-47E5-94AB-3CE3B87FE648}"/>
+                </a:ext>
+              </a:extLst>
+            </p:cNvPr>
+            <p:cNvSpPr/>
+            <p:nvPr/>
+          </p:nvSpPr>
+          <p:spPr>
+            <a:xfrm>
+              <a:off x="5190808" y="1984854"/>
+              <a:ext cx="2684400" cy="992873"/>
+            </a:xfrm>
+            <a:prstGeom prst="roundRect">
+              <a:avLst>
+                <a:gd name="adj" fmla="val 6164"/>
+              </a:avLst>
+            </a:prstGeom>
+            <a:solidFill>
+              <a:schemeClr val="accent2">
+                <a:lumMod val="20000"/>
+                <a:lumOff val="80000"/>
+              </a:schemeClr>
+            </a:solidFill>
+            <a:ln>
+              <a:solidFill>
+                <a:schemeClr val="accent2">
+                  <a:lumMod val="60000"/>
+                  <a:lumOff val="40000"/>
+                </a:schemeClr>
+              </a:solidFill>
+            </a:ln>
+          </p:spPr>
+          <p:style>
+            <a:lnRef idx="2">
+              <a:schemeClr val="accent1">
+                <a:shade val="50000"/>
+              </a:schemeClr>
+            </a:lnRef>
+            <a:fillRef idx="1">
+              <a:schemeClr val="accent1"/>
+            </a:fillRef>
+            <a:effectRef idx="0">
+              <a:schemeClr val="accent1"/>
+            </a:effectRef>
+            <a:fontRef idx="minor">
+              <a:schemeClr val="lt1"/>
+            </a:fontRef>
+          </p:style>
+          <p:txBody>
+            <a:bodyPr rtlCol="0" anchor="ctr"/>
+            <a:lstStyle/>
+            <a:p>
+              <a:pPr algn="ctr"/>
+              <a:endParaRPr lang="en-GB"/>
+            </a:p>
+          </p:txBody>
+        </p:sp>
+        <p:grpSp>
+          <p:nvGrpSpPr>
+            <p:cNvPr id="128" name="Group 127">
+              <a:extLst>
+                <a:ext uri="{FF2B5EF4-FFF2-40B4-BE49-F238E27FC236}">
+                  <a16:creationId xmlns:a16="http://schemas.microsoft.com/office/drawing/2014/main" id="{8F9C6999-C79E-4AA4-A7B8-ACE8F7377814}"/>
+                </a:ext>
+              </a:extLst>
+            </p:cNvPr>
+            <p:cNvGrpSpPr/>
+            <p:nvPr/>
+          </p:nvGrpSpPr>
+          <p:grpSpPr>
+            <a:xfrm>
+              <a:off x="5190808" y="1979448"/>
+              <a:ext cx="2726961" cy="975386"/>
+              <a:chOff x="4384284" y="3144771"/>
+              <a:chExt cx="2726961" cy="975386"/>
+            </a:xfrm>
+          </p:grpSpPr>
+          <p:sp>
+            <p:nvSpPr>
+              <p:cNvPr id="129" name="TextBox 128">
+                <a:extLst>
+                  <a:ext uri="{FF2B5EF4-FFF2-40B4-BE49-F238E27FC236}">
+                    <a16:creationId xmlns:a16="http://schemas.microsoft.com/office/drawing/2014/main" id="{DCD639B9-E542-48BE-A52A-EC5FA40443B7}"/>
+                  </a:ext>
+                </a:extLst>
+              </p:cNvPr>
+              <p:cNvSpPr txBox="1"/>
+              <p:nvPr/>
+            </p:nvSpPr>
+            <p:spPr>
+              <a:xfrm>
+                <a:off x="4426845" y="3144771"/>
+                <a:ext cx="2684400" cy="469954"/>
+              </a:xfrm>
+              <a:prstGeom prst="rect">
+                <a:avLst/>
+              </a:prstGeom>
+              <a:noFill/>
+            </p:spPr>
+            <p:txBody>
+              <a:bodyPr wrap="square" rtlCol="0">
+                <a:spAutoFit/>
+              </a:bodyPr>
+              <a:lstStyle/>
+              <a:p>
+                <a:pPr algn="ctr"/>
+                <a:r>
+                  <a:rPr lang="en-GB" sz="1200" b="1" dirty="0" err="1">
+                    <a:solidFill>
+                      <a:schemeClr val="accent2">
+                        <a:lumMod val="50000"/>
+                      </a:schemeClr>
+                    </a:solidFill>
+                  </a:rPr>
+                  <a:t>collate_accession_numbers</a:t>
+                </a:r>
+                <a:r>
+                  <a:rPr lang="en-GB" sz="1200" b="1" dirty="0">
+                    <a:solidFill>
+                      <a:schemeClr val="accent2">
+                        <a:lumMod val="50000"/>
+                      </a:schemeClr>
+                    </a:solidFill>
+                  </a:rPr>
+                  <a:t>(</a:t>
+                </a:r>
+                <a:r>
+                  <a:rPr lang="en-GB" sz="1200" dirty="0" err="1">
+                    <a:solidFill>
+                      <a:schemeClr val="accent2">
+                        <a:lumMod val="50000"/>
+                      </a:schemeClr>
+                    </a:solidFill>
+                  </a:rPr>
+                  <a:t>species_table</a:t>
+                </a:r>
+                <a:r>
+                  <a:rPr lang="en-GB" sz="1200" b="1" dirty="0">
+                    <a:solidFill>
+                      <a:schemeClr val="accent2">
+                        <a:lumMod val="50000"/>
+                      </a:schemeClr>
+                    </a:solidFill>
+                  </a:rPr>
+                  <a:t>)</a:t>
+                </a:r>
+              </a:p>
+              <a:p>
+                <a:pPr algn="ctr"/>
+                <a:endParaRPr lang="en-GB" sz="1200" b="1" dirty="0">
+                  <a:solidFill>
+                    <a:schemeClr val="accent2">
+                      <a:lumMod val="50000"/>
+                    </a:schemeClr>
+                  </a:solidFill>
+                </a:endParaRPr>
+              </a:p>
+            </p:txBody>
+          </p:sp>
+          <p:sp>
+            <p:nvSpPr>
+              <p:cNvPr id="130" name="TextBox 129">
+                <a:extLst>
+                  <a:ext uri="{FF2B5EF4-FFF2-40B4-BE49-F238E27FC236}">
+                    <a16:creationId xmlns:a16="http://schemas.microsoft.com/office/drawing/2014/main" id="{538C4999-C1E1-487C-ADA1-B5DFCAA9AB06}"/>
+                  </a:ext>
+                </a:extLst>
+              </p:cNvPr>
+              <p:cNvSpPr txBox="1"/>
+              <p:nvPr/>
+            </p:nvSpPr>
+            <p:spPr>
+              <a:xfrm>
+                <a:off x="4384284" y="3336901"/>
+                <a:ext cx="2684400" cy="783256"/>
+              </a:xfrm>
+              <a:prstGeom prst="rect">
+                <a:avLst/>
+              </a:prstGeom>
+              <a:noFill/>
+              <a:ln>
+                <a:noFill/>
+              </a:ln>
+            </p:spPr>
+            <p:txBody>
+              <a:bodyPr wrap="square" rtlCol="0">
+                <a:spAutoFit/>
+              </a:bodyPr>
+              <a:lstStyle/>
+              <a:p>
+                <a:pPr algn="ctr"/>
+                <a:r>
+                  <a:rPr lang="en-GB" sz="1100" i="1" dirty="0">
+                    <a:solidFill>
+                      <a:schemeClr val="bg1">
+                        <a:lumMod val="50000"/>
+                      </a:schemeClr>
+                    </a:solidFill>
+                  </a:rPr>
+                  <a:t>Reads over taxonomy ID column. For each taxonomy ID in the </a:t>
+                </a:r>
+                <a:r>
+                  <a:rPr lang="en-GB" sz="1100" i="1" dirty="0" err="1">
+                    <a:solidFill>
+                      <a:schemeClr val="bg1">
+                        <a:lumMod val="50000"/>
+                      </a:schemeClr>
+                    </a:solidFill>
+                  </a:rPr>
+                  <a:t>dataframe</a:t>
+                </a:r>
+                <a:r>
+                  <a:rPr lang="en-GB" sz="1100" i="1" dirty="0">
+                    <a:solidFill>
+                      <a:schemeClr val="bg1">
+                        <a:lumMod val="50000"/>
+                      </a:schemeClr>
+                    </a:solidFill>
+                  </a:rPr>
+                  <a:t>, retrieves all associated NCBI Assembly IDs</a:t>
+                </a:r>
+              </a:p>
+              <a:p>
+                <a:pPr algn="ctr"/>
+                <a:r>
+                  <a:rPr lang="en-GB" sz="1100" i="1" dirty="0">
+                    <a:solidFill>
+                      <a:schemeClr val="bg1">
+                        <a:lumMod val="50000"/>
+                      </a:schemeClr>
+                    </a:solidFill>
+                  </a:rPr>
+                  <a:t>Add fourth column to </a:t>
+                </a:r>
+                <a:r>
+                  <a:rPr lang="en-GB" sz="1100" i="1" dirty="0" err="1">
+                    <a:solidFill>
+                      <a:schemeClr val="bg1">
+                        <a:lumMod val="50000"/>
+                      </a:schemeClr>
+                    </a:solidFill>
+                  </a:rPr>
+                  <a:t>dataframe</a:t>
+                </a:r>
+                <a:r>
+                  <a:rPr lang="en-GB" sz="1100" i="1" dirty="0">
+                    <a:solidFill>
+                      <a:schemeClr val="bg1">
+                        <a:lumMod val="50000"/>
+                      </a:schemeClr>
+                    </a:solidFill>
+                  </a:rPr>
+                  <a:t> containing pulled down accession numbers</a:t>
+                </a:r>
+                <a:endParaRPr lang="en-GB" sz="1050" i="1" dirty="0">
+                  <a:solidFill>
+                    <a:schemeClr val="bg1">
+                      <a:lumMod val="50000"/>
+                    </a:schemeClr>
+                  </a:solidFill>
+                </a:endParaRPr>
+              </a:p>
+            </p:txBody>
+          </p:sp>
+        </p:grpSp>
+      </p:grpSp>
+      <p:sp>
+        <p:nvSpPr>
+          <p:cNvPr id="39" name="Arrow: Right 38">
+            <a:extLst>
+              <a:ext uri="{FF2B5EF4-FFF2-40B4-BE49-F238E27FC236}">
+                <a16:creationId xmlns:a16="http://schemas.microsoft.com/office/drawing/2014/main" id="{7B9B4019-554A-4E1B-A5DF-AAD2E00AE062}"/>
+              </a:ext>
+            </a:extLst>
+          </p:cNvPr>
+          <p:cNvSpPr/>
+          <p:nvPr/>
+        </p:nvSpPr>
+        <p:spPr>
+          <a:xfrm rot="5400000">
+            <a:off x="2885559" y="5756344"/>
+            <a:ext cx="360263" cy="147605"/>
+          </a:xfrm>
+          <a:prstGeom prst="rightArrow">
+            <a:avLst>
+              <a:gd name="adj1" fmla="val 50000"/>
+              <a:gd name="adj2" fmla="val 80652"/>
+            </a:avLst>
+          </a:prstGeom>
+          <a:solidFill>
+            <a:srgbClr val="C55A11"/>
+          </a:solidFill>
+          <a:ln>
+            <a:solidFill>
+              <a:srgbClr val="501E00"/>
+            </a:solidFill>
+          </a:ln>
+        </p:spPr>
+        <p:style>
+          <a:lnRef idx="2">
+            <a:schemeClr val="accent1">
+              <a:shade val="50000"/>
+            </a:schemeClr>
+          </a:lnRef>
+          <a:fillRef idx="1">
+            <a:schemeClr val="accent1"/>
+          </a:fillRef>
+          <a:effectRef idx="0">
+            <a:schemeClr val="accent1"/>
+          </a:effectRef>
+          <a:fontRef idx="minor">
+            <a:schemeClr val="lt1"/>
+          </a:fontRef>
+        </p:style>
+        <p:txBody>
+          <a:bodyPr rtlCol="0" anchor="ctr"/>
+          <a:lstStyle/>
+          <a:p>
+            <a:pPr algn="ctr"/>
+            <a:endParaRPr lang="en-GB"/>
+          </a:p>
+        </p:txBody>
+      </p:sp>
+      <p:sp>
+        <p:nvSpPr>
+          <p:cNvPr id="40" name="Arrow: Right 39">
+            <a:extLst>
+              <a:ext uri="{FF2B5EF4-FFF2-40B4-BE49-F238E27FC236}">
+                <a16:creationId xmlns:a16="http://schemas.microsoft.com/office/drawing/2014/main" id="{BCEACA22-5B47-4DBF-A77C-BC7B8D577727}"/>
+              </a:ext>
+            </a:extLst>
+          </p:cNvPr>
+          <p:cNvSpPr/>
+          <p:nvPr/>
+        </p:nvSpPr>
+        <p:spPr>
+          <a:xfrm rot="16200000">
+            <a:off x="4107101" y="5753044"/>
+            <a:ext cx="360263" cy="147605"/>
+          </a:xfrm>
+          <a:prstGeom prst="rightArrow">
+            <a:avLst>
+              <a:gd name="adj1" fmla="val 50000"/>
+              <a:gd name="adj2" fmla="val 80652"/>
+            </a:avLst>
+          </a:prstGeom>
+          <a:solidFill>
+            <a:srgbClr val="C55A11"/>
+          </a:solidFill>
+          <a:ln>
+            <a:solidFill>
+              <a:srgbClr val="501E00"/>
+            </a:solidFill>
+          </a:ln>
+        </p:spPr>
+        <p:style>
+          <a:lnRef idx="2">
+            <a:schemeClr val="accent1">
+              <a:shade val="50000"/>
+            </a:schemeClr>
+          </a:lnRef>
+          <a:fillRef idx="1">
+            <a:schemeClr val="accent1"/>
+          </a:fillRef>
+          <a:effectRef idx="0">
+            <a:schemeClr val="accent1"/>
+          </a:effectRef>
+          <a:fontRef idx="minor">
+            <a:schemeClr val="lt1"/>
+          </a:fontRef>
+        </p:style>
+        <p:txBody>
+          <a:bodyPr rtlCol="0" anchor="ctr"/>
+          <a:lstStyle/>
+          <a:p>
+            <a:pPr algn="ctr"/>
+            <a:endParaRPr lang="en-GB"/>
+          </a:p>
+        </p:txBody>
+      </p:sp>
+      <p:sp>
+        <p:nvSpPr>
+          <p:cNvPr id="37" name="Arrow: Right 36">
+            <a:extLst>
+              <a:ext uri="{FF2B5EF4-FFF2-40B4-BE49-F238E27FC236}">
+                <a16:creationId xmlns:a16="http://schemas.microsoft.com/office/drawing/2014/main" id="{2F2DFBFD-6310-43C4-8DEC-7078BEE9905C}"/>
+              </a:ext>
+            </a:extLst>
+          </p:cNvPr>
+          <p:cNvSpPr/>
+          <p:nvPr/>
+        </p:nvSpPr>
+        <p:spPr>
+          <a:xfrm>
+            <a:off x="5521323" y="6338456"/>
+            <a:ext cx="580523" cy="106186"/>
+          </a:xfrm>
+          <a:prstGeom prst="rightArrow">
+            <a:avLst>
+              <a:gd name="adj1" fmla="val 50000"/>
+              <a:gd name="adj2" fmla="val 80652"/>
+            </a:avLst>
+          </a:prstGeom>
+          <a:gradFill flip="none" rotWithShape="1">
+            <a:gsLst>
+              <a:gs pos="37000">
+                <a:srgbClr val="642800"/>
+              </a:gs>
+              <a:gs pos="100000">
+                <a:srgbClr val="C55A11"/>
+              </a:gs>
+            </a:gsLst>
+            <a:lin ang="0" scaled="1"/>
+            <a:tileRect/>
+          </a:gradFill>
+          <a:ln>
+            <a:solidFill>
+              <a:srgbClr val="501E00"/>
+            </a:solidFill>
+          </a:ln>
+        </p:spPr>
+        <p:style>
+          <a:lnRef idx="2">
+            <a:schemeClr val="accent1">
+              <a:shade val="50000"/>
+            </a:schemeClr>
+          </a:lnRef>
+          <a:fillRef idx="1">
+            <a:schemeClr val="accent1"/>
+          </a:fillRef>
+          <a:effectRef idx="0">
+            <a:schemeClr val="accent1"/>
+          </a:effectRef>
+          <a:fontRef idx="minor">
+            <a:schemeClr val="lt1"/>
+          </a:fontRef>
+        </p:style>
+        <p:txBody>
+          <a:bodyPr rtlCol="0" anchor="ctr"/>
+          <a:lstStyle/>
+          <a:p>
+            <a:pPr algn="ctr"/>
+            <a:endParaRPr lang="en-GB"/>
+          </a:p>
+        </p:txBody>
+      </p:sp>
+      <p:sp>
+        <p:nvSpPr>
+          <p:cNvPr id="38" name="Arrow: Right 37">
+            <a:extLst>
+              <a:ext uri="{FF2B5EF4-FFF2-40B4-BE49-F238E27FC236}">
+                <a16:creationId xmlns:a16="http://schemas.microsoft.com/office/drawing/2014/main" id="{3DDD2DA2-F74E-41AE-A880-1161D0F722F3}"/>
+              </a:ext>
+            </a:extLst>
+          </p:cNvPr>
+          <p:cNvSpPr/>
+          <p:nvPr/>
+        </p:nvSpPr>
+        <p:spPr>
+          <a:xfrm rot="10800000">
+            <a:off x="5521324" y="6483063"/>
+            <a:ext cx="546127" cy="106186"/>
+          </a:xfrm>
+          <a:prstGeom prst="rightArrow">
+            <a:avLst>
+              <a:gd name="adj1" fmla="val 50000"/>
+              <a:gd name="adj2" fmla="val 80652"/>
+            </a:avLst>
+          </a:prstGeom>
+          <a:gradFill flip="none" rotWithShape="1">
+            <a:gsLst>
+              <a:gs pos="37000">
+                <a:srgbClr val="642800"/>
+              </a:gs>
+              <a:gs pos="100000">
+                <a:srgbClr val="C55A11"/>
+              </a:gs>
+            </a:gsLst>
+            <a:lin ang="0" scaled="1"/>
+            <a:tileRect/>
+          </a:gradFill>
+          <a:ln>
+            <a:solidFill>
+              <a:srgbClr val="501E00"/>
+            </a:solidFill>
+          </a:ln>
+        </p:spPr>
+        <p:style>
+          <a:lnRef idx="2">
+            <a:schemeClr val="accent1">
+              <a:shade val="50000"/>
+            </a:schemeClr>
+          </a:lnRef>
+          <a:fillRef idx="1">
+            <a:schemeClr val="accent1"/>
+          </a:fillRef>
+          <a:effectRef idx="0">
+            <a:schemeClr val="accent1"/>
+          </a:effectRef>
+          <a:fontRef idx="minor">
+            <a:schemeClr val="lt1"/>
+          </a:fontRef>
+        </p:style>
+        <p:txBody>
+          <a:bodyPr rtlCol="0" anchor="ctr"/>
+          <a:lstStyle/>
+          <a:p>
+            <a:pPr algn="ctr"/>
+            <a:endParaRPr lang="en-GB"/>
+          </a:p>
+        </p:txBody>
+      </p:sp>
+      <p:cxnSp>
+        <p:nvCxnSpPr>
+          <p:cNvPr id="43" name="Straight Arrow Connector 42">
+            <a:extLst>
+              <a:ext uri="{FF2B5EF4-FFF2-40B4-BE49-F238E27FC236}">
+                <a16:creationId xmlns:a16="http://schemas.microsoft.com/office/drawing/2014/main" id="{4EB16082-D611-4E2D-8B50-62CC9132D693}"/>
+              </a:ext>
+            </a:extLst>
+          </p:cNvPr>
+          <p:cNvCxnSpPr>
+            <a:stCxn id="5" idx="2"/>
+            <a:endCxn id="34" idx="0"/>
+          </p:cNvCxnSpPr>
+          <p:nvPr/>
+        </p:nvCxnSpPr>
+        <p:spPr>
+          <a:xfrm>
+            <a:off x="1201962" y="1674520"/>
+            <a:ext cx="0" cy="2785972"/>
+          </a:xfrm>
+          <a:prstGeom prst="straightConnector1">
+            <a:avLst/>
+          </a:prstGeom>
+          <a:ln w="76200">
+            <a:prstDash val="sysDot"/>
+            <a:tailEnd type="triangle"/>
+          </a:ln>
+        </p:spPr>
+        <p:style>
+          <a:lnRef idx="1">
+            <a:schemeClr val="accent2"/>
+          </a:lnRef>
+          <a:fillRef idx="0">
+            <a:schemeClr val="accent2"/>
+          </a:fillRef>
+          <a:effectRef idx="0">
+            <a:schemeClr val="accent2"/>
+          </a:effectRef>
+          <a:fontRef idx="minor">
+            <a:schemeClr val="tx1"/>
+          </a:fontRef>
+        </p:style>
+      </p:cxnSp>
     </p:spTree>
     <p:extLst>
       <p:ext uri="{BB962C8B-B14F-4D97-AF65-F5344CB8AC3E}">
